--- a/session1/A2-ER_modeling-WaterUtility.pptx
+++ b/session1/A2-ER_modeling-WaterUtility.pptx
@@ -5,10 +5,10 @@
     <p:sldMasterId id="2147483654" r:id="rId1"/>
   </p:sldMasterIdLst>
   <p:notesMasterIdLst>
-    <p:notesMasterId r:id="rId29"/>
+    <p:notesMasterId r:id="rId16"/>
   </p:notesMasterIdLst>
   <p:handoutMasterIdLst>
-    <p:handoutMasterId r:id="rId30"/>
+    <p:handoutMasterId r:id="rId17"/>
   </p:handoutMasterIdLst>
   <p:sldIdLst>
     <p:sldId id="365" r:id="rId2"/>
@@ -25,19 +25,6 @@
     <p:sldId id="379" r:id="rId13"/>
     <p:sldId id="380" r:id="rId14"/>
     <p:sldId id="381" r:id="rId15"/>
-    <p:sldId id="413" r:id="rId16"/>
-    <p:sldId id="388" r:id="rId17"/>
-    <p:sldId id="389" r:id="rId18"/>
-    <p:sldId id="391" r:id="rId19"/>
-    <p:sldId id="392" r:id="rId20"/>
-    <p:sldId id="393" r:id="rId21"/>
-    <p:sldId id="394" r:id="rId22"/>
-    <p:sldId id="395" r:id="rId23"/>
-    <p:sldId id="397" r:id="rId24"/>
-    <p:sldId id="398" r:id="rId25"/>
-    <p:sldId id="399" r:id="rId26"/>
-    <p:sldId id="407" r:id="rId27"/>
-    <p:sldId id="406" r:id="rId28"/>
   </p:sldIdLst>
   <p:sldSz cx="9144000" cy="6858000" type="screen4x3"/>
   <p:notesSz cx="7010400" cy="9296400"/>
@@ -267,7 +254,7 @@
                 <a:ea typeface="Arial Unicode MS" panose="020B0604020202020204" pitchFamily="34" charset="-128"/>
                 <a:cs typeface="Arial Unicode MS" panose="020B0604020202020204" pitchFamily="34" charset="-128"/>
               </a:rPr>
-              <a:t>5/26/2019</a:t>
+              <a:t>5/19/2021</a:t>
             </a:fld>
             <a:endParaRPr lang="en-US" dirty="0">
               <a:latin typeface="Arial Unicode MS" panose="020B0604020202020204" pitchFamily="34" charset="-128"/>
@@ -804,67 +791,6 @@
 </p:notes>
 </file>
 
-<file path=ppt/notesSlides/notesSlide4.xml><?xml version="1.0" encoding="utf-8"?>
-<p:notes xmlns:a="http://schemas.openxmlformats.org/drawingml/2006/main" xmlns:r="http://schemas.openxmlformats.org/officeDocument/2006/relationships" xmlns:p="http://schemas.openxmlformats.org/presentationml/2006/main">
-  <p:cSld>
-    <p:spTree>
-      <p:nvGrpSpPr>
-        <p:cNvPr id="1" name=""/>
-        <p:cNvGrpSpPr/>
-        <p:nvPr/>
-      </p:nvGrpSpPr>
-      <p:grpSpPr>
-        <a:xfrm>
-          <a:off x="0" y="0"/>
-          <a:ext cx="0" cy="0"/>
-          <a:chOff x="0" y="0"/>
-          <a:chExt cx="0" cy="0"/>
-        </a:xfrm>
-      </p:grpSpPr>
-      <p:sp>
-        <p:nvSpPr>
-          <p:cNvPr id="2" name="Slide Image Placeholder 1"/>
-          <p:cNvSpPr>
-            <a:spLocks noGrp="1" noRot="1" noChangeAspect="1"/>
-          </p:cNvSpPr>
-          <p:nvPr>
-            <p:ph type="sldImg"/>
-          </p:nvPr>
-        </p:nvSpPr>
-        <p:spPr/>
-      </p:sp>
-      <p:sp>
-        <p:nvSpPr>
-          <p:cNvPr id="3" name="Notes Placeholder 2"/>
-          <p:cNvSpPr>
-            <a:spLocks noGrp="1"/>
-          </p:cNvSpPr>
-          <p:nvPr>
-            <p:ph type="body" idx="1"/>
-          </p:nvPr>
-        </p:nvSpPr>
-        <p:spPr/>
-        <p:txBody>
-          <a:bodyPr/>
-          <a:lstStyle/>
-          <a:p>
-            <a:endParaRPr lang="en-US" dirty="0"/>
-          </a:p>
-        </p:txBody>
-      </p:sp>
-    </p:spTree>
-    <p:extLst>
-      <p:ext uri="{BB962C8B-B14F-4D97-AF65-F5344CB8AC3E}">
-        <p14:creationId xmlns:p14="http://schemas.microsoft.com/office/powerpoint/2010/main" val="1636519286"/>
-      </p:ext>
-    </p:extLst>
-  </p:cSld>
-  <p:clrMapOvr>
-    <a:masterClrMapping/>
-  </p:clrMapOvr>
-</p:notes>
-</file>
-
 <file path=ppt/slideLayouts/slideLayout1.xml><?xml version="1.0" encoding="utf-8"?>
 <p:sldLayout xmlns:a="http://schemas.openxmlformats.org/drawingml/2006/main" xmlns:r="http://schemas.openxmlformats.org/officeDocument/2006/relationships" xmlns:p="http://schemas.openxmlformats.org/presentationml/2006/main" type="title" preserve="1">
   <p:cSld name="Title Slide">
@@ -994,7 +920,7 @@
           <a:p>
             <a:fld id="{E9385586-C094-4874-A3EB-1898CF456001}" type="datetimeFigureOut">
               <a:rPr lang="en-US" smtClean="0"/>
-              <a:t>5/26/2019</a:t>
+              <a:t>5/19/2021</a:t>
             </a:fld>
             <a:endParaRPr lang="en-US"/>
           </a:p>
@@ -1163,7 +1089,7 @@
           <a:p>
             <a:fld id="{E9385586-C094-4874-A3EB-1898CF456001}" type="datetimeFigureOut">
               <a:rPr lang="en-US" smtClean="0"/>
-              <a:t>5/26/2019</a:t>
+              <a:t>5/19/2021</a:t>
             </a:fld>
             <a:endParaRPr lang="en-US"/>
           </a:p>
@@ -1342,7 +1268,7 @@
           <a:p>
             <a:fld id="{E9385586-C094-4874-A3EB-1898CF456001}" type="datetimeFigureOut">
               <a:rPr lang="en-US" smtClean="0"/>
-              <a:t>5/26/2019</a:t>
+              <a:t>5/19/2021</a:t>
             </a:fld>
             <a:endParaRPr lang="en-US"/>
           </a:p>
@@ -1542,7 +1468,7 @@
           <a:p>
             <a:fld id="{E9385586-C094-4874-A3EB-1898CF456001}" type="datetimeFigureOut">
               <a:rPr lang="en-US" smtClean="0"/>
-              <a:t>5/26/2019</a:t>
+              <a:t>5/19/2021</a:t>
             </a:fld>
             <a:endParaRPr lang="en-US"/>
           </a:p>
@@ -1787,7 +1713,7 @@
           <a:p>
             <a:fld id="{E9385586-C094-4874-A3EB-1898CF456001}" type="datetimeFigureOut">
               <a:rPr lang="en-US" smtClean="0"/>
-              <a:t>5/26/2019</a:t>
+              <a:t>5/19/2021</a:t>
             </a:fld>
             <a:endParaRPr lang="en-US"/>
           </a:p>
@@ -2017,7 +1943,7 @@
           <a:p>
             <a:fld id="{E9385586-C094-4874-A3EB-1898CF456001}" type="datetimeFigureOut">
               <a:rPr lang="en-US" smtClean="0"/>
-              <a:t>5/26/2019</a:t>
+              <a:t>5/19/2021</a:t>
             </a:fld>
             <a:endParaRPr lang="en-US"/>
           </a:p>
@@ -2382,7 +2308,7 @@
           <a:p>
             <a:fld id="{E9385586-C094-4874-A3EB-1898CF456001}" type="datetimeFigureOut">
               <a:rPr lang="en-US" smtClean="0"/>
-              <a:t>5/26/2019</a:t>
+              <a:t>5/19/2021</a:t>
             </a:fld>
             <a:endParaRPr lang="en-US"/>
           </a:p>
@@ -2500,7 +2426,7 @@
           <a:p>
             <a:fld id="{E9385586-C094-4874-A3EB-1898CF456001}" type="datetimeFigureOut">
               <a:rPr lang="en-US" smtClean="0"/>
-              <a:t>5/26/2019</a:t>
+              <a:t>5/19/2021</a:t>
             </a:fld>
             <a:endParaRPr lang="en-US"/>
           </a:p>
@@ -2595,7 +2521,7 @@
           <a:p>
             <a:fld id="{E9385586-C094-4874-A3EB-1898CF456001}" type="datetimeFigureOut">
               <a:rPr lang="en-US" smtClean="0"/>
-              <a:t>5/26/2019</a:t>
+              <a:t>5/19/2021</a:t>
             </a:fld>
             <a:endParaRPr lang="en-US"/>
           </a:p>
@@ -2871,7 +2797,7 @@
           <a:p>
             <a:fld id="{E9385586-C094-4874-A3EB-1898CF456001}" type="datetimeFigureOut">
               <a:rPr lang="en-US" smtClean="0"/>
-              <a:t>5/26/2019</a:t>
+              <a:t>5/19/2021</a:t>
             </a:fld>
             <a:endParaRPr lang="en-US"/>
           </a:p>
@@ -3124,7 +3050,7 @@
           <a:p>
             <a:fld id="{E9385586-C094-4874-A3EB-1898CF456001}" type="datetimeFigureOut">
               <a:rPr lang="en-US" smtClean="0"/>
-              <a:t>5/26/2019</a:t>
+              <a:t>5/19/2021</a:t>
             </a:fld>
             <a:endParaRPr lang="en-US"/>
           </a:p>
@@ -3340,7 +3266,7 @@
             <a:fld id="{E9385586-C094-4874-A3EB-1898CF456001}" type="datetimeFigureOut">
               <a:rPr lang="en-US" smtClean="0"/>
               <a:pPr/>
-              <a:t>5/26/2019</a:t>
+              <a:t>5/19/2021</a:t>
             </a:fld>
             <a:endParaRPr lang="en-US" dirty="0"/>
           </a:p>
@@ -3772,7 +3698,7 @@
           </a:ln>
           <a:extLst>
             <a:ext uri="{C572A759-6A51-4108-AA02-DFA0A04FC94B}">
-              <ma14:wrappingTextBoxFlag xmlns:ma14="http://schemas.microsoft.com/office/mac/drawingml/2011/main" xmlns="" val="1"/>
+              <ma14:wrappingTextBoxFlag xmlns="" xmlns:ma14="http://schemas.microsoft.com/office/mac/drawingml/2011/main" val="1"/>
             </a:ext>
           </a:extLst>
         </p:spPr>
@@ -3981,7 +3907,7 @@
           </a:ln>
           <a:extLst>
             <a:ext uri="{C572A759-6A51-4108-AA02-DFA0A04FC94B}">
-              <ma14:wrappingTextBoxFlag xmlns="" xmlns:ma14="http://schemas.microsoft.com/office/mac/drawingml/2011/main" val="1"/>
+              <ma14:wrappingTextBoxFlag xmlns:ma14="http://schemas.microsoft.com/office/mac/drawingml/2011/main" xmlns="" val="1"/>
             </a:ext>
           </a:extLst>
         </p:spPr>
@@ -4076,7 +4002,7 @@
           </a:ln>
           <a:extLst>
             <a:ext uri="{C572A759-6A51-4108-AA02-DFA0A04FC94B}">
-              <ma14:wrappingTextBoxFlag xmlns="" xmlns:ma14="http://schemas.microsoft.com/office/mac/drawingml/2011/main" val="1"/>
+              <ma14:wrappingTextBoxFlag xmlns:ma14="http://schemas.microsoft.com/office/mac/drawingml/2011/main" xmlns="" val="1"/>
             </a:ext>
           </a:extLst>
         </p:spPr>
@@ -4288,7 +4214,7 @@
           </a:ln>
           <a:extLst>
             <a:ext uri="{C572A759-6A51-4108-AA02-DFA0A04FC94B}">
-              <ma14:wrappingTextBoxFlag xmlns="" xmlns:ma14="http://schemas.microsoft.com/office/mac/drawingml/2011/main" val="1"/>
+              <ma14:wrappingTextBoxFlag xmlns:ma14="http://schemas.microsoft.com/office/mac/drawingml/2011/main" xmlns="" val="1"/>
             </a:ext>
           </a:extLst>
         </p:spPr>
@@ -4354,7 +4280,7 @@
           </a:ln>
           <a:extLst>
             <a:ext uri="{C572A759-6A51-4108-AA02-DFA0A04FC94B}">
-              <ma14:wrappingTextBoxFlag xmlns="" xmlns:ma14="http://schemas.microsoft.com/office/mac/drawingml/2011/main" val="1"/>
+              <ma14:wrappingTextBoxFlag xmlns:ma14="http://schemas.microsoft.com/office/mac/drawingml/2011/main" xmlns="" val="1"/>
             </a:ext>
           </a:extLst>
         </p:spPr>
@@ -5361,7 +5287,7 @@
           </a:ln>
           <a:extLst>
             <a:ext uri="{C572A759-6A51-4108-AA02-DFA0A04FC94B}">
-              <ma14:wrappingTextBoxFlag xmlns="" xmlns:ma14="http://schemas.microsoft.com/office/mac/drawingml/2011/main" val="1"/>
+              <ma14:wrappingTextBoxFlag xmlns:ma14="http://schemas.microsoft.com/office/mac/drawingml/2011/main" xmlns="" val="1"/>
             </a:ext>
           </a:extLst>
         </p:spPr>
@@ -5488,7 +5414,7 @@
           </a:ln>
           <a:extLst>
             <a:ext uri="{C572A759-6A51-4108-AA02-DFA0A04FC94B}">
-              <ma14:wrappingTextBoxFlag xmlns="" xmlns:ma14="http://schemas.microsoft.com/office/mac/drawingml/2011/main" val="1"/>
+              <ma14:wrappingTextBoxFlag xmlns:ma14="http://schemas.microsoft.com/office/mac/drawingml/2011/main" xmlns="" val="1"/>
             </a:ext>
           </a:extLst>
         </p:spPr>
@@ -5554,7 +5480,7 @@
           </a:ln>
           <a:extLst>
             <a:ext uri="{C572A759-6A51-4108-AA02-DFA0A04FC94B}">
-              <ma14:wrappingTextBoxFlag xmlns="" xmlns:ma14="http://schemas.microsoft.com/office/mac/drawingml/2011/main" val="1"/>
+              <ma14:wrappingTextBoxFlag xmlns:ma14="http://schemas.microsoft.com/office/mac/drawingml/2011/main" xmlns="" val="1"/>
             </a:ext>
           </a:extLst>
         </p:spPr>
@@ -5858,7 +5784,7 @@
           </a:ln>
           <a:extLst>
             <a:ext uri="{C572A759-6A51-4108-AA02-DFA0A04FC94B}">
-              <ma14:wrappingTextBoxFlag xmlns="" xmlns:ma14="http://schemas.microsoft.com/office/mac/drawingml/2011/main" val="1"/>
+              <ma14:wrappingTextBoxFlag xmlns:ma14="http://schemas.microsoft.com/office/mac/drawingml/2011/main" xmlns="" val="1"/>
             </a:ext>
           </a:extLst>
         </p:spPr>
@@ -5924,7 +5850,7 @@
           </a:ln>
           <a:extLst>
             <a:ext uri="{C572A759-6A51-4108-AA02-DFA0A04FC94B}">
-              <ma14:wrappingTextBoxFlag xmlns="" xmlns:ma14="http://schemas.microsoft.com/office/mac/drawingml/2011/main" val="1"/>
+              <ma14:wrappingTextBoxFlag xmlns:ma14="http://schemas.microsoft.com/office/mac/drawingml/2011/main" xmlns="" val="1"/>
             </a:ext>
           </a:extLst>
         </p:spPr>
@@ -5985,9 +5911,7 @@
           <p:nvPr/>
         </p:nvPicPr>
         <p:blipFill>
-          <a:blip r:embed="rId3">
-            <a:extLst/>
-          </a:blip>
+          <a:blip r:embed="rId3"/>
           <a:stretch>
             <a:fillRect/>
           </a:stretch>
@@ -6009,2762 +5933,6 @@
     <p:extLst>
       <p:ext uri="{BB962C8B-B14F-4D97-AF65-F5344CB8AC3E}">
         <p14:creationId xmlns:p14="http://schemas.microsoft.com/office/powerpoint/2010/main" val="841380000"/>
-      </p:ext>
-    </p:extLst>
-  </p:cSld>
-  <p:clrMapOvr>
-    <a:masterClrMapping/>
-  </p:clrMapOvr>
-  <p:transition spd="med"/>
-</p:sld>
-</file>
-
-<file path=ppt/slides/slide15.xml><?xml version="1.0" encoding="utf-8"?>
-<p:sld xmlns:a="http://schemas.openxmlformats.org/drawingml/2006/main" xmlns:r="http://schemas.openxmlformats.org/officeDocument/2006/relationships" xmlns:p="http://schemas.openxmlformats.org/presentationml/2006/main">
-  <p:cSld>
-    <p:spTree>
-      <p:nvGrpSpPr>
-        <p:cNvPr id="1" name=""/>
-        <p:cNvGrpSpPr/>
-        <p:nvPr/>
-      </p:nvGrpSpPr>
-      <p:grpSpPr>
-        <a:xfrm>
-          <a:off x="0" y="0"/>
-          <a:ext cx="0" cy="0"/>
-          <a:chOff x="0" y="0"/>
-          <a:chExt cx="0" cy="0"/>
-        </a:xfrm>
-      </p:grpSpPr>
-      <p:sp>
-        <p:nvSpPr>
-          <p:cNvPr id="2" name="Title 1"/>
-          <p:cNvSpPr>
-            <a:spLocks noGrp="1"/>
-          </p:cNvSpPr>
-          <p:nvPr>
-            <p:ph type="ctrTitle"/>
-          </p:nvPr>
-        </p:nvSpPr>
-        <p:spPr>
-          <a:xfrm>
-            <a:off x="360217" y="1122363"/>
-            <a:ext cx="8548255" cy="2387600"/>
-          </a:xfrm>
-        </p:spPr>
-        <p:txBody>
-          <a:bodyPr/>
-          <a:lstStyle/>
-          <a:p>
-            <a:r>
-              <a:rPr lang="en-US" dirty="0">
-                <a:solidFill>
-                  <a:srgbClr val="57068C"/>
-                </a:solidFill>
-              </a:rPr>
-              <a:t>From ER diagrams to Tables</a:t>
-            </a:r>
-          </a:p>
-        </p:txBody>
-      </p:sp>
-    </p:spTree>
-    <p:extLst>
-      <p:ext uri="{BB962C8B-B14F-4D97-AF65-F5344CB8AC3E}">
-        <p14:creationId xmlns:p14="http://schemas.microsoft.com/office/powerpoint/2010/main" val="1757663466"/>
-      </p:ext>
-    </p:extLst>
-  </p:cSld>
-  <p:clrMapOvr>
-    <a:masterClrMapping/>
-  </p:clrMapOvr>
-</p:sld>
-</file>
-
-<file path=ppt/slides/slide16.xml><?xml version="1.0" encoding="utf-8"?>
-<p:sld xmlns:a="http://schemas.openxmlformats.org/drawingml/2006/main" xmlns:r="http://schemas.openxmlformats.org/officeDocument/2006/relationships" xmlns:p="http://schemas.openxmlformats.org/presentationml/2006/main">
-  <p:cSld>
-    <p:spTree>
-      <p:nvGrpSpPr>
-        <p:cNvPr id="1" name=""/>
-        <p:cNvGrpSpPr/>
-        <p:nvPr/>
-      </p:nvGrpSpPr>
-      <p:grpSpPr>
-        <a:xfrm>
-          <a:off x="0" y="0"/>
-          <a:ext cx="0" cy="0"/>
-          <a:chOff x="0" y="0"/>
-          <a:chExt cx="0" cy="0"/>
-        </a:xfrm>
-      </p:grpSpPr>
-      <p:sp>
-        <p:nvSpPr>
-          <p:cNvPr id="126" name="Shape 126"/>
-          <p:cNvSpPr/>
-          <p:nvPr/>
-        </p:nvSpPr>
-        <p:spPr>
-          <a:xfrm>
-            <a:off x="386308" y="147496"/>
-            <a:ext cx="7757379" cy="553998"/>
-          </a:xfrm>
-          <a:prstGeom prst="rect">
-            <a:avLst/>
-          </a:prstGeom>
-          <a:ln w="12700">
-            <a:miter lim="400000"/>
-          </a:ln>
-          <a:extLst>
-            <a:ext uri="{C572A759-6A51-4108-AA02-DFA0A04FC94B}">
-              <ma14:wrappingTextBoxFlag xmlns="" xmlns:ma14="http://schemas.microsoft.com/office/mac/drawingml/2011/main" val="1"/>
-            </a:ext>
-          </a:extLst>
-        </p:spPr>
-        <p:txBody>
-          <a:bodyPr lIns="45719" rIns="45719">
-            <a:spAutoFit/>
-          </a:bodyPr>
-          <a:lstStyle>
-            <a:lvl1pPr>
-              <a:defRPr sz="3000" b="1">
-                <a:uFill>
-                  <a:solidFill>
-                    <a:srgbClr val="FFFFFF"/>
-                  </a:solidFill>
-                </a:uFill>
-              </a:defRPr>
-            </a:lvl1pPr>
-          </a:lstStyle>
-          <a:p>
-            <a:pPr lvl="0">
-              <a:defRPr sz="1800" b="0">
-                <a:solidFill>
-                  <a:srgbClr val="000000"/>
-                </a:solidFill>
-                <a:uFillTx/>
-              </a:defRPr>
-            </a:pPr>
-            <a:r>
-              <a:rPr sz="3000" b="1" dirty="0">
-                <a:solidFill>
-                  <a:srgbClr val="57068C"/>
-                </a:solidFill>
-                <a:uFill>
-                  <a:solidFill>
-                    <a:srgbClr val="FFFFFF"/>
-                  </a:solidFill>
-                </a:uFill>
-                <a:latin typeface="Arial Unicode MS" panose="020B0604020202020204" pitchFamily="34" charset="-128"/>
-                <a:ea typeface="Arial Unicode MS" panose="020B0604020202020204" pitchFamily="34" charset="-128"/>
-                <a:cs typeface="Arial Unicode MS" panose="020B0604020202020204" pitchFamily="34" charset="-128"/>
-              </a:rPr>
-              <a:t>ER Diagram </a:t>
-            </a:r>
-            <a:r>
-              <a:rPr lang="en-US" sz="3000" b="1" dirty="0">
-                <a:solidFill>
-                  <a:srgbClr val="57068C"/>
-                </a:solidFill>
-                <a:uFill>
-                  <a:solidFill>
-                    <a:srgbClr val="FFFFFF"/>
-                  </a:solidFill>
-                </a:uFill>
-                <a:latin typeface="Arial Unicode MS" panose="020B0604020202020204" pitchFamily="34" charset="-128"/>
-                <a:ea typeface="Arial Unicode MS" panose="020B0604020202020204" pitchFamily="34" charset="-128"/>
-                <a:cs typeface="Arial Unicode MS" panose="020B0604020202020204" pitchFamily="34" charset="-128"/>
-                <a:sym typeface="Wingdings" panose="05000000000000000000" pitchFamily="2" charset="2"/>
-              </a:rPr>
-              <a:t></a:t>
-            </a:r>
-            <a:r>
-              <a:rPr sz="3000" b="1" dirty="0">
-                <a:solidFill>
-                  <a:srgbClr val="57068C"/>
-                </a:solidFill>
-                <a:uFill>
-                  <a:solidFill>
-                    <a:srgbClr val="FFFFFF"/>
-                  </a:solidFill>
-                </a:uFill>
-                <a:latin typeface="Arial Unicode MS" panose="020B0604020202020204" pitchFamily="34" charset="-128"/>
-                <a:ea typeface="Arial Unicode MS" panose="020B0604020202020204" pitchFamily="34" charset="-128"/>
-                <a:cs typeface="Arial Unicode MS" panose="020B0604020202020204" pitchFamily="34" charset="-128"/>
-              </a:rPr>
-              <a:t> Relational Model</a:t>
-            </a:r>
-          </a:p>
-        </p:txBody>
-      </p:sp>
-      <p:sp>
-        <p:nvSpPr>
-          <p:cNvPr id="127" name="Shape 127"/>
-          <p:cNvSpPr/>
-          <p:nvPr/>
-        </p:nvSpPr>
-        <p:spPr>
-          <a:xfrm>
-            <a:off x="469900" y="1282700"/>
-            <a:ext cx="7590195" cy="3767698"/>
-          </a:xfrm>
-          <a:prstGeom prst="rect">
-            <a:avLst/>
-          </a:prstGeom>
-          <a:ln w="12700">
-            <a:miter lim="400000"/>
-          </a:ln>
-          <a:extLst>
-            <a:ext uri="{C572A759-6A51-4108-AA02-DFA0A04FC94B}">
-              <ma14:wrappingTextBoxFlag xmlns="" xmlns:ma14="http://schemas.microsoft.com/office/mac/drawingml/2011/main" val="1"/>
-            </a:ext>
-          </a:extLst>
-        </p:spPr>
-        <p:txBody>
-          <a:bodyPr lIns="45719" rIns="45719">
-            <a:spAutoFit/>
-          </a:bodyPr>
-          <a:lstStyle/>
-          <a:p>
-            <a:pPr marL="296007" lvl="0" indent="-257907">
-              <a:spcBef>
-                <a:spcPts val="700"/>
-              </a:spcBef>
-              <a:buSzPct val="50000"/>
-              <a:buBlip>
-                <a:blip r:embed="rId2"/>
-              </a:buBlip>
-              <a:defRPr sz="1800">
-                <a:solidFill>
-                  <a:srgbClr val="000000"/>
-                </a:solidFill>
-                <a:uFillTx/>
-              </a:defRPr>
-            </a:pPr>
-            <a:r>
-              <a:rPr sz="2200" dirty="0">
-                <a:solidFill>
-                  <a:schemeClr val="tx1"/>
-                </a:solidFill>
-                <a:uFill>
-                  <a:solidFill/>
-                </a:uFill>
-                <a:latin typeface="Arial Unicode MS" panose="020B0604020202020204" pitchFamily="34" charset="-128"/>
-                <a:ea typeface="Arial Unicode MS" panose="020B0604020202020204" pitchFamily="34" charset="-128"/>
-                <a:cs typeface="Arial Unicode MS" panose="020B0604020202020204" pitchFamily="34" charset="-128"/>
-                <a:sym typeface="Iowan Old Style Roman"/>
-              </a:rPr>
-              <a:t>Step 0: Identify: </a:t>
-            </a:r>
-          </a:p>
-          <a:p>
-            <a:pPr marL="638907" lvl="1" indent="-257907">
-              <a:spcBef>
-                <a:spcPts val="700"/>
-              </a:spcBef>
-              <a:buSzPct val="100000"/>
-              <a:buChar char="•"/>
-              <a:defRPr sz="1800">
-                <a:solidFill>
-                  <a:srgbClr val="000000"/>
-                </a:solidFill>
-                <a:uFillTx/>
-              </a:defRPr>
-            </a:pPr>
-            <a:r>
-              <a:rPr sz="2200" dirty="0">
-                <a:solidFill>
-                  <a:schemeClr val="tx1"/>
-                </a:solidFill>
-                <a:uFill>
-                  <a:solidFill/>
-                </a:uFill>
-                <a:latin typeface="Arial Unicode MS" panose="020B0604020202020204" pitchFamily="34" charset="-128"/>
-                <a:ea typeface="Arial Unicode MS" panose="020B0604020202020204" pitchFamily="34" charset="-128"/>
-                <a:cs typeface="Arial Unicode MS" panose="020B0604020202020204" pitchFamily="34" charset="-128"/>
-                <a:sym typeface="Iowan Old Style Roman"/>
-              </a:rPr>
-              <a:t>Entities</a:t>
-            </a:r>
-          </a:p>
-          <a:p>
-            <a:pPr marL="638907" lvl="1" indent="-257907">
-              <a:spcBef>
-                <a:spcPts val="700"/>
-              </a:spcBef>
-              <a:buSzPct val="100000"/>
-              <a:buChar char="•"/>
-              <a:defRPr sz="1800">
-                <a:solidFill>
-                  <a:srgbClr val="000000"/>
-                </a:solidFill>
-                <a:uFillTx/>
-              </a:defRPr>
-            </a:pPr>
-            <a:r>
-              <a:rPr sz="2200" dirty="0">
-                <a:solidFill>
-                  <a:schemeClr val="tx1"/>
-                </a:solidFill>
-                <a:uFill>
-                  <a:solidFill/>
-                </a:uFill>
-                <a:latin typeface="Arial Unicode MS" panose="020B0604020202020204" pitchFamily="34" charset="-128"/>
-                <a:ea typeface="Arial Unicode MS" panose="020B0604020202020204" pitchFamily="34" charset="-128"/>
-                <a:cs typeface="Arial Unicode MS" panose="020B0604020202020204" pitchFamily="34" charset="-128"/>
-                <a:sym typeface="Iowan Old Style Roman"/>
-              </a:rPr>
-              <a:t>Relationships (many-to-many, one-to-many, one-to-one)</a:t>
-            </a:r>
-          </a:p>
-          <a:p>
-            <a:pPr marL="638907" lvl="1" indent="-257907">
-              <a:spcBef>
-                <a:spcPts val="700"/>
-              </a:spcBef>
-              <a:buSzPct val="100000"/>
-              <a:buChar char="•"/>
-              <a:defRPr sz="1800">
-                <a:solidFill>
-                  <a:srgbClr val="000000"/>
-                </a:solidFill>
-                <a:uFillTx/>
-              </a:defRPr>
-            </a:pPr>
-            <a:r>
-              <a:rPr sz="2200" dirty="0">
-                <a:solidFill>
-                  <a:schemeClr val="tx1"/>
-                </a:solidFill>
-                <a:uFill>
-                  <a:solidFill/>
-                </a:uFill>
-                <a:latin typeface="Arial Unicode MS" panose="020B0604020202020204" pitchFamily="34" charset="-128"/>
-                <a:ea typeface="Arial Unicode MS" panose="020B0604020202020204" pitchFamily="34" charset="-128"/>
-                <a:cs typeface="Arial Unicode MS" panose="020B0604020202020204" pitchFamily="34" charset="-128"/>
-                <a:sym typeface="Iowan Old Style Roman"/>
-              </a:rPr>
-              <a:t>Special attributes (primary key)</a:t>
-            </a:r>
-          </a:p>
-          <a:p>
-            <a:pPr marL="296007" lvl="0" indent="-257907">
-              <a:spcBef>
-                <a:spcPts val="700"/>
-              </a:spcBef>
-              <a:buSzPct val="50000"/>
-              <a:buBlip>
-                <a:blip r:embed="rId2"/>
-              </a:buBlip>
-              <a:defRPr sz="1800">
-                <a:solidFill>
-                  <a:srgbClr val="000000"/>
-                </a:solidFill>
-                <a:uFillTx/>
-              </a:defRPr>
-            </a:pPr>
-            <a:r>
-              <a:rPr sz="2200" dirty="0">
-                <a:solidFill>
-                  <a:schemeClr val="tx1"/>
-                </a:solidFill>
-                <a:uFill>
-                  <a:solidFill/>
-                </a:uFill>
-                <a:latin typeface="Arial Unicode MS" panose="020B0604020202020204" pitchFamily="34" charset="-128"/>
-                <a:ea typeface="Arial Unicode MS" panose="020B0604020202020204" pitchFamily="34" charset="-128"/>
-                <a:cs typeface="Arial Unicode MS" panose="020B0604020202020204" pitchFamily="34" charset="-128"/>
-                <a:sym typeface="Iowan Old Style Roman"/>
-              </a:rPr>
-              <a:t>Step 1: Entities</a:t>
-            </a:r>
-          </a:p>
-          <a:p>
-            <a:pPr marL="296007" lvl="0" indent="-257907">
-              <a:spcBef>
-                <a:spcPts val="700"/>
-              </a:spcBef>
-              <a:buSzPct val="50000"/>
-              <a:buBlip>
-                <a:blip r:embed="rId2"/>
-              </a:buBlip>
-              <a:defRPr sz="1800">
-                <a:solidFill>
-                  <a:srgbClr val="000000"/>
-                </a:solidFill>
-                <a:uFillTx/>
-              </a:defRPr>
-            </a:pPr>
-            <a:r>
-              <a:rPr sz="2200" dirty="0">
-                <a:solidFill>
-                  <a:schemeClr val="tx1"/>
-                </a:solidFill>
-                <a:uFill>
-                  <a:solidFill/>
-                </a:uFill>
-                <a:latin typeface="Arial Unicode MS" panose="020B0604020202020204" pitchFamily="34" charset="-128"/>
-                <a:ea typeface="Arial Unicode MS" panose="020B0604020202020204" pitchFamily="34" charset="-128"/>
-                <a:cs typeface="Arial Unicode MS" panose="020B0604020202020204" pitchFamily="34" charset="-128"/>
-                <a:sym typeface="Iowan Old Style Roman"/>
-              </a:rPr>
-              <a:t>Step 2: Many-to-many relationships</a:t>
-            </a:r>
-          </a:p>
-          <a:p>
-            <a:pPr marL="296007" lvl="0" indent="-257907">
-              <a:spcBef>
-                <a:spcPts val="700"/>
-              </a:spcBef>
-              <a:buSzPct val="50000"/>
-              <a:buBlip>
-                <a:blip r:embed="rId2"/>
-              </a:buBlip>
-              <a:defRPr sz="1800">
-                <a:solidFill>
-                  <a:srgbClr val="000000"/>
-                </a:solidFill>
-                <a:uFillTx/>
-              </a:defRPr>
-            </a:pPr>
-            <a:r>
-              <a:rPr sz="2200" dirty="0">
-                <a:solidFill>
-                  <a:schemeClr val="tx1"/>
-                </a:solidFill>
-                <a:uFill>
-                  <a:solidFill/>
-                </a:uFill>
-                <a:latin typeface="Arial Unicode MS" panose="020B0604020202020204" pitchFamily="34" charset="-128"/>
-                <a:ea typeface="Arial Unicode MS" panose="020B0604020202020204" pitchFamily="34" charset="-128"/>
-                <a:cs typeface="Arial Unicode MS" panose="020B0604020202020204" pitchFamily="34" charset="-128"/>
-                <a:sym typeface="Iowan Old Style Roman"/>
-              </a:rPr>
-              <a:t>Step 3: One-to-many relationships</a:t>
-            </a:r>
-          </a:p>
-          <a:p>
-            <a:pPr marL="296007" lvl="0" indent="-257907">
-              <a:spcBef>
-                <a:spcPts val="700"/>
-              </a:spcBef>
-              <a:buSzPct val="50000"/>
-              <a:buBlip>
-                <a:blip r:embed="rId2"/>
-              </a:buBlip>
-              <a:defRPr sz="1800">
-                <a:solidFill>
-                  <a:srgbClr val="000000"/>
-                </a:solidFill>
-                <a:uFillTx/>
-              </a:defRPr>
-            </a:pPr>
-            <a:r>
-              <a:rPr sz="2200" dirty="0">
-                <a:solidFill>
-                  <a:schemeClr val="tx1"/>
-                </a:solidFill>
-                <a:uFill>
-                  <a:solidFill/>
-                </a:uFill>
-                <a:latin typeface="Arial Unicode MS" panose="020B0604020202020204" pitchFamily="34" charset="-128"/>
-                <a:ea typeface="Arial Unicode MS" panose="020B0604020202020204" pitchFamily="34" charset="-128"/>
-                <a:cs typeface="Arial Unicode MS" panose="020B0604020202020204" pitchFamily="34" charset="-128"/>
-                <a:sym typeface="Iowan Old Style Roman"/>
-              </a:rPr>
-              <a:t>Step 4: One-to-one relationships</a:t>
-            </a:r>
-          </a:p>
-        </p:txBody>
-      </p:sp>
-    </p:spTree>
-    <p:extLst>
-      <p:ext uri="{BB962C8B-B14F-4D97-AF65-F5344CB8AC3E}">
-        <p14:creationId xmlns:p14="http://schemas.microsoft.com/office/powerpoint/2010/main" val="382182643"/>
-      </p:ext>
-    </p:extLst>
-  </p:cSld>
-  <p:clrMapOvr>
-    <a:masterClrMapping/>
-  </p:clrMapOvr>
-  <p:transition spd="med"/>
-</p:sld>
-</file>
-
-<file path=ppt/slides/slide17.xml><?xml version="1.0" encoding="utf-8"?>
-<p:sld xmlns:a="http://schemas.openxmlformats.org/drawingml/2006/main" xmlns:r="http://schemas.openxmlformats.org/officeDocument/2006/relationships" xmlns:p="http://schemas.openxmlformats.org/presentationml/2006/main">
-  <p:cSld>
-    <p:spTree>
-      <p:nvGrpSpPr>
-        <p:cNvPr id="1" name=""/>
-        <p:cNvGrpSpPr/>
-        <p:nvPr/>
-      </p:nvGrpSpPr>
-      <p:grpSpPr>
-        <a:xfrm>
-          <a:off x="0" y="0"/>
-          <a:ext cx="0" cy="0"/>
-          <a:chOff x="0" y="0"/>
-          <a:chExt cx="0" cy="0"/>
-        </a:xfrm>
-      </p:grpSpPr>
-      <p:sp>
-        <p:nvSpPr>
-          <p:cNvPr id="130" name="Shape 130"/>
-          <p:cNvSpPr/>
-          <p:nvPr/>
-        </p:nvSpPr>
-        <p:spPr>
-          <a:xfrm>
-            <a:off x="386308" y="147496"/>
-            <a:ext cx="7757379" cy="553998"/>
-          </a:xfrm>
-          <a:prstGeom prst="rect">
-            <a:avLst/>
-          </a:prstGeom>
-          <a:ln w="12700">
-            <a:miter lim="400000"/>
-          </a:ln>
-          <a:extLst>
-            <a:ext uri="{C572A759-6A51-4108-AA02-DFA0A04FC94B}">
-              <ma14:wrappingTextBoxFlag xmlns="" xmlns:ma14="http://schemas.microsoft.com/office/mac/drawingml/2011/main" val="1"/>
-            </a:ext>
-          </a:extLst>
-        </p:spPr>
-        <p:txBody>
-          <a:bodyPr lIns="45719" rIns="45719">
-            <a:spAutoFit/>
-          </a:bodyPr>
-          <a:lstStyle>
-            <a:lvl1pPr>
-              <a:defRPr sz="3000" b="1">
-                <a:uFill>
-                  <a:solidFill>
-                    <a:srgbClr val="FFFFFF"/>
-                  </a:solidFill>
-                </a:uFill>
-              </a:defRPr>
-            </a:lvl1pPr>
-          </a:lstStyle>
-          <a:p>
-            <a:pPr lvl="0">
-              <a:defRPr sz="1800" b="0">
-                <a:solidFill>
-                  <a:srgbClr val="000000"/>
-                </a:solidFill>
-                <a:uFillTx/>
-              </a:defRPr>
-            </a:pPr>
-            <a:r>
-              <a:rPr sz="3000" b="1" dirty="0">
-                <a:solidFill>
-                  <a:srgbClr val="57068C"/>
-                </a:solidFill>
-                <a:uFill>
-                  <a:solidFill>
-                    <a:srgbClr val="FFFFFF"/>
-                  </a:solidFill>
-                </a:uFill>
-                <a:latin typeface="Arial Unicode MS" panose="020B0604020202020204" pitchFamily="34" charset="-128"/>
-                <a:ea typeface="Arial Unicode MS" panose="020B0604020202020204" pitchFamily="34" charset="-128"/>
-                <a:cs typeface="Arial Unicode MS" panose="020B0604020202020204" pitchFamily="34" charset="-128"/>
-              </a:rPr>
-              <a:t>Example - Water Utility</a:t>
-            </a:r>
-          </a:p>
-        </p:txBody>
-      </p:sp>
-      <p:pic>
-        <p:nvPicPr>
-          <p:cNvPr id="2" name="Picture 1">
-            <a:extLst>
-              <a:ext uri="{FF2B5EF4-FFF2-40B4-BE49-F238E27FC236}">
-                <a16:creationId xmlns:a16="http://schemas.microsoft.com/office/drawing/2014/main" id="{FBAB0D1E-06BA-4C41-8DE7-B3062F031A93}"/>
-              </a:ext>
-            </a:extLst>
-          </p:cNvPr>
-          <p:cNvPicPr>
-            <a:picLocks noChangeAspect="1"/>
-          </p:cNvPicPr>
-          <p:nvPr/>
-        </p:nvPicPr>
-        <p:blipFill>
-          <a:blip r:embed="rId2"/>
-          <a:stretch>
-            <a:fillRect/>
-          </a:stretch>
-        </p:blipFill>
-        <p:spPr>
-          <a:xfrm>
-            <a:off x="1528635" y="946756"/>
-            <a:ext cx="6615052" cy="5763748"/>
-          </a:xfrm>
-          <a:prstGeom prst="rect">
-            <a:avLst/>
-          </a:prstGeom>
-        </p:spPr>
-      </p:pic>
-    </p:spTree>
-    <p:extLst>
-      <p:ext uri="{BB962C8B-B14F-4D97-AF65-F5344CB8AC3E}">
-        <p14:creationId xmlns:p14="http://schemas.microsoft.com/office/powerpoint/2010/main" val="688004149"/>
-      </p:ext>
-    </p:extLst>
-  </p:cSld>
-  <p:clrMapOvr>
-    <a:masterClrMapping/>
-  </p:clrMapOvr>
-  <p:transition spd="med"/>
-</p:sld>
-</file>
-
-<file path=ppt/slides/slide18.xml><?xml version="1.0" encoding="utf-8"?>
-<p:sld xmlns:a="http://schemas.openxmlformats.org/drawingml/2006/main" xmlns:r="http://schemas.openxmlformats.org/officeDocument/2006/relationships" xmlns:p="http://schemas.openxmlformats.org/presentationml/2006/main">
-  <p:cSld>
-    <p:spTree>
-      <p:nvGrpSpPr>
-        <p:cNvPr id="1" name=""/>
-        <p:cNvGrpSpPr/>
-        <p:nvPr/>
-      </p:nvGrpSpPr>
-      <p:grpSpPr>
-        <a:xfrm>
-          <a:off x="0" y="0"/>
-          <a:ext cx="0" cy="0"/>
-          <a:chOff x="0" y="0"/>
-          <a:chExt cx="0" cy="0"/>
-        </a:xfrm>
-      </p:grpSpPr>
-      <p:sp>
-        <p:nvSpPr>
-          <p:cNvPr id="138" name="Shape 138"/>
-          <p:cNvSpPr/>
-          <p:nvPr/>
-        </p:nvSpPr>
-        <p:spPr>
-          <a:xfrm>
-            <a:off x="386308" y="147496"/>
-            <a:ext cx="7757379" cy="553998"/>
-          </a:xfrm>
-          <a:prstGeom prst="rect">
-            <a:avLst/>
-          </a:prstGeom>
-          <a:ln w="12700">
-            <a:miter lim="400000"/>
-          </a:ln>
-          <a:extLst>
-            <a:ext uri="{C572A759-6A51-4108-AA02-DFA0A04FC94B}">
-              <ma14:wrappingTextBoxFlag xmlns="" xmlns:ma14="http://schemas.microsoft.com/office/mac/drawingml/2011/main" val="1"/>
-            </a:ext>
-          </a:extLst>
-        </p:spPr>
-        <p:txBody>
-          <a:bodyPr lIns="45719" rIns="45719">
-            <a:spAutoFit/>
-          </a:bodyPr>
-          <a:lstStyle>
-            <a:lvl1pPr>
-              <a:defRPr sz="3000" b="1">
-                <a:uFill>
-                  <a:solidFill>
-                    <a:srgbClr val="FFFFFF"/>
-                  </a:solidFill>
-                </a:uFill>
-              </a:defRPr>
-            </a:lvl1pPr>
-          </a:lstStyle>
-          <a:p>
-            <a:pPr lvl="0">
-              <a:defRPr sz="1800" b="0">
-                <a:solidFill>
-                  <a:srgbClr val="000000"/>
-                </a:solidFill>
-                <a:uFillTx/>
-              </a:defRPr>
-            </a:pPr>
-            <a:r>
-              <a:rPr lang="en-US" sz="3000" b="1" dirty="0">
-                <a:solidFill>
-                  <a:srgbClr val="57068C"/>
-                </a:solidFill>
-                <a:uFill>
-                  <a:solidFill>
-                    <a:srgbClr val="FFFFFF"/>
-                  </a:solidFill>
-                </a:uFill>
-                <a:latin typeface="Arial Unicode MS" panose="020B0604020202020204" pitchFamily="34" charset="-128"/>
-                <a:ea typeface="Arial Unicode MS" panose="020B0604020202020204" pitchFamily="34" charset="-128"/>
-                <a:cs typeface="Arial Unicode MS" panose="020B0604020202020204" pitchFamily="34" charset="-128"/>
-              </a:rPr>
-              <a:t>Step 0: </a:t>
-            </a:r>
-            <a:r>
-              <a:rPr sz="3000" b="1" dirty="0">
-                <a:solidFill>
-                  <a:srgbClr val="57068C"/>
-                </a:solidFill>
-                <a:uFill>
-                  <a:solidFill>
-                    <a:srgbClr val="FFFFFF"/>
-                  </a:solidFill>
-                </a:uFill>
-                <a:latin typeface="Arial Unicode MS" panose="020B0604020202020204" pitchFamily="34" charset="-128"/>
-                <a:ea typeface="Arial Unicode MS" panose="020B0604020202020204" pitchFamily="34" charset="-128"/>
-                <a:cs typeface="Arial Unicode MS" panose="020B0604020202020204" pitchFamily="34" charset="-128"/>
-              </a:rPr>
-              <a:t>Entities map to Tables</a:t>
-            </a:r>
-          </a:p>
-        </p:txBody>
-      </p:sp>
-      <p:sp>
-        <p:nvSpPr>
-          <p:cNvPr id="139" name="Shape 139"/>
-          <p:cNvSpPr/>
-          <p:nvPr/>
-        </p:nvSpPr>
-        <p:spPr>
-          <a:xfrm>
-            <a:off x="469899" y="2133687"/>
-            <a:ext cx="7590196" cy="2362185"/>
-          </a:xfrm>
-          <a:prstGeom prst="rect">
-            <a:avLst/>
-          </a:prstGeom>
-          <a:ln w="12700">
-            <a:miter lim="400000"/>
-          </a:ln>
-          <a:extLst>
-            <a:ext uri="{C572A759-6A51-4108-AA02-DFA0A04FC94B}">
-              <ma14:wrappingTextBoxFlag xmlns="" xmlns:ma14="http://schemas.microsoft.com/office/mac/drawingml/2011/main" val="1"/>
-            </a:ext>
-          </a:extLst>
-        </p:spPr>
-        <p:txBody>
-          <a:bodyPr lIns="45719" rIns="45719">
-            <a:spAutoFit/>
-          </a:bodyPr>
-          <a:lstStyle/>
-          <a:p>
-            <a:pPr marL="342900" lvl="0" indent="-304800">
-              <a:spcBef>
-                <a:spcPts val="700"/>
-              </a:spcBef>
-              <a:buSzPct val="50000"/>
-              <a:buBlip>
-                <a:blip r:embed="rId2"/>
-              </a:buBlip>
-              <a:defRPr sz="1800">
-                <a:solidFill>
-                  <a:srgbClr val="000000"/>
-                </a:solidFill>
-                <a:uFillTx/>
-              </a:defRPr>
-            </a:pPr>
-            <a:r>
-              <a:rPr sz="2600" dirty="0">
-                <a:solidFill>
-                  <a:schemeClr val="tx1"/>
-                </a:solidFill>
-                <a:uFill>
-                  <a:solidFill/>
-                </a:uFill>
-                <a:latin typeface="Arial Unicode MS" panose="020B0604020202020204" pitchFamily="34" charset="-128"/>
-                <a:ea typeface="Arial Unicode MS" panose="020B0604020202020204" pitchFamily="34" charset="-128"/>
-                <a:cs typeface="Arial Unicode MS" panose="020B0604020202020204" pitchFamily="34" charset="-128"/>
-                <a:sym typeface="Iowan Old Style Roman"/>
-              </a:rPr>
-              <a:t>Each entity maps to a table</a:t>
-            </a:r>
-          </a:p>
-          <a:p>
-            <a:pPr marL="342900" lvl="0" indent="-304800">
-              <a:spcBef>
-                <a:spcPts val="700"/>
-              </a:spcBef>
-              <a:buSzPct val="50000"/>
-              <a:buBlip>
-                <a:blip r:embed="rId2"/>
-              </a:buBlip>
-              <a:defRPr sz="1800">
-                <a:solidFill>
-                  <a:srgbClr val="000000"/>
-                </a:solidFill>
-                <a:uFillTx/>
-              </a:defRPr>
-            </a:pPr>
-            <a:r>
-              <a:rPr sz="2600" dirty="0">
-                <a:solidFill>
-                  <a:schemeClr val="tx1"/>
-                </a:solidFill>
-                <a:uFill>
-                  <a:solidFill/>
-                </a:uFill>
-                <a:latin typeface="Arial Unicode MS" panose="020B0604020202020204" pitchFamily="34" charset="-128"/>
-                <a:ea typeface="Arial Unicode MS" panose="020B0604020202020204" pitchFamily="34" charset="-128"/>
-                <a:cs typeface="Arial Unicode MS" panose="020B0604020202020204" pitchFamily="34" charset="-128"/>
-                <a:sym typeface="Iowan Old Style Roman"/>
-              </a:rPr>
-              <a:t>Each attribute maps to a column in the table</a:t>
-            </a:r>
-          </a:p>
-          <a:p>
-            <a:pPr marL="342900" lvl="0" indent="-304800">
-              <a:spcBef>
-                <a:spcPts val="700"/>
-              </a:spcBef>
-              <a:buSzPct val="50000"/>
-              <a:buBlip>
-                <a:blip r:embed="rId2"/>
-              </a:buBlip>
-              <a:defRPr sz="1800">
-                <a:solidFill>
-                  <a:srgbClr val="000000"/>
-                </a:solidFill>
-                <a:uFillTx/>
-              </a:defRPr>
-            </a:pPr>
-            <a:r>
-              <a:rPr sz="2600" dirty="0">
-                <a:solidFill>
-                  <a:schemeClr val="tx1"/>
-                </a:solidFill>
-                <a:uFill>
-                  <a:solidFill/>
-                </a:uFill>
-                <a:latin typeface="Arial Unicode MS" panose="020B0604020202020204" pitchFamily="34" charset="-128"/>
-                <a:ea typeface="Arial Unicode MS" panose="020B0604020202020204" pitchFamily="34" charset="-128"/>
-                <a:cs typeface="Arial Unicode MS" panose="020B0604020202020204" pitchFamily="34" charset="-128"/>
-                <a:sym typeface="Iowan Old Style Roman"/>
-              </a:rPr>
-              <a:t>The primary key of the entity maps to the primary key of the table</a:t>
-            </a:r>
-          </a:p>
-          <a:p>
-            <a:pPr marL="342900" lvl="0" indent="-304800">
-              <a:spcBef>
-                <a:spcPts val="700"/>
-              </a:spcBef>
-              <a:buSzPct val="50000"/>
-              <a:buBlip>
-                <a:blip r:embed="rId2"/>
-              </a:buBlip>
-              <a:defRPr sz="1800">
-                <a:solidFill>
-                  <a:srgbClr val="000000"/>
-                </a:solidFill>
-                <a:uFillTx/>
-              </a:defRPr>
-            </a:pPr>
-            <a:r>
-              <a:rPr sz="2600" dirty="0">
-                <a:solidFill>
-                  <a:schemeClr val="tx1"/>
-                </a:solidFill>
-                <a:uFill>
-                  <a:solidFill/>
-                </a:uFill>
-                <a:latin typeface="Arial Unicode MS" panose="020B0604020202020204" pitchFamily="34" charset="-128"/>
-                <a:ea typeface="Arial Unicode MS" panose="020B0604020202020204" pitchFamily="34" charset="-128"/>
-                <a:cs typeface="Arial Unicode MS" panose="020B0604020202020204" pitchFamily="34" charset="-128"/>
-                <a:sym typeface="Iowan Old Style Roman"/>
-              </a:rPr>
-              <a:t>Primary keys are </a:t>
-            </a:r>
-            <a:r>
-              <a:rPr sz="2600" u="sng" dirty="0">
-                <a:solidFill>
-                  <a:schemeClr val="tx1"/>
-                </a:solidFill>
-                <a:uFill>
-                  <a:solidFill/>
-                </a:uFill>
-                <a:latin typeface="Arial Unicode MS" panose="020B0604020202020204" pitchFamily="34" charset="-128"/>
-                <a:ea typeface="Arial Unicode MS" panose="020B0604020202020204" pitchFamily="34" charset="-128"/>
-                <a:cs typeface="Arial Unicode MS" panose="020B0604020202020204" pitchFamily="34" charset="-128"/>
-                <a:sym typeface="Iowan Old Style Roman"/>
-              </a:rPr>
-              <a:t>underlined</a:t>
-            </a:r>
-          </a:p>
-        </p:txBody>
-      </p:sp>
-    </p:spTree>
-    <p:extLst>
-      <p:ext uri="{BB962C8B-B14F-4D97-AF65-F5344CB8AC3E}">
-        <p14:creationId xmlns:p14="http://schemas.microsoft.com/office/powerpoint/2010/main" val="2107593116"/>
-      </p:ext>
-    </p:extLst>
-  </p:cSld>
-  <p:clrMapOvr>
-    <a:masterClrMapping/>
-  </p:clrMapOvr>
-  <p:transition spd="med"/>
-</p:sld>
-</file>
-
-<file path=ppt/slides/slide19.xml><?xml version="1.0" encoding="utf-8"?>
-<p:sld xmlns:a="http://schemas.openxmlformats.org/drawingml/2006/main" xmlns:r="http://schemas.openxmlformats.org/officeDocument/2006/relationships" xmlns:p="http://schemas.openxmlformats.org/presentationml/2006/main">
-  <p:cSld>
-    <p:spTree>
-      <p:nvGrpSpPr>
-        <p:cNvPr id="1" name=""/>
-        <p:cNvGrpSpPr/>
-        <p:nvPr/>
-      </p:nvGrpSpPr>
-      <p:grpSpPr>
-        <a:xfrm>
-          <a:off x="0" y="0"/>
-          <a:ext cx="0" cy="0"/>
-          <a:chOff x="0" y="0"/>
-          <a:chExt cx="0" cy="0"/>
-        </a:xfrm>
-      </p:grpSpPr>
-      <p:pic>
-        <p:nvPicPr>
-          <p:cNvPr id="2" name="Picture 1">
-            <a:extLst>
-              <a:ext uri="{FF2B5EF4-FFF2-40B4-BE49-F238E27FC236}">
-                <a16:creationId xmlns:a16="http://schemas.microsoft.com/office/drawing/2014/main" id="{7AF882D1-B946-4F74-BE29-586EED26B274}"/>
-              </a:ext>
-            </a:extLst>
-          </p:cNvPr>
-          <p:cNvPicPr>
-            <a:picLocks noChangeAspect="1"/>
-          </p:cNvPicPr>
-          <p:nvPr/>
-        </p:nvPicPr>
-        <p:blipFill>
-          <a:blip r:embed="rId2"/>
-          <a:stretch>
-            <a:fillRect/>
-          </a:stretch>
-        </p:blipFill>
-        <p:spPr>
-          <a:xfrm>
-            <a:off x="4648075" y="679732"/>
-            <a:ext cx="2282398" cy="2157449"/>
-          </a:xfrm>
-          <a:prstGeom prst="rect">
-            <a:avLst/>
-          </a:prstGeom>
-        </p:spPr>
-      </p:pic>
-      <p:sp>
-        <p:nvSpPr>
-          <p:cNvPr id="142" name="Shape 142"/>
-          <p:cNvSpPr/>
-          <p:nvPr/>
-        </p:nvSpPr>
-        <p:spPr>
-          <a:xfrm>
-            <a:off x="386308" y="147496"/>
-            <a:ext cx="7757379" cy="553998"/>
-          </a:xfrm>
-          <a:prstGeom prst="rect">
-            <a:avLst/>
-          </a:prstGeom>
-          <a:ln w="12700">
-            <a:miter lim="400000"/>
-          </a:ln>
-          <a:extLst>
-            <a:ext uri="{C572A759-6A51-4108-AA02-DFA0A04FC94B}">
-              <ma14:wrappingTextBoxFlag xmlns="" xmlns:ma14="http://schemas.microsoft.com/office/mac/drawingml/2011/main" val="1"/>
-            </a:ext>
-          </a:extLst>
-        </p:spPr>
-        <p:txBody>
-          <a:bodyPr lIns="45719" rIns="45719">
-            <a:spAutoFit/>
-          </a:bodyPr>
-          <a:lstStyle>
-            <a:lvl1pPr>
-              <a:defRPr sz="3000" b="1">
-                <a:uFill>
-                  <a:solidFill>
-                    <a:srgbClr val="FFFFFF"/>
-                  </a:solidFill>
-                </a:uFill>
-              </a:defRPr>
-            </a:lvl1pPr>
-          </a:lstStyle>
-          <a:p>
-            <a:pPr lvl="0">
-              <a:defRPr sz="1800" b="0">
-                <a:solidFill>
-                  <a:srgbClr val="000000"/>
-                </a:solidFill>
-                <a:uFillTx/>
-              </a:defRPr>
-            </a:pPr>
-            <a:r>
-              <a:rPr sz="3000" b="1" dirty="0">
-                <a:solidFill>
-                  <a:srgbClr val="57068C"/>
-                </a:solidFill>
-                <a:uFill>
-                  <a:solidFill>
-                    <a:srgbClr val="FFFFFF"/>
-                  </a:solidFill>
-                </a:uFill>
-                <a:latin typeface="Arial Unicode MS" panose="020B0604020202020204" pitchFamily="34" charset="-128"/>
-                <a:ea typeface="Arial Unicode MS" panose="020B0604020202020204" pitchFamily="34" charset="-128"/>
-                <a:cs typeface="Arial Unicode MS" panose="020B0604020202020204" pitchFamily="34" charset="-128"/>
-              </a:rPr>
-              <a:t>Step 1: Water Utility Entities</a:t>
-            </a:r>
-          </a:p>
-        </p:txBody>
-      </p:sp>
-      <p:sp>
-        <p:nvSpPr>
-          <p:cNvPr id="143" name="Shape 143"/>
-          <p:cNvSpPr/>
-          <p:nvPr/>
-        </p:nvSpPr>
-        <p:spPr>
-          <a:xfrm>
-            <a:off x="457200" y="2070100"/>
-            <a:ext cx="2637195" cy="2831544"/>
-          </a:xfrm>
-          <a:prstGeom prst="rect">
-            <a:avLst/>
-          </a:prstGeom>
-          <a:ln w="12700">
-            <a:miter lim="400000"/>
-          </a:ln>
-          <a:extLst>
-            <a:ext uri="{C572A759-6A51-4108-AA02-DFA0A04FC94B}">
-              <ma14:wrappingTextBoxFlag xmlns="" xmlns:ma14="http://schemas.microsoft.com/office/mac/drawingml/2011/main" val="1"/>
-            </a:ext>
-          </a:extLst>
-        </p:spPr>
-        <p:txBody>
-          <a:bodyPr lIns="45719" rIns="45719">
-            <a:spAutoFit/>
-          </a:bodyPr>
-          <a:lstStyle/>
-          <a:p>
-            <a:pPr lvl="0">
-              <a:spcBef>
-                <a:spcPts val="700"/>
-              </a:spcBef>
-              <a:defRPr sz="1800">
-                <a:solidFill>
-                  <a:srgbClr val="000000"/>
-                </a:solidFill>
-                <a:uFillTx/>
-              </a:defRPr>
-            </a:pPr>
-            <a:endParaRPr sz="1900" dirty="0">
-              <a:solidFill>
-                <a:schemeClr val="tx1"/>
-              </a:solidFill>
-              <a:uFill>
-                <a:solidFill/>
-              </a:uFill>
-              <a:latin typeface="Arial Unicode MS" panose="020B0604020202020204" pitchFamily="34" charset="-128"/>
-              <a:ea typeface="Arial Unicode MS" panose="020B0604020202020204" pitchFamily="34" charset="-128"/>
-              <a:cs typeface="Arial Unicode MS" panose="020B0604020202020204" pitchFamily="34" charset="-128"/>
-              <a:sym typeface="Iowan Old Style Roman"/>
-            </a:endParaRPr>
-          </a:p>
-          <a:p>
-            <a:pPr marL="378069" lvl="0" indent="-339969">
-              <a:spcBef>
-                <a:spcPts val="700"/>
-              </a:spcBef>
-              <a:buSzPct val="50000"/>
-              <a:buBlip>
-                <a:blip r:embed="rId3"/>
-              </a:buBlip>
-              <a:defRPr sz="1800">
-                <a:solidFill>
-                  <a:srgbClr val="000000"/>
-                </a:solidFill>
-                <a:uFillTx/>
-              </a:defRPr>
-            </a:pPr>
-            <a:r>
-              <a:rPr sz="2900" dirty="0">
-                <a:solidFill>
-                  <a:schemeClr val="tx1"/>
-                </a:solidFill>
-                <a:uFill>
-                  <a:solidFill/>
-                </a:uFill>
-                <a:latin typeface="Arial Unicode MS" panose="020B0604020202020204" pitchFamily="34" charset="-128"/>
-                <a:ea typeface="Arial Unicode MS" panose="020B0604020202020204" pitchFamily="34" charset="-128"/>
-                <a:cs typeface="Arial Unicode MS" panose="020B0604020202020204" pitchFamily="34" charset="-128"/>
-                <a:sym typeface="Iowan Old Style Roman"/>
-              </a:rPr>
-              <a:t>Rate</a:t>
-            </a:r>
-            <a:r>
-              <a:rPr sz="1900" dirty="0">
-                <a:solidFill>
-                  <a:schemeClr val="tx1"/>
-                </a:solidFill>
-                <a:uFill>
-                  <a:solidFill/>
-                </a:uFill>
-                <a:latin typeface="Arial Unicode MS" panose="020B0604020202020204" pitchFamily="34" charset="-128"/>
-                <a:ea typeface="Arial Unicode MS" panose="020B0604020202020204" pitchFamily="34" charset="-128"/>
-                <a:cs typeface="Arial Unicode MS" panose="020B0604020202020204" pitchFamily="34" charset="-128"/>
-                <a:sym typeface="Iowan Old Style Roman"/>
-              </a:rPr>
-              <a:t>  </a:t>
-            </a:r>
-          </a:p>
-          <a:p>
-            <a:pPr marL="260838" lvl="0" indent="-222738">
-              <a:spcBef>
-                <a:spcPts val="700"/>
-              </a:spcBef>
-              <a:buSzPct val="50000"/>
-              <a:buBlip>
-                <a:blip r:embed="rId3"/>
-              </a:buBlip>
-              <a:defRPr sz="1800">
-                <a:solidFill>
-                  <a:srgbClr val="000000"/>
-                </a:solidFill>
-                <a:uFillTx/>
-              </a:defRPr>
-            </a:pPr>
-            <a:r>
-              <a:rPr lang="en-US" sz="1900" dirty="0">
-                <a:solidFill>
-                  <a:schemeClr val="tx1"/>
-                </a:solidFill>
-                <a:uFill>
-                  <a:solidFill/>
-                </a:uFill>
-                <a:latin typeface="Arial Unicode MS" panose="020B0604020202020204" pitchFamily="34" charset="-128"/>
-                <a:ea typeface="Arial Unicode MS" panose="020B0604020202020204" pitchFamily="34" charset="-128"/>
-                <a:cs typeface="Arial Unicode MS" panose="020B0604020202020204" pitchFamily="34" charset="-128"/>
-                <a:sym typeface="Iowan Old Style Roman"/>
-              </a:rPr>
-              <a:t>Customer</a:t>
-            </a:r>
-            <a:endParaRPr sz="1900" dirty="0">
-              <a:solidFill>
-                <a:schemeClr val="tx1"/>
-              </a:solidFill>
-              <a:uFill>
-                <a:solidFill/>
-              </a:uFill>
-              <a:latin typeface="Arial Unicode MS" panose="020B0604020202020204" pitchFamily="34" charset="-128"/>
-              <a:ea typeface="Arial Unicode MS" panose="020B0604020202020204" pitchFamily="34" charset="-128"/>
-              <a:cs typeface="Arial Unicode MS" panose="020B0604020202020204" pitchFamily="34" charset="-128"/>
-              <a:sym typeface="Iowan Old Style Roman"/>
-            </a:endParaRPr>
-          </a:p>
-          <a:p>
-            <a:pPr marL="260838" lvl="0" indent="-222738">
-              <a:spcBef>
-                <a:spcPts val="700"/>
-              </a:spcBef>
-              <a:buSzPct val="50000"/>
-              <a:buBlip>
-                <a:blip r:embed="rId3"/>
-              </a:buBlip>
-              <a:defRPr sz="1800">
-                <a:solidFill>
-                  <a:srgbClr val="000000"/>
-                </a:solidFill>
-                <a:uFillTx/>
-              </a:defRPr>
-            </a:pPr>
-            <a:r>
-              <a:rPr sz="1900" dirty="0">
-                <a:solidFill>
-                  <a:schemeClr val="tx1"/>
-                </a:solidFill>
-                <a:uFill>
-                  <a:solidFill/>
-                </a:uFill>
-                <a:latin typeface="Arial Unicode MS" panose="020B0604020202020204" pitchFamily="34" charset="-128"/>
-                <a:ea typeface="Arial Unicode MS" panose="020B0604020202020204" pitchFamily="34" charset="-128"/>
-                <a:cs typeface="Arial Unicode MS" panose="020B0604020202020204" pitchFamily="34" charset="-128"/>
-                <a:sym typeface="Iowan Old Style Roman"/>
-              </a:rPr>
-              <a:t>Meter</a:t>
-            </a:r>
-          </a:p>
-          <a:p>
-            <a:pPr marL="260838" lvl="0" indent="-222738">
-              <a:spcBef>
-                <a:spcPts val="700"/>
-              </a:spcBef>
-              <a:buSzPct val="50000"/>
-              <a:buBlip>
-                <a:blip r:embed="rId3"/>
-              </a:buBlip>
-              <a:defRPr sz="1800">
-                <a:solidFill>
-                  <a:srgbClr val="000000"/>
-                </a:solidFill>
-                <a:uFillTx/>
-              </a:defRPr>
-            </a:pPr>
-            <a:r>
-              <a:rPr sz="1900" dirty="0">
-                <a:solidFill>
-                  <a:schemeClr val="tx1"/>
-                </a:solidFill>
-                <a:uFill>
-                  <a:solidFill/>
-                </a:uFill>
-                <a:latin typeface="Arial Unicode MS" panose="020B0604020202020204" pitchFamily="34" charset="-128"/>
-                <a:ea typeface="Arial Unicode MS" panose="020B0604020202020204" pitchFamily="34" charset="-128"/>
-                <a:cs typeface="Arial Unicode MS" panose="020B0604020202020204" pitchFamily="34" charset="-128"/>
-                <a:sym typeface="Iowan Old Style Roman"/>
-              </a:rPr>
-              <a:t>Reading</a:t>
-            </a:r>
-          </a:p>
-          <a:p>
-            <a:pPr marL="260838" lvl="0" indent="-222738">
-              <a:spcBef>
-                <a:spcPts val="700"/>
-              </a:spcBef>
-              <a:buSzPct val="50000"/>
-              <a:buBlip>
-                <a:blip r:embed="rId3"/>
-              </a:buBlip>
-              <a:defRPr sz="1800">
-                <a:solidFill>
-                  <a:srgbClr val="000000"/>
-                </a:solidFill>
-                <a:uFillTx/>
-              </a:defRPr>
-            </a:pPr>
-            <a:r>
-              <a:rPr sz="1900" dirty="0">
-                <a:solidFill>
-                  <a:schemeClr val="tx1"/>
-                </a:solidFill>
-                <a:uFill>
-                  <a:solidFill/>
-                </a:uFill>
-                <a:latin typeface="Arial Unicode MS" panose="020B0604020202020204" pitchFamily="34" charset="-128"/>
-                <a:ea typeface="Arial Unicode MS" panose="020B0604020202020204" pitchFamily="34" charset="-128"/>
-                <a:cs typeface="Arial Unicode MS" panose="020B0604020202020204" pitchFamily="34" charset="-128"/>
-                <a:sym typeface="Iowan Old Style Roman"/>
-              </a:rPr>
-              <a:t>Employee</a:t>
-            </a:r>
-          </a:p>
-          <a:p>
-            <a:pPr marL="260838" lvl="0" indent="-222738">
-              <a:spcBef>
-                <a:spcPts val="700"/>
-              </a:spcBef>
-              <a:buSzPct val="50000"/>
-              <a:buBlip>
-                <a:blip r:embed="rId3"/>
-              </a:buBlip>
-              <a:defRPr sz="1800">
-                <a:solidFill>
-                  <a:srgbClr val="000000"/>
-                </a:solidFill>
-                <a:uFillTx/>
-              </a:defRPr>
-            </a:pPr>
-            <a:r>
-              <a:rPr sz="1900" dirty="0">
-                <a:solidFill>
-                  <a:schemeClr val="tx1"/>
-                </a:solidFill>
-                <a:uFill>
-                  <a:solidFill/>
-                </a:uFill>
-                <a:latin typeface="Arial Unicode MS" panose="020B0604020202020204" pitchFamily="34" charset="-128"/>
-                <a:ea typeface="Arial Unicode MS" panose="020B0604020202020204" pitchFamily="34" charset="-128"/>
-                <a:cs typeface="Arial Unicode MS" panose="020B0604020202020204" pitchFamily="34" charset="-128"/>
-                <a:sym typeface="Iowan Old Style Roman"/>
-              </a:rPr>
-              <a:t>Bill</a:t>
-            </a:r>
-          </a:p>
-        </p:txBody>
-      </p:sp>
-      <p:graphicFrame>
-        <p:nvGraphicFramePr>
-          <p:cNvPr id="144" name="Table 144"/>
-          <p:cNvGraphicFramePr/>
-          <p:nvPr>
-            <p:extLst>
-              <p:ext uri="{D42A27DB-BD31-4B8C-83A1-F6EECF244321}">
-                <p14:modId xmlns:p14="http://schemas.microsoft.com/office/powerpoint/2010/main" val="2146524307"/>
-              </p:ext>
-            </p:extLst>
-          </p:nvPr>
-        </p:nvGraphicFramePr>
-        <p:xfrm>
-          <a:off x="3162302" y="3619462"/>
-          <a:ext cx="5492747" cy="2504249"/>
-        </p:xfrm>
-        <a:graphic>
-          <a:graphicData uri="http://schemas.openxmlformats.org/drawingml/2006/table">
-            <a:tbl>
-              <a:tblPr firstRow="1" bandRow="1">
-                <a:tableStyleId>{4C3C2611-4C71-4FC5-86AE-919BDF0F9419}</a:tableStyleId>
-              </a:tblPr>
-              <a:tblGrid>
-                <a:gridCol w="1023844">
-                  <a:extLst>
-                    <a:ext uri="{9D8B030D-6E8A-4147-A177-3AD203B41FA5}">
-                      <a16:colId xmlns:a16="http://schemas.microsoft.com/office/drawing/2014/main" val="20000"/>
-                    </a:ext>
-                  </a:extLst>
-                </a:gridCol>
-                <a:gridCol w="1023844">
-                  <a:extLst>
-                    <a:ext uri="{9D8B030D-6E8A-4147-A177-3AD203B41FA5}">
-                      <a16:colId xmlns:a16="http://schemas.microsoft.com/office/drawing/2014/main" val="20001"/>
-                    </a:ext>
-                  </a:extLst>
-                </a:gridCol>
-                <a:gridCol w="1148353">
-                  <a:extLst>
-                    <a:ext uri="{9D8B030D-6E8A-4147-A177-3AD203B41FA5}">
-                      <a16:colId xmlns:a16="http://schemas.microsoft.com/office/drawing/2014/main" val="20002"/>
-                    </a:ext>
-                  </a:extLst>
-                </a:gridCol>
-                <a:gridCol w="1148353">
-                  <a:extLst>
-                    <a:ext uri="{9D8B030D-6E8A-4147-A177-3AD203B41FA5}">
-                      <a16:colId xmlns:a16="http://schemas.microsoft.com/office/drawing/2014/main" val="20003"/>
-                    </a:ext>
-                  </a:extLst>
-                </a:gridCol>
-                <a:gridCol w="1148353">
-                  <a:extLst>
-                    <a:ext uri="{9D8B030D-6E8A-4147-A177-3AD203B41FA5}">
-                      <a16:colId xmlns:a16="http://schemas.microsoft.com/office/drawing/2014/main" val="20004"/>
-                    </a:ext>
-                  </a:extLst>
-                </a:gridCol>
-              </a:tblGrid>
-              <a:tr h="519685">
-                <a:tc>
-                  <a:txBody>
-                    <a:bodyPr/>
-                    <a:lstStyle/>
-                    <a:p>
-                      <a:pPr lvl="0" algn="l">
-                        <a:spcBef>
-                          <a:spcPts val="500"/>
-                        </a:spcBef>
-                        <a:defRPr sz="1800" b="0" i="0">
-                          <a:solidFill>
-                            <a:srgbClr val="000000"/>
-                          </a:solidFill>
-                          <a:uFillTx/>
-                        </a:defRPr>
-                      </a:pPr>
-                      <a:r>
-                        <a:rPr sz="1200" b="1" i="1" dirty="0" err="1">
-                          <a:solidFill>
-                            <a:srgbClr val="FFFFFF"/>
-                          </a:solidFill>
-                          <a:uFill>
-                            <a:solidFill>
-                              <a:srgbClr val="FFFFFF"/>
-                            </a:solidFill>
-                          </a:uFill>
-                          <a:latin typeface="Arial Unicode MS" panose="020B0604020202020204" pitchFamily="34" charset="-128"/>
-                        </a:rPr>
-                        <a:t>Rate_no</a:t>
-                      </a:r>
-                      <a:endParaRPr sz="1200" b="1" i="1" dirty="0">
-                        <a:solidFill>
-                          <a:srgbClr val="FFFFFF"/>
-                        </a:solidFill>
-                        <a:uFill>
-                          <a:solidFill>
-                            <a:srgbClr val="FFFFFF"/>
-                          </a:solidFill>
-                        </a:uFill>
-                        <a:latin typeface="Arial Unicode MS" panose="020B0604020202020204" pitchFamily="34" charset="-128"/>
-                      </a:endParaRPr>
-                    </a:p>
-                  </a:txBody>
-                  <a:tcPr marL="63500" marR="63500" marT="63500" marB="63500" horzOverflow="overflow">
-                    <a:lnL w="12700">
-                      <a:miter lim="400000"/>
-                    </a:lnL>
-                    <a:lnR w="12700">
-                      <a:miter lim="400000"/>
-                    </a:lnR>
-                    <a:lnT w="12700">
-                      <a:miter lim="400000"/>
-                    </a:lnT>
-                    <a:lnB w="12700">
-                      <a:miter lim="400000"/>
-                    </a:lnB>
-                  </a:tcPr>
-                </a:tc>
-                <a:tc>
-                  <a:txBody>
-                    <a:bodyPr/>
-                    <a:lstStyle/>
-                    <a:p>
-                      <a:pPr lvl="0" algn="l">
-                        <a:spcBef>
-                          <a:spcPts val="500"/>
-                        </a:spcBef>
-                        <a:defRPr sz="1800" b="0" i="0">
-                          <a:solidFill>
-                            <a:srgbClr val="000000"/>
-                          </a:solidFill>
-                          <a:uFillTx/>
-                        </a:defRPr>
-                      </a:pPr>
-                      <a:r>
-                        <a:rPr sz="1100" b="1" i="1" dirty="0">
-                          <a:solidFill>
-                            <a:srgbClr val="FFFFFF"/>
-                          </a:solidFill>
-                          <a:uFill>
-                            <a:solidFill>
-                              <a:srgbClr val="FFFFFF"/>
-                            </a:solidFill>
-                          </a:uFill>
-                          <a:latin typeface="Arial Unicode MS" panose="020B0604020202020204" pitchFamily="34" charset="-128"/>
-                        </a:rPr>
-                        <a:t>Description</a:t>
-                      </a:r>
-                    </a:p>
-                  </a:txBody>
-                  <a:tcPr marL="63500" marR="63500" marT="63500" marB="63500" horzOverflow="overflow">
-                    <a:lnL w="12700">
-                      <a:miter lim="400000"/>
-                    </a:lnL>
-                    <a:lnR w="12700">
-                      <a:miter lim="400000"/>
-                    </a:lnR>
-                    <a:lnT w="12700">
-                      <a:miter lim="400000"/>
-                    </a:lnT>
-                    <a:lnB w="12700">
-                      <a:miter lim="400000"/>
-                    </a:lnB>
-                  </a:tcPr>
-                </a:tc>
-                <a:tc>
-                  <a:txBody>
-                    <a:bodyPr/>
-                    <a:lstStyle/>
-                    <a:p>
-                      <a:pPr lvl="0" algn="l">
-                        <a:spcBef>
-                          <a:spcPts val="500"/>
-                        </a:spcBef>
-                        <a:defRPr sz="1800" b="0" i="0">
-                          <a:solidFill>
-                            <a:srgbClr val="000000"/>
-                          </a:solidFill>
-                          <a:uFillTx/>
-                        </a:defRPr>
-                      </a:pPr>
-                      <a:r>
-                        <a:rPr sz="1000" b="1" i="1" dirty="0">
-                          <a:solidFill>
-                            <a:srgbClr val="FFFFFF"/>
-                          </a:solidFill>
-                          <a:uFill>
-                            <a:solidFill>
-                              <a:srgbClr val="FFFFFF"/>
-                            </a:solidFill>
-                          </a:uFill>
-                          <a:latin typeface="Arial Unicode MS" panose="020B0604020202020204" pitchFamily="34" charset="-128"/>
-                        </a:rPr>
-                        <a:t>Fixed
-</a:t>
-                      </a:r>
-                      <a:r>
-                        <a:rPr lang="en-US" sz="1000" b="1" i="1" dirty="0">
-                          <a:solidFill>
-                            <a:srgbClr val="FFFFFF"/>
-                          </a:solidFill>
-                          <a:uFill>
-                            <a:solidFill>
-                              <a:srgbClr val="FFFFFF"/>
-                            </a:solidFill>
-                          </a:uFill>
-                          <a:latin typeface="Arial Unicode MS" panose="020B0604020202020204" pitchFamily="34" charset="-128"/>
-                        </a:rPr>
-                        <a:t>price</a:t>
-                      </a:r>
-                      <a:endParaRPr sz="1000" b="1" i="1" dirty="0">
-                        <a:solidFill>
-                          <a:srgbClr val="FFFFFF"/>
-                        </a:solidFill>
-                        <a:uFill>
-                          <a:solidFill>
-                            <a:srgbClr val="FFFFFF"/>
-                          </a:solidFill>
-                        </a:uFill>
-                        <a:latin typeface="Arial Unicode MS" panose="020B0604020202020204" pitchFamily="34" charset="-128"/>
-                      </a:endParaRPr>
-                    </a:p>
-                  </a:txBody>
-                  <a:tcPr marL="63500" marR="63500" marT="63500" marB="63500" horzOverflow="overflow">
-                    <a:lnL w="12700">
-                      <a:miter lim="400000"/>
-                    </a:lnL>
-                    <a:lnR w="12700">
-                      <a:miter lim="400000"/>
-                    </a:lnR>
-                    <a:lnT w="12700">
-                      <a:miter lim="400000"/>
-                    </a:lnT>
-                    <a:lnB w="12700">
-                      <a:miter lim="400000"/>
-                    </a:lnB>
-                  </a:tcPr>
-                </a:tc>
-                <a:tc>
-                  <a:txBody>
-                    <a:bodyPr/>
-                    <a:lstStyle/>
-                    <a:p>
-                      <a:pPr lvl="0" algn="l">
-                        <a:spcBef>
-                          <a:spcPts val="500"/>
-                        </a:spcBef>
-                        <a:defRPr sz="1800" b="0" i="0">
-                          <a:solidFill>
-                            <a:srgbClr val="000000"/>
-                          </a:solidFill>
-                          <a:uFillTx/>
-                        </a:defRPr>
-                      </a:pPr>
-                      <a:r>
-                        <a:rPr sz="1000" b="1" i="1" dirty="0">
-                          <a:solidFill>
-                            <a:srgbClr val="FFFFFF"/>
-                          </a:solidFill>
-                          <a:uFill>
-                            <a:solidFill>
-                              <a:srgbClr val="FFFFFF"/>
-                            </a:solidFill>
-                          </a:uFill>
-                          <a:latin typeface="Arial Unicode MS" panose="020B0604020202020204" pitchFamily="34" charset="-128"/>
-                        </a:rPr>
-                        <a:t>Variable
-</a:t>
-                      </a:r>
-                      <a:r>
-                        <a:rPr lang="en-US" sz="1000" b="1" i="1" dirty="0">
-                          <a:solidFill>
-                            <a:srgbClr val="FFFFFF"/>
-                          </a:solidFill>
-                          <a:uFill>
-                            <a:solidFill>
-                              <a:srgbClr val="FFFFFF"/>
-                            </a:solidFill>
-                          </a:uFill>
-                          <a:latin typeface="Arial Unicode MS" panose="020B0604020202020204" pitchFamily="34" charset="-128"/>
-                        </a:rPr>
-                        <a:t>price</a:t>
-                      </a:r>
-                      <a:endParaRPr sz="1000" b="1" i="1" dirty="0">
-                        <a:solidFill>
-                          <a:srgbClr val="FFFFFF"/>
-                        </a:solidFill>
-                        <a:uFill>
-                          <a:solidFill>
-                            <a:srgbClr val="FFFFFF"/>
-                          </a:solidFill>
-                        </a:uFill>
-                        <a:latin typeface="Arial Unicode MS" panose="020B0604020202020204" pitchFamily="34" charset="-128"/>
-                      </a:endParaRPr>
-                    </a:p>
-                  </a:txBody>
-                  <a:tcPr marL="63500" marR="63500" marT="63500" marB="63500" horzOverflow="overflow">
-                    <a:lnL w="12700">
-                      <a:miter lim="400000"/>
-                    </a:lnL>
-                    <a:lnR w="12700">
-                      <a:miter lim="400000"/>
-                    </a:lnR>
-                    <a:lnT w="12700">
-                      <a:miter lim="400000"/>
-                    </a:lnT>
-                    <a:lnB w="12700">
-                      <a:miter lim="400000"/>
-                    </a:lnB>
-                  </a:tcPr>
-                </a:tc>
-                <a:tc>
-                  <a:txBody>
-                    <a:bodyPr/>
-                    <a:lstStyle/>
-                    <a:p>
-                      <a:pPr lvl="0" algn="l">
-                        <a:spcBef>
-                          <a:spcPts val="500"/>
-                        </a:spcBef>
-                        <a:defRPr sz="1800" b="0" i="0">
-                          <a:solidFill>
-                            <a:srgbClr val="000000"/>
-                          </a:solidFill>
-                          <a:uFillTx/>
-                        </a:defRPr>
-                      </a:pPr>
-                      <a:r>
-                        <a:rPr sz="1000" b="1" i="1" dirty="0">
-                          <a:solidFill>
-                            <a:srgbClr val="FFFFFF"/>
-                          </a:solidFill>
-                          <a:uFill>
-                            <a:solidFill>
-                              <a:srgbClr val="FFFFFF"/>
-                            </a:solidFill>
-                          </a:uFill>
-                          <a:latin typeface="Arial Unicode MS" panose="020B0604020202020204" pitchFamily="34" charset="-128"/>
-                        </a:rPr>
-                        <a:t>Threshold</a:t>
-                      </a:r>
-                    </a:p>
-                  </a:txBody>
-                  <a:tcPr marL="63500" marR="63500" marT="63500" marB="63500" horzOverflow="overflow">
-                    <a:lnL w="12700">
-                      <a:miter lim="400000"/>
-                    </a:lnL>
-                    <a:lnR w="12700">
-                      <a:miter lim="400000"/>
-                    </a:lnR>
-                    <a:lnT w="12700">
-                      <a:miter lim="400000"/>
-                    </a:lnT>
-                    <a:lnB w="12700">
-                      <a:miter lim="400000"/>
-                    </a:lnB>
-                  </a:tcPr>
-                </a:tc>
-                <a:extLst>
-                  <a:ext uri="{0D108BD9-81ED-4DB2-BD59-A6C34878D82A}">
-                    <a16:rowId xmlns:a16="http://schemas.microsoft.com/office/drawing/2014/main" val="10000"/>
-                  </a:ext>
-                </a:extLst>
-              </a:tr>
-              <a:tr h="508604">
-                <a:tc>
-                  <a:txBody>
-                    <a:bodyPr/>
-                    <a:lstStyle/>
-                    <a:p>
-                      <a:pPr lvl="0" algn="ctr">
-                        <a:defRPr sz="1800">
-                          <a:solidFill>
-                            <a:srgbClr val="000000"/>
-                          </a:solidFill>
-                          <a:uFillTx/>
-                        </a:defRPr>
-                      </a:pPr>
-                      <a:r>
-                        <a:rPr sz="1200" dirty="0">
-                          <a:solidFill>
-                            <a:srgbClr val="191164"/>
-                          </a:solidFill>
-                          <a:uFill>
-                            <a:solidFill/>
-                          </a:uFill>
-                          <a:latin typeface="Arial Unicode MS" panose="020B0604020202020204" pitchFamily="34" charset="-128"/>
-                        </a:rPr>
-                        <a:t>R1278</a:t>
-                      </a:r>
-                    </a:p>
-                  </a:txBody>
-                  <a:tcPr marL="63500" marR="63500" marT="63500" marB="63500" horzOverflow="overflow">
-                    <a:lnL w="12700">
-                      <a:miter lim="400000"/>
-                    </a:lnL>
-                    <a:lnR w="12700">
-                      <a:miter lim="400000"/>
-                    </a:lnR>
-                    <a:lnT w="12700">
-                      <a:miter lim="400000"/>
-                    </a:lnT>
-                    <a:lnB w="12700">
-                      <a:miter lim="400000"/>
-                    </a:lnB>
-                  </a:tcPr>
-                </a:tc>
-                <a:tc>
-                  <a:txBody>
-                    <a:bodyPr/>
-                    <a:lstStyle/>
-                    <a:p>
-                      <a:pPr lvl="0" algn="ctr">
-                        <a:defRPr sz="1800">
-                          <a:solidFill>
-                            <a:srgbClr val="000000"/>
-                          </a:solidFill>
-                          <a:uFillTx/>
-                        </a:defRPr>
-                      </a:pPr>
-                      <a:r>
-                        <a:rPr lang="en-US" sz="1200" dirty="0">
-                          <a:solidFill>
-                            <a:srgbClr val="191164"/>
-                          </a:solidFill>
-                          <a:uFill>
-                            <a:solidFill/>
-                          </a:uFill>
-                          <a:latin typeface="Arial Unicode MS" panose="020B0604020202020204" pitchFamily="34" charset="-128"/>
-                        </a:rPr>
-                        <a:t>Consumer Basic</a:t>
-                      </a:r>
-                      <a:endParaRPr sz="1200" dirty="0">
-                        <a:solidFill>
-                          <a:srgbClr val="191164"/>
-                        </a:solidFill>
-                        <a:uFill>
-                          <a:solidFill/>
-                        </a:uFill>
-                        <a:latin typeface="Arial Unicode MS" panose="020B0604020202020204" pitchFamily="34" charset="-128"/>
-                      </a:endParaRPr>
-                    </a:p>
-                  </a:txBody>
-                  <a:tcPr marL="63500" marR="63500" marT="63500" marB="63500" horzOverflow="overflow">
-                    <a:lnL w="12700">
-                      <a:miter lim="400000"/>
-                    </a:lnL>
-                    <a:lnR w="12700">
-                      <a:miter lim="400000"/>
-                    </a:lnR>
-                    <a:lnT w="12700">
-                      <a:miter lim="400000"/>
-                    </a:lnT>
-                    <a:lnB w="12700">
-                      <a:miter lim="400000"/>
-                    </a:lnB>
-                  </a:tcPr>
-                </a:tc>
-                <a:tc>
-                  <a:txBody>
-                    <a:bodyPr/>
-                    <a:lstStyle/>
-                    <a:p>
-                      <a:pPr lvl="0" algn="ctr">
-                        <a:defRPr sz="1800">
-                          <a:solidFill>
-                            <a:srgbClr val="000000"/>
-                          </a:solidFill>
-                          <a:uFillTx/>
-                        </a:defRPr>
-                      </a:pPr>
-                      <a:r>
-                        <a:rPr sz="1200" dirty="0">
-                          <a:solidFill>
-                            <a:srgbClr val="191164"/>
-                          </a:solidFill>
-                          <a:uFill>
-                            <a:solidFill/>
-                          </a:uFill>
-                          <a:latin typeface="Arial Unicode MS" panose="020B0604020202020204" pitchFamily="34" charset="-128"/>
-                        </a:rPr>
-                        <a:t>40</a:t>
-                      </a:r>
-                    </a:p>
-                  </a:txBody>
-                  <a:tcPr marL="63500" marR="63500" marT="63500" marB="63500" horzOverflow="overflow">
-                    <a:lnL w="12700">
-                      <a:miter lim="400000"/>
-                    </a:lnL>
-                    <a:lnR w="12700">
-                      <a:miter lim="400000"/>
-                    </a:lnR>
-                    <a:lnT w="12700">
-                      <a:miter lim="400000"/>
-                    </a:lnT>
-                    <a:lnB w="12700">
-                      <a:miter lim="400000"/>
-                    </a:lnB>
-                  </a:tcPr>
-                </a:tc>
-                <a:tc>
-                  <a:txBody>
-                    <a:bodyPr/>
-                    <a:lstStyle/>
-                    <a:p>
-                      <a:pPr lvl="0" algn="l">
-                        <a:defRPr sz="1800">
-                          <a:solidFill>
-                            <a:srgbClr val="000000"/>
-                          </a:solidFill>
-                          <a:uFillTx/>
-                        </a:defRPr>
-                      </a:pPr>
-                      <a:r>
-                        <a:rPr sz="1200" dirty="0">
-                          <a:solidFill>
-                            <a:srgbClr val="191164"/>
-                          </a:solidFill>
-                          <a:uFill>
-                            <a:solidFill/>
-                          </a:uFill>
-                          <a:latin typeface="Arial Unicode MS" panose="020B0604020202020204" pitchFamily="34" charset="-128"/>
-                        </a:rPr>
-                        <a:t>10</a:t>
-                      </a:r>
-                    </a:p>
-                  </a:txBody>
-                  <a:tcPr marL="63500" marR="63500" marT="63500" marB="63500" horzOverflow="overflow">
-                    <a:lnL w="12700">
-                      <a:miter lim="400000"/>
-                    </a:lnL>
-                    <a:lnR w="12700">
-                      <a:miter lim="400000"/>
-                    </a:lnR>
-                    <a:lnT w="12700">
-                      <a:miter lim="400000"/>
-                    </a:lnT>
-                    <a:lnB w="12700">
-                      <a:miter lim="400000"/>
-                    </a:lnB>
-                  </a:tcPr>
-                </a:tc>
-                <a:tc>
-                  <a:txBody>
-                    <a:bodyPr/>
-                    <a:lstStyle/>
-                    <a:p>
-                      <a:pPr lvl="0" algn="ctr">
-                        <a:defRPr sz="1800">
-                          <a:solidFill>
-                            <a:srgbClr val="000000"/>
-                          </a:solidFill>
-                          <a:uFillTx/>
-                        </a:defRPr>
-                      </a:pPr>
-                      <a:r>
-                        <a:rPr lang="en-US" sz="1200" dirty="0">
-                          <a:solidFill>
-                            <a:srgbClr val="191164"/>
-                          </a:solidFill>
-                          <a:uFill>
-                            <a:solidFill/>
-                          </a:uFill>
-                          <a:latin typeface="Arial Unicode MS" panose="020B0604020202020204" pitchFamily="34" charset="-128"/>
-                        </a:rPr>
-                        <a:t>2</a:t>
-                      </a:r>
-                      <a:endParaRPr sz="1200" dirty="0">
-                        <a:solidFill>
-                          <a:srgbClr val="191164"/>
-                        </a:solidFill>
-                        <a:uFill>
-                          <a:solidFill/>
-                        </a:uFill>
-                        <a:latin typeface="Arial Unicode MS" panose="020B0604020202020204" pitchFamily="34" charset="-128"/>
-                      </a:endParaRPr>
-                    </a:p>
-                  </a:txBody>
-                  <a:tcPr marL="63500" marR="63500" marT="63500" marB="63500" horzOverflow="overflow">
-                    <a:lnL w="12700">
-                      <a:miter lim="400000"/>
-                    </a:lnL>
-                    <a:lnR w="12700">
-                      <a:miter lim="400000"/>
-                    </a:lnR>
-                    <a:lnT w="12700">
-                      <a:miter lim="400000"/>
-                    </a:lnT>
-                    <a:lnB w="12700">
-                      <a:miter lim="400000"/>
-                    </a:lnB>
-                  </a:tcPr>
-                </a:tc>
-                <a:extLst>
-                  <a:ext uri="{0D108BD9-81ED-4DB2-BD59-A6C34878D82A}">
-                    <a16:rowId xmlns:a16="http://schemas.microsoft.com/office/drawing/2014/main" val="10001"/>
-                  </a:ext>
-                </a:extLst>
-              </a:tr>
-              <a:tr h="490440">
-                <a:tc>
-                  <a:txBody>
-                    <a:bodyPr/>
-                    <a:lstStyle/>
-                    <a:p>
-                      <a:pPr lvl="0" algn="ctr">
-                        <a:defRPr sz="1800">
-                          <a:solidFill>
-                            <a:srgbClr val="000000"/>
-                          </a:solidFill>
-                          <a:uFillTx/>
-                        </a:defRPr>
-                      </a:pPr>
-                      <a:r>
-                        <a:rPr sz="1200" dirty="0">
-                          <a:solidFill>
-                            <a:srgbClr val="191164"/>
-                          </a:solidFill>
-                          <a:uFill>
-                            <a:solidFill/>
-                          </a:uFill>
-                          <a:latin typeface="Arial Unicode MS" panose="020B0604020202020204" pitchFamily="34" charset="-128"/>
-                        </a:rPr>
-                        <a:t>R982</a:t>
-                      </a:r>
-                    </a:p>
-                  </a:txBody>
-                  <a:tcPr marL="63500" marR="63500" marT="63500" marB="63500" horzOverflow="overflow">
-                    <a:lnL w="12700">
-                      <a:miter lim="400000"/>
-                    </a:lnL>
-                    <a:lnR w="12700">
-                      <a:miter lim="400000"/>
-                    </a:lnR>
-                    <a:lnT w="12700">
-                      <a:miter lim="400000"/>
-                    </a:lnT>
-                    <a:lnB w="12700">
-                      <a:miter lim="400000"/>
-                    </a:lnB>
-                  </a:tcPr>
-                </a:tc>
-                <a:tc>
-                  <a:txBody>
-                    <a:bodyPr/>
-                    <a:lstStyle/>
-                    <a:p>
-                      <a:pPr lvl="0" algn="ctr">
-                        <a:defRPr sz="1800">
-                          <a:solidFill>
-                            <a:srgbClr val="000000"/>
-                          </a:solidFill>
-                          <a:uFillTx/>
-                        </a:defRPr>
-                      </a:pPr>
-                      <a:r>
-                        <a:rPr lang="en-US" sz="1200" dirty="0">
-                          <a:solidFill>
-                            <a:srgbClr val="191164"/>
-                          </a:solidFill>
-                          <a:uFill>
-                            <a:solidFill/>
-                          </a:uFill>
-                          <a:latin typeface="Arial Unicode MS" panose="020B0604020202020204" pitchFamily="34" charset="-128"/>
-                        </a:rPr>
-                        <a:t>Consumer Savings</a:t>
-                      </a:r>
-                      <a:endParaRPr sz="1200" dirty="0">
-                        <a:solidFill>
-                          <a:srgbClr val="191164"/>
-                        </a:solidFill>
-                        <a:uFill>
-                          <a:solidFill/>
-                        </a:uFill>
-                        <a:latin typeface="Arial Unicode MS" panose="020B0604020202020204" pitchFamily="34" charset="-128"/>
-                      </a:endParaRPr>
-                    </a:p>
-                  </a:txBody>
-                  <a:tcPr marL="63500" marR="63500" marT="63500" marB="63500" horzOverflow="overflow">
-                    <a:lnL w="12700">
-                      <a:miter lim="400000"/>
-                    </a:lnL>
-                    <a:lnR w="12700">
-                      <a:miter lim="400000"/>
-                    </a:lnR>
-                    <a:lnT w="12700">
-                      <a:miter lim="400000"/>
-                    </a:lnT>
-                    <a:lnB w="12700">
-                      <a:miter lim="400000"/>
-                    </a:lnB>
-                  </a:tcPr>
-                </a:tc>
-                <a:tc>
-                  <a:txBody>
-                    <a:bodyPr/>
-                    <a:lstStyle/>
-                    <a:p>
-                      <a:pPr lvl="0" algn="ctr">
-                        <a:defRPr sz="1800">
-                          <a:solidFill>
-                            <a:srgbClr val="000000"/>
-                          </a:solidFill>
-                          <a:uFillTx/>
-                        </a:defRPr>
-                      </a:pPr>
-                      <a:r>
-                        <a:rPr sz="1200" dirty="0">
-                          <a:solidFill>
-                            <a:srgbClr val="191164"/>
-                          </a:solidFill>
-                          <a:uFill>
-                            <a:solidFill/>
-                          </a:uFill>
-                          <a:latin typeface="Arial Unicode MS" panose="020B0604020202020204" pitchFamily="34" charset="-128"/>
-                        </a:rPr>
-                        <a:t>70</a:t>
-                      </a:r>
-                    </a:p>
-                  </a:txBody>
-                  <a:tcPr marL="63500" marR="63500" marT="63500" marB="63500" horzOverflow="overflow">
-                    <a:lnL w="12700">
-                      <a:miter lim="400000"/>
-                    </a:lnL>
-                    <a:lnR w="12700">
-                      <a:miter lim="400000"/>
-                    </a:lnR>
-                    <a:lnT w="12700">
-                      <a:miter lim="400000"/>
-                    </a:lnT>
-                    <a:lnB w="12700">
-                      <a:miter lim="400000"/>
-                    </a:lnB>
-                  </a:tcPr>
-                </a:tc>
-                <a:tc>
-                  <a:txBody>
-                    <a:bodyPr/>
-                    <a:lstStyle/>
-                    <a:p>
-                      <a:pPr lvl="0" algn="l">
-                        <a:defRPr sz="1800">
-                          <a:solidFill>
-                            <a:srgbClr val="000000"/>
-                          </a:solidFill>
-                          <a:uFillTx/>
-                        </a:defRPr>
-                      </a:pPr>
-                      <a:r>
-                        <a:rPr lang="en-US" sz="1200" dirty="0">
-                          <a:solidFill>
-                            <a:srgbClr val="191164"/>
-                          </a:solidFill>
-                          <a:uFill>
-                            <a:solidFill/>
-                          </a:uFill>
-                          <a:latin typeface="Arial Unicode MS" panose="020B0604020202020204" pitchFamily="34" charset="-128"/>
-                        </a:rPr>
-                        <a:t>5</a:t>
-                      </a:r>
-                      <a:endParaRPr sz="1200" dirty="0">
-                        <a:solidFill>
-                          <a:srgbClr val="191164"/>
-                        </a:solidFill>
-                        <a:uFill>
-                          <a:solidFill/>
-                        </a:uFill>
-                        <a:latin typeface="Arial Unicode MS" panose="020B0604020202020204" pitchFamily="34" charset="-128"/>
-                      </a:endParaRPr>
-                    </a:p>
-                  </a:txBody>
-                  <a:tcPr marL="63500" marR="63500" marT="63500" marB="63500" horzOverflow="overflow">
-                    <a:lnL w="12700">
-                      <a:miter lim="400000"/>
-                    </a:lnL>
-                    <a:lnR w="12700">
-                      <a:miter lim="400000"/>
-                    </a:lnR>
-                    <a:lnT w="12700">
-                      <a:miter lim="400000"/>
-                    </a:lnT>
-                    <a:lnB w="12700">
-                      <a:miter lim="400000"/>
-                    </a:lnB>
-                  </a:tcPr>
-                </a:tc>
-                <a:tc>
-                  <a:txBody>
-                    <a:bodyPr/>
-                    <a:lstStyle/>
-                    <a:p>
-                      <a:pPr lvl="0" algn="ctr">
-                        <a:defRPr sz="1800">
-                          <a:solidFill>
-                            <a:srgbClr val="000000"/>
-                          </a:solidFill>
-                          <a:uFillTx/>
-                        </a:defRPr>
-                      </a:pPr>
-                      <a:r>
-                        <a:rPr lang="en-US" sz="1200" dirty="0">
-                          <a:solidFill>
-                            <a:srgbClr val="191164"/>
-                          </a:solidFill>
-                          <a:uFill>
-                            <a:solidFill/>
-                          </a:uFill>
-                          <a:latin typeface="Arial Unicode MS" panose="020B0604020202020204" pitchFamily="34" charset="-128"/>
-                        </a:rPr>
-                        <a:t>5</a:t>
-                      </a:r>
-                      <a:endParaRPr sz="1200" dirty="0">
-                        <a:solidFill>
-                          <a:srgbClr val="191164"/>
-                        </a:solidFill>
-                        <a:uFill>
-                          <a:solidFill/>
-                        </a:uFill>
-                        <a:latin typeface="Arial Unicode MS" panose="020B0604020202020204" pitchFamily="34" charset="-128"/>
-                      </a:endParaRPr>
-                    </a:p>
-                  </a:txBody>
-                  <a:tcPr marL="63500" marR="63500" marT="63500" marB="63500" horzOverflow="overflow">
-                    <a:lnL w="12700">
-                      <a:miter lim="400000"/>
-                    </a:lnL>
-                    <a:lnR w="12700">
-                      <a:miter lim="400000"/>
-                    </a:lnR>
-                    <a:lnT w="12700">
-                      <a:miter lim="400000"/>
-                    </a:lnT>
-                    <a:lnB w="12700">
-                      <a:miter lim="400000"/>
-                    </a:lnB>
-                  </a:tcPr>
-                </a:tc>
-                <a:extLst>
-                  <a:ext uri="{0D108BD9-81ED-4DB2-BD59-A6C34878D82A}">
-                    <a16:rowId xmlns:a16="http://schemas.microsoft.com/office/drawing/2014/main" val="10002"/>
-                  </a:ext>
-                </a:extLst>
-              </a:tr>
-              <a:tr h="490440">
-                <a:tc>
-                  <a:txBody>
-                    <a:bodyPr/>
-                    <a:lstStyle/>
-                    <a:p>
-                      <a:pPr lvl="0" algn="ctr">
-                        <a:defRPr sz="1800">
-                          <a:solidFill>
-                            <a:srgbClr val="000000"/>
-                          </a:solidFill>
-                          <a:uFillTx/>
-                        </a:defRPr>
-                      </a:pPr>
-                      <a:r>
-                        <a:rPr sz="1200" dirty="0">
-                          <a:solidFill>
-                            <a:srgbClr val="191164"/>
-                          </a:solidFill>
-                          <a:uFill>
-                            <a:solidFill/>
-                          </a:uFill>
-                          <a:latin typeface="Arial Unicode MS" panose="020B0604020202020204" pitchFamily="34" charset="-128"/>
-                        </a:rPr>
-                        <a:t>R1908</a:t>
-                      </a:r>
-                    </a:p>
-                  </a:txBody>
-                  <a:tcPr marL="63500" marR="63500" marT="63500" marB="63500" horzOverflow="overflow">
-                    <a:lnL w="12700">
-                      <a:miter lim="400000"/>
-                    </a:lnL>
-                    <a:lnR w="12700">
-                      <a:miter lim="400000"/>
-                    </a:lnR>
-                    <a:lnT w="12700">
-                      <a:miter lim="400000"/>
-                    </a:lnT>
-                    <a:lnB w="12700">
-                      <a:miter lim="400000"/>
-                    </a:lnB>
-                  </a:tcPr>
-                </a:tc>
-                <a:tc>
-                  <a:txBody>
-                    <a:bodyPr/>
-                    <a:lstStyle/>
-                    <a:p>
-                      <a:pPr lvl="0" algn="ctr">
-                        <a:defRPr sz="1800">
-                          <a:solidFill>
-                            <a:srgbClr val="000000"/>
-                          </a:solidFill>
-                          <a:uFillTx/>
-                        </a:defRPr>
-                      </a:pPr>
-                      <a:r>
-                        <a:rPr lang="en-US" sz="1200" dirty="0">
-                          <a:solidFill>
-                            <a:srgbClr val="191164"/>
-                          </a:solidFill>
-                          <a:uFill>
-                            <a:solidFill/>
-                          </a:uFill>
-                          <a:latin typeface="Arial Unicode MS" panose="020B0604020202020204" pitchFamily="34" charset="-128"/>
-                        </a:rPr>
-                        <a:t>Restaurant Rate</a:t>
-                      </a:r>
-                      <a:endParaRPr sz="1200" dirty="0">
-                        <a:solidFill>
-                          <a:srgbClr val="191164"/>
-                        </a:solidFill>
-                        <a:uFill>
-                          <a:solidFill/>
-                        </a:uFill>
-                        <a:latin typeface="Arial Unicode MS" panose="020B0604020202020204" pitchFamily="34" charset="-128"/>
-                      </a:endParaRPr>
-                    </a:p>
-                  </a:txBody>
-                  <a:tcPr marL="63500" marR="63500" marT="63500" marB="63500" horzOverflow="overflow">
-                    <a:lnL w="12700">
-                      <a:miter lim="400000"/>
-                    </a:lnL>
-                    <a:lnR w="12700">
-                      <a:miter lim="400000"/>
-                    </a:lnR>
-                    <a:lnT w="12700">
-                      <a:miter lim="400000"/>
-                    </a:lnT>
-                    <a:lnB w="12700">
-                      <a:miter lim="400000"/>
-                    </a:lnB>
-                  </a:tcPr>
-                </a:tc>
-                <a:tc>
-                  <a:txBody>
-                    <a:bodyPr/>
-                    <a:lstStyle/>
-                    <a:p>
-                      <a:pPr lvl="0" algn="ctr">
-                        <a:defRPr sz="1800">
-                          <a:solidFill>
-                            <a:srgbClr val="000000"/>
-                          </a:solidFill>
-                          <a:uFillTx/>
-                        </a:defRPr>
-                      </a:pPr>
-                      <a:r>
-                        <a:rPr sz="1200" dirty="0">
-                          <a:solidFill>
-                            <a:srgbClr val="191164"/>
-                          </a:solidFill>
-                          <a:uFill>
-                            <a:solidFill/>
-                          </a:uFill>
-                          <a:latin typeface="Arial Unicode MS" panose="020B0604020202020204" pitchFamily="34" charset="-128"/>
-                        </a:rPr>
-                        <a:t>120</a:t>
-                      </a:r>
-                    </a:p>
-                  </a:txBody>
-                  <a:tcPr marL="63500" marR="63500" marT="63500" marB="63500" horzOverflow="overflow">
-                    <a:lnL w="12700">
-                      <a:miter lim="400000"/>
-                    </a:lnL>
-                    <a:lnR w="12700">
-                      <a:miter lim="400000"/>
-                    </a:lnR>
-                    <a:lnT w="12700">
-                      <a:miter lim="400000"/>
-                    </a:lnT>
-                    <a:lnB w="12700">
-                      <a:miter lim="400000"/>
-                    </a:lnB>
-                  </a:tcPr>
-                </a:tc>
-                <a:tc>
-                  <a:txBody>
-                    <a:bodyPr/>
-                    <a:lstStyle/>
-                    <a:p>
-                      <a:pPr lvl="0" algn="l">
-                        <a:defRPr sz="1800">
-                          <a:solidFill>
-                            <a:srgbClr val="000000"/>
-                          </a:solidFill>
-                          <a:uFillTx/>
-                        </a:defRPr>
-                      </a:pPr>
-                      <a:r>
-                        <a:rPr lang="en-US" sz="1200" dirty="0">
-                          <a:solidFill>
-                            <a:srgbClr val="191164"/>
-                          </a:solidFill>
-                          <a:uFill>
-                            <a:solidFill/>
-                          </a:uFill>
-                          <a:latin typeface="Arial Unicode MS" panose="020B0604020202020204" pitchFamily="34" charset="-128"/>
-                        </a:rPr>
-                        <a:t>2</a:t>
-                      </a:r>
-                      <a:r>
-                        <a:rPr sz="1200" dirty="0">
-                          <a:solidFill>
-                            <a:srgbClr val="191164"/>
-                          </a:solidFill>
-                          <a:uFill>
-                            <a:solidFill/>
-                          </a:uFill>
-                          <a:latin typeface="Arial Unicode MS" panose="020B0604020202020204" pitchFamily="34" charset="-128"/>
-                        </a:rPr>
-                        <a:t>	</a:t>
-                      </a:r>
-                    </a:p>
-                  </a:txBody>
-                  <a:tcPr marL="63500" marR="63500" marT="63500" marB="63500" horzOverflow="overflow">
-                    <a:lnL w="12700">
-                      <a:miter lim="400000"/>
-                    </a:lnL>
-                    <a:lnR w="12700">
-                      <a:miter lim="400000"/>
-                    </a:lnR>
-                    <a:lnT w="12700">
-                      <a:miter lim="400000"/>
-                    </a:lnT>
-                    <a:lnB w="12700">
-                      <a:miter lim="400000"/>
-                    </a:lnB>
-                  </a:tcPr>
-                </a:tc>
-                <a:tc>
-                  <a:txBody>
-                    <a:bodyPr/>
-                    <a:lstStyle/>
-                    <a:p>
-                      <a:pPr lvl="0" algn="ctr">
-                        <a:defRPr sz="1800">
-                          <a:solidFill>
-                            <a:srgbClr val="000000"/>
-                          </a:solidFill>
-                          <a:uFillTx/>
-                        </a:defRPr>
-                      </a:pPr>
-                      <a:r>
-                        <a:rPr lang="en-US" sz="1200" dirty="0">
-                          <a:solidFill>
-                            <a:srgbClr val="191164"/>
-                          </a:solidFill>
-                          <a:uFill>
-                            <a:solidFill/>
-                          </a:uFill>
-                          <a:latin typeface="Arial Unicode MS" panose="020B0604020202020204" pitchFamily="34" charset="-128"/>
-                        </a:rPr>
-                        <a:t>20</a:t>
-                      </a:r>
-                      <a:endParaRPr sz="1200" dirty="0">
-                        <a:solidFill>
-                          <a:srgbClr val="191164"/>
-                        </a:solidFill>
-                        <a:uFill>
-                          <a:solidFill/>
-                        </a:uFill>
-                        <a:latin typeface="Arial Unicode MS" panose="020B0604020202020204" pitchFamily="34" charset="-128"/>
-                      </a:endParaRPr>
-                    </a:p>
-                  </a:txBody>
-                  <a:tcPr marL="63500" marR="63500" marT="63500" marB="63500" horzOverflow="overflow">
-                    <a:lnL w="12700">
-                      <a:miter lim="400000"/>
-                    </a:lnL>
-                    <a:lnR w="12700">
-                      <a:miter lim="400000"/>
-                    </a:lnR>
-                    <a:lnT w="12700">
-                      <a:miter lim="400000"/>
-                    </a:lnT>
-                    <a:lnB w="12700">
-                      <a:miter lim="400000"/>
-                    </a:lnB>
-                  </a:tcPr>
-                </a:tc>
-                <a:extLst>
-                  <a:ext uri="{0D108BD9-81ED-4DB2-BD59-A6C34878D82A}">
-                    <a16:rowId xmlns:a16="http://schemas.microsoft.com/office/drawing/2014/main" val="10003"/>
-                  </a:ext>
-                </a:extLst>
-              </a:tr>
-              <a:tr h="490440">
-                <a:tc>
-                  <a:txBody>
-                    <a:bodyPr/>
-                    <a:lstStyle/>
-                    <a:p>
-                      <a:pPr lvl="0" algn="ctr">
-                        <a:defRPr sz="1200"/>
-                      </a:pPr>
-                      <a:endParaRPr dirty="0">
-                        <a:latin typeface="Arial Unicode MS" panose="020B0604020202020204" pitchFamily="34" charset="-128"/>
-                      </a:endParaRPr>
-                    </a:p>
-                  </a:txBody>
-                  <a:tcPr marL="63500" marR="63500" marT="63500" marB="63500" horzOverflow="overflow">
-                    <a:lnL w="12700">
-                      <a:miter lim="400000"/>
-                    </a:lnL>
-                    <a:lnR w="12700">
-                      <a:miter lim="400000"/>
-                    </a:lnR>
-                    <a:lnT w="12700">
-                      <a:miter lim="400000"/>
-                    </a:lnT>
-                    <a:lnB w="12700">
-                      <a:miter lim="400000"/>
-                    </a:lnB>
-                  </a:tcPr>
-                </a:tc>
-                <a:tc>
-                  <a:txBody>
-                    <a:bodyPr/>
-                    <a:lstStyle/>
-                    <a:p>
-                      <a:pPr lvl="0" algn="ctr">
-                        <a:defRPr sz="1200"/>
-                      </a:pPr>
-                      <a:endParaRPr dirty="0">
-                        <a:latin typeface="Arial Unicode MS" panose="020B0604020202020204" pitchFamily="34" charset="-128"/>
-                      </a:endParaRPr>
-                    </a:p>
-                  </a:txBody>
-                  <a:tcPr marL="63500" marR="63500" marT="63500" marB="63500" horzOverflow="overflow">
-                    <a:lnL w="12700">
-                      <a:miter lim="400000"/>
-                    </a:lnL>
-                    <a:lnR w="12700">
-                      <a:miter lim="400000"/>
-                    </a:lnR>
-                    <a:lnT w="12700">
-                      <a:miter lim="400000"/>
-                    </a:lnT>
-                    <a:lnB w="12700">
-                      <a:miter lim="400000"/>
-                    </a:lnB>
-                  </a:tcPr>
-                </a:tc>
-                <a:tc>
-                  <a:txBody>
-                    <a:bodyPr/>
-                    <a:lstStyle/>
-                    <a:p>
-                      <a:pPr lvl="0" algn="ctr">
-                        <a:defRPr sz="1200"/>
-                      </a:pPr>
-                      <a:endParaRPr dirty="0">
-                        <a:latin typeface="Arial Unicode MS" panose="020B0604020202020204" pitchFamily="34" charset="-128"/>
-                      </a:endParaRPr>
-                    </a:p>
-                  </a:txBody>
-                  <a:tcPr marL="63500" marR="63500" marT="63500" marB="63500" horzOverflow="overflow">
-                    <a:lnL w="12700">
-                      <a:miter lim="400000"/>
-                    </a:lnL>
-                    <a:lnR w="12700">
-                      <a:miter lim="400000"/>
-                    </a:lnR>
-                    <a:lnT w="12700">
-                      <a:miter lim="400000"/>
-                    </a:lnT>
-                    <a:lnB w="12700">
-                      <a:miter lim="400000"/>
-                    </a:lnB>
-                  </a:tcPr>
-                </a:tc>
-                <a:tc>
-                  <a:txBody>
-                    <a:bodyPr/>
-                    <a:lstStyle/>
-                    <a:p>
-                      <a:pPr lvl="0" algn="ctr">
-                        <a:defRPr sz="1200"/>
-                      </a:pPr>
-                      <a:endParaRPr dirty="0">
-                        <a:latin typeface="Arial Unicode MS" panose="020B0604020202020204" pitchFamily="34" charset="-128"/>
-                      </a:endParaRPr>
-                    </a:p>
-                  </a:txBody>
-                  <a:tcPr marL="63500" marR="63500" marT="63500" marB="63500" horzOverflow="overflow">
-                    <a:lnL w="12700">
-                      <a:miter lim="400000"/>
-                    </a:lnL>
-                    <a:lnR w="12700">
-                      <a:miter lim="400000"/>
-                    </a:lnR>
-                    <a:lnT w="12700">
-                      <a:miter lim="400000"/>
-                    </a:lnT>
-                    <a:lnB w="12700">
-                      <a:miter lim="400000"/>
-                    </a:lnB>
-                  </a:tcPr>
-                </a:tc>
-                <a:tc>
-                  <a:txBody>
-                    <a:bodyPr/>
-                    <a:lstStyle/>
-                    <a:p>
-                      <a:pPr lvl="0" algn="ctr">
-                        <a:defRPr sz="1200"/>
-                      </a:pPr>
-                      <a:endParaRPr dirty="0">
-                        <a:latin typeface="Arial Unicode MS" panose="020B0604020202020204" pitchFamily="34" charset="-128"/>
-                      </a:endParaRPr>
-                    </a:p>
-                  </a:txBody>
-                  <a:tcPr marL="63500" marR="63500" marT="63500" marB="63500" horzOverflow="overflow">
-                    <a:lnL w="12700">
-                      <a:miter lim="400000"/>
-                    </a:lnL>
-                    <a:lnR w="12700">
-                      <a:miter lim="400000"/>
-                    </a:lnR>
-                    <a:lnT w="12700">
-                      <a:miter lim="400000"/>
-                    </a:lnT>
-                    <a:lnB w="12700">
-                      <a:miter lim="400000"/>
-                    </a:lnB>
-                  </a:tcPr>
-                </a:tc>
-                <a:extLst>
-                  <a:ext uri="{0D108BD9-81ED-4DB2-BD59-A6C34878D82A}">
-                    <a16:rowId xmlns:a16="http://schemas.microsoft.com/office/drawing/2014/main" val="10004"/>
-                  </a:ext>
-                </a:extLst>
-              </a:tr>
-            </a:tbl>
-          </a:graphicData>
-        </a:graphic>
-      </p:graphicFrame>
-      <p:sp>
-        <p:nvSpPr>
-          <p:cNvPr id="145" name="Shape 145"/>
-          <p:cNvSpPr/>
-          <p:nvPr/>
-        </p:nvSpPr>
-        <p:spPr>
-          <a:xfrm>
-            <a:off x="5460312" y="3176743"/>
-            <a:ext cx="525142" cy="338554"/>
-          </a:xfrm>
-          <a:prstGeom prst="rect">
-            <a:avLst/>
-          </a:prstGeom>
-          <a:ln w="12700">
-            <a:miter lim="400000"/>
-          </a:ln>
-          <a:extLst>
-            <a:ext uri="{C572A759-6A51-4108-AA02-DFA0A04FC94B}">
-              <ma14:wrappingTextBoxFlag xmlns="" xmlns:ma14="http://schemas.microsoft.com/office/mac/drawingml/2011/main" val="1"/>
-            </a:ext>
-          </a:extLst>
-        </p:spPr>
-        <p:txBody>
-          <a:bodyPr wrap="none" lIns="45719" rIns="45719">
-            <a:spAutoFit/>
-          </a:bodyPr>
-          <a:lstStyle>
-            <a:lvl1pPr>
-              <a:defRPr sz="1600" u="sng">
-                <a:solidFill>
-                  <a:srgbClr val="008F00"/>
-                </a:solidFill>
-                <a:latin typeface="+mn-lt"/>
-                <a:ea typeface="+mn-ea"/>
-                <a:cs typeface="+mn-cs"/>
-                <a:sym typeface="Arial"/>
-              </a:defRPr>
-            </a:lvl1pPr>
-          </a:lstStyle>
-          <a:p>
-            <a:pPr lvl="0">
-              <a:defRPr sz="1800" u="none">
-                <a:solidFill>
-                  <a:srgbClr val="000000"/>
-                </a:solidFill>
-                <a:uFillTx/>
-              </a:defRPr>
-            </a:pPr>
-            <a:r>
-              <a:rPr sz="1600" u="sng" dirty="0">
-                <a:solidFill>
-                  <a:schemeClr val="tx1"/>
-                </a:solidFill>
-                <a:uFill>
-                  <a:solidFill/>
-                </a:uFill>
-                <a:latin typeface="Arial Unicode MS" panose="020B0604020202020204" pitchFamily="34" charset="-128"/>
-              </a:rPr>
-              <a:t>Rate</a:t>
-            </a:r>
-          </a:p>
-        </p:txBody>
-      </p:sp>
-      <p:sp>
-        <p:nvSpPr>
-          <p:cNvPr id="146" name="Shape 146"/>
-          <p:cNvSpPr/>
-          <p:nvPr/>
-        </p:nvSpPr>
-        <p:spPr>
-          <a:xfrm flipH="1" flipV="1">
-            <a:off x="1892300" y="2887980"/>
-            <a:ext cx="1270000" cy="2979421"/>
-          </a:xfrm>
-          <a:prstGeom prst="line">
-            <a:avLst/>
-          </a:prstGeom>
-          <a:ln w="25400">
-            <a:solidFill>
-              <a:srgbClr val="008F00"/>
-            </a:solidFill>
-            <a:round/>
-          </a:ln>
-          <a:effectLst>
-            <a:outerShdw blurRad="38100" dist="20000" dir="5400000" rotWithShape="0">
-              <a:srgbClr val="000000">
-                <a:alpha val="38000"/>
-              </a:srgbClr>
-            </a:outerShdw>
-          </a:effectLst>
-        </p:spPr>
-        <p:txBody>
-          <a:bodyPr lIns="0" tIns="0" rIns="0" bIns="0"/>
-          <a:lstStyle/>
-          <a:p>
-            <a:pPr lvl="0" defTabSz="457200">
-              <a:defRPr sz="1200">
-                <a:solidFill>
-                  <a:srgbClr val="000000"/>
-                </a:solidFill>
-                <a:uFillTx/>
-                <a:latin typeface="+mj-lt"/>
-                <a:ea typeface="+mj-ea"/>
-                <a:cs typeface="+mj-cs"/>
-                <a:sym typeface="Helvetica"/>
-              </a:defRPr>
-            </a:pPr>
-            <a:endParaRPr dirty="0">
-              <a:solidFill>
-                <a:schemeClr val="tx1"/>
-              </a:solidFill>
-              <a:latin typeface="Arial Unicode MS" panose="020B0604020202020204" pitchFamily="34" charset="-128"/>
-              <a:ea typeface="Arial Unicode MS" panose="020B0604020202020204" pitchFamily="34" charset="-128"/>
-              <a:cs typeface="Arial Unicode MS" panose="020B0604020202020204" pitchFamily="34" charset="-128"/>
-            </a:endParaRPr>
-          </a:p>
-        </p:txBody>
-      </p:sp>
-      <p:sp>
-        <p:nvSpPr>
-          <p:cNvPr id="147" name="Shape 147"/>
-          <p:cNvSpPr/>
-          <p:nvPr/>
-        </p:nvSpPr>
-        <p:spPr>
-          <a:xfrm flipH="1">
-            <a:off x="1917699" y="1332411"/>
-            <a:ext cx="1504770" cy="1504770"/>
-          </a:xfrm>
-          <a:prstGeom prst="line">
-            <a:avLst/>
-          </a:prstGeom>
-          <a:ln w="25400">
-            <a:solidFill>
-              <a:srgbClr val="008F00"/>
-            </a:solidFill>
-            <a:round/>
-          </a:ln>
-          <a:effectLst>
-            <a:outerShdw blurRad="38100" dist="20000" dir="5400000" rotWithShape="0">
-              <a:srgbClr val="000000">
-                <a:alpha val="38000"/>
-              </a:srgbClr>
-            </a:outerShdw>
-          </a:effectLst>
-        </p:spPr>
-        <p:txBody>
-          <a:bodyPr lIns="0" tIns="0" rIns="0" bIns="0"/>
-          <a:lstStyle/>
-          <a:p>
-            <a:pPr lvl="0" defTabSz="457200">
-              <a:defRPr sz="1200">
-                <a:solidFill>
-                  <a:srgbClr val="000000"/>
-                </a:solidFill>
-                <a:uFillTx/>
-                <a:latin typeface="+mj-lt"/>
-                <a:ea typeface="+mj-ea"/>
-                <a:cs typeface="+mj-cs"/>
-                <a:sym typeface="Helvetica"/>
-              </a:defRPr>
-            </a:pPr>
-            <a:endParaRPr dirty="0">
-              <a:solidFill>
-                <a:schemeClr val="tx1"/>
-              </a:solidFill>
-              <a:latin typeface="Arial Unicode MS" panose="020B0604020202020204" pitchFamily="34" charset="-128"/>
-              <a:ea typeface="Arial Unicode MS" panose="020B0604020202020204" pitchFamily="34" charset="-128"/>
-              <a:cs typeface="Arial Unicode MS" panose="020B0604020202020204" pitchFamily="34" charset="-128"/>
-            </a:endParaRPr>
-          </a:p>
-        </p:txBody>
-      </p:sp>
-      <p:sp>
-        <p:nvSpPr>
-          <p:cNvPr id="149" name="Shape 149"/>
-          <p:cNvSpPr/>
-          <p:nvPr/>
-        </p:nvSpPr>
-        <p:spPr>
-          <a:xfrm>
-            <a:off x="5726993" y="2380667"/>
-            <a:ext cx="1" cy="673101"/>
-          </a:xfrm>
-          <a:prstGeom prst="line">
-            <a:avLst/>
-          </a:prstGeom>
-          <a:ln w="38100">
-            <a:solidFill>
-              <a:srgbClr val="008F00"/>
-            </a:solidFill>
-            <a:round/>
-            <a:tailEnd type="triangle"/>
-          </a:ln>
-          <a:effectLst>
-            <a:outerShdw blurRad="38100" dist="20000" dir="5400000" rotWithShape="0">
-              <a:srgbClr val="000000">
-                <a:alpha val="38000"/>
-              </a:srgbClr>
-            </a:outerShdw>
-          </a:effectLst>
-        </p:spPr>
-        <p:txBody>
-          <a:bodyPr lIns="0" tIns="0" rIns="0" bIns="0"/>
-          <a:lstStyle/>
-          <a:p>
-            <a:pPr lvl="0" defTabSz="457200">
-              <a:defRPr sz="1200">
-                <a:solidFill>
-                  <a:srgbClr val="000000"/>
-                </a:solidFill>
-                <a:uFillTx/>
-                <a:latin typeface="+mj-lt"/>
-                <a:ea typeface="+mj-ea"/>
-                <a:cs typeface="+mj-cs"/>
-                <a:sym typeface="Helvetica"/>
-              </a:defRPr>
-            </a:pPr>
-            <a:endParaRPr dirty="0">
-              <a:solidFill>
-                <a:schemeClr val="tx1"/>
-              </a:solidFill>
-              <a:latin typeface="Arial Unicode MS" panose="020B0604020202020204" pitchFamily="34" charset="-128"/>
-              <a:ea typeface="Arial Unicode MS" panose="020B0604020202020204" pitchFamily="34" charset="-128"/>
-              <a:cs typeface="Arial Unicode MS" panose="020B0604020202020204" pitchFamily="34" charset="-128"/>
-            </a:endParaRPr>
-          </a:p>
-        </p:txBody>
-      </p:sp>
-    </p:spTree>
-    <p:extLst>
-      <p:ext uri="{BB962C8B-B14F-4D97-AF65-F5344CB8AC3E}">
-        <p14:creationId xmlns:p14="http://schemas.microsoft.com/office/powerpoint/2010/main" val="378233110"/>
       </p:ext>
     </p:extLst>
   </p:cSld>
@@ -8811,7 +5979,7 @@
           </a:ln>
           <a:extLst>
             <a:ext uri="{C572A759-6A51-4108-AA02-DFA0A04FC94B}">
-              <ma14:wrappingTextBoxFlag xmlns="" xmlns:ma14="http://schemas.microsoft.com/office/mac/drawingml/2011/main" val="1"/>
+              <ma14:wrappingTextBoxFlag xmlns:ma14="http://schemas.microsoft.com/office/mac/drawingml/2011/main" xmlns="" val="1"/>
             </a:ext>
           </a:extLst>
         </p:spPr>
@@ -8906,7 +6074,7 @@
           </a:ln>
           <a:extLst>
             <a:ext uri="{C572A759-6A51-4108-AA02-DFA0A04FC94B}">
-              <ma14:wrappingTextBoxFlag xmlns="" xmlns:ma14="http://schemas.microsoft.com/office/mac/drawingml/2011/main" val="1"/>
+              <ma14:wrappingTextBoxFlag xmlns:ma14="http://schemas.microsoft.com/office/mac/drawingml/2011/main" xmlns="" val="1"/>
             </a:ext>
           </a:extLst>
         </p:spPr>
@@ -9081,5501 +6249,6 @@
     <p:extLst>
       <p:ext uri="{BB962C8B-B14F-4D97-AF65-F5344CB8AC3E}">
         <p14:creationId xmlns:p14="http://schemas.microsoft.com/office/powerpoint/2010/main" val="3296694269"/>
-      </p:ext>
-    </p:extLst>
-  </p:cSld>
-  <p:clrMapOvr>
-    <a:masterClrMapping/>
-  </p:clrMapOvr>
-  <p:transition spd="med"/>
-</p:sld>
-</file>
-
-<file path=ppt/slides/slide20.xml><?xml version="1.0" encoding="utf-8"?>
-<p:sld xmlns:a="http://schemas.openxmlformats.org/drawingml/2006/main" xmlns:r="http://schemas.openxmlformats.org/officeDocument/2006/relationships" xmlns:p="http://schemas.openxmlformats.org/presentationml/2006/main">
-  <p:cSld>
-    <p:spTree>
-      <p:nvGrpSpPr>
-        <p:cNvPr id="1" name=""/>
-        <p:cNvGrpSpPr/>
-        <p:nvPr/>
-      </p:nvGrpSpPr>
-      <p:grpSpPr>
-        <a:xfrm>
-          <a:off x="0" y="0"/>
-          <a:ext cx="0" cy="0"/>
-          <a:chOff x="0" y="0"/>
-          <a:chExt cx="0" cy="0"/>
-        </a:xfrm>
-      </p:grpSpPr>
-      <p:sp>
-        <p:nvSpPr>
-          <p:cNvPr id="167" name="Shape 167"/>
-          <p:cNvSpPr/>
-          <p:nvPr/>
-        </p:nvSpPr>
-        <p:spPr>
-          <a:xfrm>
-            <a:off x="386308" y="147496"/>
-            <a:ext cx="7757379" cy="553998"/>
-          </a:xfrm>
-          <a:prstGeom prst="rect">
-            <a:avLst/>
-          </a:prstGeom>
-          <a:ln w="12700">
-            <a:miter lim="400000"/>
-          </a:ln>
-          <a:extLst>
-            <a:ext uri="{C572A759-6A51-4108-AA02-DFA0A04FC94B}">
-              <ma14:wrappingTextBoxFlag xmlns="" xmlns:ma14="http://schemas.microsoft.com/office/mac/drawingml/2011/main" val="1"/>
-            </a:ext>
-          </a:extLst>
-        </p:spPr>
-        <p:txBody>
-          <a:bodyPr lIns="45719" rIns="45719">
-            <a:spAutoFit/>
-          </a:bodyPr>
-          <a:lstStyle>
-            <a:lvl1pPr>
-              <a:defRPr sz="3000" b="1">
-                <a:uFill>
-                  <a:solidFill>
-                    <a:srgbClr val="FFFFFF"/>
-                  </a:solidFill>
-                </a:uFill>
-              </a:defRPr>
-            </a:lvl1pPr>
-          </a:lstStyle>
-          <a:p>
-            <a:pPr lvl="0">
-              <a:defRPr sz="1800" b="0">
-                <a:solidFill>
-                  <a:srgbClr val="000000"/>
-                </a:solidFill>
-                <a:uFillTx/>
-              </a:defRPr>
-            </a:pPr>
-            <a:r>
-              <a:rPr sz="3000" b="1" dirty="0">
-                <a:solidFill>
-                  <a:srgbClr val="57068C"/>
-                </a:solidFill>
-                <a:uFill>
-                  <a:solidFill>
-                    <a:srgbClr val="FFFFFF"/>
-                  </a:solidFill>
-                </a:uFill>
-                <a:latin typeface="Arial Unicode MS" panose="020B0604020202020204" pitchFamily="34" charset="-128"/>
-                <a:ea typeface="Arial Unicode MS" panose="020B0604020202020204" pitchFamily="34" charset="-128"/>
-                <a:cs typeface="Arial Unicode MS" panose="020B0604020202020204" pitchFamily="34" charset="-128"/>
-              </a:rPr>
-              <a:t>Step </a:t>
-            </a:r>
-            <a:r>
-              <a:rPr lang="en-US" sz="3000" b="1" dirty="0">
-                <a:solidFill>
-                  <a:srgbClr val="57068C"/>
-                </a:solidFill>
-                <a:uFill>
-                  <a:solidFill>
-                    <a:srgbClr val="FFFFFF"/>
-                  </a:solidFill>
-                </a:uFill>
-                <a:latin typeface="Arial Unicode MS" panose="020B0604020202020204" pitchFamily="34" charset="-128"/>
-                <a:ea typeface="Arial Unicode MS" panose="020B0604020202020204" pitchFamily="34" charset="-128"/>
-                <a:cs typeface="Arial Unicode MS" panose="020B0604020202020204" pitchFamily="34" charset="-128"/>
-              </a:rPr>
-              <a:t>2</a:t>
-            </a:r>
-            <a:r>
-              <a:rPr sz="3000" b="1" dirty="0">
-                <a:solidFill>
-                  <a:srgbClr val="57068C"/>
-                </a:solidFill>
-                <a:uFill>
-                  <a:solidFill>
-                    <a:srgbClr val="FFFFFF"/>
-                  </a:solidFill>
-                </a:uFill>
-                <a:latin typeface="Arial Unicode MS" panose="020B0604020202020204" pitchFamily="34" charset="-128"/>
-                <a:ea typeface="Arial Unicode MS" panose="020B0604020202020204" pitchFamily="34" charset="-128"/>
-                <a:cs typeface="Arial Unicode MS" panose="020B0604020202020204" pitchFamily="34" charset="-128"/>
-              </a:rPr>
-              <a:t>: One to many relationships</a:t>
-            </a:r>
-          </a:p>
-        </p:txBody>
-      </p:sp>
-      <p:sp>
-        <p:nvSpPr>
-          <p:cNvPr id="168" name="Shape 168"/>
-          <p:cNvSpPr/>
-          <p:nvPr/>
-        </p:nvSpPr>
-        <p:spPr>
-          <a:xfrm>
-            <a:off x="469899" y="2286000"/>
-            <a:ext cx="7590196" cy="1243930"/>
-          </a:xfrm>
-          <a:prstGeom prst="rect">
-            <a:avLst/>
-          </a:prstGeom>
-          <a:ln w="12700">
-            <a:miter lim="400000"/>
-          </a:ln>
-          <a:extLst>
-            <a:ext uri="{C572A759-6A51-4108-AA02-DFA0A04FC94B}">
-              <ma14:wrappingTextBoxFlag xmlns="" xmlns:ma14="http://schemas.microsoft.com/office/mac/drawingml/2011/main" val="1"/>
-            </a:ext>
-          </a:extLst>
-        </p:spPr>
-        <p:txBody>
-          <a:bodyPr lIns="45719" rIns="45719">
-            <a:spAutoFit/>
-          </a:bodyPr>
-          <a:lstStyle/>
-          <a:p>
-            <a:pPr marL="307730" lvl="0" indent="-269630">
-              <a:spcBef>
-                <a:spcPts val="700"/>
-              </a:spcBef>
-              <a:buSzPct val="50000"/>
-              <a:buBlip>
-                <a:blip r:embed="rId2"/>
-              </a:buBlip>
-              <a:defRPr sz="1800">
-                <a:solidFill>
-                  <a:srgbClr val="000000"/>
-                </a:solidFill>
-                <a:uFillTx/>
-              </a:defRPr>
-            </a:pPr>
-            <a:r>
-              <a:rPr sz="2300" dirty="0">
-                <a:solidFill>
-                  <a:schemeClr val="tx1"/>
-                </a:solidFill>
-                <a:uFill>
-                  <a:solidFill/>
-                </a:uFill>
-                <a:latin typeface="Arial Unicode MS" panose="020B0604020202020204" pitchFamily="34" charset="-128"/>
-                <a:ea typeface="Arial Unicode MS" panose="020B0604020202020204" pitchFamily="34" charset="-128"/>
-                <a:cs typeface="Arial Unicode MS" panose="020B0604020202020204" pitchFamily="34" charset="-128"/>
-                <a:sym typeface="Iowan Old Style Roman"/>
-              </a:rPr>
-              <a:t>For each One-to-Many relationship </a:t>
-            </a:r>
-          </a:p>
-          <a:p>
-            <a:pPr marL="650630" lvl="1" indent="-269630">
-              <a:spcBef>
-                <a:spcPts val="700"/>
-              </a:spcBef>
-              <a:buSzPct val="100000"/>
-              <a:buChar char="•"/>
-              <a:defRPr sz="1800">
-                <a:solidFill>
-                  <a:srgbClr val="000000"/>
-                </a:solidFill>
-                <a:uFillTx/>
-              </a:defRPr>
-            </a:pPr>
-            <a:r>
-              <a:rPr sz="2300" dirty="0">
-                <a:solidFill>
-                  <a:schemeClr val="tx1"/>
-                </a:solidFill>
-                <a:uFill>
-                  <a:solidFill/>
-                </a:uFill>
-                <a:latin typeface="Arial Unicode MS" panose="020B0604020202020204" pitchFamily="34" charset="-128"/>
-                <a:ea typeface="Arial Unicode MS" panose="020B0604020202020204" pitchFamily="34" charset="-128"/>
-                <a:cs typeface="Arial Unicode MS" panose="020B0604020202020204" pitchFamily="34" charset="-128"/>
-                <a:sym typeface="Iowan Old Style Roman"/>
-              </a:rPr>
-              <a:t>Add a foreign key (FK)</a:t>
-            </a:r>
-            <a:r>
-              <a:rPr lang="en-US" sz="2300" dirty="0">
-                <a:solidFill>
-                  <a:schemeClr val="tx1"/>
-                </a:solidFill>
-                <a:uFill>
-                  <a:solidFill/>
-                </a:uFill>
-                <a:latin typeface="Arial Unicode MS" panose="020B0604020202020204" pitchFamily="34" charset="-128"/>
-                <a:ea typeface="Arial Unicode MS" panose="020B0604020202020204" pitchFamily="34" charset="-128"/>
-                <a:cs typeface="Arial Unicode MS" panose="020B0604020202020204" pitchFamily="34" charset="-128"/>
-                <a:sym typeface="Iowan Old Style Roman"/>
-              </a:rPr>
-              <a:t> </a:t>
-            </a:r>
-            <a:r>
-              <a:rPr sz="2300" dirty="0">
-                <a:solidFill>
-                  <a:schemeClr val="tx1"/>
-                </a:solidFill>
-                <a:uFill>
-                  <a:solidFill/>
-                </a:uFill>
-                <a:latin typeface="Arial Unicode MS" panose="020B0604020202020204" pitchFamily="34" charset="-128"/>
-                <a:ea typeface="Arial Unicode MS" panose="020B0604020202020204" pitchFamily="34" charset="-128"/>
-                <a:cs typeface="Arial Unicode MS" panose="020B0604020202020204" pitchFamily="34" charset="-128"/>
-                <a:sym typeface="Iowan Old Style Roman"/>
-              </a:rPr>
-              <a:t>to the table corresponding to the “many” entity</a:t>
-            </a:r>
-          </a:p>
-        </p:txBody>
-      </p:sp>
-    </p:spTree>
-    <p:extLst>
-      <p:ext uri="{BB962C8B-B14F-4D97-AF65-F5344CB8AC3E}">
-        <p14:creationId xmlns:p14="http://schemas.microsoft.com/office/powerpoint/2010/main" val="295598284"/>
-      </p:ext>
-    </p:extLst>
-  </p:cSld>
-  <p:clrMapOvr>
-    <a:masterClrMapping/>
-  </p:clrMapOvr>
-  <p:transition spd="med"/>
-</p:sld>
-</file>
-
-<file path=ppt/slides/slide21.xml><?xml version="1.0" encoding="utf-8"?>
-<p:sld xmlns:a="http://schemas.openxmlformats.org/drawingml/2006/main" xmlns:r="http://schemas.openxmlformats.org/officeDocument/2006/relationships" xmlns:p="http://schemas.openxmlformats.org/presentationml/2006/main">
-  <p:cSld>
-    <p:spTree>
-      <p:nvGrpSpPr>
-        <p:cNvPr id="1" name=""/>
-        <p:cNvGrpSpPr/>
-        <p:nvPr/>
-      </p:nvGrpSpPr>
-      <p:grpSpPr>
-        <a:xfrm>
-          <a:off x="0" y="0"/>
-          <a:ext cx="0" cy="0"/>
-          <a:chOff x="0" y="0"/>
-          <a:chExt cx="0" cy="0"/>
-        </a:xfrm>
-      </p:grpSpPr>
-      <p:pic>
-        <p:nvPicPr>
-          <p:cNvPr id="2" name="Picture 1">
-            <a:extLst>
-              <a:ext uri="{FF2B5EF4-FFF2-40B4-BE49-F238E27FC236}">
-                <a16:creationId xmlns:a16="http://schemas.microsoft.com/office/drawing/2014/main" id="{F317D794-F6ED-4944-8730-5A1FBB6E9DA4}"/>
-              </a:ext>
-            </a:extLst>
-          </p:cNvPr>
-          <p:cNvPicPr>
-            <a:picLocks noChangeAspect="1"/>
-          </p:cNvPicPr>
-          <p:nvPr/>
-        </p:nvPicPr>
-        <p:blipFill>
-          <a:blip r:embed="rId2"/>
-          <a:stretch>
-            <a:fillRect/>
-          </a:stretch>
-        </p:blipFill>
-        <p:spPr>
-          <a:xfrm>
-            <a:off x="766081" y="2038888"/>
-            <a:ext cx="6219825" cy="2486025"/>
-          </a:xfrm>
-          <a:prstGeom prst="rect">
-            <a:avLst/>
-          </a:prstGeom>
-        </p:spPr>
-      </p:pic>
-      <p:sp>
-        <p:nvSpPr>
-          <p:cNvPr id="171" name="Shape 171"/>
-          <p:cNvSpPr/>
-          <p:nvPr/>
-        </p:nvSpPr>
-        <p:spPr>
-          <a:xfrm>
-            <a:off x="386308" y="147496"/>
-            <a:ext cx="7757379" cy="553998"/>
-          </a:xfrm>
-          <a:prstGeom prst="rect">
-            <a:avLst/>
-          </a:prstGeom>
-          <a:ln w="12700">
-            <a:miter lim="400000"/>
-          </a:ln>
-          <a:extLst>
-            <a:ext uri="{C572A759-6A51-4108-AA02-DFA0A04FC94B}">
-              <ma14:wrappingTextBoxFlag xmlns="" xmlns:ma14="http://schemas.microsoft.com/office/mac/drawingml/2011/main" val="1"/>
-            </a:ext>
-          </a:extLst>
-        </p:spPr>
-        <p:txBody>
-          <a:bodyPr lIns="45719" rIns="45719">
-            <a:spAutoFit/>
-          </a:bodyPr>
-          <a:lstStyle>
-            <a:lvl1pPr>
-              <a:defRPr sz="3000" b="1">
-                <a:uFill>
-                  <a:solidFill>
-                    <a:srgbClr val="FFFFFF"/>
-                  </a:solidFill>
-                </a:uFill>
-              </a:defRPr>
-            </a:lvl1pPr>
-          </a:lstStyle>
-          <a:p>
-            <a:pPr lvl="0">
-              <a:defRPr sz="1800" b="0">
-                <a:solidFill>
-                  <a:srgbClr val="000000"/>
-                </a:solidFill>
-                <a:uFillTx/>
-              </a:defRPr>
-            </a:pPr>
-            <a:r>
-              <a:rPr sz="3000" b="1" dirty="0">
-                <a:solidFill>
-                  <a:srgbClr val="57068C"/>
-                </a:solidFill>
-                <a:uFill>
-                  <a:solidFill>
-                    <a:srgbClr val="FFFFFF"/>
-                  </a:solidFill>
-                </a:uFill>
-                <a:latin typeface="Arial Unicode MS" panose="020B0604020202020204" pitchFamily="34" charset="-128"/>
-                <a:ea typeface="Arial Unicode MS" panose="020B0604020202020204" pitchFamily="34" charset="-128"/>
-                <a:cs typeface="Arial Unicode MS" panose="020B0604020202020204" pitchFamily="34" charset="-128"/>
-              </a:rPr>
-              <a:t>Step </a:t>
-            </a:r>
-            <a:r>
-              <a:rPr lang="en-US" sz="3000" b="1" dirty="0">
-                <a:solidFill>
-                  <a:srgbClr val="57068C"/>
-                </a:solidFill>
-                <a:uFill>
-                  <a:solidFill>
-                    <a:srgbClr val="FFFFFF"/>
-                  </a:solidFill>
-                </a:uFill>
-                <a:latin typeface="Arial Unicode MS" panose="020B0604020202020204" pitchFamily="34" charset="-128"/>
-                <a:ea typeface="Arial Unicode MS" panose="020B0604020202020204" pitchFamily="34" charset="-128"/>
-                <a:cs typeface="Arial Unicode MS" panose="020B0604020202020204" pitchFamily="34" charset="-128"/>
-              </a:rPr>
-              <a:t>2</a:t>
-            </a:r>
-            <a:r>
-              <a:rPr sz="3000" b="1" dirty="0">
-                <a:solidFill>
-                  <a:srgbClr val="57068C"/>
-                </a:solidFill>
-                <a:uFill>
-                  <a:solidFill>
-                    <a:srgbClr val="FFFFFF"/>
-                  </a:solidFill>
-                </a:uFill>
-                <a:latin typeface="Arial Unicode MS" panose="020B0604020202020204" pitchFamily="34" charset="-128"/>
-                <a:ea typeface="Arial Unicode MS" panose="020B0604020202020204" pitchFamily="34" charset="-128"/>
-                <a:cs typeface="Arial Unicode MS" panose="020B0604020202020204" pitchFamily="34" charset="-128"/>
-              </a:rPr>
-              <a:t>: Example</a:t>
-            </a:r>
-          </a:p>
-        </p:txBody>
-      </p:sp>
-      <p:sp>
-        <p:nvSpPr>
-          <p:cNvPr id="173" name="Shape 173"/>
-          <p:cNvSpPr/>
-          <p:nvPr/>
-        </p:nvSpPr>
-        <p:spPr>
-          <a:xfrm>
-            <a:off x="4818757" y="3525147"/>
-            <a:ext cx="1866901" cy="364491"/>
-          </a:xfrm>
-          <a:prstGeom prst="rect">
-            <a:avLst/>
-          </a:prstGeom>
-          <a:ln w="38100">
-            <a:solidFill>
-              <a:srgbClr val="FF2600"/>
-            </a:solidFill>
-            <a:round/>
-          </a:ln>
-        </p:spPr>
-        <p:txBody>
-          <a:bodyPr lIns="0" tIns="0" rIns="0" bIns="0"/>
-          <a:lstStyle/>
-          <a:p>
-            <a:pPr lvl="0">
-              <a:defRPr sz="1800">
-                <a:solidFill>
-                  <a:srgbClr val="FF2600"/>
-                </a:solidFill>
-                <a:latin typeface="+mn-lt"/>
-                <a:ea typeface="+mn-ea"/>
-                <a:cs typeface="+mn-cs"/>
-                <a:sym typeface="Arial"/>
-              </a:defRPr>
-            </a:pPr>
-            <a:endParaRPr dirty="0">
-              <a:solidFill>
-                <a:schemeClr val="tx1"/>
-              </a:solidFill>
-              <a:latin typeface="Arial Unicode MS" panose="020B0604020202020204" pitchFamily="34" charset="-128"/>
-              <a:ea typeface="Arial Unicode MS" panose="020B0604020202020204" pitchFamily="34" charset="-128"/>
-              <a:cs typeface="Arial Unicode MS" panose="020B0604020202020204" pitchFamily="34" charset="-128"/>
-            </a:endParaRPr>
-          </a:p>
-        </p:txBody>
-      </p:sp>
-      <p:sp>
-        <p:nvSpPr>
-          <p:cNvPr id="174" name="Shape 174"/>
-          <p:cNvSpPr/>
-          <p:nvPr/>
-        </p:nvSpPr>
-        <p:spPr>
-          <a:xfrm>
-            <a:off x="6985906" y="3538204"/>
-            <a:ext cx="1270539" cy="353943"/>
-          </a:xfrm>
-          <a:prstGeom prst="rect">
-            <a:avLst/>
-          </a:prstGeom>
-          <a:ln w="12700">
-            <a:miter lim="400000"/>
-          </a:ln>
-          <a:extLst>
-            <a:ext uri="{C572A759-6A51-4108-AA02-DFA0A04FC94B}">
-              <ma14:wrappingTextBoxFlag xmlns="" xmlns:ma14="http://schemas.microsoft.com/office/mac/drawingml/2011/main" val="1"/>
-            </a:ext>
-          </a:extLst>
-        </p:spPr>
-        <p:txBody>
-          <a:bodyPr wrap="none" lIns="45719" rIns="45719">
-            <a:spAutoFit/>
-          </a:bodyPr>
-          <a:lstStyle>
-            <a:lvl1pPr>
-              <a:defRPr sz="1700">
-                <a:solidFill>
-                  <a:srgbClr val="FF2600"/>
-                </a:solidFill>
-                <a:latin typeface="+mn-lt"/>
-                <a:ea typeface="+mn-ea"/>
-                <a:cs typeface="+mn-cs"/>
-                <a:sym typeface="Arial"/>
-              </a:defRPr>
-            </a:lvl1pPr>
-          </a:lstStyle>
-          <a:p>
-            <a:pPr lvl="0">
-              <a:defRPr sz="1800">
-                <a:solidFill>
-                  <a:srgbClr val="000000"/>
-                </a:solidFill>
-                <a:uFillTx/>
-              </a:defRPr>
-            </a:pPr>
-            <a:r>
-              <a:rPr sz="1700" dirty="0">
-                <a:solidFill>
-                  <a:schemeClr val="tx1"/>
-                </a:solidFill>
-                <a:uFill>
-                  <a:solidFill/>
-                </a:uFill>
-                <a:latin typeface="Arial Unicode MS" panose="020B0604020202020204" pitchFamily="34" charset="-128"/>
-              </a:rPr>
-              <a:t>Foreign Key</a:t>
-            </a:r>
-          </a:p>
-        </p:txBody>
-      </p:sp>
-    </p:spTree>
-    <p:extLst>
-      <p:ext uri="{BB962C8B-B14F-4D97-AF65-F5344CB8AC3E}">
-        <p14:creationId xmlns:p14="http://schemas.microsoft.com/office/powerpoint/2010/main" val="846904617"/>
-      </p:ext>
-    </p:extLst>
-  </p:cSld>
-  <p:clrMapOvr>
-    <a:masterClrMapping/>
-  </p:clrMapOvr>
-  <p:transition spd="med"/>
-  <p:timing>
-    <p:tnLst>
-      <p:par>
-        <p:cTn id="1" dur="indefinite" restart="never" fill="hold" nodeType="tmRoot">
-          <p:childTnLst>
-            <p:seq concurrent="1" prevAc="none" nextAc="seek">
-              <p:cTn id="2" dur="indefinite" fill="hold" nodeType="mainSeq">
-                <p:childTnLst>
-                  <p:par>
-                    <p:cTn id="3" fill="hold">
-                      <p:stCondLst>
-                        <p:cond delay="indefinite"/>
-                      </p:stCondLst>
-                      <p:childTnLst>
-                        <p:par>
-                          <p:cTn id="4" fill="hold">
-                            <p:stCondLst>
-                              <p:cond delay="0"/>
-                            </p:stCondLst>
-                            <p:childTnLst>
-                              <p:par>
-                                <p:cTn id="5" presetID="9" presetClass="entr" presetSubtype="16" fill="hold" grpId="0" nodeType="clickEffect">
-                                  <p:stCondLst>
-                                    <p:cond delay="0"/>
-                                  </p:stCondLst>
-                                  <p:iterate>
-                                    <p:tmAbs val="0"/>
-                                  </p:iterate>
-                                  <p:childTnLst>
-                                    <p:set>
-                                      <p:cBhvr>
-                                        <p:cTn id="6" fill="hold"/>
-                                        <p:tgtEl>
-                                          <p:spTgt spid="173"/>
-                                        </p:tgtEl>
-                                        <p:attrNameLst>
-                                          <p:attrName>style.visibility</p:attrName>
-                                        </p:attrNameLst>
-                                      </p:cBhvr>
-                                      <p:to>
-                                        <p:strVal val="visible"/>
-                                      </p:to>
-                                    </p:set>
-                                    <p:animEffect transition="in" filter="dissolve(in)">
-                                      <p:cBhvr>
-                                        <p:cTn id="7" dur="750"/>
-                                        <p:tgtEl>
-                                          <p:spTgt spid="173"/>
-                                        </p:tgtEl>
-                                      </p:cBhvr>
-                                    </p:animEffect>
-                                  </p:childTnLst>
-                                </p:cTn>
-                              </p:par>
-                            </p:childTnLst>
-                          </p:cTn>
-                        </p:par>
-                      </p:childTnLst>
-                    </p:cTn>
-                  </p:par>
-                  <p:par>
-                    <p:cTn id="8" fill="hold">
-                      <p:stCondLst>
-                        <p:cond delay="indefinite"/>
-                      </p:stCondLst>
-                      <p:childTnLst>
-                        <p:par>
-                          <p:cTn id="9" fill="hold">
-                            <p:stCondLst>
-                              <p:cond delay="0"/>
-                            </p:stCondLst>
-                            <p:childTnLst>
-                              <p:par>
-                                <p:cTn id="10" presetID="9" presetClass="entr" presetSubtype="16" fill="hold" grpId="0" nodeType="clickEffect">
-                                  <p:stCondLst>
-                                    <p:cond delay="0"/>
-                                  </p:stCondLst>
-                                  <p:iterate>
-                                    <p:tmAbs val="0"/>
-                                  </p:iterate>
-                                  <p:childTnLst>
-                                    <p:set>
-                                      <p:cBhvr>
-                                        <p:cTn id="11" fill="hold"/>
-                                        <p:tgtEl>
-                                          <p:spTgt spid="174"/>
-                                        </p:tgtEl>
-                                        <p:attrNameLst>
-                                          <p:attrName>style.visibility</p:attrName>
-                                        </p:attrNameLst>
-                                      </p:cBhvr>
-                                      <p:to>
-                                        <p:strVal val="visible"/>
-                                      </p:to>
-                                    </p:set>
-                                    <p:animEffect transition="in" filter="dissolve(in)">
-                                      <p:cBhvr>
-                                        <p:cTn id="12" dur="750"/>
-                                        <p:tgtEl>
-                                          <p:spTgt spid="174"/>
-                                        </p:tgtEl>
-                                      </p:cBhvr>
-                                    </p:animEffect>
-                                  </p:childTnLst>
-                                </p:cTn>
-                              </p:par>
-                            </p:childTnLst>
-                          </p:cTn>
-                        </p:par>
-                      </p:childTnLst>
-                    </p:cTn>
-                  </p:par>
-                </p:childTnLst>
-              </p:cTn>
-              <p:prevCondLst>
-                <p:cond evt="onPrev" delay="0">
-                  <p:tgtEl>
-                    <p:sldTgt/>
-                  </p:tgtEl>
-                </p:cond>
-              </p:prevCondLst>
-              <p:nextCondLst>
-                <p:cond evt="onNext" delay="0">
-                  <p:tgtEl>
-                    <p:sldTgt/>
-                  </p:tgtEl>
-                </p:cond>
-              </p:nextCondLst>
-            </p:seq>
-          </p:childTnLst>
-        </p:cTn>
-      </p:par>
-    </p:tnLst>
-    <p:bldLst>
-      <p:bldP spid="173" grpId="0" animBg="1" advAuto="0"/>
-      <p:bldP spid="174" grpId="0" animBg="1" advAuto="0"/>
-    </p:bldLst>
-  </p:timing>
-</p:sld>
-</file>
-
-<file path=ppt/slides/slide22.xml><?xml version="1.0" encoding="utf-8"?>
-<p:sld xmlns:a="http://schemas.openxmlformats.org/drawingml/2006/main" xmlns:r="http://schemas.openxmlformats.org/officeDocument/2006/relationships" xmlns:p="http://schemas.openxmlformats.org/presentationml/2006/main">
-  <p:cSld>
-    <p:spTree>
-      <p:nvGrpSpPr>
-        <p:cNvPr id="1" name=""/>
-        <p:cNvGrpSpPr/>
-        <p:nvPr/>
-      </p:nvGrpSpPr>
-      <p:grpSpPr>
-        <a:xfrm>
-          <a:off x="0" y="0"/>
-          <a:ext cx="0" cy="0"/>
-          <a:chOff x="0" y="0"/>
-          <a:chExt cx="0" cy="0"/>
-        </a:xfrm>
-      </p:grpSpPr>
-      <p:sp>
-        <p:nvSpPr>
-          <p:cNvPr id="177" name="Shape 177"/>
-          <p:cNvSpPr/>
-          <p:nvPr/>
-        </p:nvSpPr>
-        <p:spPr>
-          <a:xfrm>
-            <a:off x="386308" y="147496"/>
-            <a:ext cx="7757379" cy="553998"/>
-          </a:xfrm>
-          <a:prstGeom prst="rect">
-            <a:avLst/>
-          </a:prstGeom>
-          <a:ln w="12700">
-            <a:miter lim="400000"/>
-          </a:ln>
-          <a:extLst>
-            <a:ext uri="{C572A759-6A51-4108-AA02-DFA0A04FC94B}">
-              <ma14:wrappingTextBoxFlag xmlns="" xmlns:ma14="http://schemas.microsoft.com/office/mac/drawingml/2011/main" val="1"/>
-            </a:ext>
-          </a:extLst>
-        </p:spPr>
-        <p:txBody>
-          <a:bodyPr lIns="45719" rIns="45719">
-            <a:spAutoFit/>
-          </a:bodyPr>
-          <a:lstStyle>
-            <a:lvl1pPr>
-              <a:defRPr sz="3000" b="1">
-                <a:uFill>
-                  <a:solidFill>
-                    <a:srgbClr val="FFFFFF"/>
-                  </a:solidFill>
-                </a:uFill>
-              </a:defRPr>
-            </a:lvl1pPr>
-          </a:lstStyle>
-          <a:p>
-            <a:pPr lvl="0">
-              <a:defRPr sz="1800" b="0">
-                <a:solidFill>
-                  <a:srgbClr val="000000"/>
-                </a:solidFill>
-                <a:uFillTx/>
-              </a:defRPr>
-            </a:pPr>
-            <a:r>
-              <a:rPr sz="3000" b="1" dirty="0">
-                <a:solidFill>
-                  <a:srgbClr val="57068C"/>
-                </a:solidFill>
-                <a:uFill>
-                  <a:solidFill>
-                    <a:srgbClr val="FFFFFF"/>
-                  </a:solidFill>
-                </a:uFill>
-                <a:latin typeface="Arial Unicode MS" panose="020B0604020202020204" pitchFamily="34" charset="-128"/>
-                <a:ea typeface="Arial Unicode MS" panose="020B0604020202020204" pitchFamily="34" charset="-128"/>
-                <a:cs typeface="Arial Unicode MS" panose="020B0604020202020204" pitchFamily="34" charset="-128"/>
-              </a:rPr>
-              <a:t>Step</a:t>
-            </a:r>
-            <a:r>
-              <a:rPr lang="en-US" sz="3000" b="1" dirty="0">
-                <a:solidFill>
-                  <a:srgbClr val="57068C"/>
-                </a:solidFill>
-                <a:uFill>
-                  <a:solidFill>
-                    <a:srgbClr val="FFFFFF"/>
-                  </a:solidFill>
-                </a:uFill>
-                <a:latin typeface="Arial Unicode MS" panose="020B0604020202020204" pitchFamily="34" charset="-128"/>
-                <a:ea typeface="Arial Unicode MS" panose="020B0604020202020204" pitchFamily="34" charset="-128"/>
-                <a:cs typeface="Arial Unicode MS" panose="020B0604020202020204" pitchFamily="34" charset="-128"/>
-              </a:rPr>
-              <a:t> 3</a:t>
-            </a:r>
-            <a:r>
-              <a:rPr sz="3000" b="1" dirty="0">
-                <a:solidFill>
-                  <a:srgbClr val="57068C"/>
-                </a:solidFill>
-                <a:uFill>
-                  <a:solidFill>
-                    <a:srgbClr val="FFFFFF"/>
-                  </a:solidFill>
-                </a:uFill>
-                <a:latin typeface="Arial Unicode MS" panose="020B0604020202020204" pitchFamily="34" charset="-128"/>
-                <a:ea typeface="Arial Unicode MS" panose="020B0604020202020204" pitchFamily="34" charset="-128"/>
-                <a:cs typeface="Arial Unicode MS" panose="020B0604020202020204" pitchFamily="34" charset="-128"/>
-              </a:rPr>
-              <a:t>: One to one Relationships</a:t>
-            </a:r>
-          </a:p>
-        </p:txBody>
-      </p:sp>
-      <p:sp>
-        <p:nvSpPr>
-          <p:cNvPr id="178" name="Shape 178"/>
-          <p:cNvSpPr/>
-          <p:nvPr/>
-        </p:nvSpPr>
-        <p:spPr>
-          <a:xfrm>
-            <a:off x="469899" y="1852386"/>
-            <a:ext cx="7590196" cy="1964640"/>
-          </a:xfrm>
-          <a:prstGeom prst="rect">
-            <a:avLst/>
-          </a:prstGeom>
-          <a:ln w="12700">
-            <a:miter lim="400000"/>
-          </a:ln>
-          <a:extLst>
-            <a:ext uri="{C572A759-6A51-4108-AA02-DFA0A04FC94B}">
-              <ma14:wrappingTextBoxFlag xmlns="" xmlns:ma14="http://schemas.microsoft.com/office/mac/drawingml/2011/main" val="1"/>
-            </a:ext>
-          </a:extLst>
-        </p:spPr>
-        <p:txBody>
-          <a:bodyPr lIns="45719" rIns="45719">
-            <a:spAutoFit/>
-          </a:bodyPr>
-          <a:lstStyle/>
-          <a:p>
-            <a:pPr marL="296007" lvl="0" indent="-257907">
-              <a:spcBef>
-                <a:spcPts val="700"/>
-              </a:spcBef>
-              <a:buSzPct val="50000"/>
-              <a:buBlip>
-                <a:blip r:embed="rId2"/>
-              </a:buBlip>
-              <a:defRPr sz="1800">
-                <a:solidFill>
-                  <a:srgbClr val="000000"/>
-                </a:solidFill>
-                <a:uFillTx/>
-              </a:defRPr>
-            </a:pPr>
-            <a:r>
-              <a:rPr sz="2200" dirty="0">
-                <a:solidFill>
-                  <a:schemeClr val="tx1"/>
-                </a:solidFill>
-                <a:uFill>
-                  <a:solidFill/>
-                </a:uFill>
-                <a:latin typeface="Arial Unicode MS" panose="020B0604020202020204" pitchFamily="34" charset="-128"/>
-                <a:ea typeface="Arial Unicode MS" panose="020B0604020202020204" pitchFamily="34" charset="-128"/>
-                <a:cs typeface="Arial Unicode MS" panose="020B0604020202020204" pitchFamily="34" charset="-128"/>
-                <a:sym typeface="Iowan Old Style Roman"/>
-              </a:rPr>
-              <a:t>We treat One-to-One relationship similarly as we treat One-to-Many relationship</a:t>
-            </a:r>
-          </a:p>
-          <a:p>
-            <a:pPr marL="296007" lvl="0" indent="-257907">
-              <a:spcBef>
-                <a:spcPts val="700"/>
-              </a:spcBef>
-              <a:buSzPct val="50000"/>
-              <a:buBlip>
-                <a:blip r:embed="rId2"/>
-              </a:buBlip>
-              <a:defRPr sz="1800">
-                <a:solidFill>
-                  <a:srgbClr val="000000"/>
-                </a:solidFill>
-                <a:uFillTx/>
-              </a:defRPr>
-            </a:pPr>
-            <a:r>
-              <a:rPr lang="en-US" sz="2200" dirty="0">
-                <a:solidFill>
-                  <a:schemeClr val="tx1"/>
-                </a:solidFill>
-                <a:uFill>
-                  <a:solidFill/>
-                </a:uFill>
-                <a:latin typeface="Arial Unicode MS" panose="020B0604020202020204" pitchFamily="34" charset="-128"/>
-                <a:ea typeface="Arial Unicode MS" panose="020B0604020202020204" pitchFamily="34" charset="-128"/>
-                <a:cs typeface="Arial Unicode MS" panose="020B0604020202020204" pitchFamily="34" charset="-128"/>
-                <a:sym typeface="Iowan Old Style Roman"/>
-              </a:rPr>
-              <a:t>Option 1: A</a:t>
-            </a:r>
-            <a:r>
-              <a:rPr sz="2200" dirty="0">
-                <a:solidFill>
-                  <a:schemeClr val="tx1"/>
-                </a:solidFill>
-                <a:uFill>
-                  <a:solidFill/>
-                </a:uFill>
-                <a:latin typeface="Arial Unicode MS" panose="020B0604020202020204" pitchFamily="34" charset="-128"/>
-                <a:ea typeface="Arial Unicode MS" panose="020B0604020202020204" pitchFamily="34" charset="-128"/>
-                <a:cs typeface="Arial Unicode MS" panose="020B0604020202020204" pitchFamily="34" charset="-128"/>
-                <a:sym typeface="Iowan Old Style Roman"/>
-              </a:rPr>
-              <a:t>dd a Foreign Key to either</a:t>
-            </a:r>
-            <a:r>
-              <a:rPr lang="en-US" sz="2200" dirty="0">
-                <a:solidFill>
-                  <a:schemeClr val="tx1"/>
-                </a:solidFill>
-                <a:uFill>
-                  <a:solidFill/>
-                </a:uFill>
-                <a:latin typeface="Arial Unicode MS" panose="020B0604020202020204" pitchFamily="34" charset="-128"/>
-                <a:ea typeface="Arial Unicode MS" panose="020B0604020202020204" pitchFamily="34" charset="-128"/>
-                <a:cs typeface="Arial Unicode MS" panose="020B0604020202020204" pitchFamily="34" charset="-128"/>
-                <a:sym typeface="Iowan Old Style Roman"/>
-              </a:rPr>
-              <a:t> of the two</a:t>
-            </a:r>
-            <a:r>
-              <a:rPr sz="2200" dirty="0">
-                <a:solidFill>
-                  <a:schemeClr val="tx1"/>
-                </a:solidFill>
-                <a:uFill>
-                  <a:solidFill/>
-                </a:uFill>
-                <a:latin typeface="Arial Unicode MS" panose="020B0604020202020204" pitchFamily="34" charset="-128"/>
-                <a:ea typeface="Arial Unicode MS" panose="020B0604020202020204" pitchFamily="34" charset="-128"/>
-                <a:cs typeface="Arial Unicode MS" panose="020B0604020202020204" pitchFamily="34" charset="-128"/>
-                <a:sym typeface="Iowan Old Style Roman"/>
-              </a:rPr>
-              <a:t> table</a:t>
-            </a:r>
-            <a:r>
-              <a:rPr lang="en-US" sz="2200" dirty="0">
-                <a:solidFill>
-                  <a:schemeClr val="tx1"/>
-                </a:solidFill>
-                <a:uFill>
-                  <a:solidFill/>
-                </a:uFill>
-                <a:latin typeface="Arial Unicode MS" panose="020B0604020202020204" pitchFamily="34" charset="-128"/>
-                <a:ea typeface="Arial Unicode MS" panose="020B0604020202020204" pitchFamily="34" charset="-128"/>
-                <a:cs typeface="Arial Unicode MS" panose="020B0604020202020204" pitchFamily="34" charset="-128"/>
-                <a:sym typeface="Iowan Old Style Roman"/>
-              </a:rPr>
-              <a:t>s</a:t>
-            </a:r>
-          </a:p>
-          <a:p>
-            <a:pPr marL="296007" lvl="0" indent="-257907">
-              <a:spcBef>
-                <a:spcPts val="700"/>
-              </a:spcBef>
-              <a:buSzPct val="50000"/>
-              <a:buBlip>
-                <a:blip r:embed="rId2"/>
-              </a:buBlip>
-              <a:defRPr sz="1800">
-                <a:solidFill>
-                  <a:srgbClr val="000000"/>
-                </a:solidFill>
-                <a:uFillTx/>
-              </a:defRPr>
-            </a:pPr>
-            <a:r>
-              <a:rPr lang="en-US" sz="2200" dirty="0">
-                <a:solidFill>
-                  <a:schemeClr val="tx1"/>
-                </a:solidFill>
-                <a:latin typeface="Arial Unicode MS" panose="020B0604020202020204" pitchFamily="34" charset="-128"/>
-                <a:ea typeface="Arial Unicode MS" panose="020B0604020202020204" pitchFamily="34" charset="-128"/>
-                <a:cs typeface="Arial Unicode MS" panose="020B0604020202020204" pitchFamily="34" charset="-128"/>
-                <a:sym typeface="Iowan Old Style Roman"/>
-              </a:rPr>
-              <a:t>Option 2: Merge the two tables (sometimes ok, sometimes bad style)</a:t>
-            </a:r>
-            <a:endParaRPr sz="2200" dirty="0">
-              <a:solidFill>
-                <a:schemeClr val="tx1"/>
-              </a:solidFill>
-              <a:uFill>
-                <a:solidFill/>
-              </a:uFill>
-              <a:latin typeface="Arial Unicode MS" panose="020B0604020202020204" pitchFamily="34" charset="-128"/>
-              <a:ea typeface="Arial Unicode MS" panose="020B0604020202020204" pitchFamily="34" charset="-128"/>
-              <a:cs typeface="Arial Unicode MS" panose="020B0604020202020204" pitchFamily="34" charset="-128"/>
-              <a:sym typeface="Iowan Old Style Roman"/>
-            </a:endParaRPr>
-          </a:p>
-        </p:txBody>
-      </p:sp>
-    </p:spTree>
-    <p:extLst>
-      <p:ext uri="{BB962C8B-B14F-4D97-AF65-F5344CB8AC3E}">
-        <p14:creationId xmlns:p14="http://schemas.microsoft.com/office/powerpoint/2010/main" val="3072558631"/>
-      </p:ext>
-    </p:extLst>
-  </p:cSld>
-  <p:clrMapOvr>
-    <a:masterClrMapping/>
-  </p:clrMapOvr>
-  <p:transition spd="med"/>
-</p:sld>
-</file>
-
-<file path=ppt/slides/slide23.xml><?xml version="1.0" encoding="utf-8"?>
-<p:sld xmlns:a="http://schemas.openxmlformats.org/drawingml/2006/main" xmlns:r="http://schemas.openxmlformats.org/officeDocument/2006/relationships" xmlns:p="http://schemas.openxmlformats.org/presentationml/2006/main">
-  <p:cSld>
-    <p:spTree>
-      <p:nvGrpSpPr>
-        <p:cNvPr id="1" name=""/>
-        <p:cNvGrpSpPr/>
-        <p:nvPr/>
-      </p:nvGrpSpPr>
-      <p:grpSpPr>
-        <a:xfrm>
-          <a:off x="0" y="0"/>
-          <a:ext cx="0" cy="0"/>
-          <a:chOff x="0" y="0"/>
-          <a:chExt cx="0" cy="0"/>
-        </a:xfrm>
-      </p:grpSpPr>
-      <p:sp>
-        <p:nvSpPr>
-          <p:cNvPr id="152" name="Shape 152"/>
-          <p:cNvSpPr/>
-          <p:nvPr/>
-        </p:nvSpPr>
-        <p:spPr>
-          <a:xfrm>
-            <a:off x="386308" y="147496"/>
-            <a:ext cx="7757379" cy="553998"/>
-          </a:xfrm>
-          <a:prstGeom prst="rect">
-            <a:avLst/>
-          </a:prstGeom>
-          <a:ln w="12700">
-            <a:miter lim="400000"/>
-          </a:ln>
-          <a:extLst>
-            <a:ext uri="{C572A759-6A51-4108-AA02-DFA0A04FC94B}">
-              <ma14:wrappingTextBoxFlag xmlns="" xmlns:ma14="http://schemas.microsoft.com/office/mac/drawingml/2011/main" val="1"/>
-            </a:ext>
-          </a:extLst>
-        </p:spPr>
-        <p:txBody>
-          <a:bodyPr lIns="45719" rIns="45719">
-            <a:spAutoFit/>
-          </a:bodyPr>
-          <a:lstStyle>
-            <a:lvl1pPr>
-              <a:defRPr sz="3000" b="1">
-                <a:uFill>
-                  <a:solidFill>
-                    <a:srgbClr val="FFFFFF"/>
-                  </a:solidFill>
-                </a:uFill>
-              </a:defRPr>
-            </a:lvl1pPr>
-          </a:lstStyle>
-          <a:p>
-            <a:pPr lvl="0">
-              <a:defRPr sz="1800" b="0">
-                <a:solidFill>
-                  <a:srgbClr val="000000"/>
-                </a:solidFill>
-                <a:uFillTx/>
-              </a:defRPr>
-            </a:pPr>
-            <a:r>
-              <a:rPr sz="3000" b="1" dirty="0">
-                <a:solidFill>
-                  <a:srgbClr val="57068C"/>
-                </a:solidFill>
-                <a:uFill>
-                  <a:solidFill>
-                    <a:srgbClr val="FFFFFF"/>
-                  </a:solidFill>
-                </a:uFill>
-                <a:latin typeface="Arial Unicode MS" panose="020B0604020202020204" pitchFamily="34" charset="-128"/>
-                <a:ea typeface="Arial Unicode MS" panose="020B0604020202020204" pitchFamily="34" charset="-128"/>
-                <a:cs typeface="Arial Unicode MS" panose="020B0604020202020204" pitchFamily="34" charset="-128"/>
-              </a:rPr>
-              <a:t>Step </a:t>
-            </a:r>
-            <a:r>
-              <a:rPr lang="en-US" sz="3000" b="1" dirty="0">
-                <a:solidFill>
-                  <a:srgbClr val="57068C"/>
-                </a:solidFill>
-                <a:uFill>
-                  <a:solidFill>
-                    <a:srgbClr val="FFFFFF"/>
-                  </a:solidFill>
-                </a:uFill>
-                <a:latin typeface="Arial Unicode MS" panose="020B0604020202020204" pitchFamily="34" charset="-128"/>
-                <a:ea typeface="Arial Unicode MS" panose="020B0604020202020204" pitchFamily="34" charset="-128"/>
-                <a:cs typeface="Arial Unicode MS" panose="020B0604020202020204" pitchFamily="34" charset="-128"/>
-              </a:rPr>
-              <a:t>4</a:t>
-            </a:r>
-            <a:r>
-              <a:rPr sz="3000" b="1" dirty="0">
-                <a:solidFill>
-                  <a:srgbClr val="57068C"/>
-                </a:solidFill>
-                <a:uFill>
-                  <a:solidFill>
-                    <a:srgbClr val="FFFFFF"/>
-                  </a:solidFill>
-                </a:uFill>
-                <a:latin typeface="Arial Unicode MS" panose="020B0604020202020204" pitchFamily="34" charset="-128"/>
-                <a:ea typeface="Arial Unicode MS" panose="020B0604020202020204" pitchFamily="34" charset="-128"/>
-                <a:cs typeface="Arial Unicode MS" panose="020B0604020202020204" pitchFamily="34" charset="-128"/>
-              </a:rPr>
-              <a:t>: Many to many relationships</a:t>
-            </a:r>
-          </a:p>
-        </p:txBody>
-      </p:sp>
-      <p:sp>
-        <p:nvSpPr>
-          <p:cNvPr id="153" name="Shape 153"/>
-          <p:cNvSpPr/>
-          <p:nvPr/>
-        </p:nvSpPr>
-        <p:spPr>
-          <a:xfrm>
-            <a:off x="469899" y="2171700"/>
-            <a:ext cx="7590196" cy="2857192"/>
-          </a:xfrm>
-          <a:prstGeom prst="rect">
-            <a:avLst/>
-          </a:prstGeom>
-          <a:ln w="12700">
-            <a:miter lim="400000"/>
-          </a:ln>
-          <a:extLst>
-            <a:ext uri="{C572A759-6A51-4108-AA02-DFA0A04FC94B}">
-              <ma14:wrappingTextBoxFlag xmlns="" xmlns:ma14="http://schemas.microsoft.com/office/mac/drawingml/2011/main" val="1"/>
-            </a:ext>
-          </a:extLst>
-        </p:spPr>
-        <p:txBody>
-          <a:bodyPr lIns="45719" rIns="45719">
-            <a:spAutoFit/>
-          </a:bodyPr>
-          <a:lstStyle/>
-          <a:p>
-            <a:pPr marL="319453" lvl="0" indent="-281353">
-              <a:spcBef>
-                <a:spcPts val="700"/>
-              </a:spcBef>
-              <a:buSzPct val="50000"/>
-              <a:buBlip>
-                <a:blip r:embed="rId2"/>
-              </a:buBlip>
-              <a:defRPr sz="1800">
-                <a:solidFill>
-                  <a:srgbClr val="000000"/>
-                </a:solidFill>
-                <a:uFillTx/>
-              </a:defRPr>
-            </a:pPr>
-            <a:r>
-              <a:rPr lang="en-US" sz="2400" dirty="0">
-                <a:solidFill>
-                  <a:schemeClr val="tx1"/>
-                </a:solidFill>
-                <a:uFill>
-                  <a:solidFill/>
-                </a:uFill>
-                <a:latin typeface="Arial Unicode MS" panose="020B0604020202020204" pitchFamily="34" charset="-128"/>
-                <a:ea typeface="Arial Unicode MS" panose="020B0604020202020204" pitchFamily="34" charset="-128"/>
-                <a:cs typeface="Arial Unicode MS" panose="020B0604020202020204" pitchFamily="34" charset="-128"/>
-                <a:sym typeface="Iowan Old Style Roman"/>
-              </a:rPr>
-              <a:t>Need to introduce </a:t>
-            </a:r>
-            <a:r>
-              <a:rPr lang="en-US" sz="2400" b="1" dirty="0">
-                <a:solidFill>
-                  <a:schemeClr val="tx1"/>
-                </a:solidFill>
-                <a:latin typeface="Arial Unicode MS" panose="020B0604020202020204" pitchFamily="34" charset="-128"/>
-                <a:ea typeface="Arial Unicode MS" panose="020B0604020202020204" pitchFamily="34" charset="-128"/>
-                <a:cs typeface="Arial Unicode MS" panose="020B0604020202020204" pitchFamily="34" charset="-128"/>
-                <a:sym typeface="Iowan Old Style Roman"/>
-              </a:rPr>
-              <a:t>bridge table</a:t>
-            </a:r>
-            <a:r>
-              <a:rPr lang="en-US" sz="2400" dirty="0">
-                <a:solidFill>
-                  <a:schemeClr val="tx1"/>
-                </a:solidFill>
-                <a:latin typeface="Arial Unicode MS" panose="020B0604020202020204" pitchFamily="34" charset="-128"/>
-                <a:ea typeface="Arial Unicode MS" panose="020B0604020202020204" pitchFamily="34" charset="-128"/>
-                <a:cs typeface="Arial Unicode MS" panose="020B0604020202020204" pitchFamily="34" charset="-128"/>
-                <a:sym typeface="Iowan Old Style Roman"/>
-              </a:rPr>
-              <a:t> (</a:t>
-            </a:r>
-            <a:r>
-              <a:rPr sz="2400" dirty="0">
-                <a:solidFill>
-                  <a:schemeClr val="tx1"/>
-                </a:solidFill>
-                <a:uFill>
-                  <a:solidFill/>
-                </a:uFill>
-                <a:latin typeface="Arial Unicode MS" panose="020B0604020202020204" pitchFamily="34" charset="-128"/>
-                <a:ea typeface="Arial Unicode MS" panose="020B0604020202020204" pitchFamily="34" charset="-128"/>
-                <a:cs typeface="Arial Unicode MS" panose="020B0604020202020204" pitchFamily="34" charset="-128"/>
-                <a:sym typeface="Iowan Old Style Roman"/>
-              </a:rPr>
-              <a:t>Each Many-to-Many relationship becomes a separate table</a:t>
-            </a:r>
-            <a:r>
-              <a:rPr lang="en-US" sz="2400" dirty="0">
-                <a:solidFill>
-                  <a:schemeClr val="tx1"/>
-                </a:solidFill>
-                <a:uFill>
-                  <a:solidFill/>
-                </a:uFill>
-                <a:latin typeface="Arial Unicode MS" panose="020B0604020202020204" pitchFamily="34" charset="-128"/>
-                <a:ea typeface="Arial Unicode MS" panose="020B0604020202020204" pitchFamily="34" charset="-128"/>
-                <a:cs typeface="Arial Unicode MS" panose="020B0604020202020204" pitchFamily="34" charset="-128"/>
-                <a:sym typeface="Iowan Old Style Roman"/>
-              </a:rPr>
-              <a:t>)</a:t>
-            </a:r>
-            <a:endParaRPr sz="2400" dirty="0">
-              <a:solidFill>
-                <a:schemeClr val="tx1"/>
-              </a:solidFill>
-              <a:uFill>
-                <a:solidFill/>
-              </a:uFill>
-              <a:latin typeface="Arial Unicode MS" panose="020B0604020202020204" pitchFamily="34" charset="-128"/>
-              <a:ea typeface="Arial Unicode MS" panose="020B0604020202020204" pitchFamily="34" charset="-128"/>
-              <a:cs typeface="Arial Unicode MS" panose="020B0604020202020204" pitchFamily="34" charset="-128"/>
-              <a:sym typeface="Iowan Old Style Roman"/>
-            </a:endParaRPr>
-          </a:p>
-          <a:p>
-            <a:pPr marL="319453" lvl="0" indent="-281353">
-              <a:spcBef>
-                <a:spcPts val="700"/>
-              </a:spcBef>
-              <a:buSzPct val="50000"/>
-              <a:buBlip>
-                <a:blip r:embed="rId2"/>
-              </a:buBlip>
-              <a:defRPr sz="1800">
-                <a:solidFill>
-                  <a:srgbClr val="000000"/>
-                </a:solidFill>
-                <a:uFillTx/>
-              </a:defRPr>
-            </a:pPr>
-            <a:r>
-              <a:rPr sz="2400" dirty="0">
-                <a:solidFill>
-                  <a:schemeClr val="tx1"/>
-                </a:solidFill>
-                <a:uFill>
-                  <a:solidFill/>
-                </a:uFill>
-                <a:latin typeface="Arial Unicode MS" panose="020B0604020202020204" pitchFamily="34" charset="-128"/>
-                <a:ea typeface="Arial Unicode MS" panose="020B0604020202020204" pitchFamily="34" charset="-128"/>
-                <a:cs typeface="Arial Unicode MS" panose="020B0604020202020204" pitchFamily="34" charset="-128"/>
-                <a:sym typeface="Iowan Old Style Roman"/>
-              </a:rPr>
-              <a:t>The primary key of the</a:t>
-            </a:r>
-            <a:r>
-              <a:rPr lang="en-US" sz="2400" dirty="0">
-                <a:solidFill>
-                  <a:schemeClr val="tx1"/>
-                </a:solidFill>
-                <a:uFill>
-                  <a:solidFill/>
-                </a:uFill>
-                <a:latin typeface="Arial Unicode MS" panose="020B0604020202020204" pitchFamily="34" charset="-128"/>
-                <a:ea typeface="Arial Unicode MS" panose="020B0604020202020204" pitchFamily="34" charset="-128"/>
-                <a:cs typeface="Arial Unicode MS" panose="020B0604020202020204" pitchFamily="34" charset="-128"/>
-                <a:sym typeface="Iowan Old Style Roman"/>
-              </a:rPr>
-              <a:t> bridge</a:t>
-            </a:r>
-            <a:r>
-              <a:rPr sz="2400" dirty="0">
-                <a:solidFill>
-                  <a:schemeClr val="tx1"/>
-                </a:solidFill>
-                <a:uFill>
-                  <a:solidFill/>
-                </a:uFill>
-                <a:latin typeface="Arial Unicode MS" panose="020B0604020202020204" pitchFamily="34" charset="-128"/>
-                <a:ea typeface="Arial Unicode MS" panose="020B0604020202020204" pitchFamily="34" charset="-128"/>
-                <a:cs typeface="Arial Unicode MS" panose="020B0604020202020204" pitchFamily="34" charset="-128"/>
-                <a:sym typeface="Iowan Old Style Roman"/>
-              </a:rPr>
-              <a:t> table is the </a:t>
-            </a:r>
-            <a:r>
-              <a:rPr sz="2400" b="1" i="1" dirty="0">
-                <a:solidFill>
-                  <a:schemeClr val="tx1"/>
-                </a:solidFill>
-                <a:uFill>
-                  <a:solidFill/>
-                </a:uFill>
-                <a:latin typeface="Arial Unicode MS" panose="020B0604020202020204" pitchFamily="34" charset="-128"/>
-                <a:ea typeface="Arial Unicode MS" panose="020B0604020202020204" pitchFamily="34" charset="-128"/>
-                <a:cs typeface="Arial Unicode MS" panose="020B0604020202020204" pitchFamily="34" charset="-128"/>
-                <a:sym typeface="Iowan Old Style Roman"/>
-              </a:rPr>
-              <a:t>combination of the primary keys </a:t>
-            </a:r>
-            <a:r>
-              <a:rPr sz="2400" dirty="0">
-                <a:solidFill>
-                  <a:schemeClr val="tx1"/>
-                </a:solidFill>
-                <a:uFill>
-                  <a:solidFill/>
-                </a:uFill>
-                <a:latin typeface="Arial Unicode MS" panose="020B0604020202020204" pitchFamily="34" charset="-128"/>
-                <a:ea typeface="Arial Unicode MS" panose="020B0604020202020204" pitchFamily="34" charset="-128"/>
-                <a:cs typeface="Arial Unicode MS" panose="020B0604020202020204" pitchFamily="34" charset="-128"/>
-                <a:sym typeface="Iowan Old Style Roman"/>
-              </a:rPr>
-              <a:t>of the entity types participating in the relationship</a:t>
-            </a:r>
-          </a:p>
-          <a:p>
-            <a:pPr marL="319453" lvl="0" indent="-281353">
-              <a:spcBef>
-                <a:spcPts val="700"/>
-              </a:spcBef>
-              <a:buSzPct val="50000"/>
-              <a:buBlip>
-                <a:blip r:embed="rId2"/>
-              </a:buBlip>
-              <a:defRPr sz="1800">
-                <a:solidFill>
-                  <a:srgbClr val="000000"/>
-                </a:solidFill>
-                <a:uFillTx/>
-              </a:defRPr>
-            </a:pPr>
-            <a:r>
-              <a:rPr lang="en-US" sz="2400" dirty="0">
-                <a:solidFill>
-                  <a:schemeClr val="tx1"/>
-                </a:solidFill>
-                <a:uFill>
-                  <a:solidFill/>
-                </a:uFill>
-                <a:latin typeface="Arial Unicode MS" panose="020B0604020202020204" pitchFamily="34" charset="-128"/>
-                <a:ea typeface="Arial Unicode MS" panose="020B0604020202020204" pitchFamily="34" charset="-128"/>
-                <a:cs typeface="Arial Unicode MS" panose="020B0604020202020204" pitchFamily="34" charset="-128"/>
-                <a:sym typeface="Iowan Old Style Roman"/>
-              </a:rPr>
-              <a:t>Each of the primary keys stored in the bridge table is a </a:t>
-            </a:r>
-            <a:r>
-              <a:rPr sz="2400" dirty="0">
-                <a:solidFill>
-                  <a:schemeClr val="tx1"/>
-                </a:solidFill>
-                <a:uFill>
-                  <a:solidFill/>
-                </a:uFill>
-                <a:latin typeface="Arial Unicode MS" panose="020B0604020202020204" pitchFamily="34" charset="-128"/>
-                <a:ea typeface="Arial Unicode MS" panose="020B0604020202020204" pitchFamily="34" charset="-128"/>
-                <a:cs typeface="Arial Unicode MS" panose="020B0604020202020204" pitchFamily="34" charset="-128"/>
-                <a:sym typeface="Iowan Old Style Roman"/>
-              </a:rPr>
-              <a:t>foreign key</a:t>
-            </a:r>
-            <a:r>
-              <a:rPr lang="en-US" sz="2400" dirty="0">
-                <a:solidFill>
-                  <a:schemeClr val="tx1"/>
-                </a:solidFill>
-                <a:uFill>
-                  <a:solidFill/>
-                </a:uFill>
-                <a:latin typeface="Arial Unicode MS" panose="020B0604020202020204" pitchFamily="34" charset="-128"/>
-                <a:ea typeface="Arial Unicode MS" panose="020B0604020202020204" pitchFamily="34" charset="-128"/>
-                <a:cs typeface="Arial Unicode MS" panose="020B0604020202020204" pitchFamily="34" charset="-128"/>
-                <a:sym typeface="Iowan Old Style Roman"/>
-              </a:rPr>
-              <a:t>, pointing to the original entity table</a:t>
-            </a:r>
-            <a:endParaRPr sz="2400" dirty="0">
-              <a:solidFill>
-                <a:schemeClr val="tx1"/>
-              </a:solidFill>
-              <a:uFill>
-                <a:solidFill/>
-              </a:uFill>
-              <a:latin typeface="Arial Unicode MS" panose="020B0604020202020204" pitchFamily="34" charset="-128"/>
-              <a:ea typeface="Arial Unicode MS" panose="020B0604020202020204" pitchFamily="34" charset="-128"/>
-              <a:cs typeface="Arial Unicode MS" panose="020B0604020202020204" pitchFamily="34" charset="-128"/>
-              <a:sym typeface="Iowan Old Style Roman"/>
-            </a:endParaRPr>
-          </a:p>
-        </p:txBody>
-      </p:sp>
-    </p:spTree>
-    <p:extLst>
-      <p:ext uri="{BB962C8B-B14F-4D97-AF65-F5344CB8AC3E}">
-        <p14:creationId xmlns:p14="http://schemas.microsoft.com/office/powerpoint/2010/main" val="220331729"/>
-      </p:ext>
-    </p:extLst>
-  </p:cSld>
-  <p:clrMapOvr>
-    <a:masterClrMapping/>
-  </p:clrMapOvr>
-  <p:transition spd="med"/>
-</p:sld>
-</file>
-
-<file path=ppt/slides/slide24.xml><?xml version="1.0" encoding="utf-8"?>
-<p:sld xmlns:a="http://schemas.openxmlformats.org/drawingml/2006/main" xmlns:r="http://schemas.openxmlformats.org/officeDocument/2006/relationships" xmlns:p="http://schemas.openxmlformats.org/presentationml/2006/main">
-  <p:cSld>
-    <p:spTree>
-      <p:nvGrpSpPr>
-        <p:cNvPr id="1" name=""/>
-        <p:cNvGrpSpPr/>
-        <p:nvPr/>
-      </p:nvGrpSpPr>
-      <p:grpSpPr>
-        <a:xfrm>
-          <a:off x="0" y="0"/>
-          <a:ext cx="0" cy="0"/>
-          <a:chOff x="0" y="0"/>
-          <a:chExt cx="0" cy="0"/>
-        </a:xfrm>
-      </p:grpSpPr>
-      <p:sp>
-        <p:nvSpPr>
-          <p:cNvPr id="156" name="Shape 156"/>
-          <p:cNvSpPr/>
-          <p:nvPr/>
-        </p:nvSpPr>
-        <p:spPr>
-          <a:xfrm>
-            <a:off x="386308" y="147496"/>
-            <a:ext cx="7757379" cy="553998"/>
-          </a:xfrm>
-          <a:prstGeom prst="rect">
-            <a:avLst/>
-          </a:prstGeom>
-          <a:ln w="12700">
-            <a:miter lim="400000"/>
-          </a:ln>
-          <a:extLst>
-            <a:ext uri="{C572A759-6A51-4108-AA02-DFA0A04FC94B}">
-              <ma14:wrappingTextBoxFlag xmlns="" xmlns:ma14="http://schemas.microsoft.com/office/mac/drawingml/2011/main" val="1"/>
-            </a:ext>
-          </a:extLst>
-        </p:spPr>
-        <p:txBody>
-          <a:bodyPr lIns="45719" rIns="45719">
-            <a:spAutoFit/>
-          </a:bodyPr>
-          <a:lstStyle>
-            <a:lvl1pPr>
-              <a:defRPr sz="3000" b="1">
-                <a:uFill>
-                  <a:solidFill>
-                    <a:srgbClr val="FFFFFF"/>
-                  </a:solidFill>
-                </a:uFill>
-              </a:defRPr>
-            </a:lvl1pPr>
-          </a:lstStyle>
-          <a:p>
-            <a:pPr lvl="0">
-              <a:defRPr sz="1800" b="0">
-                <a:solidFill>
-                  <a:srgbClr val="000000"/>
-                </a:solidFill>
-                <a:uFillTx/>
-              </a:defRPr>
-            </a:pPr>
-            <a:r>
-              <a:rPr sz="3000" b="1" dirty="0">
-                <a:solidFill>
-                  <a:srgbClr val="57068C"/>
-                </a:solidFill>
-                <a:uFill>
-                  <a:solidFill>
-                    <a:srgbClr val="FFFFFF"/>
-                  </a:solidFill>
-                </a:uFill>
-                <a:latin typeface="Arial Unicode MS" panose="020B0604020202020204" pitchFamily="34" charset="-128"/>
-                <a:ea typeface="Arial Unicode MS" panose="020B0604020202020204" pitchFamily="34" charset="-128"/>
-                <a:cs typeface="Arial Unicode MS" panose="020B0604020202020204" pitchFamily="34" charset="-128"/>
-              </a:rPr>
-              <a:t>Step </a:t>
-            </a:r>
-            <a:r>
-              <a:rPr lang="en-US" sz="3000" b="1" dirty="0">
-                <a:solidFill>
-                  <a:srgbClr val="57068C"/>
-                </a:solidFill>
-                <a:uFill>
-                  <a:solidFill>
-                    <a:srgbClr val="FFFFFF"/>
-                  </a:solidFill>
-                </a:uFill>
-                <a:latin typeface="Arial Unicode MS" panose="020B0604020202020204" pitchFamily="34" charset="-128"/>
-                <a:ea typeface="Arial Unicode MS" panose="020B0604020202020204" pitchFamily="34" charset="-128"/>
-                <a:cs typeface="Arial Unicode MS" panose="020B0604020202020204" pitchFamily="34" charset="-128"/>
-              </a:rPr>
-              <a:t>4</a:t>
-            </a:r>
-            <a:r>
-              <a:rPr sz="3000" b="1" dirty="0">
-                <a:solidFill>
-                  <a:srgbClr val="57068C"/>
-                </a:solidFill>
-                <a:uFill>
-                  <a:solidFill>
-                    <a:srgbClr val="FFFFFF"/>
-                  </a:solidFill>
-                </a:uFill>
-                <a:latin typeface="Arial Unicode MS" panose="020B0604020202020204" pitchFamily="34" charset="-128"/>
-                <a:ea typeface="Arial Unicode MS" panose="020B0604020202020204" pitchFamily="34" charset="-128"/>
-                <a:cs typeface="Arial Unicode MS" panose="020B0604020202020204" pitchFamily="34" charset="-128"/>
-              </a:rPr>
-              <a:t>: Example</a:t>
-            </a:r>
-          </a:p>
-        </p:txBody>
-      </p:sp>
-      <p:sp>
-        <p:nvSpPr>
-          <p:cNvPr id="157" name="Shape 157"/>
-          <p:cNvSpPr/>
-          <p:nvPr/>
-        </p:nvSpPr>
-        <p:spPr>
-          <a:xfrm>
-            <a:off x="469898" y="1131197"/>
-            <a:ext cx="8014139" cy="415498"/>
-          </a:xfrm>
-          <a:prstGeom prst="rect">
-            <a:avLst/>
-          </a:prstGeom>
-          <a:ln w="12700">
-            <a:miter lim="400000"/>
-          </a:ln>
-          <a:extLst>
-            <a:ext uri="{C572A759-6A51-4108-AA02-DFA0A04FC94B}">
-              <ma14:wrappingTextBoxFlag xmlns="" xmlns:ma14="http://schemas.microsoft.com/office/mac/drawingml/2011/main" val="1"/>
-            </a:ext>
-          </a:extLst>
-        </p:spPr>
-        <p:txBody>
-          <a:bodyPr wrap="square" lIns="45719" rIns="45719">
-            <a:spAutoFit/>
-          </a:bodyPr>
-          <a:lstStyle/>
-          <a:p>
-            <a:pPr marL="284284" lvl="0" indent="-246184">
-              <a:spcBef>
-                <a:spcPts val="700"/>
-              </a:spcBef>
-              <a:buSzPct val="50000"/>
-              <a:buBlip>
-                <a:blip r:embed="rId3"/>
-              </a:buBlip>
-              <a:defRPr sz="1800">
-                <a:solidFill>
-                  <a:srgbClr val="000000"/>
-                </a:solidFill>
-                <a:uFillTx/>
-              </a:defRPr>
-            </a:pPr>
-            <a:r>
-              <a:rPr sz="2100" dirty="0">
-                <a:solidFill>
-                  <a:schemeClr val="tx1"/>
-                </a:solidFill>
-                <a:uFill>
-                  <a:solidFill/>
-                </a:uFill>
-                <a:latin typeface="Arial Unicode MS" panose="020B0604020202020204" pitchFamily="34" charset="-128"/>
-                <a:ea typeface="Arial Unicode MS" panose="020B0604020202020204" pitchFamily="34" charset="-128"/>
-                <a:cs typeface="Arial Unicode MS" panose="020B0604020202020204" pitchFamily="34" charset="-128"/>
-                <a:sym typeface="Iowan Old Style Roman"/>
-              </a:rPr>
-              <a:t>Lets </a:t>
-            </a:r>
-            <a:r>
-              <a:rPr sz="2100" b="1" dirty="0">
-                <a:solidFill>
-                  <a:schemeClr val="tx1"/>
-                </a:solidFill>
-                <a:uFill>
-                  <a:solidFill/>
-                </a:uFill>
-                <a:latin typeface="Arial Unicode MS" panose="020B0604020202020204" pitchFamily="34" charset="-128"/>
-                <a:ea typeface="Arial Unicode MS" panose="020B0604020202020204" pitchFamily="34" charset="-128"/>
-                <a:cs typeface="Arial Unicode MS" panose="020B0604020202020204" pitchFamily="34" charset="-128"/>
-                <a:sym typeface="Iowan Old Style Roman"/>
-              </a:rPr>
-              <a:t>assume</a:t>
-            </a:r>
-            <a:r>
-              <a:rPr sz="2100" dirty="0">
-                <a:solidFill>
-                  <a:schemeClr val="tx1"/>
-                </a:solidFill>
-                <a:uFill>
-                  <a:solidFill/>
-                </a:uFill>
-                <a:latin typeface="Arial Unicode MS" panose="020B0604020202020204" pitchFamily="34" charset="-128"/>
-                <a:ea typeface="Arial Unicode MS" panose="020B0604020202020204" pitchFamily="34" charset="-128"/>
-                <a:cs typeface="Arial Unicode MS" panose="020B0604020202020204" pitchFamily="34" charset="-128"/>
-                <a:sym typeface="Iowan Old Style Roman"/>
-              </a:rPr>
-              <a:t> that a </a:t>
-            </a:r>
-            <a:r>
-              <a:rPr sz="2100" u="sng" dirty="0">
-                <a:solidFill>
-                  <a:schemeClr val="tx1"/>
-                </a:solidFill>
-                <a:uFill>
-                  <a:solidFill/>
-                </a:uFill>
-                <a:latin typeface="Arial Unicode MS" panose="020B0604020202020204" pitchFamily="34" charset="-128"/>
-                <a:ea typeface="Arial Unicode MS" panose="020B0604020202020204" pitchFamily="34" charset="-128"/>
-                <a:cs typeface="Arial Unicode MS" panose="020B0604020202020204" pitchFamily="34" charset="-128"/>
-                <a:sym typeface="Iowan Old Style Roman"/>
-              </a:rPr>
-              <a:t>reading</a:t>
-            </a:r>
-            <a:r>
-              <a:rPr sz="2100" dirty="0">
-                <a:solidFill>
-                  <a:schemeClr val="tx1"/>
-                </a:solidFill>
-                <a:uFill>
-                  <a:solidFill/>
-                </a:uFill>
-                <a:latin typeface="Arial Unicode MS" panose="020B0604020202020204" pitchFamily="34" charset="-128"/>
-                <a:ea typeface="Arial Unicode MS" panose="020B0604020202020204" pitchFamily="34" charset="-128"/>
-                <a:cs typeface="Arial Unicode MS" panose="020B0604020202020204" pitchFamily="34" charset="-128"/>
-                <a:sym typeface="Iowan Old Style Roman"/>
-              </a:rPr>
-              <a:t> can be done by </a:t>
-            </a:r>
-            <a:r>
-              <a:rPr sz="2100" b="1" dirty="0">
-                <a:solidFill>
-                  <a:schemeClr val="tx1"/>
-                </a:solidFill>
-                <a:uFill>
-                  <a:solidFill/>
-                </a:uFill>
-                <a:latin typeface="Arial Unicode MS" panose="020B0604020202020204" pitchFamily="34" charset="-128"/>
-                <a:ea typeface="Arial Unicode MS" panose="020B0604020202020204" pitchFamily="34" charset="-128"/>
-                <a:cs typeface="Arial Unicode MS" panose="020B0604020202020204" pitchFamily="34" charset="-128"/>
-                <a:sym typeface="Iowan Old Style Roman"/>
-              </a:rPr>
-              <a:t>many</a:t>
-            </a:r>
-            <a:r>
-              <a:rPr sz="2100" dirty="0">
-                <a:solidFill>
-                  <a:schemeClr val="tx1"/>
-                </a:solidFill>
-                <a:uFill>
-                  <a:solidFill/>
-                </a:uFill>
-                <a:latin typeface="Arial Unicode MS" panose="020B0604020202020204" pitchFamily="34" charset="-128"/>
-                <a:ea typeface="Arial Unicode MS" panose="020B0604020202020204" pitchFamily="34" charset="-128"/>
-                <a:cs typeface="Arial Unicode MS" panose="020B0604020202020204" pitchFamily="34" charset="-128"/>
-                <a:sym typeface="Iowan Old Style Roman"/>
-              </a:rPr>
-              <a:t> </a:t>
-            </a:r>
-            <a:r>
-              <a:rPr sz="2100" u="sng" dirty="0">
-                <a:solidFill>
-                  <a:schemeClr val="tx1"/>
-                </a:solidFill>
-                <a:uFill>
-                  <a:solidFill/>
-                </a:uFill>
-                <a:latin typeface="Arial Unicode MS" panose="020B0604020202020204" pitchFamily="34" charset="-128"/>
-                <a:ea typeface="Arial Unicode MS" panose="020B0604020202020204" pitchFamily="34" charset="-128"/>
-                <a:cs typeface="Arial Unicode MS" panose="020B0604020202020204" pitchFamily="34" charset="-128"/>
-                <a:sym typeface="Iowan Old Style Roman"/>
-              </a:rPr>
-              <a:t>employees</a:t>
-            </a:r>
-          </a:p>
-        </p:txBody>
-      </p:sp>
-      <p:pic>
-        <p:nvPicPr>
-          <p:cNvPr id="158" name="Screen Shot 2014-02-24 at 2.27.32 PM.png"/>
-          <p:cNvPicPr/>
-          <p:nvPr/>
-        </p:nvPicPr>
-        <p:blipFill>
-          <a:blip r:embed="rId4">
-            <a:extLst/>
-          </a:blip>
-          <a:stretch>
-            <a:fillRect/>
-          </a:stretch>
-        </p:blipFill>
-        <p:spPr>
-          <a:xfrm>
-            <a:off x="1555471" y="1661685"/>
-            <a:ext cx="5673481" cy="2427887"/>
-          </a:xfrm>
-          <a:prstGeom prst="rect">
-            <a:avLst/>
-          </a:prstGeom>
-          <a:ln w="12700">
-            <a:miter lim="400000"/>
-          </a:ln>
-        </p:spPr>
-      </p:pic>
-      <p:graphicFrame>
-        <p:nvGraphicFramePr>
-          <p:cNvPr id="159" name="Table 159"/>
-          <p:cNvGraphicFramePr/>
-          <p:nvPr>
-            <p:extLst/>
-          </p:nvPr>
-        </p:nvGraphicFramePr>
-        <p:xfrm>
-          <a:off x="482401" y="5391670"/>
-          <a:ext cx="2991047" cy="1113696"/>
-        </p:xfrm>
-        <a:graphic>
-          <a:graphicData uri="http://schemas.openxmlformats.org/drawingml/2006/table">
-            <a:tbl>
-              <a:tblPr firstRow="1" bandRow="1">
-                <a:tableStyleId>{4C3C2611-4C71-4FC5-86AE-919BDF0F9419}</a:tableStyleId>
-              </a:tblPr>
-              <a:tblGrid>
-                <a:gridCol w="1187495">
-                  <a:extLst>
-                    <a:ext uri="{9D8B030D-6E8A-4147-A177-3AD203B41FA5}">
-                      <a16:colId xmlns:a16="http://schemas.microsoft.com/office/drawing/2014/main" val="20000"/>
-                    </a:ext>
-                  </a:extLst>
-                </a:gridCol>
-                <a:gridCol w="947168">
-                  <a:extLst>
-                    <a:ext uri="{9D8B030D-6E8A-4147-A177-3AD203B41FA5}">
-                      <a16:colId xmlns:a16="http://schemas.microsoft.com/office/drawing/2014/main" val="20001"/>
-                    </a:ext>
-                  </a:extLst>
-                </a:gridCol>
-                <a:gridCol w="856384">
-                  <a:extLst>
-                    <a:ext uri="{9D8B030D-6E8A-4147-A177-3AD203B41FA5}">
-                      <a16:colId xmlns:a16="http://schemas.microsoft.com/office/drawing/2014/main" val="20002"/>
-                    </a:ext>
-                  </a:extLst>
-                </a:gridCol>
-              </a:tblGrid>
-              <a:tr h="283938">
-                <a:tc>
-                  <a:txBody>
-                    <a:bodyPr/>
-                    <a:lstStyle/>
-                    <a:p>
-                      <a:pPr lvl="0" algn="l">
-                        <a:spcBef>
-                          <a:spcPts val="500"/>
-                        </a:spcBef>
-                        <a:defRPr sz="1800" b="0" i="0">
-                          <a:solidFill>
-                            <a:srgbClr val="000000"/>
-                          </a:solidFill>
-                          <a:uFillTx/>
-                        </a:defRPr>
-                      </a:pPr>
-                      <a:r>
-                        <a:rPr sz="1200" b="1" i="1" dirty="0">
-                          <a:solidFill>
-                            <a:srgbClr val="FF2600"/>
-                          </a:solidFill>
-                          <a:uFill>
-                            <a:solidFill>
-                              <a:srgbClr val="FFFFFF"/>
-                            </a:solidFill>
-                          </a:uFill>
-                          <a:latin typeface="Arial Unicode MS" panose="020B0604020202020204" pitchFamily="34" charset="-128"/>
-                        </a:rPr>
-                        <a:t>Reading No	</a:t>
-                      </a:r>
-                    </a:p>
-                  </a:txBody>
-                  <a:tcPr marL="63500" marR="63500" marT="63500" marB="63500" horzOverflow="overflow">
-                    <a:lnL w="12700">
-                      <a:miter lim="400000"/>
-                    </a:lnL>
-                    <a:lnR w="12700">
-                      <a:miter lim="400000"/>
-                    </a:lnR>
-                    <a:lnT w="12700">
-                      <a:miter lim="400000"/>
-                    </a:lnT>
-                    <a:lnB w="12700">
-                      <a:miter lim="400000"/>
-                    </a:lnB>
-                  </a:tcPr>
-                </a:tc>
-                <a:tc>
-                  <a:txBody>
-                    <a:bodyPr/>
-                    <a:lstStyle/>
-                    <a:p>
-                      <a:pPr lvl="0" algn="l">
-                        <a:spcBef>
-                          <a:spcPts val="500"/>
-                        </a:spcBef>
-                        <a:defRPr sz="1800" b="0" i="0">
-                          <a:solidFill>
-                            <a:srgbClr val="000000"/>
-                          </a:solidFill>
-                          <a:uFillTx/>
-                        </a:defRPr>
-                      </a:pPr>
-                      <a:r>
-                        <a:rPr sz="1200" b="1" i="1" dirty="0">
-                          <a:solidFill>
-                            <a:srgbClr val="FFFFFF"/>
-                          </a:solidFill>
-                          <a:uFill>
-                            <a:solidFill>
-                              <a:srgbClr val="FFFFFF"/>
-                            </a:solidFill>
-                          </a:uFill>
-                          <a:latin typeface="Arial Unicode MS" panose="020B0604020202020204" pitchFamily="34" charset="-128"/>
-                        </a:rPr>
-                        <a:t>Timestamp</a:t>
-                      </a:r>
-                    </a:p>
-                  </a:txBody>
-                  <a:tcPr marL="63500" marR="63500" marT="63500" marB="63500" horzOverflow="overflow">
-                    <a:lnL w="12700">
-                      <a:miter lim="400000"/>
-                    </a:lnL>
-                    <a:lnR w="12700">
-                      <a:miter lim="400000"/>
-                    </a:lnR>
-                    <a:lnT w="12700">
-                      <a:miter lim="400000"/>
-                    </a:lnT>
-                    <a:lnB w="12700">
-                      <a:miter lim="400000"/>
-                    </a:lnB>
-                  </a:tcPr>
-                </a:tc>
-                <a:tc>
-                  <a:txBody>
-                    <a:bodyPr/>
-                    <a:lstStyle/>
-                    <a:p>
-                      <a:pPr lvl="0" algn="l">
-                        <a:spcBef>
-                          <a:spcPts val="500"/>
-                        </a:spcBef>
-                        <a:defRPr sz="1800" b="0" i="0">
-                          <a:solidFill>
-                            <a:srgbClr val="000000"/>
-                          </a:solidFill>
-                          <a:uFillTx/>
-                        </a:defRPr>
-                      </a:pPr>
-                      <a:r>
-                        <a:rPr sz="1200" b="1" i="1" dirty="0">
-                          <a:solidFill>
-                            <a:srgbClr val="FFFFFF"/>
-                          </a:solidFill>
-                          <a:uFill>
-                            <a:solidFill>
-                              <a:srgbClr val="FFFFFF"/>
-                            </a:solidFill>
-                          </a:uFill>
-                          <a:latin typeface="Arial Unicode MS" panose="020B0604020202020204" pitchFamily="34" charset="-128"/>
-                        </a:rPr>
-                        <a:t>…</a:t>
-                      </a:r>
-                    </a:p>
-                  </a:txBody>
-                  <a:tcPr marL="63500" marR="63500" marT="63500" marB="63500" horzOverflow="overflow">
-                    <a:lnL w="12700">
-                      <a:miter lim="400000"/>
-                    </a:lnL>
-                    <a:lnR w="12700">
-                      <a:miter lim="400000"/>
-                    </a:lnR>
-                    <a:lnT w="12700">
-                      <a:miter lim="400000"/>
-                    </a:lnT>
-                    <a:lnB w="12700">
-                      <a:miter lim="400000"/>
-                    </a:lnB>
-                  </a:tcPr>
-                </a:tc>
-                <a:extLst>
-                  <a:ext uri="{0D108BD9-81ED-4DB2-BD59-A6C34878D82A}">
-                    <a16:rowId xmlns:a16="http://schemas.microsoft.com/office/drawing/2014/main" val="10000"/>
-                  </a:ext>
-                </a:extLst>
-              </a:tr>
-              <a:tr h="310468">
-                <a:tc>
-                  <a:txBody>
-                    <a:bodyPr/>
-                    <a:lstStyle/>
-                    <a:p>
-                      <a:pPr lvl="0" algn="ctr">
-                        <a:defRPr sz="1200"/>
-                      </a:pPr>
-                      <a:endParaRPr dirty="0">
-                        <a:latin typeface="Arial Unicode MS" panose="020B0604020202020204" pitchFamily="34" charset="-128"/>
-                      </a:endParaRPr>
-                    </a:p>
-                  </a:txBody>
-                  <a:tcPr marL="63500" marR="63500" marT="63500" marB="63500" horzOverflow="overflow">
-                    <a:lnL w="12700">
-                      <a:miter lim="400000"/>
-                    </a:lnL>
-                    <a:lnR w="12700">
-                      <a:miter lim="400000"/>
-                    </a:lnR>
-                    <a:lnT w="12700">
-                      <a:miter lim="400000"/>
-                    </a:lnT>
-                    <a:lnB w="12700">
-                      <a:miter lim="400000"/>
-                    </a:lnB>
-                  </a:tcPr>
-                </a:tc>
-                <a:tc>
-                  <a:txBody>
-                    <a:bodyPr/>
-                    <a:lstStyle/>
-                    <a:p>
-                      <a:pPr lvl="0" algn="ctr">
-                        <a:defRPr sz="1200"/>
-                      </a:pPr>
-                      <a:endParaRPr dirty="0">
-                        <a:latin typeface="Arial Unicode MS" panose="020B0604020202020204" pitchFamily="34" charset="-128"/>
-                      </a:endParaRPr>
-                    </a:p>
-                  </a:txBody>
-                  <a:tcPr marL="63500" marR="63500" marT="63500" marB="63500" horzOverflow="overflow">
-                    <a:lnL w="12700">
-                      <a:miter lim="400000"/>
-                    </a:lnL>
-                    <a:lnR w="12700">
-                      <a:miter lim="400000"/>
-                    </a:lnR>
-                    <a:lnT w="12700">
-                      <a:miter lim="400000"/>
-                    </a:lnT>
-                    <a:lnB w="12700">
-                      <a:miter lim="400000"/>
-                    </a:lnB>
-                  </a:tcPr>
-                </a:tc>
-                <a:tc>
-                  <a:txBody>
-                    <a:bodyPr/>
-                    <a:lstStyle/>
-                    <a:p>
-                      <a:pPr lvl="0" algn="ctr">
-                        <a:defRPr sz="1200"/>
-                      </a:pPr>
-                      <a:endParaRPr dirty="0">
-                        <a:latin typeface="Arial Unicode MS" panose="020B0604020202020204" pitchFamily="34" charset="-128"/>
-                      </a:endParaRPr>
-                    </a:p>
-                  </a:txBody>
-                  <a:tcPr marL="63500" marR="63500" marT="63500" marB="63500" horzOverflow="overflow">
-                    <a:lnL w="12700">
-                      <a:miter lim="400000"/>
-                    </a:lnL>
-                    <a:lnR w="12700">
-                      <a:miter lim="400000"/>
-                    </a:lnR>
-                    <a:lnT w="12700">
-                      <a:miter lim="400000"/>
-                    </a:lnT>
-                    <a:lnB w="12700">
-                      <a:miter lim="400000"/>
-                    </a:lnB>
-                  </a:tcPr>
-                </a:tc>
-                <a:extLst>
-                  <a:ext uri="{0D108BD9-81ED-4DB2-BD59-A6C34878D82A}">
-                    <a16:rowId xmlns:a16="http://schemas.microsoft.com/office/drawing/2014/main" val="10001"/>
-                  </a:ext>
-                </a:extLst>
-              </a:tr>
-              <a:tr h="310468">
-                <a:tc>
-                  <a:txBody>
-                    <a:bodyPr/>
-                    <a:lstStyle/>
-                    <a:p>
-                      <a:pPr lvl="0" algn="ctr">
-                        <a:defRPr sz="1200"/>
-                      </a:pPr>
-                      <a:endParaRPr dirty="0">
-                        <a:latin typeface="Arial Unicode MS" panose="020B0604020202020204" pitchFamily="34" charset="-128"/>
-                      </a:endParaRPr>
-                    </a:p>
-                  </a:txBody>
-                  <a:tcPr marL="63500" marR="63500" marT="63500" marB="63500" horzOverflow="overflow">
-                    <a:lnL w="12700">
-                      <a:miter lim="400000"/>
-                    </a:lnL>
-                    <a:lnR w="12700">
-                      <a:miter lim="400000"/>
-                    </a:lnR>
-                    <a:lnT w="12700">
-                      <a:miter lim="400000"/>
-                    </a:lnT>
-                    <a:lnB w="12700">
-                      <a:miter lim="400000"/>
-                    </a:lnB>
-                  </a:tcPr>
-                </a:tc>
-                <a:tc>
-                  <a:txBody>
-                    <a:bodyPr/>
-                    <a:lstStyle/>
-                    <a:p>
-                      <a:pPr lvl="0" algn="ctr">
-                        <a:defRPr sz="1200"/>
-                      </a:pPr>
-                      <a:endParaRPr dirty="0">
-                        <a:latin typeface="Arial Unicode MS" panose="020B0604020202020204" pitchFamily="34" charset="-128"/>
-                      </a:endParaRPr>
-                    </a:p>
-                  </a:txBody>
-                  <a:tcPr marL="63500" marR="63500" marT="63500" marB="63500" horzOverflow="overflow">
-                    <a:lnL w="12700">
-                      <a:miter lim="400000"/>
-                    </a:lnL>
-                    <a:lnR w="12700">
-                      <a:miter lim="400000"/>
-                    </a:lnR>
-                    <a:lnT w="12700">
-                      <a:miter lim="400000"/>
-                    </a:lnT>
-                    <a:lnB w="12700">
-                      <a:miter lim="400000"/>
-                    </a:lnB>
-                  </a:tcPr>
-                </a:tc>
-                <a:tc>
-                  <a:txBody>
-                    <a:bodyPr/>
-                    <a:lstStyle/>
-                    <a:p>
-                      <a:pPr lvl="0" algn="ctr">
-                        <a:defRPr sz="1200"/>
-                      </a:pPr>
-                      <a:endParaRPr dirty="0">
-                        <a:latin typeface="Arial Unicode MS" panose="020B0604020202020204" pitchFamily="34" charset="-128"/>
-                      </a:endParaRPr>
-                    </a:p>
-                  </a:txBody>
-                  <a:tcPr marL="63500" marR="63500" marT="63500" marB="63500" horzOverflow="overflow">
-                    <a:lnL w="12700">
-                      <a:miter lim="400000"/>
-                    </a:lnL>
-                    <a:lnR w="12700">
-                      <a:miter lim="400000"/>
-                    </a:lnR>
-                    <a:lnT w="12700">
-                      <a:miter lim="400000"/>
-                    </a:lnT>
-                    <a:lnB w="12700">
-                      <a:miter lim="400000"/>
-                    </a:lnB>
-                  </a:tcPr>
-                </a:tc>
-                <a:extLst>
-                  <a:ext uri="{0D108BD9-81ED-4DB2-BD59-A6C34878D82A}">
-                    <a16:rowId xmlns:a16="http://schemas.microsoft.com/office/drawing/2014/main" val="10002"/>
-                  </a:ext>
-                </a:extLst>
-              </a:tr>
-            </a:tbl>
-          </a:graphicData>
-        </a:graphic>
-      </p:graphicFrame>
-      <p:graphicFrame>
-        <p:nvGraphicFramePr>
-          <p:cNvPr id="160" name="Table 160"/>
-          <p:cNvGraphicFramePr/>
-          <p:nvPr>
-            <p:extLst/>
-          </p:nvPr>
-        </p:nvGraphicFramePr>
-        <p:xfrm>
-          <a:off x="3071663" y="4160319"/>
-          <a:ext cx="2460723" cy="1095534"/>
-        </p:xfrm>
-        <a:graphic>
-          <a:graphicData uri="http://schemas.openxmlformats.org/drawingml/2006/table">
-            <a:tbl>
-              <a:tblPr firstRow="1" bandRow="1">
-                <a:tableStyleId>{4C3C2611-4C71-4FC5-86AE-919BDF0F9419}</a:tableStyleId>
-              </a:tblPr>
-              <a:tblGrid>
-                <a:gridCol w="1298423">
-                  <a:extLst>
-                    <a:ext uri="{9D8B030D-6E8A-4147-A177-3AD203B41FA5}">
-                      <a16:colId xmlns:a16="http://schemas.microsoft.com/office/drawing/2014/main" val="20000"/>
-                    </a:ext>
-                  </a:extLst>
-                </a:gridCol>
-                <a:gridCol w="1162300">
-                  <a:extLst>
-                    <a:ext uri="{9D8B030D-6E8A-4147-A177-3AD203B41FA5}">
-                      <a16:colId xmlns:a16="http://schemas.microsoft.com/office/drawing/2014/main" val="20001"/>
-                    </a:ext>
-                  </a:extLst>
-                </a:gridCol>
-              </a:tblGrid>
-              <a:tr h="352572">
-                <a:tc>
-                  <a:txBody>
-                    <a:bodyPr/>
-                    <a:lstStyle/>
-                    <a:p>
-                      <a:pPr lvl="0" algn="l">
-                        <a:spcBef>
-                          <a:spcPts val="500"/>
-                        </a:spcBef>
-                        <a:defRPr sz="1800" b="0" i="0">
-                          <a:solidFill>
-                            <a:srgbClr val="000000"/>
-                          </a:solidFill>
-                          <a:uFillTx/>
-                        </a:defRPr>
-                      </a:pPr>
-                      <a:r>
-                        <a:rPr sz="1300" b="1" i="1" dirty="0">
-                          <a:solidFill>
-                            <a:srgbClr val="FF2600"/>
-                          </a:solidFill>
-                          <a:uFill>
-                            <a:solidFill>
-                              <a:srgbClr val="FFFFFF"/>
-                            </a:solidFill>
-                          </a:uFill>
-                          <a:latin typeface="Arial Unicode MS" panose="020B0604020202020204" pitchFamily="34" charset="-128"/>
-                        </a:rPr>
-                        <a:t>Reading No</a:t>
-                      </a:r>
-                    </a:p>
-                  </a:txBody>
-                  <a:tcPr marL="63500" marR="63500" marT="63500" marB="63500" horzOverflow="overflow">
-                    <a:lnL w="12700">
-                      <a:miter lim="400000"/>
-                    </a:lnL>
-                    <a:lnR w="12700">
-                      <a:miter lim="400000"/>
-                    </a:lnR>
-                    <a:lnT w="12700">
-                      <a:miter lim="400000"/>
-                    </a:lnT>
-                    <a:lnB w="12700">
-                      <a:miter lim="400000"/>
-                    </a:lnB>
-                  </a:tcPr>
-                </a:tc>
-                <a:tc>
-                  <a:txBody>
-                    <a:bodyPr/>
-                    <a:lstStyle/>
-                    <a:p>
-                      <a:pPr lvl="0" algn="l">
-                        <a:spcBef>
-                          <a:spcPts val="500"/>
-                        </a:spcBef>
-                        <a:defRPr sz="1800" b="0" i="0">
-                          <a:solidFill>
-                            <a:srgbClr val="000000"/>
-                          </a:solidFill>
-                          <a:uFillTx/>
-                        </a:defRPr>
-                      </a:pPr>
-                      <a:r>
-                        <a:rPr sz="1200" b="1" i="1" dirty="0">
-                          <a:solidFill>
-                            <a:srgbClr val="008F00"/>
-                          </a:solidFill>
-                          <a:uFill>
-                            <a:solidFill>
-                              <a:srgbClr val="FFFFFF"/>
-                            </a:solidFill>
-                          </a:uFill>
-                          <a:latin typeface="Arial Unicode MS" panose="020B0604020202020204" pitchFamily="34" charset="-128"/>
-                        </a:rPr>
-                        <a:t>Employee No</a:t>
-                      </a:r>
-                    </a:p>
-                  </a:txBody>
-                  <a:tcPr marL="63500" marR="63500" marT="63500" marB="63500" horzOverflow="overflow">
-                    <a:lnL w="12700">
-                      <a:miter lim="400000"/>
-                    </a:lnL>
-                    <a:lnR w="12700">
-                      <a:miter lim="400000"/>
-                    </a:lnR>
-                    <a:lnT w="12700">
-                      <a:miter lim="400000"/>
-                    </a:lnT>
-                    <a:lnB w="12700">
-                      <a:miter lim="400000"/>
-                    </a:lnB>
-                  </a:tcPr>
-                </a:tc>
-                <a:extLst>
-                  <a:ext uri="{0D108BD9-81ED-4DB2-BD59-A6C34878D82A}">
-                    <a16:rowId xmlns:a16="http://schemas.microsoft.com/office/drawing/2014/main" val="10000"/>
-                  </a:ext>
-                </a:extLst>
-              </a:tr>
-              <a:tr h="371481">
-                <a:tc>
-                  <a:txBody>
-                    <a:bodyPr/>
-                    <a:lstStyle/>
-                    <a:p>
-                      <a:pPr lvl="0" algn="ctr">
-                        <a:defRPr sz="1200"/>
-                      </a:pPr>
-                      <a:endParaRPr dirty="0">
-                        <a:latin typeface="Arial Unicode MS" panose="020B0604020202020204" pitchFamily="34" charset="-128"/>
-                      </a:endParaRPr>
-                    </a:p>
-                  </a:txBody>
-                  <a:tcPr marL="63500" marR="63500" marT="63500" marB="63500" horzOverflow="overflow">
-                    <a:lnL w="12700">
-                      <a:miter lim="400000"/>
-                    </a:lnL>
-                    <a:lnR w="12700">
-                      <a:miter lim="400000"/>
-                    </a:lnR>
-                    <a:lnT w="12700">
-                      <a:miter lim="400000"/>
-                    </a:lnT>
-                    <a:lnB w="12700">
-                      <a:miter lim="400000"/>
-                    </a:lnB>
-                  </a:tcPr>
-                </a:tc>
-                <a:tc>
-                  <a:txBody>
-                    <a:bodyPr/>
-                    <a:lstStyle/>
-                    <a:p>
-                      <a:pPr lvl="0" algn="ctr">
-                        <a:defRPr sz="1200"/>
-                      </a:pPr>
-                      <a:endParaRPr dirty="0">
-                        <a:latin typeface="Arial Unicode MS" panose="020B0604020202020204" pitchFamily="34" charset="-128"/>
-                      </a:endParaRPr>
-                    </a:p>
-                  </a:txBody>
-                  <a:tcPr marL="63500" marR="63500" marT="63500" marB="63500" horzOverflow="overflow">
-                    <a:lnL w="12700">
-                      <a:miter lim="400000"/>
-                    </a:lnL>
-                    <a:lnR w="12700">
-                      <a:miter lim="400000"/>
-                    </a:lnR>
-                    <a:lnT w="12700">
-                      <a:miter lim="400000"/>
-                    </a:lnT>
-                    <a:lnB w="12700">
-                      <a:miter lim="400000"/>
-                    </a:lnB>
-                  </a:tcPr>
-                </a:tc>
-                <a:extLst>
-                  <a:ext uri="{0D108BD9-81ED-4DB2-BD59-A6C34878D82A}">
-                    <a16:rowId xmlns:a16="http://schemas.microsoft.com/office/drawing/2014/main" val="10001"/>
-                  </a:ext>
-                </a:extLst>
-              </a:tr>
-              <a:tr h="371481">
-                <a:tc>
-                  <a:txBody>
-                    <a:bodyPr/>
-                    <a:lstStyle/>
-                    <a:p>
-                      <a:pPr lvl="0" algn="ctr">
-                        <a:defRPr sz="1200"/>
-                      </a:pPr>
-                      <a:endParaRPr dirty="0">
-                        <a:latin typeface="Arial Unicode MS" panose="020B0604020202020204" pitchFamily="34" charset="-128"/>
-                      </a:endParaRPr>
-                    </a:p>
-                  </a:txBody>
-                  <a:tcPr marL="63500" marR="63500" marT="63500" marB="63500" horzOverflow="overflow">
-                    <a:lnL w="12700">
-                      <a:miter lim="400000"/>
-                    </a:lnL>
-                    <a:lnR w="12700">
-                      <a:miter lim="400000"/>
-                    </a:lnR>
-                    <a:lnT w="12700">
-                      <a:miter lim="400000"/>
-                    </a:lnT>
-                    <a:lnB w="12700">
-                      <a:miter lim="400000"/>
-                    </a:lnB>
-                  </a:tcPr>
-                </a:tc>
-                <a:tc>
-                  <a:txBody>
-                    <a:bodyPr/>
-                    <a:lstStyle/>
-                    <a:p>
-                      <a:pPr lvl="0" algn="ctr">
-                        <a:defRPr sz="1200"/>
-                      </a:pPr>
-                      <a:endParaRPr dirty="0">
-                        <a:latin typeface="Arial Unicode MS" panose="020B0604020202020204" pitchFamily="34" charset="-128"/>
-                      </a:endParaRPr>
-                    </a:p>
-                  </a:txBody>
-                  <a:tcPr marL="63500" marR="63500" marT="63500" marB="63500" horzOverflow="overflow">
-                    <a:lnL w="12700">
-                      <a:miter lim="400000"/>
-                    </a:lnL>
-                    <a:lnR w="12700">
-                      <a:miter lim="400000"/>
-                    </a:lnR>
-                    <a:lnT w="12700">
-                      <a:miter lim="400000"/>
-                    </a:lnT>
-                    <a:lnB w="12700">
-                      <a:miter lim="400000"/>
-                    </a:lnB>
-                  </a:tcPr>
-                </a:tc>
-                <a:extLst>
-                  <a:ext uri="{0D108BD9-81ED-4DB2-BD59-A6C34878D82A}">
-                    <a16:rowId xmlns:a16="http://schemas.microsoft.com/office/drawing/2014/main" val="10002"/>
-                  </a:ext>
-                </a:extLst>
-              </a:tr>
-            </a:tbl>
-          </a:graphicData>
-        </a:graphic>
-      </p:graphicFrame>
-      <p:graphicFrame>
-        <p:nvGraphicFramePr>
-          <p:cNvPr id="161" name="Table 161"/>
-          <p:cNvGraphicFramePr/>
-          <p:nvPr>
-            <p:extLst/>
-          </p:nvPr>
-        </p:nvGraphicFramePr>
-        <p:xfrm>
-          <a:off x="5130601" y="5391670"/>
-          <a:ext cx="2991047" cy="1113696"/>
-        </p:xfrm>
-        <a:graphic>
-          <a:graphicData uri="http://schemas.openxmlformats.org/drawingml/2006/table">
-            <a:tbl>
-              <a:tblPr firstRow="1" bandRow="1">
-                <a:tableStyleId>{4C3C2611-4C71-4FC5-86AE-919BDF0F9419}</a:tableStyleId>
-              </a:tblPr>
-              <a:tblGrid>
-                <a:gridCol w="1187495">
-                  <a:extLst>
-                    <a:ext uri="{9D8B030D-6E8A-4147-A177-3AD203B41FA5}">
-                      <a16:colId xmlns:a16="http://schemas.microsoft.com/office/drawing/2014/main" val="20000"/>
-                    </a:ext>
-                  </a:extLst>
-                </a:gridCol>
-                <a:gridCol w="947168">
-                  <a:extLst>
-                    <a:ext uri="{9D8B030D-6E8A-4147-A177-3AD203B41FA5}">
-                      <a16:colId xmlns:a16="http://schemas.microsoft.com/office/drawing/2014/main" val="20001"/>
-                    </a:ext>
-                  </a:extLst>
-                </a:gridCol>
-                <a:gridCol w="856384">
-                  <a:extLst>
-                    <a:ext uri="{9D8B030D-6E8A-4147-A177-3AD203B41FA5}">
-                      <a16:colId xmlns:a16="http://schemas.microsoft.com/office/drawing/2014/main" val="20002"/>
-                    </a:ext>
-                  </a:extLst>
-                </a:gridCol>
-              </a:tblGrid>
-              <a:tr h="283938">
-                <a:tc>
-                  <a:txBody>
-                    <a:bodyPr/>
-                    <a:lstStyle/>
-                    <a:p>
-                      <a:pPr lvl="0" algn="l">
-                        <a:spcBef>
-                          <a:spcPts val="500"/>
-                        </a:spcBef>
-                        <a:defRPr sz="1800" b="0" i="0">
-                          <a:solidFill>
-                            <a:srgbClr val="000000"/>
-                          </a:solidFill>
-                          <a:uFillTx/>
-                        </a:defRPr>
-                      </a:pPr>
-                      <a:r>
-                        <a:rPr sz="1200" b="1" i="1" dirty="0">
-                          <a:solidFill>
-                            <a:srgbClr val="008F00"/>
-                          </a:solidFill>
-                          <a:uFill>
-                            <a:solidFill>
-                              <a:srgbClr val="FFFFFF"/>
-                            </a:solidFill>
-                          </a:uFill>
-                          <a:latin typeface="Arial Unicode MS" panose="020B0604020202020204" pitchFamily="34" charset="-128"/>
-                        </a:rPr>
-                        <a:t>Employee No	</a:t>
-                      </a:r>
-                    </a:p>
-                  </a:txBody>
-                  <a:tcPr marL="63500" marR="63500" marT="63500" marB="63500" horzOverflow="overflow">
-                    <a:lnL w="12700">
-                      <a:miter lim="400000"/>
-                    </a:lnL>
-                    <a:lnR w="12700">
-                      <a:miter lim="400000"/>
-                    </a:lnR>
-                    <a:lnT w="12700">
-                      <a:miter lim="400000"/>
-                    </a:lnT>
-                    <a:lnB w="12700">
-                      <a:miter lim="400000"/>
-                    </a:lnB>
-                  </a:tcPr>
-                </a:tc>
-                <a:tc>
-                  <a:txBody>
-                    <a:bodyPr/>
-                    <a:lstStyle/>
-                    <a:p>
-                      <a:pPr lvl="0" algn="l">
-                        <a:spcBef>
-                          <a:spcPts val="500"/>
-                        </a:spcBef>
-                        <a:defRPr sz="1800" b="0" i="0">
-                          <a:solidFill>
-                            <a:srgbClr val="000000"/>
-                          </a:solidFill>
-                          <a:uFillTx/>
-                        </a:defRPr>
-                      </a:pPr>
-                      <a:r>
-                        <a:rPr sz="1200" b="1" i="1" dirty="0">
-                          <a:solidFill>
-                            <a:srgbClr val="FFFFFF"/>
-                          </a:solidFill>
-                          <a:uFill>
-                            <a:solidFill>
-                              <a:srgbClr val="FFFFFF"/>
-                            </a:solidFill>
-                          </a:uFill>
-                          <a:latin typeface="Arial Unicode MS" panose="020B0604020202020204" pitchFamily="34" charset="-128"/>
-                        </a:rPr>
-                        <a:t>Name</a:t>
-                      </a:r>
-                    </a:p>
-                  </a:txBody>
-                  <a:tcPr marL="63500" marR="63500" marT="63500" marB="63500" horzOverflow="overflow">
-                    <a:lnL w="12700">
-                      <a:miter lim="400000"/>
-                    </a:lnL>
-                    <a:lnR w="12700">
-                      <a:miter lim="400000"/>
-                    </a:lnR>
-                    <a:lnT w="12700">
-                      <a:miter lim="400000"/>
-                    </a:lnT>
-                    <a:lnB w="12700">
-                      <a:miter lim="400000"/>
-                    </a:lnB>
-                  </a:tcPr>
-                </a:tc>
-                <a:tc>
-                  <a:txBody>
-                    <a:bodyPr/>
-                    <a:lstStyle/>
-                    <a:p>
-                      <a:pPr lvl="0" algn="l">
-                        <a:spcBef>
-                          <a:spcPts val="500"/>
-                        </a:spcBef>
-                        <a:defRPr sz="1800" b="0" i="0">
-                          <a:solidFill>
-                            <a:srgbClr val="000000"/>
-                          </a:solidFill>
-                          <a:uFillTx/>
-                        </a:defRPr>
-                      </a:pPr>
-                      <a:r>
-                        <a:rPr sz="1200" b="1" i="1" dirty="0">
-                          <a:solidFill>
-                            <a:srgbClr val="FFFFFF"/>
-                          </a:solidFill>
-                          <a:uFill>
-                            <a:solidFill>
-                              <a:srgbClr val="FFFFFF"/>
-                            </a:solidFill>
-                          </a:uFill>
-                          <a:latin typeface="Arial Unicode MS" panose="020B0604020202020204" pitchFamily="34" charset="-128"/>
-                        </a:rPr>
-                        <a:t>…</a:t>
-                      </a:r>
-                    </a:p>
-                  </a:txBody>
-                  <a:tcPr marL="63500" marR="63500" marT="63500" marB="63500" horzOverflow="overflow">
-                    <a:lnL w="12700">
-                      <a:miter lim="400000"/>
-                    </a:lnL>
-                    <a:lnR w="12700">
-                      <a:miter lim="400000"/>
-                    </a:lnR>
-                    <a:lnT w="12700">
-                      <a:miter lim="400000"/>
-                    </a:lnT>
-                    <a:lnB w="12700">
-                      <a:miter lim="400000"/>
-                    </a:lnB>
-                  </a:tcPr>
-                </a:tc>
-                <a:extLst>
-                  <a:ext uri="{0D108BD9-81ED-4DB2-BD59-A6C34878D82A}">
-                    <a16:rowId xmlns:a16="http://schemas.microsoft.com/office/drawing/2014/main" val="10000"/>
-                  </a:ext>
-                </a:extLst>
-              </a:tr>
-              <a:tr h="310468">
-                <a:tc>
-                  <a:txBody>
-                    <a:bodyPr/>
-                    <a:lstStyle/>
-                    <a:p>
-                      <a:pPr lvl="0" algn="ctr">
-                        <a:defRPr sz="1200"/>
-                      </a:pPr>
-                      <a:endParaRPr dirty="0">
-                        <a:latin typeface="Arial Unicode MS" panose="020B0604020202020204" pitchFamily="34" charset="-128"/>
-                      </a:endParaRPr>
-                    </a:p>
-                  </a:txBody>
-                  <a:tcPr marL="63500" marR="63500" marT="63500" marB="63500" horzOverflow="overflow">
-                    <a:lnL w="12700">
-                      <a:miter lim="400000"/>
-                    </a:lnL>
-                    <a:lnR w="12700">
-                      <a:miter lim="400000"/>
-                    </a:lnR>
-                    <a:lnT w="12700">
-                      <a:miter lim="400000"/>
-                    </a:lnT>
-                    <a:lnB w="12700">
-                      <a:miter lim="400000"/>
-                    </a:lnB>
-                  </a:tcPr>
-                </a:tc>
-                <a:tc>
-                  <a:txBody>
-                    <a:bodyPr/>
-                    <a:lstStyle/>
-                    <a:p>
-                      <a:pPr lvl="0" algn="ctr">
-                        <a:defRPr sz="1200"/>
-                      </a:pPr>
-                      <a:endParaRPr dirty="0">
-                        <a:latin typeface="Arial Unicode MS" panose="020B0604020202020204" pitchFamily="34" charset="-128"/>
-                      </a:endParaRPr>
-                    </a:p>
-                  </a:txBody>
-                  <a:tcPr marL="63500" marR="63500" marT="63500" marB="63500" horzOverflow="overflow">
-                    <a:lnL w="12700">
-                      <a:miter lim="400000"/>
-                    </a:lnL>
-                    <a:lnR w="12700">
-                      <a:miter lim="400000"/>
-                    </a:lnR>
-                    <a:lnT w="12700">
-                      <a:miter lim="400000"/>
-                    </a:lnT>
-                    <a:lnB w="12700">
-                      <a:miter lim="400000"/>
-                    </a:lnB>
-                  </a:tcPr>
-                </a:tc>
-                <a:tc>
-                  <a:txBody>
-                    <a:bodyPr/>
-                    <a:lstStyle/>
-                    <a:p>
-                      <a:pPr lvl="0" algn="ctr">
-                        <a:defRPr sz="1200"/>
-                      </a:pPr>
-                      <a:endParaRPr dirty="0">
-                        <a:latin typeface="Arial Unicode MS" panose="020B0604020202020204" pitchFamily="34" charset="-128"/>
-                      </a:endParaRPr>
-                    </a:p>
-                  </a:txBody>
-                  <a:tcPr marL="63500" marR="63500" marT="63500" marB="63500" horzOverflow="overflow">
-                    <a:lnL w="12700">
-                      <a:miter lim="400000"/>
-                    </a:lnL>
-                    <a:lnR w="12700">
-                      <a:miter lim="400000"/>
-                    </a:lnR>
-                    <a:lnT w="12700">
-                      <a:miter lim="400000"/>
-                    </a:lnT>
-                    <a:lnB w="12700">
-                      <a:miter lim="400000"/>
-                    </a:lnB>
-                  </a:tcPr>
-                </a:tc>
-                <a:extLst>
-                  <a:ext uri="{0D108BD9-81ED-4DB2-BD59-A6C34878D82A}">
-                    <a16:rowId xmlns:a16="http://schemas.microsoft.com/office/drawing/2014/main" val="10001"/>
-                  </a:ext>
-                </a:extLst>
-              </a:tr>
-              <a:tr h="310468">
-                <a:tc>
-                  <a:txBody>
-                    <a:bodyPr/>
-                    <a:lstStyle/>
-                    <a:p>
-                      <a:pPr lvl="0" algn="ctr">
-                        <a:defRPr sz="1200"/>
-                      </a:pPr>
-                      <a:endParaRPr dirty="0">
-                        <a:latin typeface="Arial Unicode MS" panose="020B0604020202020204" pitchFamily="34" charset="-128"/>
-                      </a:endParaRPr>
-                    </a:p>
-                  </a:txBody>
-                  <a:tcPr marL="63500" marR="63500" marT="63500" marB="63500" horzOverflow="overflow">
-                    <a:lnL w="12700">
-                      <a:miter lim="400000"/>
-                    </a:lnL>
-                    <a:lnR w="12700">
-                      <a:miter lim="400000"/>
-                    </a:lnR>
-                    <a:lnT w="12700">
-                      <a:miter lim="400000"/>
-                    </a:lnT>
-                    <a:lnB w="12700">
-                      <a:miter lim="400000"/>
-                    </a:lnB>
-                  </a:tcPr>
-                </a:tc>
-                <a:tc>
-                  <a:txBody>
-                    <a:bodyPr/>
-                    <a:lstStyle/>
-                    <a:p>
-                      <a:pPr lvl="0" algn="ctr">
-                        <a:defRPr sz="1200"/>
-                      </a:pPr>
-                      <a:endParaRPr dirty="0">
-                        <a:latin typeface="Arial Unicode MS" panose="020B0604020202020204" pitchFamily="34" charset="-128"/>
-                      </a:endParaRPr>
-                    </a:p>
-                  </a:txBody>
-                  <a:tcPr marL="63500" marR="63500" marT="63500" marB="63500" horzOverflow="overflow">
-                    <a:lnL w="12700">
-                      <a:miter lim="400000"/>
-                    </a:lnL>
-                    <a:lnR w="12700">
-                      <a:miter lim="400000"/>
-                    </a:lnR>
-                    <a:lnT w="12700">
-                      <a:miter lim="400000"/>
-                    </a:lnT>
-                    <a:lnB w="12700">
-                      <a:miter lim="400000"/>
-                    </a:lnB>
-                  </a:tcPr>
-                </a:tc>
-                <a:tc>
-                  <a:txBody>
-                    <a:bodyPr/>
-                    <a:lstStyle/>
-                    <a:p>
-                      <a:pPr lvl="0" algn="ctr">
-                        <a:defRPr sz="1200"/>
-                      </a:pPr>
-                      <a:endParaRPr dirty="0">
-                        <a:latin typeface="Arial Unicode MS" panose="020B0604020202020204" pitchFamily="34" charset="-128"/>
-                      </a:endParaRPr>
-                    </a:p>
-                  </a:txBody>
-                  <a:tcPr marL="63500" marR="63500" marT="63500" marB="63500" horzOverflow="overflow">
-                    <a:lnL w="12700">
-                      <a:miter lim="400000"/>
-                    </a:lnL>
-                    <a:lnR w="12700">
-                      <a:miter lim="400000"/>
-                    </a:lnR>
-                    <a:lnT w="12700">
-                      <a:miter lim="400000"/>
-                    </a:lnT>
-                    <a:lnB w="12700">
-                      <a:miter lim="400000"/>
-                    </a:lnB>
-                  </a:tcPr>
-                </a:tc>
-                <a:extLst>
-                  <a:ext uri="{0D108BD9-81ED-4DB2-BD59-A6C34878D82A}">
-                    <a16:rowId xmlns:a16="http://schemas.microsoft.com/office/drawing/2014/main" val="10002"/>
-                  </a:ext>
-                </a:extLst>
-              </a:tr>
-            </a:tbl>
-          </a:graphicData>
-        </a:graphic>
-      </p:graphicFrame>
-      <p:sp>
-        <p:nvSpPr>
-          <p:cNvPr id="162" name="Shape 162"/>
-          <p:cNvSpPr/>
-          <p:nvPr/>
-        </p:nvSpPr>
-        <p:spPr>
-          <a:xfrm flipH="1">
-            <a:off x="1478128" y="3370987"/>
-            <a:ext cx="630515" cy="1976715"/>
-          </a:xfrm>
-          <a:prstGeom prst="line">
-            <a:avLst/>
-          </a:prstGeom>
-          <a:ln w="38100">
-            <a:solidFill>
-              <a:srgbClr val="929000"/>
-            </a:solidFill>
-            <a:round/>
-            <a:tailEnd type="triangle"/>
-          </a:ln>
-          <a:effectLst>
-            <a:outerShdw blurRad="38100" dist="20000" dir="5400000" rotWithShape="0">
-              <a:srgbClr val="000000">
-                <a:alpha val="38000"/>
-              </a:srgbClr>
-            </a:outerShdw>
-          </a:effectLst>
-        </p:spPr>
-        <p:txBody>
-          <a:bodyPr lIns="0" tIns="0" rIns="0" bIns="0"/>
-          <a:lstStyle/>
-          <a:p>
-            <a:pPr lvl="0" defTabSz="457200">
-              <a:defRPr sz="1200">
-                <a:solidFill>
-                  <a:srgbClr val="FF2600"/>
-                </a:solidFill>
-                <a:uFillTx/>
-                <a:latin typeface="+mj-lt"/>
-                <a:ea typeface="+mj-ea"/>
-                <a:cs typeface="+mj-cs"/>
-                <a:sym typeface="Helvetica"/>
-              </a:defRPr>
-            </a:pPr>
-            <a:endParaRPr dirty="0">
-              <a:solidFill>
-                <a:schemeClr val="tx1"/>
-              </a:solidFill>
-              <a:latin typeface="Arial Unicode MS" panose="020B0604020202020204" pitchFamily="34" charset="-128"/>
-              <a:ea typeface="Arial Unicode MS" panose="020B0604020202020204" pitchFamily="34" charset="-128"/>
-              <a:cs typeface="Arial Unicode MS" panose="020B0604020202020204" pitchFamily="34" charset="-128"/>
-            </a:endParaRPr>
-          </a:p>
-        </p:txBody>
-      </p:sp>
-      <p:sp>
-        <p:nvSpPr>
-          <p:cNvPr id="163" name="Shape 163"/>
-          <p:cNvSpPr/>
-          <p:nvPr/>
-        </p:nvSpPr>
-        <p:spPr>
-          <a:xfrm>
-            <a:off x="4302025" y="3507613"/>
-            <a:ext cx="1" cy="523241"/>
-          </a:xfrm>
-          <a:prstGeom prst="line">
-            <a:avLst/>
-          </a:prstGeom>
-          <a:ln w="38100">
-            <a:solidFill>
-              <a:srgbClr val="929000"/>
-            </a:solidFill>
-            <a:round/>
-            <a:tailEnd type="triangle"/>
-          </a:ln>
-          <a:effectLst>
-            <a:outerShdw blurRad="38100" dist="20000" dir="5400000" rotWithShape="0">
-              <a:srgbClr val="000000">
-                <a:alpha val="38000"/>
-              </a:srgbClr>
-            </a:outerShdw>
-          </a:effectLst>
-        </p:spPr>
-        <p:txBody>
-          <a:bodyPr lIns="0" tIns="0" rIns="0" bIns="0"/>
-          <a:lstStyle/>
-          <a:p>
-            <a:pPr lvl="0" defTabSz="457200">
-              <a:defRPr sz="1200">
-                <a:solidFill>
-                  <a:srgbClr val="FF2600"/>
-                </a:solidFill>
-                <a:uFillTx/>
-                <a:latin typeface="+mj-lt"/>
-                <a:ea typeface="+mj-ea"/>
-                <a:cs typeface="+mj-cs"/>
-                <a:sym typeface="Helvetica"/>
-              </a:defRPr>
-            </a:pPr>
-            <a:endParaRPr dirty="0">
-              <a:solidFill>
-                <a:schemeClr val="tx1"/>
-              </a:solidFill>
-              <a:latin typeface="Arial Unicode MS" panose="020B0604020202020204" pitchFamily="34" charset="-128"/>
-              <a:ea typeface="Arial Unicode MS" panose="020B0604020202020204" pitchFamily="34" charset="-128"/>
-              <a:cs typeface="Arial Unicode MS" panose="020B0604020202020204" pitchFamily="34" charset="-128"/>
-            </a:endParaRPr>
-          </a:p>
-        </p:txBody>
-      </p:sp>
-      <p:sp>
-        <p:nvSpPr>
-          <p:cNvPr id="164" name="Shape 164"/>
-          <p:cNvSpPr/>
-          <p:nvPr/>
-        </p:nvSpPr>
-        <p:spPr>
-          <a:xfrm>
-            <a:off x="6299641" y="3722624"/>
-            <a:ext cx="1" cy="1469019"/>
-          </a:xfrm>
-          <a:prstGeom prst="line">
-            <a:avLst/>
-          </a:prstGeom>
-          <a:ln w="38100">
-            <a:solidFill>
-              <a:srgbClr val="929000"/>
-            </a:solidFill>
-            <a:round/>
-            <a:tailEnd type="triangle"/>
-          </a:ln>
-          <a:effectLst>
-            <a:outerShdw blurRad="38100" dist="20000" dir="5400000" rotWithShape="0">
-              <a:srgbClr val="000000">
-                <a:alpha val="38000"/>
-              </a:srgbClr>
-            </a:outerShdw>
-          </a:effectLst>
-        </p:spPr>
-        <p:txBody>
-          <a:bodyPr lIns="0" tIns="0" rIns="0" bIns="0"/>
-          <a:lstStyle/>
-          <a:p>
-            <a:pPr lvl="0" defTabSz="457200">
-              <a:defRPr sz="1200">
-                <a:solidFill>
-                  <a:srgbClr val="FF2600"/>
-                </a:solidFill>
-                <a:uFillTx/>
-                <a:latin typeface="+mj-lt"/>
-                <a:ea typeface="+mj-ea"/>
-                <a:cs typeface="+mj-cs"/>
-                <a:sym typeface="Helvetica"/>
-              </a:defRPr>
-            </a:pPr>
-            <a:endParaRPr dirty="0">
-              <a:solidFill>
-                <a:schemeClr val="tx1"/>
-              </a:solidFill>
-              <a:latin typeface="Arial Unicode MS" panose="020B0604020202020204" pitchFamily="34" charset="-128"/>
-              <a:ea typeface="Arial Unicode MS" panose="020B0604020202020204" pitchFamily="34" charset="-128"/>
-              <a:cs typeface="Arial Unicode MS" panose="020B0604020202020204" pitchFamily="34" charset="-128"/>
-            </a:endParaRPr>
-          </a:p>
-        </p:txBody>
-      </p:sp>
-    </p:spTree>
-    <p:extLst>
-      <p:ext uri="{BB962C8B-B14F-4D97-AF65-F5344CB8AC3E}">
-        <p14:creationId xmlns:p14="http://schemas.microsoft.com/office/powerpoint/2010/main" val="366092637"/>
-      </p:ext>
-    </p:extLst>
-  </p:cSld>
-  <p:clrMapOvr>
-    <a:masterClrMapping/>
-  </p:clrMapOvr>
-  <p:transition spd="med"/>
-  <p:timing>
-    <p:tnLst>
-      <p:par>
-        <p:cTn id="1" dur="indefinite" restart="never" fill="hold" nodeType="tmRoot">
-          <p:childTnLst>
-            <p:seq concurrent="1" prevAc="none" nextAc="seek">
-              <p:cTn id="2" dur="indefinite" fill="hold" nodeType="mainSeq">
-                <p:childTnLst>
-                  <p:par>
-                    <p:cTn id="3" fill="hold">
-                      <p:stCondLst>
-                        <p:cond delay="indefinite"/>
-                      </p:stCondLst>
-                      <p:childTnLst>
-                        <p:par>
-                          <p:cTn id="4" fill="hold">
-                            <p:stCondLst>
-                              <p:cond delay="0"/>
-                            </p:stCondLst>
-                            <p:childTnLst>
-                              <p:par>
-                                <p:cTn id="5" presetID="23" presetClass="entr" presetSubtype="32" fill="hold" grpId="0" nodeType="clickEffect">
-                                  <p:stCondLst>
-                                    <p:cond delay="0"/>
-                                  </p:stCondLst>
-                                  <p:iterate>
-                                    <p:tmAbs val="0"/>
-                                  </p:iterate>
-                                  <p:childTnLst>
-                                    <p:set>
-                                      <p:cBhvr>
-                                        <p:cTn id="6" fill="hold"/>
-                                        <p:tgtEl>
-                                          <p:spTgt spid="158"/>
-                                        </p:tgtEl>
-                                        <p:attrNameLst>
-                                          <p:attrName>style.visibility</p:attrName>
-                                        </p:attrNameLst>
-                                      </p:cBhvr>
-                                      <p:to>
-                                        <p:strVal val="visible"/>
-                                      </p:to>
-                                    </p:set>
-                                    <p:anim calcmode="lin" valueType="num">
-                                      <p:cBhvr>
-                                        <p:cTn id="7" dur="750" fill="hold"/>
-                                        <p:tgtEl>
-                                          <p:spTgt spid="158"/>
-                                        </p:tgtEl>
-                                        <p:attrNameLst>
-                                          <p:attrName>ppt_w</p:attrName>
-                                        </p:attrNameLst>
-                                      </p:cBhvr>
-                                      <p:tavLst>
-                                        <p:tav tm="0">
-                                          <p:val>
-                                            <p:fltVal val="0"/>
-                                          </p:val>
-                                        </p:tav>
-                                        <p:tav tm="100000">
-                                          <p:val>
-                                            <p:strVal val="#ppt_w"/>
-                                          </p:val>
-                                        </p:tav>
-                                      </p:tavLst>
-                                    </p:anim>
-                                    <p:anim calcmode="lin" valueType="num">
-                                      <p:cBhvr>
-                                        <p:cTn id="8" dur="750" fill="hold"/>
-                                        <p:tgtEl>
-                                          <p:spTgt spid="158"/>
-                                        </p:tgtEl>
-                                        <p:attrNameLst>
-                                          <p:attrName>ppt_h</p:attrName>
-                                        </p:attrNameLst>
-                                      </p:cBhvr>
-                                      <p:tavLst>
-                                        <p:tav tm="0">
-                                          <p:val>
-                                            <p:fltVal val="0"/>
-                                          </p:val>
-                                        </p:tav>
-                                        <p:tav tm="100000">
-                                          <p:val>
-                                            <p:strVal val="#ppt_h"/>
-                                          </p:val>
-                                        </p:tav>
-                                      </p:tavLst>
-                                    </p:anim>
-                                  </p:childTnLst>
-                                </p:cTn>
-                              </p:par>
-                            </p:childTnLst>
-                          </p:cTn>
-                        </p:par>
-                      </p:childTnLst>
-                    </p:cTn>
-                  </p:par>
-                  <p:par>
-                    <p:cTn id="9" fill="hold">
-                      <p:stCondLst>
-                        <p:cond delay="indefinite"/>
-                      </p:stCondLst>
-                      <p:childTnLst>
-                        <p:par>
-                          <p:cTn id="10" fill="hold">
-                            <p:stCondLst>
-                              <p:cond delay="0"/>
-                            </p:stCondLst>
-                            <p:childTnLst>
-                              <p:par>
-                                <p:cTn id="11" presetID="9" presetClass="entr" presetSubtype="16" fill="hold" grpId="0" nodeType="clickEffect">
-                                  <p:stCondLst>
-                                    <p:cond delay="0"/>
-                                  </p:stCondLst>
-                                  <p:iterate>
-                                    <p:tmAbs val="0"/>
-                                  </p:iterate>
-                                  <p:childTnLst>
-                                    <p:set>
-                                      <p:cBhvr>
-                                        <p:cTn id="12" fill="hold"/>
-                                        <p:tgtEl>
-                                          <p:spTgt spid="163"/>
-                                        </p:tgtEl>
-                                        <p:attrNameLst>
-                                          <p:attrName>style.visibility</p:attrName>
-                                        </p:attrNameLst>
-                                      </p:cBhvr>
-                                      <p:to>
-                                        <p:strVal val="visible"/>
-                                      </p:to>
-                                    </p:set>
-                                    <p:animEffect transition="in" filter="dissolve(in)">
-                                      <p:cBhvr>
-                                        <p:cTn id="13" dur="750"/>
-                                        <p:tgtEl>
-                                          <p:spTgt spid="163"/>
-                                        </p:tgtEl>
-                                      </p:cBhvr>
-                                    </p:animEffect>
-                                  </p:childTnLst>
-                                </p:cTn>
-                              </p:par>
-                            </p:childTnLst>
-                          </p:cTn>
-                        </p:par>
-                      </p:childTnLst>
-                    </p:cTn>
-                  </p:par>
-                  <p:par>
-                    <p:cTn id="14" fill="hold">
-                      <p:stCondLst>
-                        <p:cond delay="indefinite"/>
-                      </p:stCondLst>
-                      <p:childTnLst>
-                        <p:par>
-                          <p:cTn id="15" fill="hold">
-                            <p:stCondLst>
-                              <p:cond delay="0"/>
-                            </p:stCondLst>
-                            <p:childTnLst>
-                              <p:par>
-                                <p:cTn id="16" presetID="23" presetClass="entr" presetSubtype="32" fill="hold" grpId="0" nodeType="clickEffect">
-                                  <p:stCondLst>
-                                    <p:cond delay="0"/>
-                                  </p:stCondLst>
-                                  <p:iterate>
-                                    <p:tmAbs val="0"/>
-                                  </p:iterate>
-                                  <p:childTnLst>
-                                    <p:set>
-                                      <p:cBhvr>
-                                        <p:cTn id="17" fill="hold"/>
-                                        <p:tgtEl>
-                                          <p:spTgt spid="160"/>
-                                        </p:tgtEl>
-                                        <p:attrNameLst>
-                                          <p:attrName>style.visibility</p:attrName>
-                                        </p:attrNameLst>
-                                      </p:cBhvr>
-                                      <p:to>
-                                        <p:strVal val="visible"/>
-                                      </p:to>
-                                    </p:set>
-                                    <p:anim calcmode="lin" valueType="num">
-                                      <p:cBhvr>
-                                        <p:cTn id="18" dur="750" fill="hold"/>
-                                        <p:tgtEl>
-                                          <p:spTgt spid="160"/>
-                                        </p:tgtEl>
-                                        <p:attrNameLst>
-                                          <p:attrName>ppt_w</p:attrName>
-                                        </p:attrNameLst>
-                                      </p:cBhvr>
-                                      <p:tavLst>
-                                        <p:tav tm="0">
-                                          <p:val>
-                                            <p:fltVal val="0"/>
-                                          </p:val>
-                                        </p:tav>
-                                        <p:tav tm="100000">
-                                          <p:val>
-                                            <p:strVal val="#ppt_w"/>
-                                          </p:val>
-                                        </p:tav>
-                                      </p:tavLst>
-                                    </p:anim>
-                                    <p:anim calcmode="lin" valueType="num">
-                                      <p:cBhvr>
-                                        <p:cTn id="19" dur="750" fill="hold"/>
-                                        <p:tgtEl>
-                                          <p:spTgt spid="160"/>
-                                        </p:tgtEl>
-                                        <p:attrNameLst>
-                                          <p:attrName>ppt_h</p:attrName>
-                                        </p:attrNameLst>
-                                      </p:cBhvr>
-                                      <p:tavLst>
-                                        <p:tav tm="0">
-                                          <p:val>
-                                            <p:fltVal val="0"/>
-                                          </p:val>
-                                        </p:tav>
-                                        <p:tav tm="100000">
-                                          <p:val>
-                                            <p:strVal val="#ppt_h"/>
-                                          </p:val>
-                                        </p:tav>
-                                      </p:tavLst>
-                                    </p:anim>
-                                  </p:childTnLst>
-                                </p:cTn>
-                              </p:par>
-                            </p:childTnLst>
-                          </p:cTn>
-                        </p:par>
-                      </p:childTnLst>
-                    </p:cTn>
-                  </p:par>
-                  <p:par>
-                    <p:cTn id="20" fill="hold">
-                      <p:stCondLst>
-                        <p:cond delay="indefinite"/>
-                      </p:stCondLst>
-                      <p:childTnLst>
-                        <p:par>
-                          <p:cTn id="21" fill="hold">
-                            <p:stCondLst>
-                              <p:cond delay="0"/>
-                            </p:stCondLst>
-                            <p:childTnLst>
-                              <p:par>
-                                <p:cTn id="22" presetID="9" presetClass="entr" presetSubtype="16" fill="hold" grpId="0" nodeType="clickEffect">
-                                  <p:stCondLst>
-                                    <p:cond delay="0"/>
-                                  </p:stCondLst>
-                                  <p:iterate>
-                                    <p:tmAbs val="0"/>
-                                  </p:iterate>
-                                  <p:childTnLst>
-                                    <p:set>
-                                      <p:cBhvr>
-                                        <p:cTn id="23" fill="hold"/>
-                                        <p:tgtEl>
-                                          <p:spTgt spid="162"/>
-                                        </p:tgtEl>
-                                        <p:attrNameLst>
-                                          <p:attrName>style.visibility</p:attrName>
-                                        </p:attrNameLst>
-                                      </p:cBhvr>
-                                      <p:to>
-                                        <p:strVal val="visible"/>
-                                      </p:to>
-                                    </p:set>
-                                    <p:animEffect transition="in" filter="dissolve(in)">
-                                      <p:cBhvr>
-                                        <p:cTn id="24" dur="750"/>
-                                        <p:tgtEl>
-                                          <p:spTgt spid="162"/>
-                                        </p:tgtEl>
-                                      </p:cBhvr>
-                                    </p:animEffect>
-                                  </p:childTnLst>
-                                </p:cTn>
-                              </p:par>
-                            </p:childTnLst>
-                          </p:cTn>
-                        </p:par>
-                      </p:childTnLst>
-                    </p:cTn>
-                  </p:par>
-                  <p:par>
-                    <p:cTn id="25" fill="hold">
-                      <p:stCondLst>
-                        <p:cond delay="indefinite"/>
-                      </p:stCondLst>
-                      <p:childTnLst>
-                        <p:par>
-                          <p:cTn id="26" fill="hold">
-                            <p:stCondLst>
-                              <p:cond delay="0"/>
-                            </p:stCondLst>
-                            <p:childTnLst>
-                              <p:par>
-                                <p:cTn id="27" presetID="23" presetClass="entr" presetSubtype="32" fill="hold" grpId="0" nodeType="clickEffect">
-                                  <p:stCondLst>
-                                    <p:cond delay="0"/>
-                                  </p:stCondLst>
-                                  <p:iterate>
-                                    <p:tmAbs val="0"/>
-                                  </p:iterate>
-                                  <p:childTnLst>
-                                    <p:set>
-                                      <p:cBhvr>
-                                        <p:cTn id="28" fill="hold"/>
-                                        <p:tgtEl>
-                                          <p:spTgt spid="159"/>
-                                        </p:tgtEl>
-                                        <p:attrNameLst>
-                                          <p:attrName>style.visibility</p:attrName>
-                                        </p:attrNameLst>
-                                      </p:cBhvr>
-                                      <p:to>
-                                        <p:strVal val="visible"/>
-                                      </p:to>
-                                    </p:set>
-                                    <p:anim calcmode="lin" valueType="num">
-                                      <p:cBhvr>
-                                        <p:cTn id="29" dur="750" fill="hold"/>
-                                        <p:tgtEl>
-                                          <p:spTgt spid="159"/>
-                                        </p:tgtEl>
-                                        <p:attrNameLst>
-                                          <p:attrName>ppt_w</p:attrName>
-                                        </p:attrNameLst>
-                                      </p:cBhvr>
-                                      <p:tavLst>
-                                        <p:tav tm="0">
-                                          <p:val>
-                                            <p:fltVal val="0"/>
-                                          </p:val>
-                                        </p:tav>
-                                        <p:tav tm="100000">
-                                          <p:val>
-                                            <p:strVal val="#ppt_w"/>
-                                          </p:val>
-                                        </p:tav>
-                                      </p:tavLst>
-                                    </p:anim>
-                                    <p:anim calcmode="lin" valueType="num">
-                                      <p:cBhvr>
-                                        <p:cTn id="30" dur="750" fill="hold"/>
-                                        <p:tgtEl>
-                                          <p:spTgt spid="159"/>
-                                        </p:tgtEl>
-                                        <p:attrNameLst>
-                                          <p:attrName>ppt_h</p:attrName>
-                                        </p:attrNameLst>
-                                      </p:cBhvr>
-                                      <p:tavLst>
-                                        <p:tav tm="0">
-                                          <p:val>
-                                            <p:fltVal val="0"/>
-                                          </p:val>
-                                        </p:tav>
-                                        <p:tav tm="100000">
-                                          <p:val>
-                                            <p:strVal val="#ppt_h"/>
-                                          </p:val>
-                                        </p:tav>
-                                      </p:tavLst>
-                                    </p:anim>
-                                  </p:childTnLst>
-                                </p:cTn>
-                              </p:par>
-                            </p:childTnLst>
-                          </p:cTn>
-                        </p:par>
-                      </p:childTnLst>
-                    </p:cTn>
-                  </p:par>
-                  <p:par>
-                    <p:cTn id="31" fill="hold">
-                      <p:stCondLst>
-                        <p:cond delay="indefinite"/>
-                      </p:stCondLst>
-                      <p:childTnLst>
-                        <p:par>
-                          <p:cTn id="32" fill="hold">
-                            <p:stCondLst>
-                              <p:cond delay="0"/>
-                            </p:stCondLst>
-                            <p:childTnLst>
-                              <p:par>
-                                <p:cTn id="33" presetID="9" presetClass="entr" presetSubtype="16" fill="hold" grpId="0" nodeType="clickEffect">
-                                  <p:stCondLst>
-                                    <p:cond delay="0"/>
-                                  </p:stCondLst>
-                                  <p:iterate>
-                                    <p:tmAbs val="0"/>
-                                  </p:iterate>
-                                  <p:childTnLst>
-                                    <p:set>
-                                      <p:cBhvr>
-                                        <p:cTn id="34" fill="hold"/>
-                                        <p:tgtEl>
-                                          <p:spTgt spid="164"/>
-                                        </p:tgtEl>
-                                        <p:attrNameLst>
-                                          <p:attrName>style.visibility</p:attrName>
-                                        </p:attrNameLst>
-                                      </p:cBhvr>
-                                      <p:to>
-                                        <p:strVal val="visible"/>
-                                      </p:to>
-                                    </p:set>
-                                    <p:animEffect transition="in" filter="dissolve(in)">
-                                      <p:cBhvr>
-                                        <p:cTn id="35" dur="750"/>
-                                        <p:tgtEl>
-                                          <p:spTgt spid="164"/>
-                                        </p:tgtEl>
-                                      </p:cBhvr>
-                                    </p:animEffect>
-                                  </p:childTnLst>
-                                </p:cTn>
-                              </p:par>
-                            </p:childTnLst>
-                          </p:cTn>
-                        </p:par>
-                      </p:childTnLst>
-                    </p:cTn>
-                  </p:par>
-                  <p:par>
-                    <p:cTn id="36" fill="hold">
-                      <p:stCondLst>
-                        <p:cond delay="indefinite"/>
-                      </p:stCondLst>
-                      <p:childTnLst>
-                        <p:par>
-                          <p:cTn id="37" fill="hold">
-                            <p:stCondLst>
-                              <p:cond delay="0"/>
-                            </p:stCondLst>
-                            <p:childTnLst>
-                              <p:par>
-                                <p:cTn id="38" presetID="23" presetClass="entr" presetSubtype="32" fill="hold" grpId="0" nodeType="clickEffect">
-                                  <p:stCondLst>
-                                    <p:cond delay="0"/>
-                                  </p:stCondLst>
-                                  <p:iterate>
-                                    <p:tmAbs val="0"/>
-                                  </p:iterate>
-                                  <p:childTnLst>
-                                    <p:set>
-                                      <p:cBhvr>
-                                        <p:cTn id="39" fill="hold"/>
-                                        <p:tgtEl>
-                                          <p:spTgt spid="161"/>
-                                        </p:tgtEl>
-                                        <p:attrNameLst>
-                                          <p:attrName>style.visibility</p:attrName>
-                                        </p:attrNameLst>
-                                      </p:cBhvr>
-                                      <p:to>
-                                        <p:strVal val="visible"/>
-                                      </p:to>
-                                    </p:set>
-                                    <p:anim calcmode="lin" valueType="num">
-                                      <p:cBhvr>
-                                        <p:cTn id="40" dur="750" fill="hold"/>
-                                        <p:tgtEl>
-                                          <p:spTgt spid="161"/>
-                                        </p:tgtEl>
-                                        <p:attrNameLst>
-                                          <p:attrName>ppt_w</p:attrName>
-                                        </p:attrNameLst>
-                                      </p:cBhvr>
-                                      <p:tavLst>
-                                        <p:tav tm="0">
-                                          <p:val>
-                                            <p:fltVal val="0"/>
-                                          </p:val>
-                                        </p:tav>
-                                        <p:tav tm="100000">
-                                          <p:val>
-                                            <p:strVal val="#ppt_w"/>
-                                          </p:val>
-                                        </p:tav>
-                                      </p:tavLst>
-                                    </p:anim>
-                                    <p:anim calcmode="lin" valueType="num">
-                                      <p:cBhvr>
-                                        <p:cTn id="41" dur="750" fill="hold"/>
-                                        <p:tgtEl>
-                                          <p:spTgt spid="161"/>
-                                        </p:tgtEl>
-                                        <p:attrNameLst>
-                                          <p:attrName>ppt_h</p:attrName>
-                                        </p:attrNameLst>
-                                      </p:cBhvr>
-                                      <p:tavLst>
-                                        <p:tav tm="0">
-                                          <p:val>
-                                            <p:fltVal val="0"/>
-                                          </p:val>
-                                        </p:tav>
-                                        <p:tav tm="100000">
-                                          <p:val>
-                                            <p:strVal val="#ppt_h"/>
-                                          </p:val>
-                                        </p:tav>
-                                      </p:tavLst>
-                                    </p:anim>
-                                  </p:childTnLst>
-                                </p:cTn>
-                              </p:par>
-                            </p:childTnLst>
-                          </p:cTn>
-                        </p:par>
-                      </p:childTnLst>
-                    </p:cTn>
-                  </p:par>
-                </p:childTnLst>
-              </p:cTn>
-              <p:prevCondLst>
-                <p:cond evt="onPrev" delay="0">
-                  <p:tgtEl>
-                    <p:sldTgt/>
-                  </p:tgtEl>
-                </p:cond>
-              </p:prevCondLst>
-              <p:nextCondLst>
-                <p:cond evt="onNext" delay="0">
-                  <p:tgtEl>
-                    <p:sldTgt/>
-                  </p:tgtEl>
-                </p:cond>
-              </p:nextCondLst>
-            </p:seq>
-          </p:childTnLst>
-        </p:cTn>
-      </p:par>
-    </p:tnLst>
-    <p:bldLst>
-      <p:bldP spid="158" grpId="0" animBg="1" advAuto="0"/>
-      <p:bldP spid="159" grpId="0" advAuto="0"/>
-      <p:bldP spid="160" grpId="0" advAuto="0"/>
-      <p:bldP spid="161" grpId="0" advAuto="0"/>
-      <p:bldP spid="162" grpId="0" animBg="1" advAuto="0"/>
-      <p:bldP spid="163" grpId="0" animBg="1" advAuto="0"/>
-      <p:bldP spid="164" grpId="0" animBg="1" advAuto="0"/>
-    </p:bldLst>
-  </p:timing>
-</p:sld>
-</file>
-
-<file path=ppt/slides/slide25.xml><?xml version="1.0" encoding="utf-8"?>
-<p:sld xmlns:a="http://schemas.openxmlformats.org/drawingml/2006/main" xmlns:r="http://schemas.openxmlformats.org/officeDocument/2006/relationships" xmlns:p="http://schemas.openxmlformats.org/presentationml/2006/main">
-  <p:cSld>
-    <p:spTree>
-      <p:nvGrpSpPr>
-        <p:cNvPr id="1" name=""/>
-        <p:cNvGrpSpPr/>
-        <p:nvPr/>
-      </p:nvGrpSpPr>
-      <p:grpSpPr>
-        <a:xfrm>
-          <a:off x="0" y="0"/>
-          <a:ext cx="0" cy="0"/>
-          <a:chOff x="0" y="0"/>
-          <a:chExt cx="0" cy="0"/>
-        </a:xfrm>
-      </p:grpSpPr>
-      <p:sp>
-        <p:nvSpPr>
-          <p:cNvPr id="187" name="Shape 187"/>
-          <p:cNvSpPr/>
-          <p:nvPr/>
-        </p:nvSpPr>
-        <p:spPr>
-          <a:xfrm>
-            <a:off x="386308" y="190817"/>
-            <a:ext cx="7757379" cy="553998"/>
-          </a:xfrm>
-          <a:prstGeom prst="rect">
-            <a:avLst/>
-          </a:prstGeom>
-          <a:ln w="12700">
-            <a:miter lim="400000"/>
-          </a:ln>
-          <a:extLst>
-            <a:ext uri="{C572A759-6A51-4108-AA02-DFA0A04FC94B}">
-              <ma14:wrappingTextBoxFlag xmlns="" xmlns:ma14="http://schemas.microsoft.com/office/mac/drawingml/2011/main" val="1"/>
-            </a:ext>
-          </a:extLst>
-        </p:spPr>
-        <p:txBody>
-          <a:bodyPr lIns="45719" rIns="45719">
-            <a:spAutoFit/>
-          </a:bodyPr>
-          <a:lstStyle>
-            <a:lvl1pPr>
-              <a:defRPr sz="3000" b="1">
-                <a:uFill>
-                  <a:solidFill>
-                    <a:srgbClr val="FFFFFF"/>
-                  </a:solidFill>
-                </a:uFill>
-              </a:defRPr>
-            </a:lvl1pPr>
-          </a:lstStyle>
-          <a:p>
-            <a:pPr lvl="0">
-              <a:defRPr sz="1800" b="0">
-                <a:solidFill>
-                  <a:srgbClr val="000000"/>
-                </a:solidFill>
-                <a:uFillTx/>
-              </a:defRPr>
-            </a:pPr>
-            <a:r>
-              <a:rPr sz="3000" b="1" dirty="0">
-                <a:solidFill>
-                  <a:srgbClr val="57068C"/>
-                </a:solidFill>
-                <a:uFill>
-                  <a:solidFill>
-                    <a:srgbClr val="FFFFFF"/>
-                  </a:solidFill>
-                </a:uFill>
-                <a:latin typeface="Arial Unicode MS" panose="020B0604020202020204" pitchFamily="34" charset="-128"/>
-                <a:ea typeface="Arial Unicode MS" panose="020B0604020202020204" pitchFamily="34" charset="-128"/>
-                <a:cs typeface="Arial Unicode MS" panose="020B0604020202020204" pitchFamily="34" charset="-128"/>
-              </a:rPr>
-              <a:t>Final Results</a:t>
-            </a:r>
-          </a:p>
-        </p:txBody>
-      </p:sp>
-      <p:sp>
-        <p:nvSpPr>
-          <p:cNvPr id="188" name="Shape 188"/>
-          <p:cNvSpPr/>
-          <p:nvPr/>
-        </p:nvSpPr>
-        <p:spPr>
-          <a:xfrm>
-            <a:off x="330200" y="1130300"/>
-            <a:ext cx="7590195" cy="4355038"/>
-          </a:xfrm>
-          <a:prstGeom prst="rect">
-            <a:avLst/>
-          </a:prstGeom>
-          <a:ln w="12700">
-            <a:miter lim="400000"/>
-          </a:ln>
-          <a:extLst>
-            <a:ext uri="{C572A759-6A51-4108-AA02-DFA0A04FC94B}">
-              <ma14:wrappingTextBoxFlag xmlns="" xmlns:ma14="http://schemas.microsoft.com/office/mac/drawingml/2011/main" val="1"/>
-            </a:ext>
-          </a:extLst>
-        </p:spPr>
-        <p:txBody>
-          <a:bodyPr lIns="45719" rIns="45719">
-            <a:spAutoFit/>
-          </a:bodyPr>
-          <a:lstStyle/>
-          <a:p>
-            <a:pPr lvl="0">
-              <a:spcBef>
-                <a:spcPts val="700"/>
-              </a:spcBef>
-              <a:defRPr sz="1800">
-                <a:solidFill>
-                  <a:srgbClr val="000000"/>
-                </a:solidFill>
-                <a:uFillTx/>
-              </a:defRPr>
-            </a:pPr>
-            <a:r>
-              <a:rPr sz="2200" b="1" dirty="0">
-                <a:solidFill>
-                  <a:schemeClr val="tx1"/>
-                </a:solidFill>
-                <a:uFill>
-                  <a:solidFill/>
-                </a:uFill>
-                <a:latin typeface="Arial Unicode MS" panose="020B0604020202020204" pitchFamily="34" charset="-128"/>
-                <a:ea typeface="Arial Unicode MS" panose="020B0604020202020204" pitchFamily="34" charset="-128"/>
-                <a:cs typeface="Arial Unicode MS" panose="020B0604020202020204" pitchFamily="34" charset="-128"/>
-                <a:sym typeface="Iowan Old Style Roman"/>
-              </a:rPr>
-              <a:t>Meter</a:t>
-            </a:r>
-            <a:r>
-              <a:rPr sz="2200" dirty="0">
-                <a:solidFill>
-                  <a:schemeClr val="tx1"/>
-                </a:solidFill>
-                <a:uFill>
-                  <a:solidFill/>
-                </a:uFill>
-                <a:latin typeface="Arial Unicode MS" panose="020B0604020202020204" pitchFamily="34" charset="-128"/>
-                <a:ea typeface="Arial Unicode MS" panose="020B0604020202020204" pitchFamily="34" charset="-128"/>
-                <a:cs typeface="Arial Unicode MS" panose="020B0604020202020204" pitchFamily="34" charset="-128"/>
-                <a:sym typeface="Iowan Old Style Roman"/>
-              </a:rPr>
-              <a:t> (</a:t>
-            </a:r>
-            <a:r>
-              <a:rPr sz="2200" u="sng" dirty="0" err="1">
-                <a:solidFill>
-                  <a:schemeClr val="tx1"/>
-                </a:solidFill>
-                <a:uFill>
-                  <a:solidFill/>
-                </a:uFill>
-                <a:latin typeface="Arial Unicode MS" panose="020B0604020202020204" pitchFamily="34" charset="-128"/>
-                <a:ea typeface="Arial Unicode MS" panose="020B0604020202020204" pitchFamily="34" charset="-128"/>
-                <a:cs typeface="Arial Unicode MS" panose="020B0604020202020204" pitchFamily="34" charset="-128"/>
-                <a:sym typeface="Iowan Old Style Roman"/>
-              </a:rPr>
-              <a:t>meter_no</a:t>
-            </a:r>
-            <a:r>
-              <a:rPr sz="2200" dirty="0">
-                <a:solidFill>
-                  <a:schemeClr val="tx1"/>
-                </a:solidFill>
-                <a:uFill>
-                  <a:solidFill/>
-                </a:uFill>
-                <a:latin typeface="Arial Unicode MS" panose="020B0604020202020204" pitchFamily="34" charset="-128"/>
-                <a:ea typeface="Arial Unicode MS" panose="020B0604020202020204" pitchFamily="34" charset="-128"/>
-                <a:cs typeface="Arial Unicode MS" panose="020B0604020202020204" pitchFamily="34" charset="-128"/>
-                <a:sym typeface="Iowan Old Style Roman"/>
-              </a:rPr>
-              <a:t>, address, size, model, </a:t>
-            </a:r>
-            <a:r>
-              <a:rPr sz="2200" i="1" dirty="0" err="1">
-                <a:solidFill>
-                  <a:schemeClr val="tx1"/>
-                </a:solidFill>
-                <a:uFill>
-                  <a:solidFill/>
-                </a:uFill>
-                <a:latin typeface="Arial Unicode MS" panose="020B0604020202020204" pitchFamily="34" charset="-128"/>
-                <a:ea typeface="Arial Unicode MS" panose="020B0604020202020204" pitchFamily="34" charset="-128"/>
-                <a:cs typeface="Arial Unicode MS" panose="020B0604020202020204" pitchFamily="34" charset="-128"/>
-                <a:sym typeface="Iowan Old Style Roman"/>
-              </a:rPr>
-              <a:t>cust_no</a:t>
-            </a:r>
-            <a:r>
-              <a:rPr sz="2200" dirty="0">
-                <a:solidFill>
-                  <a:schemeClr val="tx1"/>
-                </a:solidFill>
-                <a:uFill>
-                  <a:solidFill/>
-                </a:uFill>
-                <a:latin typeface="Arial Unicode MS" panose="020B0604020202020204" pitchFamily="34" charset="-128"/>
-                <a:ea typeface="Arial Unicode MS" panose="020B0604020202020204" pitchFamily="34" charset="-128"/>
-                <a:cs typeface="Arial Unicode MS" panose="020B0604020202020204" pitchFamily="34" charset="-128"/>
-                <a:sym typeface="Iowan Old Style Roman"/>
-              </a:rPr>
-              <a:t>)</a:t>
-            </a:r>
-          </a:p>
-          <a:p>
-            <a:pPr lvl="0">
-              <a:spcBef>
-                <a:spcPts val="700"/>
-              </a:spcBef>
-              <a:defRPr sz="1800">
-                <a:solidFill>
-                  <a:srgbClr val="000000"/>
-                </a:solidFill>
-                <a:uFillTx/>
-              </a:defRPr>
-            </a:pPr>
-            <a:r>
-              <a:rPr sz="2200" b="1" dirty="0">
-                <a:solidFill>
-                  <a:schemeClr val="tx1"/>
-                </a:solidFill>
-                <a:uFill>
-                  <a:solidFill/>
-                </a:uFill>
-                <a:latin typeface="Arial Unicode MS" panose="020B0604020202020204" pitchFamily="34" charset="-128"/>
-                <a:ea typeface="Arial Unicode MS" panose="020B0604020202020204" pitchFamily="34" charset="-128"/>
-                <a:cs typeface="Arial Unicode MS" panose="020B0604020202020204" pitchFamily="34" charset="-128"/>
-                <a:sym typeface="Iowan Old Style Roman"/>
-              </a:rPr>
-              <a:t>Customer</a:t>
-            </a:r>
-            <a:r>
-              <a:rPr sz="2200" dirty="0">
-                <a:solidFill>
-                  <a:schemeClr val="tx1"/>
-                </a:solidFill>
-                <a:uFill>
-                  <a:solidFill/>
-                </a:uFill>
-                <a:latin typeface="Arial Unicode MS" panose="020B0604020202020204" pitchFamily="34" charset="-128"/>
-                <a:ea typeface="Arial Unicode MS" panose="020B0604020202020204" pitchFamily="34" charset="-128"/>
-                <a:cs typeface="Arial Unicode MS" panose="020B0604020202020204" pitchFamily="34" charset="-128"/>
-                <a:sym typeface="Iowan Old Style Roman"/>
-              </a:rPr>
-              <a:t> (</a:t>
-            </a:r>
-            <a:r>
-              <a:rPr sz="2200" u="sng" dirty="0" err="1">
-                <a:solidFill>
-                  <a:schemeClr val="tx1"/>
-                </a:solidFill>
-                <a:uFill>
-                  <a:solidFill/>
-                </a:uFill>
-                <a:latin typeface="Arial Unicode MS" panose="020B0604020202020204" pitchFamily="34" charset="-128"/>
-                <a:ea typeface="Arial Unicode MS" panose="020B0604020202020204" pitchFamily="34" charset="-128"/>
-                <a:cs typeface="Arial Unicode MS" panose="020B0604020202020204" pitchFamily="34" charset="-128"/>
-                <a:sym typeface="Iowan Old Style Roman"/>
-              </a:rPr>
-              <a:t>cust_no</a:t>
-            </a:r>
-            <a:r>
-              <a:rPr sz="2200" dirty="0">
-                <a:solidFill>
-                  <a:schemeClr val="tx1"/>
-                </a:solidFill>
-                <a:uFill>
-                  <a:solidFill/>
-                </a:uFill>
-                <a:latin typeface="Arial Unicode MS" panose="020B0604020202020204" pitchFamily="34" charset="-128"/>
-                <a:ea typeface="Arial Unicode MS" panose="020B0604020202020204" pitchFamily="34" charset="-128"/>
-                <a:cs typeface="Arial Unicode MS" panose="020B0604020202020204" pitchFamily="34" charset="-128"/>
-                <a:sym typeface="Iowan Old Style Roman"/>
-              </a:rPr>
-              <a:t>, name, street, type, </a:t>
-            </a:r>
-            <a:r>
-              <a:rPr sz="2200" i="1" dirty="0" err="1">
-                <a:solidFill>
-                  <a:schemeClr val="tx1"/>
-                </a:solidFill>
-                <a:uFill>
-                  <a:solidFill/>
-                </a:uFill>
-                <a:latin typeface="Arial Unicode MS" panose="020B0604020202020204" pitchFamily="34" charset="-128"/>
-                <a:ea typeface="Arial Unicode MS" panose="020B0604020202020204" pitchFamily="34" charset="-128"/>
-                <a:cs typeface="Arial Unicode MS" panose="020B0604020202020204" pitchFamily="34" charset="-128"/>
-                <a:sym typeface="Iowan Old Style Roman"/>
-              </a:rPr>
-              <a:t>rate_no</a:t>
-            </a:r>
-            <a:r>
-              <a:rPr sz="2200" dirty="0">
-                <a:solidFill>
-                  <a:schemeClr val="tx1"/>
-                </a:solidFill>
-                <a:uFill>
-                  <a:solidFill/>
-                </a:uFill>
-                <a:latin typeface="Arial Unicode MS" panose="020B0604020202020204" pitchFamily="34" charset="-128"/>
-                <a:ea typeface="Arial Unicode MS" panose="020B0604020202020204" pitchFamily="34" charset="-128"/>
-                <a:cs typeface="Arial Unicode MS" panose="020B0604020202020204" pitchFamily="34" charset="-128"/>
-                <a:sym typeface="Iowan Old Style Roman"/>
-              </a:rPr>
-              <a:t>, </a:t>
-            </a:r>
-            <a:r>
-              <a:rPr sz="2200" dirty="0" err="1">
-                <a:solidFill>
-                  <a:schemeClr val="tx1"/>
-                </a:solidFill>
-                <a:uFill>
-                  <a:solidFill/>
-                </a:uFill>
-                <a:latin typeface="Arial Unicode MS" panose="020B0604020202020204" pitchFamily="34" charset="-128"/>
-                <a:ea typeface="Arial Unicode MS" panose="020B0604020202020204" pitchFamily="34" charset="-128"/>
-                <a:cs typeface="Arial Unicode MS" panose="020B0604020202020204" pitchFamily="34" charset="-128"/>
-                <a:sym typeface="Iowan Old Style Roman"/>
-              </a:rPr>
-              <a:t>zip_code</a:t>
-            </a:r>
-            <a:r>
-              <a:rPr sz="2200" dirty="0">
-                <a:solidFill>
-                  <a:schemeClr val="tx1"/>
-                </a:solidFill>
-                <a:uFill>
-                  <a:solidFill/>
-                </a:uFill>
-                <a:latin typeface="Arial Unicode MS" panose="020B0604020202020204" pitchFamily="34" charset="-128"/>
-                <a:ea typeface="Arial Unicode MS" panose="020B0604020202020204" pitchFamily="34" charset="-128"/>
-                <a:cs typeface="Arial Unicode MS" panose="020B0604020202020204" pitchFamily="34" charset="-128"/>
-                <a:sym typeface="Iowan Old Style Roman"/>
-              </a:rPr>
-              <a:t>, state, city)</a:t>
-            </a:r>
-          </a:p>
-          <a:p>
-            <a:pPr lvl="0">
-              <a:spcBef>
-                <a:spcPts val="700"/>
-              </a:spcBef>
-              <a:defRPr sz="1800">
-                <a:solidFill>
-                  <a:srgbClr val="000000"/>
-                </a:solidFill>
-                <a:uFillTx/>
-              </a:defRPr>
-            </a:pPr>
-            <a:r>
-              <a:rPr sz="2200" b="1" dirty="0">
-                <a:solidFill>
-                  <a:schemeClr val="tx1"/>
-                </a:solidFill>
-                <a:uFill>
-                  <a:solidFill/>
-                </a:uFill>
-                <a:latin typeface="Arial Unicode MS" panose="020B0604020202020204" pitchFamily="34" charset="-128"/>
-                <a:ea typeface="Arial Unicode MS" panose="020B0604020202020204" pitchFamily="34" charset="-128"/>
-                <a:cs typeface="Arial Unicode MS" panose="020B0604020202020204" pitchFamily="34" charset="-128"/>
-                <a:sym typeface="Iowan Old Style Roman"/>
-              </a:rPr>
-              <a:t>Rate</a:t>
-            </a:r>
-            <a:r>
-              <a:rPr sz="2200" dirty="0">
-                <a:solidFill>
-                  <a:schemeClr val="tx1"/>
-                </a:solidFill>
-                <a:uFill>
-                  <a:solidFill/>
-                </a:uFill>
-                <a:latin typeface="Arial Unicode MS" panose="020B0604020202020204" pitchFamily="34" charset="-128"/>
-                <a:ea typeface="Arial Unicode MS" panose="020B0604020202020204" pitchFamily="34" charset="-128"/>
-                <a:cs typeface="Arial Unicode MS" panose="020B0604020202020204" pitchFamily="34" charset="-128"/>
-                <a:sym typeface="Iowan Old Style Roman"/>
-              </a:rPr>
-              <a:t> (</a:t>
-            </a:r>
-            <a:r>
-              <a:rPr sz="2200" u="sng" dirty="0" err="1">
-                <a:solidFill>
-                  <a:schemeClr val="tx1"/>
-                </a:solidFill>
-                <a:uFill>
-                  <a:solidFill/>
-                </a:uFill>
-                <a:latin typeface="Arial Unicode MS" panose="020B0604020202020204" pitchFamily="34" charset="-128"/>
-                <a:ea typeface="Arial Unicode MS" panose="020B0604020202020204" pitchFamily="34" charset="-128"/>
-                <a:cs typeface="Arial Unicode MS" panose="020B0604020202020204" pitchFamily="34" charset="-128"/>
-                <a:sym typeface="Iowan Old Style Roman"/>
-              </a:rPr>
-              <a:t>rate_no</a:t>
-            </a:r>
-            <a:r>
-              <a:rPr sz="2200" dirty="0">
-                <a:solidFill>
-                  <a:schemeClr val="tx1"/>
-                </a:solidFill>
-                <a:uFill>
-                  <a:solidFill/>
-                </a:uFill>
-                <a:latin typeface="Arial Unicode MS" panose="020B0604020202020204" pitchFamily="34" charset="-128"/>
-                <a:ea typeface="Arial Unicode MS" panose="020B0604020202020204" pitchFamily="34" charset="-128"/>
-                <a:cs typeface="Arial Unicode MS" panose="020B0604020202020204" pitchFamily="34" charset="-128"/>
-                <a:sym typeface="Iowan Old Style Roman"/>
-              </a:rPr>
-              <a:t>, description, </a:t>
-            </a:r>
-            <a:r>
-              <a:rPr sz="2200" dirty="0" err="1">
-                <a:solidFill>
-                  <a:schemeClr val="tx1"/>
-                </a:solidFill>
-                <a:uFill>
-                  <a:solidFill/>
-                </a:uFill>
-                <a:latin typeface="Arial Unicode MS" panose="020B0604020202020204" pitchFamily="34" charset="-128"/>
-                <a:ea typeface="Arial Unicode MS" panose="020B0604020202020204" pitchFamily="34" charset="-128"/>
-                <a:cs typeface="Arial Unicode MS" panose="020B0604020202020204" pitchFamily="34" charset="-128"/>
-                <a:sym typeface="Iowan Old Style Roman"/>
-              </a:rPr>
-              <a:t>fixed_amount</a:t>
-            </a:r>
-            <a:r>
-              <a:rPr sz="2200" dirty="0">
-                <a:solidFill>
-                  <a:schemeClr val="tx1"/>
-                </a:solidFill>
-                <a:uFill>
-                  <a:solidFill/>
-                </a:uFill>
-                <a:latin typeface="Arial Unicode MS" panose="020B0604020202020204" pitchFamily="34" charset="-128"/>
-                <a:ea typeface="Arial Unicode MS" panose="020B0604020202020204" pitchFamily="34" charset="-128"/>
-                <a:cs typeface="Arial Unicode MS" panose="020B0604020202020204" pitchFamily="34" charset="-128"/>
-                <a:sym typeface="Iowan Old Style Roman"/>
-              </a:rPr>
-              <a:t>, </a:t>
-            </a:r>
-            <a:r>
-              <a:rPr sz="2200" dirty="0" err="1">
-                <a:solidFill>
-                  <a:schemeClr val="tx1"/>
-                </a:solidFill>
-                <a:uFill>
-                  <a:solidFill/>
-                </a:uFill>
-                <a:latin typeface="Arial Unicode MS" panose="020B0604020202020204" pitchFamily="34" charset="-128"/>
-                <a:ea typeface="Arial Unicode MS" panose="020B0604020202020204" pitchFamily="34" charset="-128"/>
-                <a:cs typeface="Arial Unicode MS" panose="020B0604020202020204" pitchFamily="34" charset="-128"/>
-                <a:sym typeface="Iowan Old Style Roman"/>
-              </a:rPr>
-              <a:t>variable_amount</a:t>
-            </a:r>
-            <a:r>
-              <a:rPr sz="2200" dirty="0">
-                <a:solidFill>
-                  <a:schemeClr val="tx1"/>
-                </a:solidFill>
-                <a:uFill>
-                  <a:solidFill/>
-                </a:uFill>
-                <a:latin typeface="Arial Unicode MS" panose="020B0604020202020204" pitchFamily="34" charset="-128"/>
-                <a:ea typeface="Arial Unicode MS" panose="020B0604020202020204" pitchFamily="34" charset="-128"/>
-                <a:cs typeface="Arial Unicode MS" panose="020B0604020202020204" pitchFamily="34" charset="-128"/>
-                <a:sym typeface="Iowan Old Style Roman"/>
-              </a:rPr>
-              <a:t>, </a:t>
-            </a:r>
-            <a:r>
-              <a:rPr sz="2200" dirty="0" err="1">
-                <a:solidFill>
-                  <a:schemeClr val="tx1"/>
-                </a:solidFill>
-                <a:uFill>
-                  <a:solidFill/>
-                </a:uFill>
-                <a:latin typeface="Arial Unicode MS" panose="020B0604020202020204" pitchFamily="34" charset="-128"/>
-                <a:ea typeface="Arial Unicode MS" panose="020B0604020202020204" pitchFamily="34" charset="-128"/>
-                <a:cs typeface="Arial Unicode MS" panose="020B0604020202020204" pitchFamily="34" charset="-128"/>
-                <a:sym typeface="Iowan Old Style Roman"/>
-              </a:rPr>
-              <a:t>consumption_threshold</a:t>
-            </a:r>
-            <a:r>
-              <a:rPr sz="2200" dirty="0">
-                <a:solidFill>
-                  <a:schemeClr val="tx1"/>
-                </a:solidFill>
-                <a:uFill>
-                  <a:solidFill/>
-                </a:uFill>
-                <a:latin typeface="Arial Unicode MS" panose="020B0604020202020204" pitchFamily="34" charset="-128"/>
-                <a:ea typeface="Arial Unicode MS" panose="020B0604020202020204" pitchFamily="34" charset="-128"/>
-                <a:cs typeface="Arial Unicode MS" panose="020B0604020202020204" pitchFamily="34" charset="-128"/>
-                <a:sym typeface="Iowan Old Style Roman"/>
-              </a:rPr>
-              <a:t>)</a:t>
-            </a:r>
-          </a:p>
-          <a:p>
-            <a:pPr lvl="0">
-              <a:spcBef>
-                <a:spcPts val="700"/>
-              </a:spcBef>
-              <a:defRPr sz="1800">
-                <a:solidFill>
-                  <a:srgbClr val="000000"/>
-                </a:solidFill>
-                <a:uFillTx/>
-              </a:defRPr>
-            </a:pPr>
-            <a:r>
-              <a:rPr sz="2200" b="1" dirty="0">
-                <a:solidFill>
-                  <a:schemeClr val="tx1"/>
-                </a:solidFill>
-                <a:uFill>
-                  <a:solidFill/>
-                </a:uFill>
-                <a:latin typeface="Arial Unicode MS" panose="020B0604020202020204" pitchFamily="34" charset="-128"/>
-                <a:ea typeface="Arial Unicode MS" panose="020B0604020202020204" pitchFamily="34" charset="-128"/>
-                <a:cs typeface="Arial Unicode MS" panose="020B0604020202020204" pitchFamily="34" charset="-128"/>
-                <a:sym typeface="Iowan Old Style Roman"/>
-              </a:rPr>
-              <a:t>Reading</a:t>
-            </a:r>
-            <a:r>
-              <a:rPr sz="2200" dirty="0">
-                <a:solidFill>
-                  <a:schemeClr val="tx1"/>
-                </a:solidFill>
-                <a:uFill>
-                  <a:solidFill/>
-                </a:uFill>
-                <a:latin typeface="Arial Unicode MS" panose="020B0604020202020204" pitchFamily="34" charset="-128"/>
-                <a:ea typeface="Arial Unicode MS" panose="020B0604020202020204" pitchFamily="34" charset="-128"/>
-                <a:cs typeface="Arial Unicode MS" panose="020B0604020202020204" pitchFamily="34" charset="-128"/>
-                <a:sym typeface="Iowan Old Style Roman"/>
-              </a:rPr>
-              <a:t> (</a:t>
-            </a:r>
-            <a:r>
-              <a:rPr sz="2200" u="sng" dirty="0" err="1">
-                <a:solidFill>
-                  <a:schemeClr val="tx1"/>
-                </a:solidFill>
-                <a:uFill>
-                  <a:solidFill/>
-                </a:uFill>
-                <a:latin typeface="Arial Unicode MS" panose="020B0604020202020204" pitchFamily="34" charset="-128"/>
-                <a:ea typeface="Arial Unicode MS" panose="020B0604020202020204" pitchFamily="34" charset="-128"/>
-                <a:cs typeface="Arial Unicode MS" panose="020B0604020202020204" pitchFamily="34" charset="-128"/>
-                <a:sym typeface="Iowan Old Style Roman"/>
-              </a:rPr>
-              <a:t>reading_no</a:t>
-            </a:r>
-            <a:r>
-              <a:rPr sz="2200" dirty="0" err="1">
-                <a:solidFill>
-                  <a:schemeClr val="tx1"/>
-                </a:solidFill>
-                <a:uFill>
-                  <a:solidFill/>
-                </a:uFill>
-                <a:latin typeface="Arial Unicode MS" panose="020B0604020202020204" pitchFamily="34" charset="-128"/>
-                <a:ea typeface="Arial Unicode MS" panose="020B0604020202020204" pitchFamily="34" charset="-128"/>
-                <a:cs typeface="Arial Unicode MS" panose="020B0604020202020204" pitchFamily="34" charset="-128"/>
-                <a:sym typeface="Iowan Old Style Roman"/>
-              </a:rPr>
-              <a:t>,timestamp,consumption</a:t>
-            </a:r>
-            <a:r>
-              <a:rPr sz="2200" dirty="0">
-                <a:solidFill>
-                  <a:schemeClr val="tx1"/>
-                </a:solidFill>
-                <a:uFill>
-                  <a:solidFill/>
-                </a:uFill>
-                <a:latin typeface="Arial Unicode MS" panose="020B0604020202020204" pitchFamily="34" charset="-128"/>
-                <a:ea typeface="Arial Unicode MS" panose="020B0604020202020204" pitchFamily="34" charset="-128"/>
-                <a:cs typeface="Arial Unicode MS" panose="020B0604020202020204" pitchFamily="34" charset="-128"/>
-                <a:sym typeface="Iowan Old Style Roman"/>
-              </a:rPr>
-              <a:t>, </a:t>
-            </a:r>
-            <a:r>
-              <a:rPr sz="2200" i="1" dirty="0" err="1">
-                <a:solidFill>
-                  <a:schemeClr val="tx1"/>
-                </a:solidFill>
-                <a:uFill>
-                  <a:solidFill/>
-                </a:uFill>
-                <a:latin typeface="Arial Unicode MS" panose="020B0604020202020204" pitchFamily="34" charset="-128"/>
-                <a:ea typeface="Arial Unicode MS" panose="020B0604020202020204" pitchFamily="34" charset="-128"/>
-                <a:cs typeface="Arial Unicode MS" panose="020B0604020202020204" pitchFamily="34" charset="-128"/>
-                <a:sym typeface="Iowan Old Style Roman"/>
-              </a:rPr>
-              <a:t>meter_no</a:t>
-            </a:r>
-            <a:r>
-              <a:rPr sz="2200" dirty="0">
-                <a:solidFill>
-                  <a:schemeClr val="tx1"/>
-                </a:solidFill>
-                <a:uFill>
-                  <a:solidFill/>
-                </a:uFill>
-                <a:latin typeface="Arial Unicode MS" panose="020B0604020202020204" pitchFamily="34" charset="-128"/>
-                <a:ea typeface="Arial Unicode MS" panose="020B0604020202020204" pitchFamily="34" charset="-128"/>
-                <a:cs typeface="Arial Unicode MS" panose="020B0604020202020204" pitchFamily="34" charset="-128"/>
-                <a:sym typeface="Iowan Old Style Roman"/>
-              </a:rPr>
-              <a:t>, </a:t>
-            </a:r>
-            <a:r>
-              <a:rPr sz="2200" i="1" dirty="0" err="1">
-                <a:solidFill>
-                  <a:schemeClr val="tx1"/>
-                </a:solidFill>
-                <a:uFill>
-                  <a:solidFill/>
-                </a:uFill>
-                <a:latin typeface="Arial Unicode MS" panose="020B0604020202020204" pitchFamily="34" charset="-128"/>
-                <a:ea typeface="Arial Unicode MS" panose="020B0604020202020204" pitchFamily="34" charset="-128"/>
-                <a:cs typeface="Arial Unicode MS" panose="020B0604020202020204" pitchFamily="34" charset="-128"/>
-                <a:sym typeface="Iowan Old Style Roman"/>
-              </a:rPr>
-              <a:t>bill_no</a:t>
-            </a:r>
-            <a:r>
-              <a:rPr sz="2200" dirty="0">
-                <a:solidFill>
-                  <a:schemeClr val="tx1"/>
-                </a:solidFill>
-                <a:uFill>
-                  <a:solidFill/>
-                </a:uFill>
-                <a:latin typeface="Arial Unicode MS" panose="020B0604020202020204" pitchFamily="34" charset="-128"/>
-                <a:ea typeface="Arial Unicode MS" panose="020B0604020202020204" pitchFamily="34" charset="-128"/>
-                <a:cs typeface="Arial Unicode MS" panose="020B0604020202020204" pitchFamily="34" charset="-128"/>
-                <a:sym typeface="Iowan Old Style Roman"/>
-              </a:rPr>
-              <a:t>)</a:t>
-            </a:r>
-          </a:p>
-          <a:p>
-            <a:pPr lvl="0">
-              <a:spcBef>
-                <a:spcPts val="700"/>
-              </a:spcBef>
-              <a:defRPr sz="1800">
-                <a:solidFill>
-                  <a:srgbClr val="000000"/>
-                </a:solidFill>
-                <a:uFillTx/>
-              </a:defRPr>
-            </a:pPr>
-            <a:r>
-              <a:rPr sz="2200" b="1" dirty="0" err="1">
-                <a:solidFill>
-                  <a:schemeClr val="tx1"/>
-                </a:solidFill>
-                <a:uFill>
-                  <a:solidFill/>
-                </a:uFill>
-                <a:latin typeface="Arial Unicode MS" panose="020B0604020202020204" pitchFamily="34" charset="-128"/>
-                <a:ea typeface="Arial Unicode MS" panose="020B0604020202020204" pitchFamily="34" charset="-128"/>
-                <a:cs typeface="Arial Unicode MS" panose="020B0604020202020204" pitchFamily="34" charset="-128"/>
-                <a:sym typeface="Iowan Old Style Roman"/>
-              </a:rPr>
-              <a:t>Reading_has_Employee</a:t>
-            </a:r>
-            <a:r>
-              <a:rPr sz="2200" dirty="0">
-                <a:solidFill>
-                  <a:schemeClr val="tx1"/>
-                </a:solidFill>
-                <a:uFill>
-                  <a:solidFill/>
-                </a:uFill>
-                <a:latin typeface="Arial Unicode MS" panose="020B0604020202020204" pitchFamily="34" charset="-128"/>
-                <a:ea typeface="Arial Unicode MS" panose="020B0604020202020204" pitchFamily="34" charset="-128"/>
-                <a:cs typeface="Arial Unicode MS" panose="020B0604020202020204" pitchFamily="34" charset="-128"/>
-                <a:sym typeface="Iowan Old Style Roman"/>
-              </a:rPr>
-              <a:t> (</a:t>
-            </a:r>
-            <a:r>
-              <a:rPr sz="2200" i="1" u="sng" dirty="0" err="1">
-                <a:solidFill>
-                  <a:schemeClr val="tx1"/>
-                </a:solidFill>
-                <a:uFill>
-                  <a:solidFill/>
-                </a:uFill>
-                <a:latin typeface="Arial Unicode MS" panose="020B0604020202020204" pitchFamily="34" charset="-128"/>
-                <a:ea typeface="Arial Unicode MS" panose="020B0604020202020204" pitchFamily="34" charset="-128"/>
-                <a:cs typeface="Arial Unicode MS" panose="020B0604020202020204" pitchFamily="34" charset="-128"/>
-                <a:sym typeface="Iowan Old Style Roman"/>
-              </a:rPr>
-              <a:t>reading_no</a:t>
-            </a:r>
-            <a:r>
-              <a:rPr sz="2200" dirty="0">
-                <a:solidFill>
-                  <a:schemeClr val="tx1"/>
-                </a:solidFill>
-                <a:uFill>
-                  <a:solidFill/>
-                </a:uFill>
-                <a:latin typeface="Arial Unicode MS" panose="020B0604020202020204" pitchFamily="34" charset="-128"/>
-                <a:ea typeface="Arial Unicode MS" panose="020B0604020202020204" pitchFamily="34" charset="-128"/>
-                <a:cs typeface="Arial Unicode MS" panose="020B0604020202020204" pitchFamily="34" charset="-128"/>
-                <a:sym typeface="Iowan Old Style Roman"/>
-              </a:rPr>
-              <a:t>, </a:t>
-            </a:r>
-            <a:r>
-              <a:rPr sz="2200" i="1" u="sng" dirty="0" err="1">
-                <a:solidFill>
-                  <a:schemeClr val="tx1"/>
-                </a:solidFill>
-                <a:uFill>
-                  <a:solidFill/>
-                </a:uFill>
-                <a:latin typeface="Arial Unicode MS" panose="020B0604020202020204" pitchFamily="34" charset="-128"/>
-                <a:ea typeface="Arial Unicode MS" panose="020B0604020202020204" pitchFamily="34" charset="-128"/>
-                <a:cs typeface="Arial Unicode MS" panose="020B0604020202020204" pitchFamily="34" charset="-128"/>
-                <a:sym typeface="Iowan Old Style Roman"/>
-              </a:rPr>
-              <a:t>employee_no</a:t>
-            </a:r>
-            <a:r>
-              <a:rPr sz="2200" dirty="0">
-                <a:solidFill>
-                  <a:schemeClr val="tx1"/>
-                </a:solidFill>
-                <a:uFill>
-                  <a:solidFill/>
-                </a:uFill>
-                <a:latin typeface="Arial Unicode MS" panose="020B0604020202020204" pitchFamily="34" charset="-128"/>
-                <a:ea typeface="Arial Unicode MS" panose="020B0604020202020204" pitchFamily="34" charset="-128"/>
-                <a:cs typeface="Arial Unicode MS" panose="020B0604020202020204" pitchFamily="34" charset="-128"/>
-                <a:sym typeface="Iowan Old Style Roman"/>
-              </a:rPr>
-              <a:t>)</a:t>
-            </a:r>
-          </a:p>
-          <a:p>
-            <a:pPr lvl="0">
-              <a:spcBef>
-                <a:spcPts val="700"/>
-              </a:spcBef>
-              <a:defRPr sz="1800">
-                <a:solidFill>
-                  <a:srgbClr val="000000"/>
-                </a:solidFill>
-                <a:uFillTx/>
-              </a:defRPr>
-            </a:pPr>
-            <a:r>
-              <a:rPr sz="2200" b="1" dirty="0">
-                <a:solidFill>
-                  <a:schemeClr val="tx1"/>
-                </a:solidFill>
-                <a:uFill>
-                  <a:solidFill/>
-                </a:uFill>
-                <a:latin typeface="Arial Unicode MS" panose="020B0604020202020204" pitchFamily="34" charset="-128"/>
-                <a:ea typeface="Arial Unicode MS" panose="020B0604020202020204" pitchFamily="34" charset="-128"/>
-                <a:cs typeface="Arial Unicode MS" panose="020B0604020202020204" pitchFamily="34" charset="-128"/>
-                <a:sym typeface="Iowan Old Style Roman"/>
-              </a:rPr>
-              <a:t>Employee</a:t>
-            </a:r>
-            <a:r>
-              <a:rPr sz="2200" dirty="0">
-                <a:solidFill>
-                  <a:schemeClr val="tx1"/>
-                </a:solidFill>
-                <a:uFill>
-                  <a:solidFill/>
-                </a:uFill>
-                <a:latin typeface="Arial Unicode MS" panose="020B0604020202020204" pitchFamily="34" charset="-128"/>
-                <a:ea typeface="Arial Unicode MS" panose="020B0604020202020204" pitchFamily="34" charset="-128"/>
-                <a:cs typeface="Arial Unicode MS" panose="020B0604020202020204" pitchFamily="34" charset="-128"/>
-                <a:sym typeface="Iowan Old Style Roman"/>
-              </a:rPr>
-              <a:t> (</a:t>
-            </a:r>
-            <a:r>
-              <a:rPr sz="2200" u="sng" dirty="0" err="1">
-                <a:solidFill>
-                  <a:schemeClr val="tx1"/>
-                </a:solidFill>
-                <a:uFill>
-                  <a:solidFill/>
-                </a:uFill>
-                <a:latin typeface="Arial Unicode MS" panose="020B0604020202020204" pitchFamily="34" charset="-128"/>
-                <a:ea typeface="Arial Unicode MS" panose="020B0604020202020204" pitchFamily="34" charset="-128"/>
-                <a:cs typeface="Arial Unicode MS" panose="020B0604020202020204" pitchFamily="34" charset="-128"/>
-                <a:sym typeface="Iowan Old Style Roman"/>
-              </a:rPr>
-              <a:t>employee_no</a:t>
-            </a:r>
-            <a:r>
-              <a:rPr sz="2200" dirty="0">
-                <a:solidFill>
-                  <a:schemeClr val="tx1"/>
-                </a:solidFill>
-                <a:uFill>
-                  <a:solidFill/>
-                </a:uFill>
-                <a:latin typeface="Arial Unicode MS" panose="020B0604020202020204" pitchFamily="34" charset="-128"/>
-                <a:ea typeface="Arial Unicode MS" panose="020B0604020202020204" pitchFamily="34" charset="-128"/>
-                <a:cs typeface="Arial Unicode MS" panose="020B0604020202020204" pitchFamily="34" charset="-128"/>
-                <a:sym typeface="Iowan Old Style Roman"/>
-              </a:rPr>
-              <a:t>, name, address, city, </a:t>
-            </a:r>
-            <a:r>
-              <a:rPr sz="2200" dirty="0" err="1">
-                <a:solidFill>
-                  <a:schemeClr val="tx1"/>
-                </a:solidFill>
-                <a:uFill>
-                  <a:solidFill/>
-                </a:uFill>
-                <a:latin typeface="Arial Unicode MS" panose="020B0604020202020204" pitchFamily="34" charset="-128"/>
-                <a:ea typeface="Arial Unicode MS" panose="020B0604020202020204" pitchFamily="34" charset="-128"/>
-                <a:cs typeface="Arial Unicode MS" panose="020B0604020202020204" pitchFamily="34" charset="-128"/>
-                <a:sym typeface="Iowan Old Style Roman"/>
-              </a:rPr>
-              <a:t>dept</a:t>
-            </a:r>
-            <a:r>
-              <a:rPr sz="2200" dirty="0">
-                <a:solidFill>
-                  <a:schemeClr val="tx1"/>
-                </a:solidFill>
-                <a:uFill>
-                  <a:solidFill/>
-                </a:uFill>
-                <a:latin typeface="Arial Unicode MS" panose="020B0604020202020204" pitchFamily="34" charset="-128"/>
-                <a:ea typeface="Arial Unicode MS" panose="020B0604020202020204" pitchFamily="34" charset="-128"/>
-                <a:cs typeface="Arial Unicode MS" panose="020B0604020202020204" pitchFamily="34" charset="-128"/>
-                <a:sym typeface="Iowan Old Style Roman"/>
-              </a:rPr>
-              <a:t>, </a:t>
-            </a:r>
-            <a:r>
-              <a:rPr sz="2200" dirty="0" err="1">
-                <a:solidFill>
-                  <a:schemeClr val="tx1"/>
-                </a:solidFill>
-                <a:uFill>
-                  <a:solidFill/>
-                </a:uFill>
-                <a:latin typeface="Arial Unicode MS" panose="020B0604020202020204" pitchFamily="34" charset="-128"/>
-                <a:ea typeface="Arial Unicode MS" panose="020B0604020202020204" pitchFamily="34" charset="-128"/>
-                <a:cs typeface="Arial Unicode MS" panose="020B0604020202020204" pitchFamily="34" charset="-128"/>
-                <a:sym typeface="Iowan Old Style Roman"/>
-              </a:rPr>
-              <a:t>zip_code</a:t>
-            </a:r>
-            <a:r>
-              <a:rPr sz="2200" dirty="0">
-                <a:solidFill>
-                  <a:schemeClr val="tx1"/>
-                </a:solidFill>
-                <a:uFill>
-                  <a:solidFill/>
-                </a:uFill>
-                <a:latin typeface="Arial Unicode MS" panose="020B0604020202020204" pitchFamily="34" charset="-128"/>
-                <a:ea typeface="Arial Unicode MS" panose="020B0604020202020204" pitchFamily="34" charset="-128"/>
-                <a:cs typeface="Arial Unicode MS" panose="020B0604020202020204" pitchFamily="34" charset="-128"/>
-                <a:sym typeface="Iowan Old Style Roman"/>
-              </a:rPr>
-              <a:t>, state, age)</a:t>
-            </a:r>
-          </a:p>
-          <a:p>
-            <a:pPr lvl="0">
-              <a:spcBef>
-                <a:spcPts val="700"/>
-              </a:spcBef>
-              <a:defRPr sz="1800">
-                <a:solidFill>
-                  <a:srgbClr val="000000"/>
-                </a:solidFill>
-                <a:uFillTx/>
-              </a:defRPr>
-            </a:pPr>
-            <a:r>
-              <a:rPr sz="2200" b="1" dirty="0">
-                <a:solidFill>
-                  <a:schemeClr val="tx1"/>
-                </a:solidFill>
-                <a:uFill>
-                  <a:solidFill/>
-                </a:uFill>
-                <a:latin typeface="Arial Unicode MS" panose="020B0604020202020204" pitchFamily="34" charset="-128"/>
-                <a:ea typeface="Arial Unicode MS" panose="020B0604020202020204" pitchFamily="34" charset="-128"/>
-                <a:cs typeface="Arial Unicode MS" panose="020B0604020202020204" pitchFamily="34" charset="-128"/>
-                <a:sym typeface="Iowan Old Style Roman"/>
-              </a:rPr>
-              <a:t>Bills</a:t>
-            </a:r>
-            <a:r>
-              <a:rPr sz="2200" dirty="0">
-                <a:solidFill>
-                  <a:schemeClr val="tx1"/>
-                </a:solidFill>
-                <a:uFill>
-                  <a:solidFill/>
-                </a:uFill>
-                <a:latin typeface="Arial Unicode MS" panose="020B0604020202020204" pitchFamily="34" charset="-128"/>
-                <a:ea typeface="Arial Unicode MS" panose="020B0604020202020204" pitchFamily="34" charset="-128"/>
-                <a:cs typeface="Arial Unicode MS" panose="020B0604020202020204" pitchFamily="34" charset="-128"/>
-                <a:sym typeface="Iowan Old Style Roman"/>
-              </a:rPr>
-              <a:t> (</a:t>
-            </a:r>
-            <a:r>
-              <a:rPr sz="2200" u="sng" dirty="0" err="1">
-                <a:solidFill>
-                  <a:schemeClr val="tx1"/>
-                </a:solidFill>
-                <a:uFill>
-                  <a:solidFill/>
-                </a:uFill>
-                <a:latin typeface="Arial Unicode MS" panose="020B0604020202020204" pitchFamily="34" charset="-128"/>
-                <a:ea typeface="Arial Unicode MS" panose="020B0604020202020204" pitchFamily="34" charset="-128"/>
-                <a:cs typeface="Arial Unicode MS" panose="020B0604020202020204" pitchFamily="34" charset="-128"/>
-                <a:sym typeface="Iowan Old Style Roman"/>
-              </a:rPr>
-              <a:t>bill_no</a:t>
-            </a:r>
-            <a:r>
-              <a:rPr sz="2200" dirty="0">
-                <a:solidFill>
-                  <a:schemeClr val="tx1"/>
-                </a:solidFill>
-                <a:uFill>
-                  <a:solidFill/>
-                </a:uFill>
-                <a:latin typeface="Arial Unicode MS" panose="020B0604020202020204" pitchFamily="34" charset="-128"/>
-                <a:ea typeface="Arial Unicode MS" panose="020B0604020202020204" pitchFamily="34" charset="-128"/>
-                <a:cs typeface="Arial Unicode MS" panose="020B0604020202020204" pitchFamily="34" charset="-128"/>
-                <a:sym typeface="Iowan Old Style Roman"/>
-              </a:rPr>
-              <a:t>, </a:t>
-            </a:r>
-            <a:r>
-              <a:rPr sz="2200" i="1" dirty="0" err="1">
-                <a:solidFill>
-                  <a:schemeClr val="tx1"/>
-                </a:solidFill>
-                <a:uFill>
-                  <a:solidFill/>
-                </a:uFill>
-                <a:latin typeface="Arial Unicode MS" panose="020B0604020202020204" pitchFamily="34" charset="-128"/>
-                <a:ea typeface="Arial Unicode MS" panose="020B0604020202020204" pitchFamily="34" charset="-128"/>
-                <a:cs typeface="Arial Unicode MS" panose="020B0604020202020204" pitchFamily="34" charset="-128"/>
-                <a:sym typeface="Iowan Old Style Roman"/>
-              </a:rPr>
-              <a:t>cust_no</a:t>
-            </a:r>
-            <a:r>
-              <a:rPr sz="2200" dirty="0">
-                <a:solidFill>
-                  <a:schemeClr val="tx1"/>
-                </a:solidFill>
-                <a:uFill>
-                  <a:solidFill/>
-                </a:uFill>
-                <a:latin typeface="Arial Unicode MS" panose="020B0604020202020204" pitchFamily="34" charset="-128"/>
-                <a:ea typeface="Arial Unicode MS" panose="020B0604020202020204" pitchFamily="34" charset="-128"/>
-                <a:cs typeface="Arial Unicode MS" panose="020B0604020202020204" pitchFamily="34" charset="-128"/>
-                <a:sym typeface="Iowan Old Style Roman"/>
-              </a:rPr>
-              <a:t>, </a:t>
-            </a:r>
-            <a:r>
-              <a:rPr sz="2200" dirty="0" err="1">
-                <a:solidFill>
-                  <a:schemeClr val="tx1"/>
-                </a:solidFill>
-                <a:uFill>
-                  <a:solidFill/>
-                </a:uFill>
-                <a:latin typeface="Arial Unicode MS" panose="020B0604020202020204" pitchFamily="34" charset="-128"/>
-                <a:ea typeface="Arial Unicode MS" panose="020B0604020202020204" pitchFamily="34" charset="-128"/>
-                <a:cs typeface="Arial Unicode MS" panose="020B0604020202020204" pitchFamily="34" charset="-128"/>
-                <a:sym typeface="Iowan Old Style Roman"/>
-              </a:rPr>
-              <a:t>start_date</a:t>
-            </a:r>
-            <a:r>
-              <a:rPr sz="2200" dirty="0">
-                <a:solidFill>
-                  <a:schemeClr val="tx1"/>
-                </a:solidFill>
-                <a:uFill>
-                  <a:solidFill/>
-                </a:uFill>
-                <a:latin typeface="Arial Unicode MS" panose="020B0604020202020204" pitchFamily="34" charset="-128"/>
-                <a:ea typeface="Arial Unicode MS" panose="020B0604020202020204" pitchFamily="34" charset="-128"/>
-                <a:cs typeface="Arial Unicode MS" panose="020B0604020202020204" pitchFamily="34" charset="-128"/>
-                <a:sym typeface="Iowan Old Style Roman"/>
-              </a:rPr>
-              <a:t>, </a:t>
-            </a:r>
-            <a:r>
-              <a:rPr sz="2200" dirty="0" err="1">
-                <a:solidFill>
-                  <a:schemeClr val="tx1"/>
-                </a:solidFill>
-                <a:uFill>
-                  <a:solidFill/>
-                </a:uFill>
-                <a:latin typeface="Arial Unicode MS" panose="020B0604020202020204" pitchFamily="34" charset="-128"/>
-                <a:ea typeface="Arial Unicode MS" panose="020B0604020202020204" pitchFamily="34" charset="-128"/>
-                <a:cs typeface="Arial Unicode MS" panose="020B0604020202020204" pitchFamily="34" charset="-128"/>
-                <a:sym typeface="Iowan Old Style Roman"/>
-              </a:rPr>
-              <a:t>end_date</a:t>
-            </a:r>
-            <a:r>
-              <a:rPr sz="2200" dirty="0">
-                <a:solidFill>
-                  <a:schemeClr val="tx1"/>
-                </a:solidFill>
-                <a:uFill>
-                  <a:solidFill/>
-                </a:uFill>
-                <a:latin typeface="Arial Unicode MS" panose="020B0604020202020204" pitchFamily="34" charset="-128"/>
-                <a:ea typeface="Arial Unicode MS" panose="020B0604020202020204" pitchFamily="34" charset="-128"/>
-                <a:cs typeface="Arial Unicode MS" panose="020B0604020202020204" pitchFamily="34" charset="-128"/>
-                <a:sym typeface="Iowan Old Style Roman"/>
-              </a:rPr>
-              <a:t>, </a:t>
-            </a:r>
-            <a:r>
-              <a:rPr sz="2200" dirty="0" err="1">
-                <a:solidFill>
-                  <a:schemeClr val="tx1"/>
-                </a:solidFill>
-                <a:uFill>
-                  <a:solidFill/>
-                </a:uFill>
-                <a:latin typeface="Arial Unicode MS" panose="020B0604020202020204" pitchFamily="34" charset="-128"/>
-                <a:ea typeface="Arial Unicode MS" panose="020B0604020202020204" pitchFamily="34" charset="-128"/>
-                <a:cs typeface="Arial Unicode MS" panose="020B0604020202020204" pitchFamily="34" charset="-128"/>
-                <a:sym typeface="Iowan Old Style Roman"/>
-              </a:rPr>
-              <a:t>due_date</a:t>
-            </a:r>
-            <a:r>
-              <a:rPr sz="2200" dirty="0">
-                <a:solidFill>
-                  <a:schemeClr val="tx1"/>
-                </a:solidFill>
-                <a:uFill>
-                  <a:solidFill/>
-                </a:uFill>
-                <a:latin typeface="Arial Unicode MS" panose="020B0604020202020204" pitchFamily="34" charset="-128"/>
-                <a:ea typeface="Arial Unicode MS" panose="020B0604020202020204" pitchFamily="34" charset="-128"/>
-                <a:cs typeface="Arial Unicode MS" panose="020B0604020202020204" pitchFamily="34" charset="-128"/>
-                <a:sym typeface="Iowan Old Style Roman"/>
-              </a:rPr>
-              <a:t>)</a:t>
-            </a:r>
-          </a:p>
-        </p:txBody>
-      </p:sp>
-    </p:spTree>
-    <p:extLst>
-      <p:ext uri="{BB962C8B-B14F-4D97-AF65-F5344CB8AC3E}">
-        <p14:creationId xmlns:p14="http://schemas.microsoft.com/office/powerpoint/2010/main" val="774174800"/>
-      </p:ext>
-    </p:extLst>
-  </p:cSld>
-  <p:clrMapOvr>
-    <a:masterClrMapping/>
-  </p:clrMapOvr>
-  <p:transition spd="med"/>
-</p:sld>
-</file>
-
-<file path=ppt/slides/slide26.xml><?xml version="1.0" encoding="utf-8"?>
-<p:sld xmlns:a="http://schemas.openxmlformats.org/drawingml/2006/main" xmlns:r="http://schemas.openxmlformats.org/officeDocument/2006/relationships" xmlns:p="http://schemas.openxmlformats.org/presentationml/2006/main">
-  <p:cSld>
-    <p:spTree>
-      <p:nvGrpSpPr>
-        <p:cNvPr id="1" name=""/>
-        <p:cNvGrpSpPr/>
-        <p:nvPr/>
-      </p:nvGrpSpPr>
-      <p:grpSpPr>
-        <a:xfrm>
-          <a:off x="0" y="0"/>
-          <a:ext cx="0" cy="0"/>
-          <a:chOff x="0" y="0"/>
-          <a:chExt cx="0" cy="0"/>
-        </a:xfrm>
-      </p:grpSpPr>
-      <p:sp>
-        <p:nvSpPr>
-          <p:cNvPr id="151" name="Shape 151"/>
-          <p:cNvSpPr/>
-          <p:nvPr/>
-        </p:nvSpPr>
-        <p:spPr>
-          <a:xfrm>
-            <a:off x="386308" y="147496"/>
-            <a:ext cx="7757379" cy="553998"/>
-          </a:xfrm>
-          <a:prstGeom prst="rect">
-            <a:avLst/>
-          </a:prstGeom>
-          <a:ln w="12700">
-            <a:miter lim="400000"/>
-          </a:ln>
-          <a:extLst>
-            <a:ext uri="{C572A759-6A51-4108-AA02-DFA0A04FC94B}">
-              <ma14:wrappingTextBoxFlag xmlns="" xmlns:ma14="http://schemas.microsoft.com/office/mac/drawingml/2011/main" val="1"/>
-            </a:ext>
-          </a:extLst>
-        </p:spPr>
-        <p:txBody>
-          <a:bodyPr lIns="45719" rIns="45719">
-            <a:spAutoFit/>
-          </a:bodyPr>
-          <a:lstStyle>
-            <a:lvl1pPr>
-              <a:defRPr sz="3000" b="1">
-                <a:uFill>
-                  <a:solidFill>
-                    <a:srgbClr val="FFFFFF"/>
-                  </a:solidFill>
-                </a:uFill>
-              </a:defRPr>
-            </a:lvl1pPr>
-          </a:lstStyle>
-          <a:p>
-            <a:pPr lvl="0">
-              <a:defRPr sz="1800" b="0">
-                <a:solidFill>
-                  <a:srgbClr val="000000"/>
-                </a:solidFill>
-                <a:uFillTx/>
-              </a:defRPr>
-            </a:pPr>
-            <a:r>
-              <a:rPr sz="3000" b="1" dirty="0">
-                <a:solidFill>
-                  <a:srgbClr val="57068C"/>
-                </a:solidFill>
-                <a:uFill>
-                  <a:solidFill>
-                    <a:srgbClr val="FFFFFF"/>
-                  </a:solidFill>
-                </a:uFill>
-                <a:latin typeface="Arial Unicode MS" panose="020B0604020202020204" pitchFamily="34" charset="-128"/>
-                <a:ea typeface="Arial Unicode MS" panose="020B0604020202020204" pitchFamily="34" charset="-128"/>
-                <a:cs typeface="Arial Unicode MS" panose="020B0604020202020204" pitchFamily="34" charset="-128"/>
-              </a:rPr>
-              <a:t>Summary of ER modeling</a:t>
-            </a:r>
-          </a:p>
-        </p:txBody>
-      </p:sp>
-      <p:sp>
-        <p:nvSpPr>
-          <p:cNvPr id="152" name="Shape 152"/>
-          <p:cNvSpPr/>
-          <p:nvPr/>
-        </p:nvSpPr>
-        <p:spPr>
-          <a:xfrm>
-            <a:off x="469900" y="1282700"/>
-            <a:ext cx="7590195" cy="4106252"/>
-          </a:xfrm>
-          <a:prstGeom prst="rect">
-            <a:avLst/>
-          </a:prstGeom>
-          <a:ln w="12700">
-            <a:miter lim="400000"/>
-          </a:ln>
-          <a:extLst>
-            <a:ext uri="{C572A759-6A51-4108-AA02-DFA0A04FC94B}">
-              <ma14:wrappingTextBoxFlag xmlns="" xmlns:ma14="http://schemas.microsoft.com/office/mac/drawingml/2011/main" val="1"/>
-            </a:ext>
-          </a:extLst>
-        </p:spPr>
-        <p:txBody>
-          <a:bodyPr lIns="45719" rIns="45719">
-            <a:spAutoFit/>
-          </a:bodyPr>
-          <a:lstStyle/>
-          <a:p>
-            <a:pPr marL="296007" lvl="0" indent="-257907">
-              <a:spcBef>
-                <a:spcPts val="700"/>
-              </a:spcBef>
-              <a:buSzPct val="50000"/>
-              <a:buBlip>
-                <a:blip r:embed="rId2"/>
-              </a:buBlip>
-              <a:defRPr sz="1800">
-                <a:solidFill>
-                  <a:srgbClr val="000000"/>
-                </a:solidFill>
-                <a:uFillTx/>
-              </a:defRPr>
-            </a:pPr>
-            <a:r>
-              <a:rPr sz="2200" dirty="0">
-                <a:solidFill>
-                  <a:schemeClr val="tx1"/>
-                </a:solidFill>
-                <a:uFill>
-                  <a:solidFill/>
-                </a:uFill>
-                <a:latin typeface="Arial Unicode MS" panose="020B0604020202020204" pitchFamily="34" charset="-128"/>
-                <a:ea typeface="Arial Unicode MS" panose="020B0604020202020204" pitchFamily="34" charset="-128"/>
-                <a:cs typeface="Arial Unicode MS" panose="020B0604020202020204" pitchFamily="34" charset="-128"/>
-                <a:sym typeface="Iowan Old Style Roman"/>
-              </a:rPr>
-              <a:t>ER model is popular for conceptual design</a:t>
-            </a:r>
-          </a:p>
-          <a:p>
-            <a:pPr marL="638907" lvl="1" indent="-257907">
-              <a:spcBef>
-                <a:spcPts val="700"/>
-              </a:spcBef>
-              <a:buSzPct val="100000"/>
-              <a:buChar char="•"/>
-              <a:defRPr sz="1800">
-                <a:solidFill>
-                  <a:srgbClr val="000000"/>
-                </a:solidFill>
-                <a:uFillTx/>
-              </a:defRPr>
-            </a:pPr>
-            <a:r>
-              <a:rPr sz="2200" dirty="0">
-                <a:solidFill>
-                  <a:schemeClr val="tx1"/>
-                </a:solidFill>
-                <a:uFill>
-                  <a:solidFill/>
-                </a:uFill>
-                <a:latin typeface="Arial Unicode MS" panose="020B0604020202020204" pitchFamily="34" charset="-128"/>
-                <a:ea typeface="Arial Unicode MS" panose="020B0604020202020204" pitchFamily="34" charset="-128"/>
-                <a:cs typeface="Arial Unicode MS" panose="020B0604020202020204" pitchFamily="34" charset="-128"/>
-                <a:sym typeface="Iowan Old Style Roman"/>
-              </a:rPr>
-              <a:t>Constructs are expressive, intuitive and graphical. </a:t>
-            </a:r>
-          </a:p>
-          <a:p>
-            <a:pPr marL="296007" lvl="0" indent="-257907">
-              <a:spcBef>
-                <a:spcPts val="700"/>
-              </a:spcBef>
-              <a:buSzPct val="50000"/>
-              <a:buBlip>
-                <a:blip r:embed="rId2"/>
-              </a:buBlip>
-              <a:defRPr sz="1800">
-                <a:solidFill>
-                  <a:srgbClr val="000000"/>
-                </a:solidFill>
-                <a:uFillTx/>
-              </a:defRPr>
-            </a:pPr>
-            <a:r>
-              <a:rPr sz="2200" dirty="0">
-                <a:solidFill>
-                  <a:schemeClr val="tx1"/>
-                </a:solidFill>
-                <a:uFill>
-                  <a:solidFill/>
-                </a:uFill>
-                <a:latin typeface="Arial Unicode MS" panose="020B0604020202020204" pitchFamily="34" charset="-128"/>
-                <a:ea typeface="Arial Unicode MS" panose="020B0604020202020204" pitchFamily="34" charset="-128"/>
-                <a:cs typeface="Arial Unicode MS" panose="020B0604020202020204" pitchFamily="34" charset="-128"/>
-                <a:sym typeface="Iowan Old Style Roman"/>
-              </a:rPr>
-              <a:t>Basic constructs: entity types, relationships (cardinalities), and attributes</a:t>
-            </a:r>
-          </a:p>
-          <a:p>
-            <a:pPr marL="296007" lvl="0" indent="-257907">
-              <a:spcBef>
-                <a:spcPts val="700"/>
-              </a:spcBef>
-              <a:buSzPct val="50000"/>
-              <a:buBlip>
-                <a:blip r:embed="rId2"/>
-              </a:buBlip>
-              <a:defRPr sz="1800">
-                <a:solidFill>
-                  <a:srgbClr val="000000"/>
-                </a:solidFill>
-                <a:uFillTx/>
-              </a:defRPr>
-            </a:pPr>
-            <a:r>
-              <a:rPr sz="2200" dirty="0">
-                <a:solidFill>
-                  <a:schemeClr val="tx1"/>
-                </a:solidFill>
-                <a:uFill>
-                  <a:solidFill/>
-                </a:uFill>
-                <a:latin typeface="Arial Unicode MS" panose="020B0604020202020204" pitchFamily="34" charset="-128"/>
-                <a:ea typeface="Arial Unicode MS" panose="020B0604020202020204" pitchFamily="34" charset="-128"/>
-                <a:cs typeface="Arial Unicode MS" panose="020B0604020202020204" pitchFamily="34" charset="-128"/>
-                <a:sym typeface="Iowan Old Style Roman"/>
-              </a:rPr>
-              <a:t>ER modeling is subjective!  </a:t>
-            </a:r>
-          </a:p>
-          <a:p>
-            <a:pPr marL="638907" lvl="1" indent="-257907">
-              <a:spcBef>
-                <a:spcPts val="700"/>
-              </a:spcBef>
-              <a:buSzPct val="100000"/>
-              <a:buChar char="•"/>
-              <a:defRPr sz="1800">
-                <a:solidFill>
-                  <a:srgbClr val="000000"/>
-                </a:solidFill>
-                <a:uFillTx/>
-              </a:defRPr>
-            </a:pPr>
-            <a:r>
-              <a:rPr sz="2200" dirty="0">
-                <a:solidFill>
-                  <a:schemeClr val="tx1"/>
-                </a:solidFill>
-                <a:uFill>
-                  <a:solidFill/>
-                </a:uFill>
-                <a:latin typeface="Arial Unicode MS" panose="020B0604020202020204" pitchFamily="34" charset="-128"/>
-                <a:ea typeface="Arial Unicode MS" panose="020B0604020202020204" pitchFamily="34" charset="-128"/>
-                <a:cs typeface="Arial Unicode MS" panose="020B0604020202020204" pitchFamily="34" charset="-128"/>
-                <a:sym typeface="Iowan Old Style Roman"/>
-              </a:rPr>
-              <a:t>There are often many ways to model a given scenario! </a:t>
-            </a:r>
-          </a:p>
-          <a:p>
-            <a:pPr marL="638907" lvl="1" indent="-257907">
-              <a:spcBef>
-                <a:spcPts val="700"/>
-              </a:spcBef>
-              <a:buSzPct val="100000"/>
-              <a:buChar char="•"/>
-              <a:defRPr sz="1800">
-                <a:solidFill>
-                  <a:srgbClr val="000000"/>
-                </a:solidFill>
-                <a:uFillTx/>
-              </a:defRPr>
-            </a:pPr>
-            <a:r>
-              <a:rPr sz="2200" dirty="0">
-                <a:solidFill>
-                  <a:schemeClr val="tx1"/>
-                </a:solidFill>
-                <a:uFill>
-                  <a:solidFill/>
-                </a:uFill>
-                <a:latin typeface="Arial Unicode MS" panose="020B0604020202020204" pitchFamily="34" charset="-128"/>
-                <a:ea typeface="Arial Unicode MS" panose="020B0604020202020204" pitchFamily="34" charset="-128"/>
-                <a:cs typeface="Arial Unicode MS" panose="020B0604020202020204" pitchFamily="34" charset="-128"/>
-                <a:sym typeface="Iowan Old Style Roman"/>
-              </a:rPr>
-              <a:t>Analyzing alternatives is key</a:t>
-            </a:r>
-          </a:p>
-          <a:p>
-            <a:pPr marL="296007" lvl="0" indent="-257907">
-              <a:spcBef>
-                <a:spcPts val="700"/>
-              </a:spcBef>
-              <a:buSzPct val="50000"/>
-              <a:buBlip>
-                <a:blip r:embed="rId2"/>
-              </a:buBlip>
-              <a:defRPr sz="1800">
-                <a:solidFill>
-                  <a:srgbClr val="000000"/>
-                </a:solidFill>
-                <a:uFillTx/>
-              </a:defRPr>
-            </a:pPr>
-            <a:r>
-              <a:rPr sz="2200" dirty="0">
-                <a:solidFill>
-                  <a:schemeClr val="tx1"/>
-                </a:solidFill>
-                <a:uFill>
-                  <a:solidFill/>
-                </a:uFill>
-                <a:latin typeface="Arial Unicode MS" panose="020B0604020202020204" pitchFamily="34" charset="-128"/>
-                <a:ea typeface="Arial Unicode MS" panose="020B0604020202020204" pitchFamily="34" charset="-128"/>
-                <a:cs typeface="Arial Unicode MS" panose="020B0604020202020204" pitchFamily="34" charset="-128"/>
-                <a:sym typeface="Iowan Old Style Roman"/>
-              </a:rPr>
-              <a:t>ER modeling is iterative!</a:t>
-            </a:r>
-          </a:p>
-          <a:p>
-            <a:pPr marL="638907" lvl="1" indent="-257907">
-              <a:spcBef>
-                <a:spcPts val="700"/>
-              </a:spcBef>
-              <a:buSzPct val="100000"/>
-              <a:buChar char="•"/>
-              <a:defRPr sz="1800">
-                <a:solidFill>
-                  <a:srgbClr val="000000"/>
-                </a:solidFill>
-                <a:uFillTx/>
-              </a:defRPr>
-            </a:pPr>
-            <a:r>
-              <a:rPr sz="2200" dirty="0">
-                <a:solidFill>
-                  <a:schemeClr val="tx1"/>
-                </a:solidFill>
-                <a:uFill>
-                  <a:solidFill/>
-                </a:uFill>
-                <a:latin typeface="Arial Unicode MS" panose="020B0604020202020204" pitchFamily="34" charset="-128"/>
-                <a:ea typeface="Arial Unicode MS" panose="020B0604020202020204" pitchFamily="34" charset="-128"/>
-                <a:cs typeface="Arial Unicode MS" panose="020B0604020202020204" pitchFamily="34" charset="-128"/>
-                <a:sym typeface="Iowan Old Style Roman"/>
-              </a:rPr>
-              <a:t>Resulting diagram should be analyzed and refined further. </a:t>
-            </a:r>
-          </a:p>
-        </p:txBody>
-      </p:sp>
-    </p:spTree>
-    <p:extLst>
-      <p:ext uri="{BB962C8B-B14F-4D97-AF65-F5344CB8AC3E}">
-        <p14:creationId xmlns:p14="http://schemas.microsoft.com/office/powerpoint/2010/main" val="599677968"/>
-      </p:ext>
-    </p:extLst>
-  </p:cSld>
-  <p:clrMapOvr>
-    <a:masterClrMapping/>
-  </p:clrMapOvr>
-  <p:transition spd="med"/>
-</p:sld>
-</file>
-
-<file path=ppt/slides/slide27.xml><?xml version="1.0" encoding="utf-8"?>
-<p:sld xmlns:a="http://schemas.openxmlformats.org/drawingml/2006/main" xmlns:r="http://schemas.openxmlformats.org/officeDocument/2006/relationships" xmlns:p="http://schemas.openxmlformats.org/presentationml/2006/main">
-  <p:cSld>
-    <p:spTree>
-      <p:nvGrpSpPr>
-        <p:cNvPr id="1" name=""/>
-        <p:cNvGrpSpPr/>
-        <p:nvPr/>
-      </p:nvGrpSpPr>
-      <p:grpSpPr>
-        <a:xfrm>
-          <a:off x="0" y="0"/>
-          <a:ext cx="0" cy="0"/>
-          <a:chOff x="0" y="0"/>
-          <a:chExt cx="0" cy="0"/>
-        </a:xfrm>
-      </p:grpSpPr>
-      <p:sp>
-        <p:nvSpPr>
-          <p:cNvPr id="147" name="Shape 147"/>
-          <p:cNvSpPr/>
-          <p:nvPr/>
-        </p:nvSpPr>
-        <p:spPr>
-          <a:xfrm>
-            <a:off x="386308" y="147496"/>
-            <a:ext cx="7757379" cy="1077218"/>
-          </a:xfrm>
-          <a:prstGeom prst="rect">
-            <a:avLst/>
-          </a:prstGeom>
-          <a:ln w="12700">
-            <a:miter lim="400000"/>
-          </a:ln>
-          <a:extLst>
-            <a:ext uri="{C572A759-6A51-4108-AA02-DFA0A04FC94B}">
-              <ma14:wrappingTextBoxFlag xmlns="" xmlns:ma14="http://schemas.microsoft.com/office/mac/drawingml/2011/main" val="1"/>
-            </a:ext>
-          </a:extLst>
-        </p:spPr>
-        <p:txBody>
-          <a:bodyPr lIns="45719" rIns="45719">
-            <a:spAutoFit/>
-          </a:bodyPr>
-          <a:lstStyle>
-            <a:lvl1pPr>
-              <a:defRPr sz="3000" b="1">
-                <a:uFill>
-                  <a:solidFill>
-                    <a:srgbClr val="FFFFFF"/>
-                  </a:solidFill>
-                </a:uFill>
-              </a:defRPr>
-            </a:lvl1pPr>
-          </a:lstStyle>
-          <a:p>
-            <a:pPr lvl="0">
-              <a:defRPr sz="1800" b="0">
-                <a:solidFill>
-                  <a:srgbClr val="000000"/>
-                </a:solidFill>
-                <a:uFillTx/>
-              </a:defRPr>
-            </a:pPr>
-            <a:r>
-              <a:rPr lang="en-US" sz="3200" dirty="0">
-                <a:solidFill>
-                  <a:srgbClr val="57068C"/>
-                </a:solidFill>
-                <a:latin typeface="Arial Unicode MS" panose="020B0604020202020204" pitchFamily="34" charset="-128"/>
-                <a:ea typeface="Arial Unicode MS" panose="020B0604020202020204" pitchFamily="34" charset="-128"/>
-                <a:cs typeface="Arial Unicode MS" panose="020B0604020202020204" pitchFamily="34" charset="-128"/>
-              </a:rPr>
-              <a:t>In-class exercise: (if we have time)</a:t>
-            </a:r>
-            <a:br>
-              <a:rPr lang="en-US" sz="3200" dirty="0">
-                <a:solidFill>
-                  <a:srgbClr val="57068C"/>
-                </a:solidFill>
-                <a:latin typeface="Arial Unicode MS" panose="020B0604020202020204" pitchFamily="34" charset="-128"/>
-                <a:ea typeface="Arial Unicode MS" panose="020B0604020202020204" pitchFamily="34" charset="-128"/>
-                <a:cs typeface="Arial Unicode MS" panose="020B0604020202020204" pitchFamily="34" charset="-128"/>
-              </a:rPr>
-            </a:br>
-            <a:r>
-              <a:rPr lang="en-US" sz="3200" dirty="0">
-                <a:solidFill>
-                  <a:srgbClr val="57068C"/>
-                </a:solidFill>
-                <a:latin typeface="Arial Unicode MS" panose="020B0604020202020204" pitchFamily="34" charset="-128"/>
-                <a:ea typeface="Arial Unicode MS" panose="020B0604020202020204" pitchFamily="34" charset="-128"/>
-                <a:cs typeface="Arial Unicode MS" panose="020B0604020202020204" pitchFamily="34" charset="-128"/>
-              </a:rPr>
-              <a:t>Create the following ERDs and tables</a:t>
-            </a:r>
-          </a:p>
-        </p:txBody>
-      </p:sp>
-      <p:sp>
-        <p:nvSpPr>
-          <p:cNvPr id="148" name="Shape 148"/>
-          <p:cNvSpPr/>
-          <p:nvPr/>
-        </p:nvSpPr>
-        <p:spPr>
-          <a:xfrm>
-            <a:off x="0" y="1538949"/>
-            <a:ext cx="8921183" cy="5242461"/>
-          </a:xfrm>
-          <a:prstGeom prst="rect">
-            <a:avLst/>
-          </a:prstGeom>
-          <a:ln w="12700">
-            <a:miter lim="400000"/>
-          </a:ln>
-          <a:extLst>
-            <a:ext uri="{C572A759-6A51-4108-AA02-DFA0A04FC94B}">
-              <ma14:wrappingTextBoxFlag xmlns="" xmlns:ma14="http://schemas.microsoft.com/office/mac/drawingml/2011/main" val="1"/>
-            </a:ext>
-          </a:extLst>
-        </p:spPr>
-        <p:txBody>
-          <a:bodyPr lIns="45719" rIns="45719">
-            <a:spAutoFit/>
-          </a:bodyPr>
-          <a:lstStyle/>
-          <a:p>
-            <a:pPr marL="225669" lvl="0" indent="-187569">
-              <a:spcBef>
-                <a:spcPts val="700"/>
-              </a:spcBef>
-              <a:buSzPct val="50000"/>
-              <a:buBlip>
-                <a:blip r:embed="rId2"/>
-              </a:buBlip>
-              <a:defRPr sz="1800">
-                <a:solidFill>
-                  <a:srgbClr val="000000"/>
-                </a:solidFill>
-                <a:uFillTx/>
-              </a:defRPr>
-            </a:pPr>
-            <a:r>
-              <a:rPr sz="1600" dirty="0" err="1">
-                <a:solidFill>
-                  <a:schemeClr val="tx1"/>
-                </a:solidFill>
-                <a:uFill>
-                  <a:solidFill/>
-                </a:uFill>
-                <a:latin typeface="Arial Unicode MS" panose="020B0604020202020204" pitchFamily="34" charset="-128"/>
-                <a:ea typeface="Arial Unicode MS" panose="020B0604020202020204" pitchFamily="34" charset="-128"/>
-                <a:cs typeface="Arial Unicode MS" panose="020B0604020202020204" pitchFamily="34" charset="-128"/>
-                <a:sym typeface="Iowan Old Style Roman"/>
-              </a:rPr>
-              <a:t>NoFuture</a:t>
-            </a:r>
-            <a:r>
-              <a:rPr sz="1600" dirty="0">
-                <a:solidFill>
-                  <a:schemeClr val="tx1"/>
-                </a:solidFill>
-                <a:uFill>
-                  <a:solidFill/>
-                </a:uFill>
-                <a:latin typeface="Arial Unicode MS" panose="020B0604020202020204" pitchFamily="34" charset="-128"/>
-                <a:ea typeface="Arial Unicode MS" panose="020B0604020202020204" pitchFamily="34" charset="-128"/>
-                <a:cs typeface="Arial Unicode MS" panose="020B0604020202020204" pitchFamily="34" charset="-128"/>
-                <a:sym typeface="Iowan Old Style Roman"/>
-              </a:rPr>
-              <a:t> Records has decided to store information about musicians who perform on its albums (as well as other company data) in a database. </a:t>
-            </a:r>
-          </a:p>
-          <a:p>
-            <a:pPr marL="568569" lvl="1" indent="-187569">
-              <a:spcBef>
-                <a:spcPts val="700"/>
-              </a:spcBef>
-              <a:buSzPct val="100000"/>
-              <a:buChar char="•"/>
-              <a:defRPr sz="1800">
-                <a:solidFill>
-                  <a:srgbClr val="000000"/>
-                </a:solidFill>
-                <a:uFillTx/>
-              </a:defRPr>
-            </a:pPr>
-            <a:r>
-              <a:rPr sz="1600" dirty="0">
-                <a:solidFill>
-                  <a:schemeClr val="tx1"/>
-                </a:solidFill>
-                <a:uFill>
-                  <a:solidFill/>
-                </a:uFill>
-                <a:latin typeface="Arial Unicode MS" panose="020B0604020202020204" pitchFamily="34" charset="-128"/>
-                <a:ea typeface="Arial Unicode MS" panose="020B0604020202020204" pitchFamily="34" charset="-128"/>
-                <a:cs typeface="Arial Unicode MS" panose="020B0604020202020204" pitchFamily="34" charset="-128"/>
-                <a:sym typeface="Iowan Old Style Roman"/>
-              </a:rPr>
-              <a:t>Each musician that records at </a:t>
-            </a:r>
-            <a:r>
-              <a:rPr sz="1600" dirty="0" err="1">
-                <a:solidFill>
-                  <a:schemeClr val="tx1"/>
-                </a:solidFill>
-                <a:uFill>
-                  <a:solidFill/>
-                </a:uFill>
-                <a:latin typeface="Arial Unicode MS" panose="020B0604020202020204" pitchFamily="34" charset="-128"/>
-                <a:ea typeface="Arial Unicode MS" panose="020B0604020202020204" pitchFamily="34" charset="-128"/>
-                <a:cs typeface="Arial Unicode MS" panose="020B0604020202020204" pitchFamily="34" charset="-128"/>
-                <a:sym typeface="Iowan Old Style Roman"/>
-              </a:rPr>
-              <a:t>NoFuture</a:t>
-            </a:r>
-            <a:r>
-              <a:rPr sz="1600" dirty="0">
-                <a:solidFill>
-                  <a:schemeClr val="tx1"/>
-                </a:solidFill>
-                <a:uFill>
-                  <a:solidFill/>
-                </a:uFill>
-                <a:latin typeface="Arial Unicode MS" panose="020B0604020202020204" pitchFamily="34" charset="-128"/>
-                <a:ea typeface="Arial Unicode MS" panose="020B0604020202020204" pitchFamily="34" charset="-128"/>
-                <a:cs typeface="Arial Unicode MS" panose="020B0604020202020204" pitchFamily="34" charset="-128"/>
-                <a:sym typeface="Iowan Old Style Roman"/>
-              </a:rPr>
-              <a:t> has an SSN, a name, an address, and a phone number. Poorly paid musicians often share the same address, and no address has more than one phone.</a:t>
-            </a:r>
-          </a:p>
-          <a:p>
-            <a:pPr marL="568569" lvl="1" indent="-187569">
-              <a:spcBef>
-                <a:spcPts val="700"/>
-              </a:spcBef>
-              <a:buSzPct val="100000"/>
-              <a:buChar char="•"/>
-              <a:defRPr sz="1800">
-                <a:solidFill>
-                  <a:srgbClr val="000000"/>
-                </a:solidFill>
-                <a:uFillTx/>
-              </a:defRPr>
-            </a:pPr>
-            <a:r>
-              <a:rPr sz="1600" dirty="0">
-                <a:solidFill>
-                  <a:schemeClr val="tx1"/>
-                </a:solidFill>
-                <a:uFill>
-                  <a:solidFill/>
-                </a:uFill>
-                <a:latin typeface="Arial Unicode MS" panose="020B0604020202020204" pitchFamily="34" charset="-128"/>
-                <a:ea typeface="Arial Unicode MS" panose="020B0604020202020204" pitchFamily="34" charset="-128"/>
-                <a:cs typeface="Arial Unicode MS" panose="020B0604020202020204" pitchFamily="34" charset="-128"/>
-                <a:sym typeface="Iowan Old Style Roman"/>
-              </a:rPr>
-              <a:t>Each instrument used in songs recorded at </a:t>
-            </a:r>
-            <a:r>
-              <a:rPr sz="1600" dirty="0" err="1">
-                <a:solidFill>
-                  <a:schemeClr val="tx1"/>
-                </a:solidFill>
-                <a:uFill>
-                  <a:solidFill/>
-                </a:uFill>
-                <a:latin typeface="Arial Unicode MS" panose="020B0604020202020204" pitchFamily="34" charset="-128"/>
-                <a:ea typeface="Arial Unicode MS" panose="020B0604020202020204" pitchFamily="34" charset="-128"/>
-                <a:cs typeface="Arial Unicode MS" panose="020B0604020202020204" pitchFamily="34" charset="-128"/>
-                <a:sym typeface="Iowan Old Style Roman"/>
-              </a:rPr>
-              <a:t>NoFuture</a:t>
-            </a:r>
-            <a:r>
-              <a:rPr sz="1600" dirty="0">
-                <a:solidFill>
-                  <a:schemeClr val="tx1"/>
-                </a:solidFill>
-                <a:uFill>
-                  <a:solidFill/>
-                </a:uFill>
-                <a:latin typeface="Arial Unicode MS" panose="020B0604020202020204" pitchFamily="34" charset="-128"/>
-                <a:ea typeface="Arial Unicode MS" panose="020B0604020202020204" pitchFamily="34" charset="-128"/>
-                <a:cs typeface="Arial Unicode MS" panose="020B0604020202020204" pitchFamily="34" charset="-128"/>
-                <a:sym typeface="Iowan Old Style Roman"/>
-              </a:rPr>
-              <a:t> has a unique identification number, a name (e.g., guitar, synthesizer, ﬂute) and a musical key (e.g., C, B-ﬂat, E-ﬂat).</a:t>
-            </a:r>
-          </a:p>
-          <a:p>
-            <a:pPr marL="568569" lvl="1" indent="-187569">
-              <a:spcBef>
-                <a:spcPts val="700"/>
-              </a:spcBef>
-              <a:buSzPct val="100000"/>
-              <a:buChar char="•"/>
-              <a:defRPr sz="1800">
-                <a:solidFill>
-                  <a:srgbClr val="000000"/>
-                </a:solidFill>
-                <a:uFillTx/>
-              </a:defRPr>
-            </a:pPr>
-            <a:r>
-              <a:rPr sz="1600" dirty="0">
-                <a:solidFill>
-                  <a:schemeClr val="tx1"/>
-                </a:solidFill>
-                <a:uFill>
-                  <a:solidFill/>
-                </a:uFill>
-                <a:latin typeface="Arial Unicode MS" panose="020B0604020202020204" pitchFamily="34" charset="-128"/>
-                <a:ea typeface="Arial Unicode MS" panose="020B0604020202020204" pitchFamily="34" charset="-128"/>
-                <a:cs typeface="Arial Unicode MS" panose="020B0604020202020204" pitchFamily="34" charset="-128"/>
-                <a:sym typeface="Iowan Old Style Roman"/>
-              </a:rPr>
-              <a:t>Each album recorded on the </a:t>
-            </a:r>
-            <a:r>
-              <a:rPr sz="1600" dirty="0" err="1">
-                <a:solidFill>
-                  <a:schemeClr val="tx1"/>
-                </a:solidFill>
-                <a:uFill>
-                  <a:solidFill/>
-                </a:uFill>
-                <a:latin typeface="Arial Unicode MS" panose="020B0604020202020204" pitchFamily="34" charset="-128"/>
-                <a:ea typeface="Arial Unicode MS" panose="020B0604020202020204" pitchFamily="34" charset="-128"/>
-                <a:cs typeface="Arial Unicode MS" panose="020B0604020202020204" pitchFamily="34" charset="-128"/>
-                <a:sym typeface="Iowan Old Style Roman"/>
-              </a:rPr>
-              <a:t>NoFuture</a:t>
-            </a:r>
-            <a:r>
-              <a:rPr sz="1600" dirty="0">
-                <a:solidFill>
-                  <a:schemeClr val="tx1"/>
-                </a:solidFill>
-                <a:uFill>
-                  <a:solidFill/>
-                </a:uFill>
-                <a:latin typeface="Arial Unicode MS" panose="020B0604020202020204" pitchFamily="34" charset="-128"/>
-                <a:ea typeface="Arial Unicode MS" panose="020B0604020202020204" pitchFamily="34" charset="-128"/>
-                <a:cs typeface="Arial Unicode MS" panose="020B0604020202020204" pitchFamily="34" charset="-128"/>
-                <a:sym typeface="Iowan Old Style Roman"/>
-              </a:rPr>
-              <a:t> label has a unique identification  number, a title, a copyright date, a format, and an album identifier.</a:t>
-            </a:r>
-          </a:p>
-          <a:p>
-            <a:pPr marL="568569" lvl="1" indent="-187569">
-              <a:spcBef>
-                <a:spcPts val="700"/>
-              </a:spcBef>
-              <a:buSzPct val="100000"/>
-              <a:buChar char="•"/>
-              <a:defRPr sz="1800">
-                <a:solidFill>
-                  <a:srgbClr val="000000"/>
-                </a:solidFill>
-                <a:uFillTx/>
-              </a:defRPr>
-            </a:pPr>
-            <a:r>
-              <a:rPr sz="1600" dirty="0">
-                <a:solidFill>
-                  <a:schemeClr val="tx1"/>
-                </a:solidFill>
-                <a:uFill>
-                  <a:solidFill/>
-                </a:uFill>
-                <a:latin typeface="Arial Unicode MS" panose="020B0604020202020204" pitchFamily="34" charset="-128"/>
-                <a:ea typeface="Arial Unicode MS" panose="020B0604020202020204" pitchFamily="34" charset="-128"/>
-                <a:cs typeface="Arial Unicode MS" panose="020B0604020202020204" pitchFamily="34" charset="-128"/>
-                <a:sym typeface="Iowan Old Style Roman"/>
-              </a:rPr>
-              <a:t>Each song recorded at </a:t>
-            </a:r>
-            <a:r>
-              <a:rPr sz="1600" dirty="0" err="1">
-                <a:solidFill>
-                  <a:schemeClr val="tx1"/>
-                </a:solidFill>
-                <a:uFill>
-                  <a:solidFill/>
-                </a:uFill>
-                <a:latin typeface="Arial Unicode MS" panose="020B0604020202020204" pitchFamily="34" charset="-128"/>
-                <a:ea typeface="Arial Unicode MS" panose="020B0604020202020204" pitchFamily="34" charset="-128"/>
-                <a:cs typeface="Arial Unicode MS" panose="020B0604020202020204" pitchFamily="34" charset="-128"/>
-                <a:sym typeface="Iowan Old Style Roman"/>
-              </a:rPr>
-              <a:t>NoFuture</a:t>
-            </a:r>
-            <a:r>
-              <a:rPr sz="1600" dirty="0">
-                <a:solidFill>
-                  <a:schemeClr val="tx1"/>
-                </a:solidFill>
-                <a:uFill>
-                  <a:solidFill/>
-                </a:uFill>
-                <a:latin typeface="Arial Unicode MS" panose="020B0604020202020204" pitchFamily="34" charset="-128"/>
-                <a:ea typeface="Arial Unicode MS" panose="020B0604020202020204" pitchFamily="34" charset="-128"/>
-                <a:cs typeface="Arial Unicode MS" panose="020B0604020202020204" pitchFamily="34" charset="-128"/>
-                <a:sym typeface="Iowan Old Style Roman"/>
-              </a:rPr>
-              <a:t> has a title and an author.</a:t>
-            </a:r>
-          </a:p>
-          <a:p>
-            <a:pPr marL="568569" lvl="1" indent="-187569">
-              <a:spcBef>
-                <a:spcPts val="700"/>
-              </a:spcBef>
-              <a:buSzPct val="100000"/>
-              <a:buChar char="•"/>
-              <a:defRPr sz="1800">
-                <a:solidFill>
-                  <a:srgbClr val="000000"/>
-                </a:solidFill>
-                <a:uFillTx/>
-              </a:defRPr>
-            </a:pPr>
-            <a:r>
-              <a:rPr sz="1600" dirty="0">
-                <a:solidFill>
-                  <a:schemeClr val="tx1"/>
-                </a:solidFill>
-                <a:uFill>
-                  <a:solidFill/>
-                </a:uFill>
-                <a:latin typeface="Arial Unicode MS" panose="020B0604020202020204" pitchFamily="34" charset="-128"/>
-                <a:ea typeface="Arial Unicode MS" panose="020B0604020202020204" pitchFamily="34" charset="-128"/>
-                <a:cs typeface="Arial Unicode MS" panose="020B0604020202020204" pitchFamily="34" charset="-128"/>
-                <a:sym typeface="Iowan Old Style Roman"/>
-              </a:rPr>
-              <a:t>Each musician may play several instruments, and a given instrument may be played by several musicians.</a:t>
-            </a:r>
-          </a:p>
-          <a:p>
-            <a:pPr marL="568569" lvl="1" indent="-187569">
-              <a:spcBef>
-                <a:spcPts val="700"/>
-              </a:spcBef>
-              <a:buSzPct val="100000"/>
-              <a:buChar char="•"/>
-              <a:defRPr sz="1800">
-                <a:solidFill>
-                  <a:srgbClr val="000000"/>
-                </a:solidFill>
-                <a:uFillTx/>
-              </a:defRPr>
-            </a:pPr>
-            <a:r>
-              <a:rPr sz="1600" dirty="0">
-                <a:solidFill>
-                  <a:schemeClr val="tx1"/>
-                </a:solidFill>
-                <a:uFill>
-                  <a:solidFill/>
-                </a:uFill>
-                <a:latin typeface="Arial Unicode MS" panose="020B0604020202020204" pitchFamily="34" charset="-128"/>
-                <a:ea typeface="Arial Unicode MS" panose="020B0604020202020204" pitchFamily="34" charset="-128"/>
-                <a:cs typeface="Arial Unicode MS" panose="020B0604020202020204" pitchFamily="34" charset="-128"/>
-                <a:sym typeface="Iowan Old Style Roman"/>
-              </a:rPr>
-              <a:t>Each album has a number of songs on it, but no song may appear on more than one album.</a:t>
-            </a:r>
-          </a:p>
-          <a:p>
-            <a:pPr marL="568569" lvl="1" indent="-187569">
-              <a:spcBef>
-                <a:spcPts val="700"/>
-              </a:spcBef>
-              <a:buSzPct val="100000"/>
-              <a:buChar char="•"/>
-              <a:defRPr sz="1800">
-                <a:solidFill>
-                  <a:srgbClr val="000000"/>
-                </a:solidFill>
-                <a:uFillTx/>
-              </a:defRPr>
-            </a:pPr>
-            <a:r>
-              <a:rPr sz="1600" dirty="0">
-                <a:solidFill>
-                  <a:schemeClr val="tx1"/>
-                </a:solidFill>
-                <a:uFill>
-                  <a:solidFill/>
-                </a:uFill>
-                <a:latin typeface="Arial Unicode MS" panose="020B0604020202020204" pitchFamily="34" charset="-128"/>
-                <a:ea typeface="Arial Unicode MS" panose="020B0604020202020204" pitchFamily="34" charset="-128"/>
-                <a:cs typeface="Arial Unicode MS" panose="020B0604020202020204" pitchFamily="34" charset="-128"/>
-                <a:sym typeface="Iowan Old Style Roman"/>
-              </a:rPr>
-              <a:t>Each song is performed by one or more musicians, and a musician may perform a number of songs.</a:t>
-            </a:r>
-          </a:p>
-          <a:p>
-            <a:pPr marL="568569" lvl="1" indent="-187569">
-              <a:spcBef>
-                <a:spcPts val="700"/>
-              </a:spcBef>
-              <a:buSzPct val="100000"/>
-              <a:buChar char="•"/>
-              <a:defRPr sz="1800">
-                <a:solidFill>
-                  <a:srgbClr val="000000"/>
-                </a:solidFill>
-                <a:uFillTx/>
-              </a:defRPr>
-            </a:pPr>
-            <a:r>
-              <a:rPr sz="1600" dirty="0">
-                <a:solidFill>
-                  <a:schemeClr val="tx1"/>
-                </a:solidFill>
-                <a:uFill>
-                  <a:solidFill/>
-                </a:uFill>
-                <a:latin typeface="Arial Unicode MS" panose="020B0604020202020204" pitchFamily="34" charset="-128"/>
-                <a:ea typeface="Arial Unicode MS" panose="020B0604020202020204" pitchFamily="34" charset="-128"/>
-                <a:cs typeface="Arial Unicode MS" panose="020B0604020202020204" pitchFamily="34" charset="-128"/>
-                <a:sym typeface="Iowan Old Style Roman"/>
-              </a:rPr>
-              <a:t>Each album has exactly one musician who acts as its producer. A musician may produce several albums.</a:t>
-            </a:r>
-          </a:p>
-        </p:txBody>
-      </p:sp>
-    </p:spTree>
-    <p:extLst>
-      <p:ext uri="{BB962C8B-B14F-4D97-AF65-F5344CB8AC3E}">
-        <p14:creationId xmlns:p14="http://schemas.microsoft.com/office/powerpoint/2010/main" val="3214541500"/>
       </p:ext>
     </p:extLst>
   </p:cSld>
@@ -14622,7 +6295,7 @@
           </a:ln>
           <a:extLst>
             <a:ext uri="{C572A759-6A51-4108-AA02-DFA0A04FC94B}">
-              <ma14:wrappingTextBoxFlag xmlns="" xmlns:ma14="http://schemas.microsoft.com/office/mac/drawingml/2011/main" val="1"/>
+              <ma14:wrappingTextBoxFlag xmlns:ma14="http://schemas.microsoft.com/office/mac/drawingml/2011/main" xmlns="" val="1"/>
             </a:ext>
           </a:extLst>
         </p:spPr>
@@ -14688,7 +6361,7 @@
           </a:ln>
           <a:extLst>
             <a:ext uri="{C572A759-6A51-4108-AA02-DFA0A04FC94B}">
-              <ma14:wrappingTextBoxFlag xmlns="" xmlns:ma14="http://schemas.microsoft.com/office/mac/drawingml/2011/main" val="1"/>
+              <ma14:wrappingTextBoxFlag xmlns:ma14="http://schemas.microsoft.com/office/mac/drawingml/2011/main" xmlns="" val="1"/>
             </a:ext>
           </a:extLst>
         </p:spPr>
@@ -14989,7 +6662,7 @@
           </a:ln>
           <a:extLst>
             <a:ext uri="{C572A759-6A51-4108-AA02-DFA0A04FC94B}">
-              <ma14:wrappingTextBoxFlag xmlns="" xmlns:ma14="http://schemas.microsoft.com/office/mac/drawingml/2011/main" val="1"/>
+              <ma14:wrappingTextBoxFlag xmlns:ma14="http://schemas.microsoft.com/office/mac/drawingml/2011/main" xmlns="" val="1"/>
             </a:ext>
           </a:extLst>
         </p:spPr>
@@ -15100,7 +6773,7 @@
           </a:ln>
           <a:extLst>
             <a:ext uri="{C572A759-6A51-4108-AA02-DFA0A04FC94B}">
-              <ma14:wrappingTextBoxFlag xmlns="" xmlns:ma14="http://schemas.microsoft.com/office/mac/drawingml/2011/main" val="1"/>
+              <ma14:wrappingTextBoxFlag xmlns:ma14="http://schemas.microsoft.com/office/mac/drawingml/2011/main" xmlns="" val="1"/>
             </a:ext>
           </a:extLst>
         </p:spPr>
@@ -15343,7 +7016,7 @@
           </a:ln>
           <a:extLst>
             <a:ext uri="{C572A759-6A51-4108-AA02-DFA0A04FC94B}">
-              <ma14:wrappingTextBoxFlag xmlns="" xmlns:ma14="http://schemas.microsoft.com/office/mac/drawingml/2011/main" val="1"/>
+              <ma14:wrappingTextBoxFlag xmlns:ma14="http://schemas.microsoft.com/office/mac/drawingml/2011/main" xmlns="" val="1"/>
             </a:ext>
           </a:extLst>
         </p:spPr>
@@ -15409,7 +7082,7 @@
           </a:ln>
           <a:extLst>
             <a:ext uri="{C572A759-6A51-4108-AA02-DFA0A04FC94B}">
-              <ma14:wrappingTextBoxFlag xmlns="" xmlns:ma14="http://schemas.microsoft.com/office/mac/drawingml/2011/main" val="1"/>
+              <ma14:wrappingTextBoxFlag xmlns:ma14="http://schemas.microsoft.com/office/mac/drawingml/2011/main" xmlns="" val="1"/>
             </a:ext>
           </a:extLst>
         </p:spPr>
@@ -16060,7 +7733,7 @@
           </a:ln>
           <a:extLst>
             <a:ext uri="{C572A759-6A51-4108-AA02-DFA0A04FC94B}">
-              <ma14:wrappingTextBoxFlag xmlns="" xmlns:ma14="http://schemas.microsoft.com/office/mac/drawingml/2011/main" val="1"/>
+              <ma14:wrappingTextBoxFlag xmlns:ma14="http://schemas.microsoft.com/office/mac/drawingml/2011/main" xmlns="" val="1"/>
             </a:ext>
           </a:extLst>
         </p:spPr>
@@ -16126,7 +7799,7 @@
           </a:ln>
           <a:extLst>
             <a:ext uri="{C572A759-6A51-4108-AA02-DFA0A04FC94B}">
-              <ma14:wrappingTextBoxFlag xmlns="" xmlns:ma14="http://schemas.microsoft.com/office/mac/drawingml/2011/main" val="1"/>
+              <ma14:wrappingTextBoxFlag xmlns:ma14="http://schemas.microsoft.com/office/mac/drawingml/2011/main" xmlns="" val="1"/>
             </a:ext>
           </a:extLst>
         </p:spPr>
@@ -16372,7 +8045,7 @@
           </a:ln>
           <a:extLst>
             <a:ext uri="{C572A759-6A51-4108-AA02-DFA0A04FC94B}">
-              <ma14:wrappingTextBoxFlag xmlns="" xmlns:ma14="http://schemas.microsoft.com/office/mac/drawingml/2011/main" val="1"/>
+              <ma14:wrappingTextBoxFlag xmlns:ma14="http://schemas.microsoft.com/office/mac/drawingml/2011/main" xmlns="" val="1"/>
             </a:ext>
           </a:extLst>
         </p:spPr>
@@ -16438,7 +8111,7 @@
           </a:ln>
           <a:extLst>
             <a:ext uri="{C572A759-6A51-4108-AA02-DFA0A04FC94B}">
-              <ma14:wrappingTextBoxFlag xmlns="" xmlns:ma14="http://schemas.microsoft.com/office/mac/drawingml/2011/main" val="1"/>
+              <ma14:wrappingTextBoxFlag xmlns:ma14="http://schemas.microsoft.com/office/mac/drawingml/2011/main" xmlns="" val="1"/>
             </a:ext>
           </a:extLst>
         </p:spPr>
@@ -17050,7 +8723,7 @@
           </a:ln>
           <a:extLst>
             <a:ext uri="{C572A759-6A51-4108-AA02-DFA0A04FC94B}">
-              <ma14:wrappingTextBoxFlag xmlns="" xmlns:ma14="http://schemas.microsoft.com/office/mac/drawingml/2011/main" val="1"/>
+              <ma14:wrappingTextBoxFlag xmlns:ma14="http://schemas.microsoft.com/office/mac/drawingml/2011/main" xmlns="" val="1"/>
             </a:ext>
           </a:extLst>
         </p:spPr>
@@ -18049,7 +9722,7 @@
           </a:ln>
           <a:extLst>
             <a:ext uri="{C572A759-6A51-4108-AA02-DFA0A04FC94B}">
-              <ma14:wrappingTextBoxFlag xmlns="" xmlns:ma14="http://schemas.microsoft.com/office/mac/drawingml/2011/main" val="1"/>
+              <ma14:wrappingTextBoxFlag xmlns:ma14="http://schemas.microsoft.com/office/mac/drawingml/2011/main" xmlns="" val="1"/>
             </a:ext>
           </a:extLst>
         </p:spPr>

--- a/session1/A2-ER_modeling-WaterUtility.pptx
+++ b/session1/A2-ER_modeling-WaterUtility.pptx
@@ -5,10 +5,10 @@
     <p:sldMasterId id="2147483654" r:id="rId1"/>
   </p:sldMasterIdLst>
   <p:notesMasterIdLst>
-    <p:notesMasterId r:id="rId16"/>
+    <p:notesMasterId r:id="rId17"/>
   </p:notesMasterIdLst>
   <p:handoutMasterIdLst>
-    <p:handoutMasterId r:id="rId17"/>
+    <p:handoutMasterId r:id="rId18"/>
   </p:handoutMasterIdLst>
   <p:sldIdLst>
     <p:sldId id="365" r:id="rId2"/>
@@ -25,6 +25,7 @@
     <p:sldId id="379" r:id="rId13"/>
     <p:sldId id="380" r:id="rId14"/>
     <p:sldId id="381" r:id="rId15"/>
+    <p:sldId id="410" r:id="rId16"/>
   </p:sldIdLst>
   <p:sldSz cx="9144000" cy="6858000" type="screen4x3"/>
   <p:notesSz cx="7010400" cy="9296400"/>
@@ -254,7 +255,7 @@
                 <a:ea typeface="Arial Unicode MS" panose="020B0604020202020204" pitchFamily="34" charset="-128"/>
                 <a:cs typeface="Arial Unicode MS" panose="020B0604020202020204" pitchFamily="34" charset="-128"/>
               </a:rPr>
-              <a:t>5/19/2021</a:t>
+              <a:t>1/17/2023</a:t>
             </a:fld>
             <a:endParaRPr lang="en-US" dirty="0">
               <a:latin typeface="Arial Unicode MS" panose="020B0604020202020204" pitchFamily="34" charset="-128"/>
@@ -920,7 +921,7 @@
           <a:p>
             <a:fld id="{E9385586-C094-4874-A3EB-1898CF456001}" type="datetimeFigureOut">
               <a:rPr lang="en-US" smtClean="0"/>
-              <a:t>5/19/2021</a:t>
+              <a:t>1/17/2023</a:t>
             </a:fld>
             <a:endParaRPr lang="en-US"/>
           </a:p>
@@ -1089,7 +1090,7 @@
           <a:p>
             <a:fld id="{E9385586-C094-4874-A3EB-1898CF456001}" type="datetimeFigureOut">
               <a:rPr lang="en-US" smtClean="0"/>
-              <a:t>5/19/2021</a:t>
+              <a:t>1/17/2023</a:t>
             </a:fld>
             <a:endParaRPr lang="en-US"/>
           </a:p>
@@ -1268,7 +1269,7 @@
           <a:p>
             <a:fld id="{E9385586-C094-4874-A3EB-1898CF456001}" type="datetimeFigureOut">
               <a:rPr lang="en-US" smtClean="0"/>
-              <a:t>5/19/2021</a:t>
+              <a:t>1/17/2023</a:t>
             </a:fld>
             <a:endParaRPr lang="en-US"/>
           </a:p>
@@ -1468,7 +1469,7 @@
           <a:p>
             <a:fld id="{E9385586-C094-4874-A3EB-1898CF456001}" type="datetimeFigureOut">
               <a:rPr lang="en-US" smtClean="0"/>
-              <a:t>5/19/2021</a:t>
+              <a:t>1/17/2023</a:t>
             </a:fld>
             <a:endParaRPr lang="en-US"/>
           </a:p>
@@ -1713,7 +1714,7 @@
           <a:p>
             <a:fld id="{E9385586-C094-4874-A3EB-1898CF456001}" type="datetimeFigureOut">
               <a:rPr lang="en-US" smtClean="0"/>
-              <a:t>5/19/2021</a:t>
+              <a:t>1/17/2023</a:t>
             </a:fld>
             <a:endParaRPr lang="en-US"/>
           </a:p>
@@ -1943,7 +1944,7 @@
           <a:p>
             <a:fld id="{E9385586-C094-4874-A3EB-1898CF456001}" type="datetimeFigureOut">
               <a:rPr lang="en-US" smtClean="0"/>
-              <a:t>5/19/2021</a:t>
+              <a:t>1/17/2023</a:t>
             </a:fld>
             <a:endParaRPr lang="en-US"/>
           </a:p>
@@ -2308,7 +2309,7 @@
           <a:p>
             <a:fld id="{E9385586-C094-4874-A3EB-1898CF456001}" type="datetimeFigureOut">
               <a:rPr lang="en-US" smtClean="0"/>
-              <a:t>5/19/2021</a:t>
+              <a:t>1/17/2023</a:t>
             </a:fld>
             <a:endParaRPr lang="en-US"/>
           </a:p>
@@ -2426,7 +2427,7 @@
           <a:p>
             <a:fld id="{E9385586-C094-4874-A3EB-1898CF456001}" type="datetimeFigureOut">
               <a:rPr lang="en-US" smtClean="0"/>
-              <a:t>5/19/2021</a:t>
+              <a:t>1/17/2023</a:t>
             </a:fld>
             <a:endParaRPr lang="en-US"/>
           </a:p>
@@ -2521,7 +2522,7 @@
           <a:p>
             <a:fld id="{E9385586-C094-4874-A3EB-1898CF456001}" type="datetimeFigureOut">
               <a:rPr lang="en-US" smtClean="0"/>
-              <a:t>5/19/2021</a:t>
+              <a:t>1/17/2023</a:t>
             </a:fld>
             <a:endParaRPr lang="en-US"/>
           </a:p>
@@ -2797,7 +2798,7 @@
           <a:p>
             <a:fld id="{E9385586-C094-4874-A3EB-1898CF456001}" type="datetimeFigureOut">
               <a:rPr lang="en-US" smtClean="0"/>
-              <a:t>5/19/2021</a:t>
+              <a:t>1/17/2023</a:t>
             </a:fld>
             <a:endParaRPr lang="en-US"/>
           </a:p>
@@ -3050,7 +3051,7 @@
           <a:p>
             <a:fld id="{E9385586-C094-4874-A3EB-1898CF456001}" type="datetimeFigureOut">
               <a:rPr lang="en-US" smtClean="0"/>
-              <a:t>5/19/2021</a:t>
+              <a:t>1/17/2023</a:t>
             </a:fld>
             <a:endParaRPr lang="en-US"/>
           </a:p>
@@ -3266,7 +3267,7 @@
             <a:fld id="{E9385586-C094-4874-A3EB-1898CF456001}" type="datetimeFigureOut">
               <a:rPr lang="en-US" smtClean="0"/>
               <a:pPr/>
-              <a:t>5/19/2021</a:t>
+              <a:t>1/17/2023</a:t>
             </a:fld>
             <a:endParaRPr lang="en-US" dirty="0"/>
           </a:p>
@@ -3698,7 +3699,7 @@
           </a:ln>
           <a:extLst>
             <a:ext uri="{C572A759-6A51-4108-AA02-DFA0A04FC94B}">
-              <ma14:wrappingTextBoxFlag xmlns="" xmlns:ma14="http://schemas.microsoft.com/office/mac/drawingml/2011/main" val="1"/>
+              <ma14:wrappingTextBoxFlag xmlns:ma14="http://schemas.microsoft.com/office/mac/drawingml/2011/main" xmlns="" val="1"/>
             </a:ext>
           </a:extLst>
         </p:spPr>
@@ -3907,7 +3908,7 @@
           </a:ln>
           <a:extLst>
             <a:ext uri="{C572A759-6A51-4108-AA02-DFA0A04FC94B}">
-              <ma14:wrappingTextBoxFlag xmlns:ma14="http://schemas.microsoft.com/office/mac/drawingml/2011/main" xmlns="" val="1"/>
+              <ma14:wrappingTextBoxFlag xmlns="" xmlns:ma14="http://schemas.microsoft.com/office/mac/drawingml/2011/main" val="1"/>
             </a:ext>
           </a:extLst>
         </p:spPr>
@@ -4002,7 +4003,7 @@
           </a:ln>
           <a:extLst>
             <a:ext uri="{C572A759-6A51-4108-AA02-DFA0A04FC94B}">
-              <ma14:wrappingTextBoxFlag xmlns:ma14="http://schemas.microsoft.com/office/mac/drawingml/2011/main" xmlns="" val="1"/>
+              <ma14:wrappingTextBoxFlag xmlns="" xmlns:ma14="http://schemas.microsoft.com/office/mac/drawingml/2011/main" val="1"/>
             </a:ext>
           </a:extLst>
         </p:spPr>
@@ -4214,7 +4215,7 @@
           </a:ln>
           <a:extLst>
             <a:ext uri="{C572A759-6A51-4108-AA02-DFA0A04FC94B}">
-              <ma14:wrappingTextBoxFlag xmlns:ma14="http://schemas.microsoft.com/office/mac/drawingml/2011/main" xmlns="" val="1"/>
+              <ma14:wrappingTextBoxFlag xmlns="" xmlns:ma14="http://schemas.microsoft.com/office/mac/drawingml/2011/main" val="1"/>
             </a:ext>
           </a:extLst>
         </p:spPr>
@@ -4280,7 +4281,7 @@
           </a:ln>
           <a:extLst>
             <a:ext uri="{C572A759-6A51-4108-AA02-DFA0A04FC94B}">
-              <ma14:wrappingTextBoxFlag xmlns:ma14="http://schemas.microsoft.com/office/mac/drawingml/2011/main" xmlns="" val="1"/>
+              <ma14:wrappingTextBoxFlag xmlns="" xmlns:ma14="http://schemas.microsoft.com/office/mac/drawingml/2011/main" val="1"/>
             </a:ext>
           </a:extLst>
         </p:spPr>
@@ -5287,7 +5288,7 @@
           </a:ln>
           <a:extLst>
             <a:ext uri="{C572A759-6A51-4108-AA02-DFA0A04FC94B}">
-              <ma14:wrappingTextBoxFlag xmlns:ma14="http://schemas.microsoft.com/office/mac/drawingml/2011/main" xmlns="" val="1"/>
+              <ma14:wrappingTextBoxFlag xmlns="" xmlns:ma14="http://schemas.microsoft.com/office/mac/drawingml/2011/main" val="1"/>
             </a:ext>
           </a:extLst>
         </p:spPr>
@@ -5336,10 +5337,10 @@
       </p:sp>
       <p:pic>
         <p:nvPicPr>
-          <p:cNvPr id="2" name="Picture 1">
+          <p:cNvPr id="4" name="Picture 3" descr="Diagram&#10;&#10;Description automatically generated">
             <a:extLst>
               <a:ext uri="{FF2B5EF4-FFF2-40B4-BE49-F238E27FC236}">
-                <a16:creationId xmlns:a16="http://schemas.microsoft.com/office/drawing/2014/main" id="{4E7747A8-1CD8-4995-AED3-EB051B7DC03D}"/>
+                <a16:creationId xmlns:a16="http://schemas.microsoft.com/office/drawing/2014/main" id="{F39C4FDC-A721-A936-1E7D-3735C55BB242}"/>
               </a:ext>
             </a:extLst>
           </p:cNvPr>
@@ -5349,15 +5350,21 @@
           <p:nvPr/>
         </p:nvPicPr>
         <p:blipFill>
-          <a:blip r:embed="rId2"/>
+          <a:blip r:embed="rId2" cstate="print">
+            <a:extLst>
+              <a:ext uri="{28A0092B-C50C-407E-A947-70E740481C1C}">
+                <a14:useLocalDpi xmlns:a14="http://schemas.microsoft.com/office/drawing/2010/main" val="0"/>
+              </a:ext>
+            </a:extLst>
+          </a:blip>
           <a:stretch>
             <a:fillRect/>
           </a:stretch>
         </p:blipFill>
         <p:spPr>
           <a:xfrm>
-            <a:off x="1335819" y="864252"/>
-            <a:ext cx="6774078" cy="5902308"/>
+            <a:off x="713232" y="662249"/>
+            <a:ext cx="8430768" cy="6044891"/>
           </a:xfrm>
           <a:prstGeom prst="rect">
             <a:avLst/>
@@ -5414,7 +5421,7 @@
           </a:ln>
           <a:extLst>
             <a:ext uri="{C572A759-6A51-4108-AA02-DFA0A04FC94B}">
-              <ma14:wrappingTextBoxFlag xmlns:ma14="http://schemas.microsoft.com/office/mac/drawingml/2011/main" xmlns="" val="1"/>
+              <ma14:wrappingTextBoxFlag xmlns="" xmlns:ma14="http://schemas.microsoft.com/office/mac/drawingml/2011/main" val="1"/>
             </a:ext>
           </a:extLst>
         </p:spPr>
@@ -5480,7 +5487,7 @@
           </a:ln>
           <a:extLst>
             <a:ext uri="{C572A759-6A51-4108-AA02-DFA0A04FC94B}">
-              <ma14:wrappingTextBoxFlag xmlns:ma14="http://schemas.microsoft.com/office/mac/drawingml/2011/main" xmlns="" val="1"/>
+              <ma14:wrappingTextBoxFlag xmlns="" xmlns:ma14="http://schemas.microsoft.com/office/mac/drawingml/2011/main" val="1"/>
             </a:ext>
           </a:extLst>
         </p:spPr>
@@ -5657,7 +5664,7 @@
               </a:defRPr>
             </a:pPr>
             <a:r>
-              <a:rPr lang="en-US" sz="2600" dirty="0">
+              <a:rPr sz="2600" dirty="0">
                 <a:solidFill>
                   <a:schemeClr val="tx1"/>
                 </a:solidFill>
@@ -5669,7 +5676,7 @@
                 <a:cs typeface="Arial Unicode MS" panose="020B0604020202020204" pitchFamily="34" charset="-128"/>
                 <a:sym typeface="Iowan Old Style Roman"/>
               </a:rPr>
-              <a:t>Data types becoming ENUM entries</a:t>
+              <a:t>Attributes -&gt; Entities</a:t>
             </a:r>
           </a:p>
           <a:p>
@@ -5699,8 +5706,20 @@
                 <a:cs typeface="Arial Unicode MS" panose="020B0604020202020204" pitchFamily="34" charset="-128"/>
                 <a:sym typeface="Iowan Old Style Roman"/>
               </a:rPr>
-              <a:t>Attributes -&gt; Entities</a:t>
-            </a:r>
+              <a:t>Splitting compound attributes</a:t>
+            </a:r>
+            <a:endParaRPr lang="en-US" sz="2600" dirty="0">
+              <a:solidFill>
+                <a:schemeClr val="tx1"/>
+              </a:solidFill>
+              <a:uFill>
+                <a:solidFill/>
+              </a:uFill>
+              <a:latin typeface="Arial Unicode MS" panose="020B0604020202020204" pitchFamily="34" charset="-128"/>
+              <a:ea typeface="Arial Unicode MS" panose="020B0604020202020204" pitchFamily="34" charset="-128"/>
+              <a:cs typeface="Arial Unicode MS" panose="020B0604020202020204" pitchFamily="34" charset="-128"/>
+              <a:sym typeface="Iowan Old Style Roman"/>
+            </a:endParaRPr>
           </a:p>
           <a:p>
             <a:pPr marL="685800" lvl="1" indent="-304800">
@@ -5708,6 +5727,7 @@
                 <a:spcPts val="700"/>
               </a:spcBef>
               <a:buSzPct val="100000"/>
+              <a:buFontTx/>
               <a:buChar char="•"/>
               <a:defRPr sz="1800">
                 <a:solidFill>
@@ -5717,7 +5737,7 @@
               </a:defRPr>
             </a:pPr>
             <a:r>
-              <a:rPr sz="2600" dirty="0">
+              <a:rPr lang="en-US" sz="2600" dirty="0">
                 <a:solidFill>
                   <a:schemeClr val="tx1"/>
                 </a:solidFill>
@@ -5729,7 +5749,7 @@
                 <a:cs typeface="Arial Unicode MS" panose="020B0604020202020204" pitchFamily="34" charset="-128"/>
                 <a:sym typeface="Iowan Old Style Roman"/>
               </a:rPr>
-              <a:t>Splitting compound attributes</a:t>
+              <a:t>Data types becoming ENUM entries</a:t>
             </a:r>
           </a:p>
         </p:txBody>
@@ -5784,7 +5804,7 @@
           </a:ln>
           <a:extLst>
             <a:ext uri="{C572A759-6A51-4108-AA02-DFA0A04FC94B}">
-              <ma14:wrappingTextBoxFlag xmlns:ma14="http://schemas.microsoft.com/office/mac/drawingml/2011/main" xmlns="" val="1"/>
+              <ma14:wrappingTextBoxFlag xmlns="" xmlns:ma14="http://schemas.microsoft.com/office/mac/drawingml/2011/main" val="1"/>
             </a:ext>
           </a:extLst>
         </p:spPr>
@@ -5850,7 +5870,7 @@
           </a:ln>
           <a:extLst>
             <a:ext uri="{C572A759-6A51-4108-AA02-DFA0A04FC94B}">
-              <ma14:wrappingTextBoxFlag xmlns:ma14="http://schemas.microsoft.com/office/mac/drawingml/2011/main" xmlns="" val="1"/>
+              <ma14:wrappingTextBoxFlag xmlns="" xmlns:ma14="http://schemas.microsoft.com/office/mac/drawingml/2011/main" val="1"/>
             </a:ext>
           </a:extLst>
         </p:spPr>
@@ -5933,6 +5953,320 @@
     <p:extLst>
       <p:ext uri="{BB962C8B-B14F-4D97-AF65-F5344CB8AC3E}">
         <p14:creationId xmlns:p14="http://schemas.microsoft.com/office/powerpoint/2010/main" val="841380000"/>
+      </p:ext>
+    </p:extLst>
+  </p:cSld>
+  <p:clrMapOvr>
+    <a:masterClrMapping/>
+  </p:clrMapOvr>
+  <p:transition spd="med"/>
+</p:sld>
+</file>
+
+<file path=ppt/slides/slide15.xml><?xml version="1.0" encoding="utf-8"?>
+<p:sld xmlns:a="http://schemas.openxmlformats.org/drawingml/2006/main" xmlns:r="http://schemas.openxmlformats.org/officeDocument/2006/relationships" xmlns:p="http://schemas.openxmlformats.org/presentationml/2006/main">
+  <p:cSld>
+    <p:spTree>
+      <p:nvGrpSpPr>
+        <p:cNvPr id="1" name=""/>
+        <p:cNvGrpSpPr/>
+        <p:nvPr/>
+      </p:nvGrpSpPr>
+      <p:grpSpPr>
+        <a:xfrm>
+          <a:off x="0" y="0"/>
+          <a:ext cx="0" cy="0"/>
+          <a:chOff x="0" y="0"/>
+          <a:chExt cx="0" cy="0"/>
+        </a:xfrm>
+      </p:grpSpPr>
+      <p:sp>
+        <p:nvSpPr>
+          <p:cNvPr id="130" name="Shape 130"/>
+          <p:cNvSpPr/>
+          <p:nvPr/>
+        </p:nvSpPr>
+        <p:spPr>
+          <a:xfrm>
+            <a:off x="386308" y="147496"/>
+            <a:ext cx="7757379" cy="553998"/>
+          </a:xfrm>
+          <a:prstGeom prst="rect">
+            <a:avLst/>
+          </a:prstGeom>
+          <a:ln w="12700">
+            <a:miter lim="400000"/>
+          </a:ln>
+          <a:extLst>
+            <a:ext uri="{C572A759-6A51-4108-AA02-DFA0A04FC94B}">
+              <ma14:wrappingTextBoxFlag xmlns="" xmlns:ma14="http://schemas.microsoft.com/office/mac/drawingml/2011/main" val="1"/>
+            </a:ext>
+          </a:extLst>
+        </p:spPr>
+        <p:txBody>
+          <a:bodyPr lIns="45719" rIns="45719">
+            <a:spAutoFit/>
+          </a:bodyPr>
+          <a:lstStyle>
+            <a:lvl1pPr>
+              <a:defRPr sz="3000" b="1">
+                <a:uFill>
+                  <a:solidFill>
+                    <a:srgbClr val="FFFFFF"/>
+                  </a:solidFill>
+                </a:uFill>
+              </a:defRPr>
+            </a:lvl1pPr>
+          </a:lstStyle>
+          <a:p>
+            <a:pPr lvl="0">
+              <a:defRPr sz="1800" b="0">
+                <a:solidFill>
+                  <a:srgbClr val="000000"/>
+                </a:solidFill>
+                <a:uFillTx/>
+              </a:defRPr>
+            </a:pPr>
+            <a:r>
+              <a:rPr lang="en-US" sz="3000" b="1" dirty="0">
+                <a:solidFill>
+                  <a:srgbClr val="57068C"/>
+                </a:solidFill>
+                <a:uFill>
+                  <a:solidFill>
+                    <a:srgbClr val="FFFFFF"/>
+                  </a:solidFill>
+                </a:uFill>
+                <a:latin typeface="Arial Unicode MS" panose="020B0604020202020204" pitchFamily="34" charset="-128"/>
+                <a:ea typeface="Arial Unicode MS" panose="020B0604020202020204" pitchFamily="34" charset="-128"/>
+                <a:cs typeface="Arial Unicode MS" panose="020B0604020202020204" pitchFamily="34" charset="-128"/>
+              </a:rPr>
+              <a:t>Attribute or Entity?</a:t>
+            </a:r>
+            <a:endParaRPr sz="3000" b="1" dirty="0">
+              <a:solidFill>
+                <a:srgbClr val="57068C"/>
+              </a:solidFill>
+              <a:uFill>
+                <a:solidFill>
+                  <a:srgbClr val="FFFFFF"/>
+                </a:solidFill>
+              </a:uFill>
+              <a:latin typeface="Arial Unicode MS" panose="020B0604020202020204" pitchFamily="34" charset="-128"/>
+              <a:ea typeface="Arial Unicode MS" panose="020B0604020202020204" pitchFamily="34" charset="-128"/>
+              <a:cs typeface="Arial Unicode MS" panose="020B0604020202020204" pitchFamily="34" charset="-128"/>
+            </a:endParaRPr>
+          </a:p>
+        </p:txBody>
+      </p:sp>
+      <p:sp>
+        <p:nvSpPr>
+          <p:cNvPr id="131" name="Shape 131"/>
+          <p:cNvSpPr/>
+          <p:nvPr/>
+        </p:nvSpPr>
+        <p:spPr>
+          <a:xfrm>
+            <a:off x="469900" y="1282700"/>
+            <a:ext cx="7590195" cy="5468164"/>
+          </a:xfrm>
+          <a:prstGeom prst="rect">
+            <a:avLst/>
+          </a:prstGeom>
+          <a:ln w="12700">
+            <a:miter lim="400000"/>
+          </a:ln>
+          <a:extLst>
+            <a:ext uri="{C572A759-6A51-4108-AA02-DFA0A04FC94B}">
+              <ma14:wrappingTextBoxFlag xmlns="" xmlns:ma14="http://schemas.microsoft.com/office/mac/drawingml/2011/main" val="1"/>
+            </a:ext>
+          </a:extLst>
+        </p:spPr>
+        <p:txBody>
+          <a:bodyPr lIns="45719" rIns="45719">
+            <a:spAutoFit/>
+          </a:bodyPr>
+          <a:lstStyle>
+            <a:lvl1pPr marL="342900" indent="-304800">
+              <a:spcBef>
+                <a:spcPts val="700"/>
+              </a:spcBef>
+              <a:buSzPct val="50000"/>
+              <a:buBlip>
+                <a:blip r:embed="rId2"/>
+              </a:buBlip>
+              <a:defRPr sz="2600">
+                <a:solidFill>
+                  <a:srgbClr val="01106D"/>
+                </a:solidFill>
+                <a:latin typeface="Iowan Old Style Roman"/>
+                <a:ea typeface="Iowan Old Style Roman"/>
+                <a:cs typeface="Iowan Old Style Roman"/>
+                <a:sym typeface="Iowan Old Style Roman"/>
+              </a:defRPr>
+            </a:lvl1pPr>
+          </a:lstStyle>
+          <a:p>
+            <a:pPr lvl="0">
+              <a:defRPr sz="1800">
+                <a:solidFill>
+                  <a:srgbClr val="000000"/>
+                </a:solidFill>
+                <a:uFillTx/>
+              </a:defRPr>
+            </a:pPr>
+            <a:r>
+              <a:rPr lang="en-US" sz="2600" dirty="0">
+                <a:solidFill>
+                  <a:schemeClr val="tx1"/>
+                </a:solidFill>
+                <a:uFill>
+                  <a:solidFill/>
+                </a:uFill>
+                <a:latin typeface="Arial Unicode MS" panose="020B0604020202020204" pitchFamily="34" charset="-128"/>
+                <a:ea typeface="Arial Unicode MS" panose="020B0604020202020204" pitchFamily="34" charset="-128"/>
+                <a:cs typeface="Arial Unicode MS" panose="020B0604020202020204" pitchFamily="34" charset="-128"/>
+              </a:rPr>
+              <a:t>We often need to decide whether something is an entity or an attribute (e.g., an address)</a:t>
+            </a:r>
+          </a:p>
+          <a:p>
+            <a:pPr lvl="0">
+              <a:defRPr sz="1800">
+                <a:solidFill>
+                  <a:srgbClr val="000000"/>
+                </a:solidFill>
+                <a:uFillTx/>
+              </a:defRPr>
+            </a:pPr>
+            <a:r>
+              <a:rPr lang="en-US" sz="2600" dirty="0">
+                <a:solidFill>
+                  <a:schemeClr val="tx1"/>
+                </a:solidFill>
+                <a:uFill>
+                  <a:solidFill/>
+                </a:uFill>
+                <a:latin typeface="Arial Unicode MS" panose="020B0604020202020204" pitchFamily="34" charset="-128"/>
+                <a:ea typeface="Arial Unicode MS" panose="020B0604020202020204" pitchFamily="34" charset="-128"/>
+                <a:cs typeface="Arial Unicode MS" panose="020B0604020202020204" pitchFamily="34" charset="-128"/>
+              </a:rPr>
+              <a:t>A free-form attribute allows the introduction of data quality issues (e.g., “California” vs “CA”).</a:t>
+            </a:r>
+          </a:p>
+          <a:p>
+            <a:pPr lvl="0">
+              <a:defRPr sz="1800">
+                <a:solidFill>
+                  <a:srgbClr val="000000"/>
+                </a:solidFill>
+                <a:uFillTx/>
+              </a:defRPr>
+            </a:pPr>
+            <a:r>
+              <a:rPr lang="en-US" dirty="0">
+                <a:solidFill>
+                  <a:schemeClr val="tx1"/>
+                </a:solidFill>
+                <a:latin typeface="Arial Unicode MS" panose="020B0604020202020204" pitchFamily="34" charset="-128"/>
+                <a:ea typeface="Arial Unicode MS" panose="020B0604020202020204" pitchFamily="34" charset="-128"/>
+                <a:cs typeface="Arial Unicode MS" panose="020B0604020202020204" pitchFamily="34" charset="-128"/>
+              </a:rPr>
+              <a:t>When we have a limit number of values, that are unlikely to change in the future, then we make the data type of the attribute an “ENUM” where we list all the possible values, </a:t>
+            </a:r>
+            <a:r>
+              <a:rPr lang="en-US" dirty="0" err="1">
+                <a:solidFill>
+                  <a:schemeClr val="tx1"/>
+                </a:solidFill>
+                <a:latin typeface="Arial Unicode MS" panose="020B0604020202020204" pitchFamily="34" charset="-128"/>
+                <a:ea typeface="Arial Unicode MS" panose="020B0604020202020204" pitchFamily="34" charset="-128"/>
+                <a:cs typeface="Arial Unicode MS" panose="020B0604020202020204" pitchFamily="34" charset="-128"/>
+              </a:rPr>
+              <a:t>eg</a:t>
+            </a:r>
+            <a:r>
+              <a:rPr lang="en-US" dirty="0">
+                <a:solidFill>
+                  <a:schemeClr val="tx1"/>
+                </a:solidFill>
+                <a:latin typeface="Arial Unicode MS" panose="020B0604020202020204" pitchFamily="34" charset="-128"/>
+                <a:ea typeface="Arial Unicode MS" panose="020B0604020202020204" pitchFamily="34" charset="-128"/>
+                <a:cs typeface="Arial Unicode MS" panose="020B0604020202020204" pitchFamily="34" charset="-128"/>
+              </a:rPr>
+              <a:t> ENUM(“Alabama”, “Alaska”,… “Wyoming”) which limits and standardizes the values for the attribute.</a:t>
+            </a:r>
+          </a:p>
+          <a:p>
+            <a:pPr lvl="0">
+              <a:defRPr sz="1800">
+                <a:solidFill>
+                  <a:srgbClr val="000000"/>
+                </a:solidFill>
+                <a:uFillTx/>
+              </a:defRPr>
+            </a:pPr>
+            <a:r>
+              <a:rPr lang="en-US" dirty="0">
+                <a:solidFill>
+                  <a:schemeClr val="tx1"/>
+                </a:solidFill>
+                <a:latin typeface="Arial Unicode MS" panose="020B0604020202020204" pitchFamily="34" charset="-128"/>
+                <a:ea typeface="Arial Unicode MS" panose="020B0604020202020204" pitchFamily="34" charset="-128"/>
+                <a:cs typeface="Arial Unicode MS" panose="020B0604020202020204" pitchFamily="34" charset="-128"/>
+              </a:rPr>
+              <a:t>We make the attribute a separate entity when we want to add new values over time, or want to keep more information about the attribute value (e.g. “keep extra information about the address, such as owned/rented, estimated home value, commercial/residential, </a:t>
+            </a:r>
+            <a:r>
+              <a:rPr lang="en-US" dirty="0" err="1">
+                <a:solidFill>
+                  <a:schemeClr val="tx1"/>
+                </a:solidFill>
+                <a:latin typeface="Arial Unicode MS" panose="020B0604020202020204" pitchFamily="34" charset="-128"/>
+                <a:ea typeface="Arial Unicode MS" panose="020B0604020202020204" pitchFamily="34" charset="-128"/>
+                <a:cs typeface="Arial Unicode MS" panose="020B0604020202020204" pitchFamily="34" charset="-128"/>
+              </a:rPr>
+              <a:t>etc</a:t>
+            </a:r>
+            <a:r>
+              <a:rPr lang="en-US" dirty="0">
+                <a:solidFill>
+                  <a:schemeClr val="tx1"/>
+                </a:solidFill>
+                <a:latin typeface="Arial Unicode MS" panose="020B0604020202020204" pitchFamily="34" charset="-128"/>
+                <a:ea typeface="Arial Unicode MS" panose="020B0604020202020204" pitchFamily="34" charset="-128"/>
+                <a:cs typeface="Arial Unicode MS" panose="020B0604020202020204" pitchFamily="34" charset="-128"/>
+              </a:rPr>
+              <a:t>”)</a:t>
+            </a:r>
+          </a:p>
+          <a:p>
+            <a:pPr lvl="0">
+              <a:defRPr sz="1800">
+                <a:solidFill>
+                  <a:srgbClr val="000000"/>
+                </a:solidFill>
+                <a:uFillTx/>
+              </a:defRPr>
+            </a:pPr>
+            <a:r>
+              <a:rPr lang="en-US" sz="2600" dirty="0">
+                <a:solidFill>
+                  <a:schemeClr val="tx1"/>
+                </a:solidFill>
+                <a:latin typeface="Arial Unicode MS" panose="020B0604020202020204" pitchFamily="34" charset="-128"/>
+                <a:ea typeface="Arial Unicode MS" panose="020B0604020202020204" pitchFamily="34" charset="-128"/>
+                <a:cs typeface="Arial Unicode MS" panose="020B0604020202020204" pitchFamily="34" charset="-128"/>
+              </a:rPr>
+              <a:t>The common decision is “keep things as attributes” unless you are ready to handle the extra complexity</a:t>
+            </a:r>
+          </a:p>
+        </p:txBody>
+      </p:sp>
+    </p:spTree>
+    <p:extLst>
+      <p:ext uri="{BB962C8B-B14F-4D97-AF65-F5344CB8AC3E}">
+        <p14:creationId xmlns:p14="http://schemas.microsoft.com/office/powerpoint/2010/main" val="2910078"/>
       </p:ext>
     </p:extLst>
   </p:cSld>
@@ -5979,7 +6313,7 @@
           </a:ln>
           <a:extLst>
             <a:ext uri="{C572A759-6A51-4108-AA02-DFA0A04FC94B}">
-              <ma14:wrappingTextBoxFlag xmlns:ma14="http://schemas.microsoft.com/office/mac/drawingml/2011/main" xmlns="" val="1"/>
+              <ma14:wrappingTextBoxFlag xmlns="" xmlns:ma14="http://schemas.microsoft.com/office/mac/drawingml/2011/main" val="1"/>
             </a:ext>
           </a:extLst>
         </p:spPr>
@@ -6074,7 +6408,7 @@
           </a:ln>
           <a:extLst>
             <a:ext uri="{C572A759-6A51-4108-AA02-DFA0A04FC94B}">
-              <ma14:wrappingTextBoxFlag xmlns:ma14="http://schemas.microsoft.com/office/mac/drawingml/2011/main" xmlns="" val="1"/>
+              <ma14:wrappingTextBoxFlag xmlns="" xmlns:ma14="http://schemas.microsoft.com/office/mac/drawingml/2011/main" val="1"/>
             </a:ext>
           </a:extLst>
         </p:spPr>
@@ -6295,7 +6629,7 @@
           </a:ln>
           <a:extLst>
             <a:ext uri="{C572A759-6A51-4108-AA02-DFA0A04FC94B}">
-              <ma14:wrappingTextBoxFlag xmlns:ma14="http://schemas.microsoft.com/office/mac/drawingml/2011/main" xmlns="" val="1"/>
+              <ma14:wrappingTextBoxFlag xmlns="" xmlns:ma14="http://schemas.microsoft.com/office/mac/drawingml/2011/main" val="1"/>
             </a:ext>
           </a:extLst>
         </p:spPr>
@@ -6361,7 +6695,7 @@
           </a:ln>
           <a:extLst>
             <a:ext uri="{C572A759-6A51-4108-AA02-DFA0A04FC94B}">
-              <ma14:wrappingTextBoxFlag xmlns:ma14="http://schemas.microsoft.com/office/mac/drawingml/2011/main" xmlns="" val="1"/>
+              <ma14:wrappingTextBoxFlag xmlns="" xmlns:ma14="http://schemas.microsoft.com/office/mac/drawingml/2011/main" val="1"/>
             </a:ext>
           </a:extLst>
         </p:spPr>
@@ -6662,7 +6996,7 @@
           </a:ln>
           <a:extLst>
             <a:ext uri="{C572A759-6A51-4108-AA02-DFA0A04FC94B}">
-              <ma14:wrappingTextBoxFlag xmlns:ma14="http://schemas.microsoft.com/office/mac/drawingml/2011/main" xmlns="" val="1"/>
+              <ma14:wrappingTextBoxFlag xmlns="" xmlns:ma14="http://schemas.microsoft.com/office/mac/drawingml/2011/main" val="1"/>
             </a:ext>
           </a:extLst>
         </p:spPr>
@@ -6773,7 +7107,7 @@
           </a:ln>
           <a:extLst>
             <a:ext uri="{C572A759-6A51-4108-AA02-DFA0A04FC94B}">
-              <ma14:wrappingTextBoxFlag xmlns:ma14="http://schemas.microsoft.com/office/mac/drawingml/2011/main" xmlns="" val="1"/>
+              <ma14:wrappingTextBoxFlag xmlns="" xmlns:ma14="http://schemas.microsoft.com/office/mac/drawingml/2011/main" val="1"/>
             </a:ext>
           </a:extLst>
         </p:spPr>
@@ -7016,7 +7350,7 @@
           </a:ln>
           <a:extLst>
             <a:ext uri="{C572A759-6A51-4108-AA02-DFA0A04FC94B}">
-              <ma14:wrappingTextBoxFlag xmlns:ma14="http://schemas.microsoft.com/office/mac/drawingml/2011/main" xmlns="" val="1"/>
+              <ma14:wrappingTextBoxFlag xmlns="" xmlns:ma14="http://schemas.microsoft.com/office/mac/drawingml/2011/main" val="1"/>
             </a:ext>
           </a:extLst>
         </p:spPr>
@@ -7082,7 +7416,7 @@
           </a:ln>
           <a:extLst>
             <a:ext uri="{C572A759-6A51-4108-AA02-DFA0A04FC94B}">
-              <ma14:wrappingTextBoxFlag xmlns:ma14="http://schemas.microsoft.com/office/mac/drawingml/2011/main" xmlns="" val="1"/>
+              <ma14:wrappingTextBoxFlag xmlns="" xmlns:ma14="http://schemas.microsoft.com/office/mac/drawingml/2011/main" val="1"/>
             </a:ext>
           </a:extLst>
         </p:spPr>
@@ -7733,7 +8067,7 @@
           </a:ln>
           <a:extLst>
             <a:ext uri="{C572A759-6A51-4108-AA02-DFA0A04FC94B}">
-              <ma14:wrappingTextBoxFlag xmlns:ma14="http://schemas.microsoft.com/office/mac/drawingml/2011/main" xmlns="" val="1"/>
+              <ma14:wrappingTextBoxFlag xmlns="" xmlns:ma14="http://schemas.microsoft.com/office/mac/drawingml/2011/main" val="1"/>
             </a:ext>
           </a:extLst>
         </p:spPr>
@@ -7799,7 +8133,7 @@
           </a:ln>
           <a:extLst>
             <a:ext uri="{C572A759-6A51-4108-AA02-DFA0A04FC94B}">
-              <ma14:wrappingTextBoxFlag xmlns:ma14="http://schemas.microsoft.com/office/mac/drawingml/2011/main" xmlns="" val="1"/>
+              <ma14:wrappingTextBoxFlag xmlns="" xmlns:ma14="http://schemas.microsoft.com/office/mac/drawingml/2011/main" val="1"/>
             </a:ext>
           </a:extLst>
         </p:spPr>
@@ -8045,7 +8379,7 @@
           </a:ln>
           <a:extLst>
             <a:ext uri="{C572A759-6A51-4108-AA02-DFA0A04FC94B}">
-              <ma14:wrappingTextBoxFlag xmlns:ma14="http://schemas.microsoft.com/office/mac/drawingml/2011/main" xmlns="" val="1"/>
+              <ma14:wrappingTextBoxFlag xmlns="" xmlns:ma14="http://schemas.microsoft.com/office/mac/drawingml/2011/main" val="1"/>
             </a:ext>
           </a:extLst>
         </p:spPr>
@@ -8111,7 +8445,7 @@
           </a:ln>
           <a:extLst>
             <a:ext uri="{C572A759-6A51-4108-AA02-DFA0A04FC94B}">
-              <ma14:wrappingTextBoxFlag xmlns:ma14="http://schemas.microsoft.com/office/mac/drawingml/2011/main" xmlns="" val="1"/>
+              <ma14:wrappingTextBoxFlag xmlns="" xmlns:ma14="http://schemas.microsoft.com/office/mac/drawingml/2011/main" val="1"/>
             </a:ext>
           </a:extLst>
         </p:spPr>
@@ -8723,7 +9057,7 @@
           </a:ln>
           <a:extLst>
             <a:ext uri="{C572A759-6A51-4108-AA02-DFA0A04FC94B}">
-              <ma14:wrappingTextBoxFlag xmlns:ma14="http://schemas.microsoft.com/office/mac/drawingml/2011/main" xmlns="" val="1"/>
+              <ma14:wrappingTextBoxFlag xmlns="" xmlns:ma14="http://schemas.microsoft.com/office/mac/drawingml/2011/main" val="1"/>
             </a:ext>
           </a:extLst>
         </p:spPr>
@@ -9722,7 +10056,7 @@
           </a:ln>
           <a:extLst>
             <a:ext uri="{C572A759-6A51-4108-AA02-DFA0A04FC94B}">
-              <ma14:wrappingTextBoxFlag xmlns:ma14="http://schemas.microsoft.com/office/mac/drawingml/2011/main" xmlns="" val="1"/>
+              <ma14:wrappingTextBoxFlag xmlns="" xmlns:ma14="http://schemas.microsoft.com/office/mac/drawingml/2011/main" val="1"/>
             </a:ext>
           </a:extLst>
         </p:spPr>
@@ -9771,10 +10105,10 @@
       </p:sp>
       <p:pic>
         <p:nvPicPr>
-          <p:cNvPr id="2" name="Picture 1">
+          <p:cNvPr id="4" name="Picture 3" descr="Diagram&#10;&#10;Description automatically generated">
             <a:extLst>
               <a:ext uri="{FF2B5EF4-FFF2-40B4-BE49-F238E27FC236}">
-                <a16:creationId xmlns:a16="http://schemas.microsoft.com/office/drawing/2014/main" id="{775442D2-4E53-441A-ACB1-193967C1C8F0}"/>
+                <a16:creationId xmlns:a16="http://schemas.microsoft.com/office/drawing/2014/main" id="{2AA7FE80-C8D0-44DD-1255-3BB88E2D11CC}"/>
               </a:ext>
             </a:extLst>
           </p:cNvPr>
@@ -9784,15 +10118,21 @@
           <p:nvPr/>
         </p:nvPicPr>
         <p:blipFill>
-          <a:blip r:embed="rId2"/>
+          <a:blip r:embed="rId2" cstate="print">
+            <a:extLst>
+              <a:ext uri="{28A0092B-C50C-407E-A947-70E740481C1C}">
+                <a14:useLocalDpi xmlns:a14="http://schemas.microsoft.com/office/drawing/2010/main" val="0"/>
+              </a:ext>
+            </a:extLst>
+          </a:blip>
           <a:stretch>
             <a:fillRect/>
           </a:stretch>
         </p:blipFill>
         <p:spPr>
           <a:xfrm>
-            <a:off x="620201" y="896694"/>
-            <a:ext cx="7416939" cy="5770489"/>
+            <a:off x="1237488" y="613243"/>
+            <a:ext cx="7178932" cy="6244757"/>
           </a:xfrm>
           <a:prstGeom prst="rect">
             <a:avLst/>

--- a/session1/A2-ER_modeling-WaterUtility.pptx
+++ b/session1/A2-ER_modeling-WaterUtility.pptx
@@ -3699,7 +3699,7 @@
           </a:ln>
           <a:extLst>
             <a:ext uri="{C572A759-6A51-4108-AA02-DFA0A04FC94B}">
-              <ma14:wrappingTextBoxFlag xmlns:ma14="http://schemas.microsoft.com/office/mac/drawingml/2011/main" xmlns="" val="1"/>
+              <ma14:wrappingTextBoxFlag xmlns="" xmlns:ma14="http://schemas.microsoft.com/office/mac/drawingml/2011/main" val="1"/>
             </a:ext>
           </a:extLst>
         </p:spPr>
@@ -3908,7 +3908,7 @@
           </a:ln>
           <a:extLst>
             <a:ext uri="{C572A759-6A51-4108-AA02-DFA0A04FC94B}">
-              <ma14:wrappingTextBoxFlag xmlns="" xmlns:ma14="http://schemas.microsoft.com/office/mac/drawingml/2011/main" val="1"/>
+              <ma14:wrappingTextBoxFlag xmlns:ma14="http://schemas.microsoft.com/office/mac/drawingml/2011/main" xmlns="" val="1"/>
             </a:ext>
           </a:extLst>
         </p:spPr>
@@ -4003,7 +4003,7 @@
           </a:ln>
           <a:extLst>
             <a:ext uri="{C572A759-6A51-4108-AA02-DFA0A04FC94B}">
-              <ma14:wrappingTextBoxFlag xmlns="" xmlns:ma14="http://schemas.microsoft.com/office/mac/drawingml/2011/main" val="1"/>
+              <ma14:wrappingTextBoxFlag xmlns:ma14="http://schemas.microsoft.com/office/mac/drawingml/2011/main" xmlns="" val="1"/>
             </a:ext>
           </a:extLst>
         </p:spPr>
@@ -4215,7 +4215,7 @@
           </a:ln>
           <a:extLst>
             <a:ext uri="{C572A759-6A51-4108-AA02-DFA0A04FC94B}">
-              <ma14:wrappingTextBoxFlag xmlns="" xmlns:ma14="http://schemas.microsoft.com/office/mac/drawingml/2011/main" val="1"/>
+              <ma14:wrappingTextBoxFlag xmlns:ma14="http://schemas.microsoft.com/office/mac/drawingml/2011/main" xmlns="" val="1"/>
             </a:ext>
           </a:extLst>
         </p:spPr>
@@ -4281,7 +4281,7 @@
           </a:ln>
           <a:extLst>
             <a:ext uri="{C572A759-6A51-4108-AA02-DFA0A04FC94B}">
-              <ma14:wrappingTextBoxFlag xmlns="" xmlns:ma14="http://schemas.microsoft.com/office/mac/drawingml/2011/main" val="1"/>
+              <ma14:wrappingTextBoxFlag xmlns:ma14="http://schemas.microsoft.com/office/mac/drawingml/2011/main" xmlns="" val="1"/>
             </a:ext>
           </a:extLst>
         </p:spPr>
@@ -5288,7 +5288,7 @@
           </a:ln>
           <a:extLst>
             <a:ext uri="{C572A759-6A51-4108-AA02-DFA0A04FC94B}">
-              <ma14:wrappingTextBoxFlag xmlns="" xmlns:ma14="http://schemas.microsoft.com/office/mac/drawingml/2011/main" val="1"/>
+              <ma14:wrappingTextBoxFlag xmlns:ma14="http://schemas.microsoft.com/office/mac/drawingml/2011/main" xmlns="" val="1"/>
             </a:ext>
           </a:extLst>
         </p:spPr>
@@ -5363,7 +5363,7 @@
         </p:blipFill>
         <p:spPr>
           <a:xfrm>
-            <a:off x="713232" y="662249"/>
+            <a:off x="240386" y="677489"/>
             <a:ext cx="8430768" cy="6044891"/>
           </a:xfrm>
           <a:prstGeom prst="rect">
@@ -5421,7 +5421,7 @@
           </a:ln>
           <a:extLst>
             <a:ext uri="{C572A759-6A51-4108-AA02-DFA0A04FC94B}">
-              <ma14:wrappingTextBoxFlag xmlns="" xmlns:ma14="http://schemas.microsoft.com/office/mac/drawingml/2011/main" val="1"/>
+              <ma14:wrappingTextBoxFlag xmlns:ma14="http://schemas.microsoft.com/office/mac/drawingml/2011/main" xmlns="" val="1"/>
             </a:ext>
           </a:extLst>
         </p:spPr>
@@ -5487,7 +5487,7 @@
           </a:ln>
           <a:extLst>
             <a:ext uri="{C572A759-6A51-4108-AA02-DFA0A04FC94B}">
-              <ma14:wrappingTextBoxFlag xmlns="" xmlns:ma14="http://schemas.microsoft.com/office/mac/drawingml/2011/main" val="1"/>
+              <ma14:wrappingTextBoxFlag xmlns:ma14="http://schemas.microsoft.com/office/mac/drawingml/2011/main" xmlns="" val="1"/>
             </a:ext>
           </a:extLst>
         </p:spPr>
@@ -5804,7 +5804,7 @@
           </a:ln>
           <a:extLst>
             <a:ext uri="{C572A759-6A51-4108-AA02-DFA0A04FC94B}">
-              <ma14:wrappingTextBoxFlag xmlns="" xmlns:ma14="http://schemas.microsoft.com/office/mac/drawingml/2011/main" val="1"/>
+              <ma14:wrappingTextBoxFlag xmlns:ma14="http://schemas.microsoft.com/office/mac/drawingml/2011/main" xmlns="" val="1"/>
             </a:ext>
           </a:extLst>
         </p:spPr>
@@ -5870,7 +5870,7 @@
           </a:ln>
           <a:extLst>
             <a:ext uri="{C572A759-6A51-4108-AA02-DFA0A04FC94B}">
-              <ma14:wrappingTextBoxFlag xmlns="" xmlns:ma14="http://schemas.microsoft.com/office/mac/drawingml/2011/main" val="1"/>
+              <ma14:wrappingTextBoxFlag xmlns:ma14="http://schemas.microsoft.com/office/mac/drawingml/2011/main" xmlns="" val="1"/>
             </a:ext>
           </a:extLst>
         </p:spPr>
@@ -5999,7 +5999,7 @@
           </a:ln>
           <a:extLst>
             <a:ext uri="{C572A759-6A51-4108-AA02-DFA0A04FC94B}">
-              <ma14:wrappingTextBoxFlag xmlns="" xmlns:ma14="http://schemas.microsoft.com/office/mac/drawingml/2011/main" val="1"/>
+              <ma14:wrappingTextBoxFlag xmlns:ma14="http://schemas.microsoft.com/office/mac/drawingml/2011/main" xmlns="" val="1"/>
             </a:ext>
           </a:extLst>
         </p:spPr>
@@ -6078,7 +6078,7 @@
           </a:ln>
           <a:extLst>
             <a:ext uri="{C572A759-6A51-4108-AA02-DFA0A04FC94B}">
-              <ma14:wrappingTextBoxFlag xmlns="" xmlns:ma14="http://schemas.microsoft.com/office/mac/drawingml/2011/main" val="1"/>
+              <ma14:wrappingTextBoxFlag xmlns:ma14="http://schemas.microsoft.com/office/mac/drawingml/2011/main" xmlns="" val="1"/>
             </a:ext>
           </a:extLst>
         </p:spPr>
@@ -6313,7 +6313,7 @@
           </a:ln>
           <a:extLst>
             <a:ext uri="{C572A759-6A51-4108-AA02-DFA0A04FC94B}">
-              <ma14:wrappingTextBoxFlag xmlns="" xmlns:ma14="http://schemas.microsoft.com/office/mac/drawingml/2011/main" val="1"/>
+              <ma14:wrappingTextBoxFlag xmlns:ma14="http://schemas.microsoft.com/office/mac/drawingml/2011/main" xmlns="" val="1"/>
             </a:ext>
           </a:extLst>
         </p:spPr>
@@ -6408,7 +6408,7 @@
           </a:ln>
           <a:extLst>
             <a:ext uri="{C572A759-6A51-4108-AA02-DFA0A04FC94B}">
-              <ma14:wrappingTextBoxFlag xmlns="" xmlns:ma14="http://schemas.microsoft.com/office/mac/drawingml/2011/main" val="1"/>
+              <ma14:wrappingTextBoxFlag xmlns:ma14="http://schemas.microsoft.com/office/mac/drawingml/2011/main" xmlns="" val="1"/>
             </a:ext>
           </a:extLst>
         </p:spPr>
@@ -6629,7 +6629,7 @@
           </a:ln>
           <a:extLst>
             <a:ext uri="{C572A759-6A51-4108-AA02-DFA0A04FC94B}">
-              <ma14:wrappingTextBoxFlag xmlns="" xmlns:ma14="http://schemas.microsoft.com/office/mac/drawingml/2011/main" val="1"/>
+              <ma14:wrappingTextBoxFlag xmlns:ma14="http://schemas.microsoft.com/office/mac/drawingml/2011/main" xmlns="" val="1"/>
             </a:ext>
           </a:extLst>
         </p:spPr>
@@ -6695,7 +6695,7 @@
           </a:ln>
           <a:extLst>
             <a:ext uri="{C572A759-6A51-4108-AA02-DFA0A04FC94B}">
-              <ma14:wrappingTextBoxFlag xmlns="" xmlns:ma14="http://schemas.microsoft.com/office/mac/drawingml/2011/main" val="1"/>
+              <ma14:wrappingTextBoxFlag xmlns:ma14="http://schemas.microsoft.com/office/mac/drawingml/2011/main" xmlns="" val="1"/>
             </a:ext>
           </a:extLst>
         </p:spPr>
@@ -6996,7 +6996,7 @@
           </a:ln>
           <a:extLst>
             <a:ext uri="{C572A759-6A51-4108-AA02-DFA0A04FC94B}">
-              <ma14:wrappingTextBoxFlag xmlns="" xmlns:ma14="http://schemas.microsoft.com/office/mac/drawingml/2011/main" val="1"/>
+              <ma14:wrappingTextBoxFlag xmlns:ma14="http://schemas.microsoft.com/office/mac/drawingml/2011/main" xmlns="" val="1"/>
             </a:ext>
           </a:extLst>
         </p:spPr>
@@ -7107,7 +7107,7 @@
           </a:ln>
           <a:extLst>
             <a:ext uri="{C572A759-6A51-4108-AA02-DFA0A04FC94B}">
-              <ma14:wrappingTextBoxFlag xmlns="" xmlns:ma14="http://schemas.microsoft.com/office/mac/drawingml/2011/main" val="1"/>
+              <ma14:wrappingTextBoxFlag xmlns:ma14="http://schemas.microsoft.com/office/mac/drawingml/2011/main" xmlns="" val="1"/>
             </a:ext>
           </a:extLst>
         </p:spPr>
@@ -7350,7 +7350,7 @@
           </a:ln>
           <a:extLst>
             <a:ext uri="{C572A759-6A51-4108-AA02-DFA0A04FC94B}">
-              <ma14:wrappingTextBoxFlag xmlns="" xmlns:ma14="http://schemas.microsoft.com/office/mac/drawingml/2011/main" val="1"/>
+              <ma14:wrappingTextBoxFlag xmlns:ma14="http://schemas.microsoft.com/office/mac/drawingml/2011/main" xmlns="" val="1"/>
             </a:ext>
           </a:extLst>
         </p:spPr>
@@ -7416,7 +7416,7 @@
           </a:ln>
           <a:extLst>
             <a:ext uri="{C572A759-6A51-4108-AA02-DFA0A04FC94B}">
-              <ma14:wrappingTextBoxFlag xmlns="" xmlns:ma14="http://schemas.microsoft.com/office/mac/drawingml/2011/main" val="1"/>
+              <ma14:wrappingTextBoxFlag xmlns:ma14="http://schemas.microsoft.com/office/mac/drawingml/2011/main" xmlns="" val="1"/>
             </a:ext>
           </a:extLst>
         </p:spPr>
@@ -8067,7 +8067,7 @@
           </a:ln>
           <a:extLst>
             <a:ext uri="{C572A759-6A51-4108-AA02-DFA0A04FC94B}">
-              <ma14:wrappingTextBoxFlag xmlns="" xmlns:ma14="http://schemas.microsoft.com/office/mac/drawingml/2011/main" val="1"/>
+              <ma14:wrappingTextBoxFlag xmlns:ma14="http://schemas.microsoft.com/office/mac/drawingml/2011/main" xmlns="" val="1"/>
             </a:ext>
           </a:extLst>
         </p:spPr>
@@ -8133,7 +8133,7 @@
           </a:ln>
           <a:extLst>
             <a:ext uri="{C572A759-6A51-4108-AA02-DFA0A04FC94B}">
-              <ma14:wrappingTextBoxFlag xmlns="" xmlns:ma14="http://schemas.microsoft.com/office/mac/drawingml/2011/main" val="1"/>
+              <ma14:wrappingTextBoxFlag xmlns:ma14="http://schemas.microsoft.com/office/mac/drawingml/2011/main" xmlns="" val="1"/>
             </a:ext>
           </a:extLst>
         </p:spPr>
@@ -8379,7 +8379,7 @@
           </a:ln>
           <a:extLst>
             <a:ext uri="{C572A759-6A51-4108-AA02-DFA0A04FC94B}">
-              <ma14:wrappingTextBoxFlag xmlns="" xmlns:ma14="http://schemas.microsoft.com/office/mac/drawingml/2011/main" val="1"/>
+              <ma14:wrappingTextBoxFlag xmlns:ma14="http://schemas.microsoft.com/office/mac/drawingml/2011/main" xmlns="" val="1"/>
             </a:ext>
           </a:extLst>
         </p:spPr>
@@ -8445,7 +8445,7 @@
           </a:ln>
           <a:extLst>
             <a:ext uri="{C572A759-6A51-4108-AA02-DFA0A04FC94B}">
-              <ma14:wrappingTextBoxFlag xmlns="" xmlns:ma14="http://schemas.microsoft.com/office/mac/drawingml/2011/main" val="1"/>
+              <ma14:wrappingTextBoxFlag xmlns:ma14="http://schemas.microsoft.com/office/mac/drawingml/2011/main" xmlns="" val="1"/>
             </a:ext>
           </a:extLst>
         </p:spPr>
@@ -9057,7 +9057,7 @@
           </a:ln>
           <a:extLst>
             <a:ext uri="{C572A759-6A51-4108-AA02-DFA0A04FC94B}">
-              <ma14:wrappingTextBoxFlag xmlns="" xmlns:ma14="http://schemas.microsoft.com/office/mac/drawingml/2011/main" val="1"/>
+              <ma14:wrappingTextBoxFlag xmlns:ma14="http://schemas.microsoft.com/office/mac/drawingml/2011/main" xmlns="" val="1"/>
             </a:ext>
           </a:extLst>
         </p:spPr>
@@ -10056,7 +10056,7 @@
           </a:ln>
           <a:extLst>
             <a:ext uri="{C572A759-6A51-4108-AA02-DFA0A04FC94B}">
-              <ma14:wrappingTextBoxFlag xmlns="" xmlns:ma14="http://schemas.microsoft.com/office/mac/drawingml/2011/main" val="1"/>
+              <ma14:wrappingTextBoxFlag xmlns:ma14="http://schemas.microsoft.com/office/mac/drawingml/2011/main" xmlns="" val="1"/>
             </a:ext>
           </a:extLst>
         </p:spPr>
